--- a/REST API, Spring Framework.pptx
+++ b/REST API, Spring Framework.pptx
@@ -1,28 +1,28 @@
 
 <file path=ppt/presentation.xml><?xml version="1.0" encoding="utf-8"?>
-<p:presentation xmlns:a="http://schemas.openxmlformats.org/drawingml/2006/main" xmlns:r="http://schemas.openxmlformats.org/officeDocument/2006/relationships" xmlns:p="http://schemas.openxmlformats.org/presentationml/2006/main" xmlns:p14="http://schemas.microsoft.com/office/powerpoint/2010/main" saveSubsetFonts="1">
+<p:presentation xmlns:r="http://schemas.openxmlformats.org/officeDocument/2006/relationships" xmlns:c="http://schemas.openxmlformats.org/drawingml/2006/chart" xmlns:a="http://schemas.openxmlformats.org/drawingml/2006/main" xmlns:dgm="http://schemas.openxmlformats.org/drawingml/2006/diagram" xmlns:dsp="http://schemas.microsoft.com/office/drawing/2008/diagram" xmlns:p="http://schemas.openxmlformats.org/presentationml/2006/main">
   <p:sldMasterIdLst>
-    <p:sldMasterId id="2147483669" r:id="rId13"/>
+    <p:sldMasterId id="2147483660" r:id="rId1"/>
   </p:sldMasterIdLst>
   <p:notesMasterIdLst>
-    <p:notesMasterId r:id="rId17"/>
+    <p:notesMasterId r:id="rId2"/>
   </p:notesMasterIdLst>
   <p:handoutMasterIdLst>
-    <p:handoutMasterId r:id="rId15"/>
+    <p:handoutMasterId r:id="rId3"/>
   </p:handoutMasterIdLst>
   <p:sldIdLst>
-    <p:sldId id="263" r:id="rId19"/>
-    <p:sldId id="256" r:id="rId20"/>
-    <p:sldId id="273" r:id="rId21"/>
-    <p:sldId id="264" r:id="rId22"/>
-    <p:sldId id="265" r:id="rId23"/>
-    <p:sldId id="266" r:id="rId24"/>
-    <p:sldId id="267" r:id="rId25"/>
-    <p:sldId id="269" r:id="rId26"/>
-    <p:sldId id="270" r:id="rId27"/>
-    <p:sldId id="274" r:id="rId28"/>
-    <p:sldId id="271" r:id="rId29"/>
-    <p:sldId id="272" r:id="rId30"/>
+    <p:sldId id="256" r:id="rId4"/>
+    <p:sldId id="257" r:id="rId5"/>
+    <p:sldId id="258" r:id="rId6"/>
+    <p:sldId id="259" r:id="rId7"/>
+    <p:sldId id="260" r:id="rId8"/>
+    <p:sldId id="261" r:id="rId9"/>
+    <p:sldId id="262" r:id="rId10"/>
+    <p:sldId id="263" r:id="rId11"/>
+    <p:sldId id="264" r:id="rId12"/>
+    <p:sldId id="265" r:id="rId13"/>
+    <p:sldId id="266" r:id="rId14"/>
+    <p:sldId id="267" r:id="rId15"/>
   </p:sldIdLst>
   <p:sldSz cx="12192000" cy="6858000"/>
   <p:notesSz cx="6858000" cy="9144000"/>
@@ -121,16 +121,11 @@
       </a:defRPr>
     </a:lvl9pPr>
   </p:defaultTextStyle>
-  <p:extLst>
-    <p:ext uri="{2D200454-40CA-4A62-9FC3-DE9A4176ACB9}">
-      <p15:notesGuideLst xmlns:p15="http://schemas.microsoft.com/office/powerpoint/2012/main"/>
-    </p:ext>
-  </p:extLst>
 </p:presentation>
 </file>
 
 <file path=ppt/handoutMasters/handoutMaster1.xml><?xml version="1.0" encoding="utf-8"?>
-<p:handoutMaster xmlns:a="http://schemas.openxmlformats.org/drawingml/2006/main" xmlns:r="http://schemas.openxmlformats.org/officeDocument/2006/relationships" xmlns:p="http://schemas.openxmlformats.org/presentationml/2006/main">
+<p:handoutMaster xmlns:r="http://schemas.openxmlformats.org/officeDocument/2006/relationships" xmlns:c="http://schemas.openxmlformats.org/drawingml/2006/chart" xmlns:a="http://schemas.openxmlformats.org/drawingml/2006/main" xmlns:dgm="http://schemas.openxmlformats.org/drawingml/2006/diagram" xmlns:dsp="http://schemas.microsoft.com/office/drawing/2008/diagram" xmlns:p="http://schemas.openxmlformats.org/presentationml/2006/main">
   <p:cSld>
     <p:bg>
       <p:bgRef idx="1001">
@@ -158,7 +153,7 @@
             <a:spLocks noGrp="1"/>
           </p:cNvSpPr>
           <p:nvPr>
-            <p:ph type="hdr" sz="quarter"/>
+            <p:ph type="hdr" sz="quarter" idx="0"/>
           </p:nvPr>
         </p:nvSpPr>
         <p:spPr>
@@ -171,13 +166,20 @@
           </a:prstGeom>
         </p:spPr>
         <p:txBody>
-          <a:bodyPr vert="horz" lIns="91440" tIns="45720" rIns="91440" bIns="45720" rtlCol="0"/>
+          <a:bodyPr vert="horz" lIns="91440" tIns="45720" rIns="91440" bIns="45720"/>
           <a:lstStyle>
             <a:lvl1pPr algn="l">
               <a:defRPr sz="1200"/>
             </a:lvl1pPr>
           </a:lstStyle>
           <a:p>
+            <a:pPr lvl="0">
+              <a:defRPr/>
+            </a:pPr>
+            <a:r>
+              <a:rPr lang="ko-KR" altLang="en-US"/>
+              <a:t/>
+            </a:r>
             <a:endParaRPr lang="ko-KR" altLang="en-US"/>
           </a:p>
         </p:txBody>
@@ -202,16 +204,22 @@
           </a:prstGeom>
         </p:spPr>
         <p:txBody>
-          <a:bodyPr vert="horz" lIns="91440" tIns="45720" rIns="91440" bIns="45720" rtlCol="0"/>
+          <a:bodyPr vert="horz" lIns="91440" tIns="45720" rIns="91440" bIns="45720"/>
           <a:lstStyle>
             <a:lvl1pPr algn="r">
               <a:defRPr sz="1200"/>
             </a:lvl1pPr>
           </a:lstStyle>
           <a:p>
-            <a:fld id="{4E9214C1-2863-45BA-A7C5-D5EA3C3D4C30}" type="datetimeFigureOut">
-              <a:rPr lang="ko-KR" altLang="en-US" smtClean="0"/>
-              <a:t>2018-12-20</a:t>
+            <a:pPr lvl="0">
+              <a:defRPr/>
+            </a:pPr>
+            <a:fld id="{4E9214C1-2863-45BA-A7C5-D5EA3C3D4C30}" type="datetime1">
+              <a:rPr lang="ko-KR" altLang="en-US"/>
+              <a:pPr lvl="0">
+                <a:defRPr/>
+              </a:pPr>
+              <a:t>2021-11-13</a:t>
             </a:fld>
             <a:endParaRPr lang="ko-KR" altLang="en-US"/>
           </a:p>
@@ -237,13 +245,20 @@
           </a:prstGeom>
         </p:spPr>
         <p:txBody>
-          <a:bodyPr vert="horz" lIns="91440" tIns="45720" rIns="91440" bIns="45720" rtlCol="0" anchor="b"/>
+          <a:bodyPr vert="horz" lIns="91440" tIns="45720" rIns="91440" bIns="45720" anchor="b"/>
           <a:lstStyle>
             <a:lvl1pPr algn="l">
               <a:defRPr sz="1200"/>
             </a:lvl1pPr>
           </a:lstStyle>
           <a:p>
+            <a:pPr lvl="0">
+              <a:defRPr/>
+            </a:pPr>
+            <a:r>
+              <a:rPr lang="ko-KR" altLang="en-US"/>
+              <a:t/>
+            </a:r>
             <a:endParaRPr lang="ko-KR" altLang="en-US"/>
           </a:p>
         </p:txBody>
@@ -268,15 +283,21 @@
           </a:prstGeom>
         </p:spPr>
         <p:txBody>
-          <a:bodyPr vert="horz" lIns="91440" tIns="45720" rIns="91440" bIns="45720" rtlCol="0" anchor="b"/>
+          <a:bodyPr vert="horz" lIns="91440" tIns="45720" rIns="91440" bIns="45720" anchor="b"/>
           <a:lstStyle>
             <a:lvl1pPr algn="r">
               <a:defRPr sz="1200"/>
             </a:lvl1pPr>
           </a:lstStyle>
           <a:p>
+            <a:pPr lvl="0">
+              <a:defRPr/>
+            </a:pPr>
             <a:fld id="{7E3020B9-F693-4639-BB27-7B1AD87C61AA}" type="slidenum">
-              <a:rPr lang="ko-KR" altLang="en-US" smtClean="0"/>
+              <a:rPr lang="ko-KR" altLang="en-US"/>
+              <a:pPr lvl="0">
+                <a:defRPr/>
+              </a:pPr>
               <a:t>‹#›</a:t>
             </a:fld>
             <a:endParaRPr lang="ko-KR" altLang="en-US"/>
@@ -284,18 +305,13 @@
         </p:txBody>
       </p:sp>
     </p:spTree>
-    <p:extLst>
-      <p:ext uri="{BB962C8B-B14F-4D97-AF65-F5344CB8AC3E}">
-        <p14:creationId xmlns:p14="http://schemas.microsoft.com/office/powerpoint/2010/main" val="2846427631"/>
-      </p:ext>
-    </p:extLst>
   </p:cSld>
   <p:clrMap bg1="lt1" tx1="dk1" bg2="lt2" tx2="dk2" accent1="accent1" accent2="accent2" accent3="accent3" accent4="accent4" accent5="accent5" accent6="accent6" hlink="hlink" folHlink="folHlink"/>
 </p:handoutMaster>
 </file>
 
 <file path=ppt/notesMasters/notesMaster1.xml><?xml version="1.0" encoding="utf-8"?>
-<p:notesMaster xmlns:a="http://schemas.openxmlformats.org/drawingml/2006/main" xmlns:r="http://schemas.openxmlformats.org/officeDocument/2006/relationships" xmlns:p="http://schemas.openxmlformats.org/presentationml/2006/main">
+<p:notesMaster xmlns:r="http://schemas.openxmlformats.org/officeDocument/2006/relationships" xmlns:c="http://schemas.openxmlformats.org/drawingml/2006/chart" xmlns:a="http://schemas.openxmlformats.org/drawingml/2006/main" xmlns:dgm="http://schemas.openxmlformats.org/drawingml/2006/diagram" xmlns:dsp="http://schemas.microsoft.com/office/drawing/2008/diagram" xmlns:p="http://schemas.openxmlformats.org/presentationml/2006/main">
   <p:cSld>
     <p:bg>
       <p:bgRef idx="1001">
@@ -323,7 +339,7 @@
             <a:spLocks noGrp="1"/>
           </p:cNvSpPr>
           <p:nvPr>
-            <p:ph type="hdr" sz="quarter"/>
+            <p:ph type="hdr" sz="quarter" idx="0"/>
           </p:nvPr>
         </p:nvSpPr>
         <p:spPr>
@@ -336,13 +352,20 @@
           </a:prstGeom>
         </p:spPr>
         <p:txBody>
-          <a:bodyPr vert="horz" lIns="91440" tIns="45720" rIns="91440" bIns="45720" rtlCol="0"/>
+          <a:bodyPr vert="horz" lIns="91440" tIns="45720" rIns="91440" bIns="45720"/>
           <a:lstStyle>
             <a:lvl1pPr algn="l">
               <a:defRPr sz="1200"/>
             </a:lvl1pPr>
           </a:lstStyle>
           <a:p>
+            <a:pPr lvl="0">
+              <a:defRPr/>
+            </a:pPr>
+            <a:r>
+              <a:rPr lang="ko-KR" altLang="en-US"/>
+              <a:t/>
+            </a:r>
             <a:endParaRPr lang="ko-KR" altLang="en-US"/>
           </a:p>
         </p:txBody>
@@ -367,16 +390,22 @@
           </a:prstGeom>
         </p:spPr>
         <p:txBody>
-          <a:bodyPr vert="horz" lIns="91440" tIns="45720" rIns="91440" bIns="45720" rtlCol="0"/>
+          <a:bodyPr vert="horz" lIns="91440" tIns="45720" rIns="91440" bIns="45720"/>
           <a:lstStyle>
             <a:lvl1pPr algn="r">
               <a:defRPr sz="1200"/>
             </a:lvl1pPr>
           </a:lstStyle>
           <a:p>
-            <a:fld id="{8F563C85-90F6-445D-9B5B-8ABB00FB3043}" type="datetimeFigureOut">
-              <a:rPr lang="ko-KR" altLang="en-US" smtClean="0"/>
-              <a:t>2018-12-20</a:t>
+            <a:pPr lvl="0">
+              <a:defRPr/>
+            </a:pPr>
+            <a:fld id="{8F563C85-90F6-445D-9B5B-8ABB00FB3043}" type="datetime1">
+              <a:rPr lang="ko-KR" altLang="en-US"/>
+              <a:pPr lvl="0">
+                <a:defRPr/>
+              </a:pPr>
+              <a:t>2021-11-13</a:t>
             </a:fld>
             <a:endParaRPr lang="ko-KR" altLang="en-US"/>
           </a:p>
@@ -386,7 +415,7 @@
         <p:nvSpPr>
           <p:cNvPr id="4" name="슬라이드 이미지 개체 틀 3"/>
           <p:cNvSpPr>
-            <a:spLocks noGrp="1" noRot="1" noChangeAspect="1"/>
+            <a:spLocks noGrp="1" noRot="1" noChangeAspect="1" noTextEdit="1"/>
           </p:cNvSpPr>
           <p:nvPr>
             <p:ph type="sldImg" idx="2"/>
@@ -408,9 +437,12 @@
           </a:ln>
         </p:spPr>
         <p:txBody>
-          <a:bodyPr vert="horz" lIns="91440" tIns="45720" rIns="91440" bIns="45720" rtlCol="0" anchor="ctr"/>
-          <a:lstStyle/>
-          <a:p>
+          <a:bodyPr vert="horz" lIns="91440" tIns="45720" rIns="91440" bIns="45720" anchor="ctr"/>
+          <a:lstStyle/>
+          <a:p>
+            <a:pPr lvl="0">
+              <a:defRPr/>
+            </a:pPr>
             <a:endParaRPr lang="ko-KR" altLang="en-US"/>
           </a:p>
         </p:txBody>
@@ -435,40 +467,54 @@
           </a:prstGeom>
         </p:spPr>
         <p:txBody>
-          <a:bodyPr vert="horz" lIns="91440" tIns="45720" rIns="91440" bIns="45720" rtlCol="0"/>
-          <a:lstStyle/>
-          <a:p>
-            <a:pPr lvl="0"/>
-            <a:r>
-              <a:rPr lang="ko-KR" altLang="en-US" smtClean="0"/>
+          <a:bodyPr vert="horz" lIns="91440" tIns="45720" rIns="91440" bIns="45720"/>
+          <a:lstStyle/>
+          <a:p>
+            <a:pPr lvl="0">
+              <a:defRPr/>
+            </a:pPr>
+            <a:r>
+              <a:rPr lang="ko-KR" altLang="en-US"/>
               <a:t>마스터 텍스트 스타일 편집</a:t>
             </a:r>
-          </a:p>
-          <a:p>
-            <a:pPr lvl="1"/>
-            <a:r>
-              <a:rPr lang="ko-KR" altLang="en-US" smtClean="0"/>
+            <a:endParaRPr lang="ko-KR" altLang="en-US"/>
+          </a:p>
+          <a:p>
+            <a:pPr lvl="1">
+              <a:defRPr/>
+            </a:pPr>
+            <a:r>
+              <a:rPr lang="ko-KR" altLang="en-US"/>
               <a:t>둘째 수준</a:t>
             </a:r>
-          </a:p>
-          <a:p>
-            <a:pPr lvl="2"/>
-            <a:r>
-              <a:rPr lang="ko-KR" altLang="en-US" smtClean="0"/>
+            <a:endParaRPr lang="ko-KR" altLang="en-US"/>
+          </a:p>
+          <a:p>
+            <a:pPr lvl="2">
+              <a:defRPr/>
+            </a:pPr>
+            <a:r>
+              <a:rPr lang="ko-KR" altLang="en-US"/>
               <a:t>셋째 수준</a:t>
             </a:r>
-          </a:p>
-          <a:p>
-            <a:pPr lvl="3"/>
-            <a:r>
-              <a:rPr lang="ko-KR" altLang="en-US" smtClean="0"/>
+            <a:endParaRPr lang="ko-KR" altLang="en-US"/>
+          </a:p>
+          <a:p>
+            <a:pPr lvl="3">
+              <a:defRPr/>
+            </a:pPr>
+            <a:r>
+              <a:rPr lang="ko-KR" altLang="en-US"/>
               <a:t>넷째 수준</a:t>
             </a:r>
-          </a:p>
-          <a:p>
-            <a:pPr lvl="4"/>
-            <a:r>
-              <a:rPr lang="ko-KR" altLang="en-US" smtClean="0"/>
+            <a:endParaRPr lang="ko-KR" altLang="en-US"/>
+          </a:p>
+          <a:p>
+            <a:pPr lvl="4">
+              <a:defRPr/>
+            </a:pPr>
+            <a:r>
+              <a:rPr lang="ko-KR" altLang="en-US"/>
               <a:t>다섯째 수준</a:t>
             </a:r>
             <a:endParaRPr lang="ko-KR" altLang="en-US"/>
@@ -495,13 +541,20 @@
           </a:prstGeom>
         </p:spPr>
         <p:txBody>
-          <a:bodyPr vert="horz" lIns="91440" tIns="45720" rIns="91440" bIns="45720" rtlCol="0" anchor="b"/>
+          <a:bodyPr vert="horz" lIns="91440" tIns="45720" rIns="91440" bIns="45720" anchor="b"/>
           <a:lstStyle>
             <a:lvl1pPr algn="l">
               <a:defRPr sz="1200"/>
             </a:lvl1pPr>
           </a:lstStyle>
           <a:p>
+            <a:pPr lvl="0">
+              <a:defRPr/>
+            </a:pPr>
+            <a:r>
+              <a:rPr lang="ko-KR" altLang="en-US"/>
+              <a:t/>
+            </a:r>
             <a:endParaRPr lang="ko-KR" altLang="en-US"/>
           </a:p>
         </p:txBody>
@@ -526,15 +579,21 @@
           </a:prstGeom>
         </p:spPr>
         <p:txBody>
-          <a:bodyPr vert="horz" lIns="91440" tIns="45720" rIns="91440" bIns="45720" rtlCol="0" anchor="b"/>
+          <a:bodyPr vert="horz" lIns="91440" tIns="45720" rIns="91440" bIns="45720" anchor="b"/>
           <a:lstStyle>
             <a:lvl1pPr algn="r">
               <a:defRPr sz="1200"/>
             </a:lvl1pPr>
           </a:lstStyle>
           <a:p>
+            <a:pPr lvl="0">
+              <a:defRPr/>
+            </a:pPr>
             <a:fld id="{20B16B34-ED2F-4269-81E8-097D50C90279}" type="slidenum">
-              <a:rPr lang="ko-KR" altLang="en-US" smtClean="0"/>
+              <a:rPr lang="ko-KR" altLang="en-US"/>
+              <a:pPr lvl="0">
+                <a:defRPr/>
+              </a:pPr>
               <a:t>‹#›</a:t>
             </a:fld>
             <a:endParaRPr lang="ko-KR" altLang="en-US"/>
@@ -542,13 +601,9 @@
         </p:txBody>
       </p:sp>
     </p:spTree>
-    <p:extLst>
-      <p:ext uri="{BB962C8B-B14F-4D97-AF65-F5344CB8AC3E}">
-        <p14:creationId xmlns:p14="http://schemas.microsoft.com/office/powerpoint/2010/main" val="430817561"/>
-      </p:ext>
-    </p:extLst>
   </p:cSld>
   <p:clrMap bg1="lt1" tx1="dk1" bg2="lt2" tx2="dk2" accent1="accent1" accent2="accent2" accent3="accent3" accent4="accent4" accent5="accent5" accent6="accent6" hlink="hlink" folHlink="folHlink"/>
+  <p:hf hdr="0" ftr="0" dt="0"/>
   <p:notesStyle>
     <a:lvl1pPr marL="0" algn="l" defTabSz="914400" rtl="0" eaLnBrk="1" latinLnBrk="1" hangingPunct="1">
       <a:defRPr sz="1200" kern="1200">
@@ -645,7 +700,7 @@
 </file>
 
 <file path=ppt/notesSlides/notesSlide1.xml><?xml version="1.0" encoding="utf-8"?>
-<p:notes xmlns:a="http://schemas.openxmlformats.org/drawingml/2006/main" xmlns:r="http://schemas.openxmlformats.org/officeDocument/2006/relationships" xmlns:p="http://schemas.openxmlformats.org/presentationml/2006/main">
+<p:notes xmlns:r="http://schemas.openxmlformats.org/officeDocument/2006/relationships" xmlns:c="http://schemas.openxmlformats.org/drawingml/2006/chart" xmlns:a="http://schemas.openxmlformats.org/drawingml/2006/main" xmlns:dgm="http://schemas.openxmlformats.org/drawingml/2006/diagram" xmlns:dsp="http://schemas.microsoft.com/office/drawing/2008/diagram" xmlns:p="http://schemas.openxmlformats.org/presentationml/2006/main">
   <p:cSld>
     <p:spTree>
       <p:nvGrpSpPr>
@@ -665,18 +720,20 @@
         <p:nvSpPr>
           <p:cNvPr id="2" name="슬라이드 이미지 개체 틀 1"/>
           <p:cNvSpPr>
-            <a:spLocks noChangeAspect="1"/>
-          </p:cNvSpPr>
-          <p:nvPr>
-            <p:ph type="sldImg"/>
-          </p:nvPr>
-        </p:nvSpPr>
-        <p:spPr>
-          <a:xfrm rot="0">
+            <a:spLocks noGrp="1" noRot="1" noChangeAspect="1" noTextEdit="1"/>
+          </p:cNvSpPr>
+          <p:nvPr>
+            <p:ph type="sldImg" idx="0"/>
+          </p:nvPr>
+        </p:nvSpPr>
+        <p:spPr>
+          <a:xfrm>
             <a:off x="685800" y="1143000"/>
             <a:ext cx="5487035" cy="3086735"/>
           </a:xfrm>
-          <a:prstGeom prst="rect"/>
+          <a:prstGeom prst="rect">
+            <a:avLst/>
+          </a:prstGeom>
           <a:noFill/>
           <a:ln w="12700" cap="flat" cmpd="sng">
             <a:solidFill>
@@ -688,12 +745,15 @@
           </a:ln>
         </p:spPr>
         <p:txBody>
-          <a:bodyPr wrap="square" lIns="0" tIns="0" rIns="0" bIns="0" vert="horz" anchor="t">
+          <a:bodyPr vert="horz" wrap="square" lIns="0" tIns="0" rIns="0" bIns="0" anchor="t">
             <a:noAutofit/>
           </a:bodyPr>
           <a:lstStyle/>
           <a:p>
-            <a:pPr marL="0" indent="0"/>
+            <a:pPr marL="0" indent="0">
+              <a:defRPr/>
+            </a:pPr>
+            <a:endParaRPr lang="ko-KR" altLang="en-US"/>
           </a:p>
         </p:txBody>
       </p:sp>
@@ -701,21 +761,23 @@
         <p:nvSpPr>
           <p:cNvPr id="3" name="슬라이드 노트 개체 틀 2"/>
           <p:cNvSpPr txBox="1">
-            <a:spLocks/>
+            <a:spLocks noGrp="1"/>
           </p:cNvSpPr>
           <p:nvPr>
             <p:ph type="body" idx="1"/>
           </p:nvPr>
         </p:nvSpPr>
         <p:spPr>
-          <a:xfrm rot="0">
+          <a:xfrm>
             <a:off x="685800" y="4400550"/>
             <a:ext cx="5487035" cy="3601085"/>
           </a:xfrm>
-          <a:prstGeom prst="rect"/>
-        </p:spPr>
-        <p:txBody>
-          <a:bodyPr wrap="square" lIns="91440" tIns="45720" rIns="91440" bIns="45720" numCol="1" vert="horz" anchor="t">
+          <a:prstGeom prst="rect">
+            <a:avLst/>
+          </a:prstGeom>
+        </p:spPr>
+        <p:txBody>
+          <a:bodyPr vert="horz" wrap="square" lIns="91440" tIns="45720" rIns="91440" bIns="45720" anchor="t">
             <a:noAutofit/>
           </a:bodyPr>
           <a:lstStyle/>
@@ -723,7 +785,13 @@
             <a:pPr marL="0" indent="0" latinLnBrk="0">
               <a:buFontTx/>
               <a:buNone/>
+              <a:defRPr/>
             </a:pPr>
+            <a:r>
+              <a:rPr lang="ko-KR" altLang="en-US"/>
+              <a:t/>
+            </a:r>
+            <a:endParaRPr lang="ko-KR" altLang="en-US"/>
           </a:p>
         </p:txBody>
       </p:sp>
@@ -731,21 +799,23 @@
         <p:nvSpPr>
           <p:cNvPr id="4" name="슬라이드 번호 개체 틀 3"/>
           <p:cNvSpPr txBox="1">
-            <a:spLocks/>
+            <a:spLocks noGrp="1"/>
           </p:cNvSpPr>
           <p:nvPr>
             <p:ph type="sldNum" idx="10"/>
           </p:nvPr>
         </p:nvSpPr>
         <p:spPr>
-          <a:xfrm rot="0">
+          <a:xfrm>
             <a:off x="3884930" y="8685530"/>
             <a:ext cx="2972435" cy="459105"/>
           </a:xfrm>
-          <a:prstGeom prst="rect"/>
-        </p:spPr>
-        <p:txBody>
-          <a:bodyPr wrap="square" lIns="91440" tIns="45720" rIns="91440" bIns="45720" numCol="1" vert="horz" anchor="b">
+          <a:prstGeom prst="rect">
+            <a:avLst/>
+          </a:prstGeom>
+        </p:spPr>
+        <p:txBody>
+          <a:bodyPr vert="horz" wrap="square" lIns="91440" tIns="45720" rIns="91440" bIns="45720" anchor="b">
             <a:noAutofit/>
           </a:bodyPr>
           <a:lstStyle/>
@@ -753,11 +823,18 @@
             <a:pPr marL="0" indent="0" latinLnBrk="0">
               <a:buFontTx/>
               <a:buNone/>
+              <a:defRPr/>
             </a:pPr>
             <a:fld id="{B9320F77-B9A0-41C5-862A-B4B631284C64}" type="slidenum">
-              <a:rPr lang="ko-KR" altLang="en-US"/>
+              <a:rPr lang="en-US" altLang="en-US"/>
+              <a:pPr marL="0" indent="0" latinLnBrk="0">
+                <a:buFontTx/>
+                <a:buNone/>
+                <a:defRPr/>
+              </a:pPr>
               <a:t>1</a:t>
             </a:fld>
+            <a:endParaRPr lang="en-US" altLang="en-US"/>
           </a:p>
         </p:txBody>
       </p:sp>
@@ -766,14 +843,6 @@
   <p:clrMapOvr>
     <a:masterClrMapping/>
   </p:clrMapOvr>
-  <mc:AlternateContent xmlns:mc="http://schemas.openxmlformats.org/markup-compatibility/2006">
-    <mc:Choice xmlns:p14="http://schemas.microsoft.com/office/powerpoint/2010/main" Requires="p14">
-      <p:transition spd="slow" p14:dur="0"/>
-    </mc:Choice>
-    <mc:Fallback>
-      <p:transition spd="slow"/>
-    </mc:Fallback>
-  </mc:AlternateContent>
 </p:notes>
 </file>
 
@@ -1177,7 +1246,7 @@
 </file>
 
 <file path=ppt/notesSlides/notesSlide2.xml><?xml version="1.0" encoding="utf-8"?>
-<p:notes xmlns:a="http://schemas.openxmlformats.org/drawingml/2006/main" xmlns:r="http://schemas.openxmlformats.org/officeDocument/2006/relationships" xmlns:p="http://schemas.openxmlformats.org/presentationml/2006/main">
+<p:notes xmlns:r="http://schemas.openxmlformats.org/officeDocument/2006/relationships" xmlns:c="http://schemas.openxmlformats.org/drawingml/2006/chart" xmlns:a="http://schemas.openxmlformats.org/drawingml/2006/main" xmlns:dgm="http://schemas.openxmlformats.org/drawingml/2006/diagram" xmlns:dsp="http://schemas.microsoft.com/office/drawing/2008/diagram" xmlns:p="http://schemas.openxmlformats.org/presentationml/2006/main">
   <p:cSld>
     <p:spTree>
       <p:nvGrpSpPr>
@@ -1197,18 +1266,20 @@
         <p:nvSpPr>
           <p:cNvPr id="2" name="슬라이드 이미지 개체 틀 1"/>
           <p:cNvSpPr>
-            <a:spLocks noChangeAspect="1"/>
-          </p:cNvSpPr>
-          <p:nvPr>
-            <p:ph type="sldImg"/>
-          </p:nvPr>
-        </p:nvSpPr>
-        <p:spPr>
-          <a:xfrm rot="0">
+            <a:spLocks noGrp="1" noRot="1" noChangeAspect="1" noTextEdit="1"/>
+          </p:cNvSpPr>
+          <p:nvPr>
+            <p:ph type="sldImg" idx="0"/>
+          </p:nvPr>
+        </p:nvSpPr>
+        <p:spPr>
+          <a:xfrm>
             <a:off x="685800" y="1143000"/>
             <a:ext cx="5487035" cy="3086735"/>
           </a:xfrm>
-          <a:prstGeom prst="rect"/>
+          <a:prstGeom prst="rect">
+            <a:avLst/>
+          </a:prstGeom>
           <a:noFill/>
           <a:ln w="12700" cap="flat" cmpd="sng">
             <a:solidFill>
@@ -1220,12 +1291,15 @@
           </a:ln>
         </p:spPr>
         <p:txBody>
-          <a:bodyPr wrap="square" lIns="0" tIns="0" rIns="0" bIns="0" vert="horz" anchor="t">
+          <a:bodyPr vert="horz" wrap="square" lIns="0" tIns="0" rIns="0" bIns="0" anchor="t">
             <a:noAutofit/>
           </a:bodyPr>
           <a:lstStyle/>
           <a:p>
-            <a:pPr marL="0" indent="0"/>
+            <a:pPr marL="0" indent="0">
+              <a:defRPr/>
+            </a:pPr>
+            <a:endParaRPr lang="ko-KR" altLang="en-US"/>
           </a:p>
         </p:txBody>
       </p:sp>
@@ -1233,21 +1307,23 @@
         <p:nvSpPr>
           <p:cNvPr id="3" name="슬라이드 노트 개체 틀 2"/>
           <p:cNvSpPr txBox="1">
-            <a:spLocks/>
+            <a:spLocks noGrp="1"/>
           </p:cNvSpPr>
           <p:nvPr>
             <p:ph type="body" idx="1"/>
           </p:nvPr>
         </p:nvSpPr>
         <p:spPr>
-          <a:xfrm rot="0">
+          <a:xfrm>
             <a:off x="685800" y="4400550"/>
             <a:ext cx="5487035" cy="3601085"/>
           </a:xfrm>
-          <a:prstGeom prst="rect"/>
-        </p:spPr>
-        <p:txBody>
-          <a:bodyPr wrap="square" lIns="91440" tIns="45720" rIns="91440" bIns="45720" numCol="1" vert="horz" anchor="t">
+          <a:prstGeom prst="rect">
+            <a:avLst/>
+          </a:prstGeom>
+        </p:spPr>
+        <p:txBody>
+          <a:bodyPr vert="horz" wrap="square" lIns="91440" tIns="45720" rIns="91440" bIns="45720" anchor="t">
             <a:noAutofit/>
           </a:bodyPr>
           <a:lstStyle/>
@@ -1255,7 +1331,13 @@
             <a:pPr marL="0" indent="0" latinLnBrk="0">
               <a:buFontTx/>
               <a:buNone/>
+              <a:defRPr/>
             </a:pPr>
+            <a:r>
+              <a:rPr lang="ko-KR" altLang="en-US"/>
+              <a:t/>
+            </a:r>
+            <a:endParaRPr lang="ko-KR" altLang="en-US"/>
           </a:p>
         </p:txBody>
       </p:sp>
@@ -1263,21 +1345,23 @@
         <p:nvSpPr>
           <p:cNvPr id="4" name="슬라이드 번호 개체 틀 3"/>
           <p:cNvSpPr txBox="1">
-            <a:spLocks/>
+            <a:spLocks noGrp="1"/>
           </p:cNvSpPr>
           <p:nvPr>
             <p:ph type="sldNum" idx="10"/>
           </p:nvPr>
         </p:nvSpPr>
         <p:spPr>
-          <a:xfrm rot="0">
+          <a:xfrm>
             <a:off x="3884930" y="8685530"/>
             <a:ext cx="2972435" cy="459105"/>
           </a:xfrm>
-          <a:prstGeom prst="rect"/>
-        </p:spPr>
-        <p:txBody>
-          <a:bodyPr wrap="square" lIns="91440" tIns="45720" rIns="91440" bIns="45720" numCol="1" vert="horz" anchor="b">
+          <a:prstGeom prst="rect">
+            <a:avLst/>
+          </a:prstGeom>
+        </p:spPr>
+        <p:txBody>
+          <a:bodyPr vert="horz" wrap="square" lIns="91440" tIns="45720" rIns="91440" bIns="45720" anchor="b">
             <a:noAutofit/>
           </a:bodyPr>
           <a:lstStyle/>
@@ -1285,11 +1369,18 @@
             <a:pPr marL="0" indent="0" latinLnBrk="0">
               <a:buFontTx/>
               <a:buNone/>
+              <a:defRPr/>
             </a:pPr>
             <a:fld id="{B9320F77-B9A0-41C5-862A-B4B631284C64}" type="slidenum">
-              <a:rPr lang="ko-KR" altLang="en-US"/>
-              <a:t>1</a:t>
+              <a:rPr lang="en-US" altLang="en-US"/>
+              <a:pPr marL="0" indent="0" latinLnBrk="0">
+                <a:buFontTx/>
+                <a:buNone/>
+                <a:defRPr/>
+              </a:pPr>
+              <a:t>2</a:t>
             </a:fld>
+            <a:endParaRPr lang="en-US" altLang="en-US"/>
           </a:p>
         </p:txBody>
       </p:sp>
@@ -1298,19 +1389,11 @@
   <p:clrMapOvr>
     <a:masterClrMapping/>
   </p:clrMapOvr>
-  <mc:AlternateContent xmlns:mc="http://schemas.openxmlformats.org/markup-compatibility/2006">
-    <mc:Choice xmlns:p14="http://schemas.microsoft.com/office/powerpoint/2010/main" Requires="p14">
-      <p:transition spd="slow" p14:dur="0"/>
-    </mc:Choice>
-    <mc:Fallback>
-      <p:transition spd="slow"/>
-    </mc:Fallback>
-  </mc:AlternateContent>
 </p:notes>
 </file>
 
 <file path=ppt/notesSlides/notesSlide3.xml><?xml version="1.0" encoding="utf-8"?>
-<p:notes xmlns:a="http://schemas.openxmlformats.org/drawingml/2006/main" xmlns:r="http://schemas.openxmlformats.org/officeDocument/2006/relationships" xmlns:p="http://schemas.openxmlformats.org/presentationml/2006/main">
+<p:notes xmlns:r="http://schemas.openxmlformats.org/officeDocument/2006/relationships" xmlns:c="http://schemas.openxmlformats.org/drawingml/2006/chart" xmlns:a="http://schemas.openxmlformats.org/drawingml/2006/main" xmlns:dgm="http://schemas.openxmlformats.org/drawingml/2006/diagram" xmlns:dsp="http://schemas.microsoft.com/office/drawing/2008/diagram" xmlns:p="http://schemas.openxmlformats.org/presentationml/2006/main">
   <p:cSld>
     <p:spTree>
       <p:nvGrpSpPr>
@@ -1330,18 +1413,20 @@
         <p:nvSpPr>
           <p:cNvPr id="2" name="슬라이드 이미지 개체 틀 1"/>
           <p:cNvSpPr>
-            <a:spLocks noChangeAspect="1"/>
-          </p:cNvSpPr>
-          <p:nvPr>
-            <p:ph type="sldImg"/>
-          </p:nvPr>
-        </p:nvSpPr>
-        <p:spPr>
-          <a:xfrm rot="0">
+            <a:spLocks noGrp="1" noRot="1" noChangeAspect="1" noTextEdit="1"/>
+          </p:cNvSpPr>
+          <p:nvPr>
+            <p:ph type="sldImg" idx="0"/>
+          </p:nvPr>
+        </p:nvSpPr>
+        <p:spPr>
+          <a:xfrm>
             <a:off x="685800" y="1143000"/>
             <a:ext cx="5487035" cy="3086735"/>
           </a:xfrm>
-          <a:prstGeom prst="rect"/>
+          <a:prstGeom prst="rect">
+            <a:avLst/>
+          </a:prstGeom>
           <a:noFill/>
           <a:ln w="12700" cap="flat" cmpd="sng">
             <a:solidFill>
@@ -1353,12 +1438,15 @@
           </a:ln>
         </p:spPr>
         <p:txBody>
-          <a:bodyPr wrap="square" lIns="0" tIns="0" rIns="0" bIns="0" vert="horz" anchor="t">
+          <a:bodyPr vert="horz" wrap="square" lIns="0" tIns="0" rIns="0" bIns="0" anchor="t">
             <a:noAutofit/>
           </a:bodyPr>
           <a:lstStyle/>
           <a:p>
-            <a:pPr marL="0" indent="0"/>
+            <a:pPr marL="0" indent="0">
+              <a:defRPr/>
+            </a:pPr>
+            <a:endParaRPr lang="ko-KR" altLang="en-US"/>
           </a:p>
         </p:txBody>
       </p:sp>
@@ -1366,21 +1454,23 @@
         <p:nvSpPr>
           <p:cNvPr id="3" name="슬라이드 노트 개체 틀 2"/>
           <p:cNvSpPr txBox="1">
-            <a:spLocks/>
+            <a:spLocks noGrp="1"/>
           </p:cNvSpPr>
           <p:nvPr>
             <p:ph type="body" idx="1"/>
           </p:nvPr>
         </p:nvSpPr>
         <p:spPr>
-          <a:xfrm rot="0">
+          <a:xfrm>
             <a:off x="685800" y="4400550"/>
             <a:ext cx="5487035" cy="3601085"/>
           </a:xfrm>
-          <a:prstGeom prst="rect"/>
-        </p:spPr>
-        <p:txBody>
-          <a:bodyPr wrap="square" lIns="91440" tIns="45720" rIns="91440" bIns="45720" numCol="1" vert="horz" anchor="t">
+          <a:prstGeom prst="rect">
+            <a:avLst/>
+          </a:prstGeom>
+        </p:spPr>
+        <p:txBody>
+          <a:bodyPr vert="horz" wrap="square" lIns="91440" tIns="45720" rIns="91440" bIns="45720" anchor="t">
             <a:noAutofit/>
           </a:bodyPr>
           <a:lstStyle/>
@@ -1388,7 +1478,13 @@
             <a:pPr marL="0" indent="0" latinLnBrk="0">
               <a:buFontTx/>
               <a:buNone/>
+              <a:defRPr/>
             </a:pPr>
+            <a:r>
+              <a:rPr lang="ko-KR" altLang="en-US"/>
+              <a:t/>
+            </a:r>
+            <a:endParaRPr lang="ko-KR" altLang="en-US"/>
           </a:p>
         </p:txBody>
       </p:sp>
@@ -1396,21 +1492,23 @@
         <p:nvSpPr>
           <p:cNvPr id="4" name="슬라이드 번호 개체 틀 3"/>
           <p:cNvSpPr txBox="1">
-            <a:spLocks/>
+            <a:spLocks noGrp="1"/>
           </p:cNvSpPr>
           <p:nvPr>
             <p:ph type="sldNum" idx="10"/>
           </p:nvPr>
         </p:nvSpPr>
         <p:spPr>
-          <a:xfrm rot="0">
+          <a:xfrm>
             <a:off x="3884930" y="8685530"/>
             <a:ext cx="2972435" cy="459105"/>
           </a:xfrm>
-          <a:prstGeom prst="rect"/>
-        </p:spPr>
-        <p:txBody>
-          <a:bodyPr wrap="square" lIns="91440" tIns="45720" rIns="91440" bIns="45720" numCol="1" vert="horz" anchor="b">
+          <a:prstGeom prst="rect">
+            <a:avLst/>
+          </a:prstGeom>
+        </p:spPr>
+        <p:txBody>
+          <a:bodyPr vert="horz" wrap="square" lIns="91440" tIns="45720" rIns="91440" bIns="45720" anchor="b">
             <a:noAutofit/>
           </a:bodyPr>
           <a:lstStyle/>
@@ -1418,11 +1516,18 @@
             <a:pPr marL="0" indent="0" latinLnBrk="0">
               <a:buFontTx/>
               <a:buNone/>
+              <a:defRPr/>
             </a:pPr>
             <a:fld id="{B9320F77-B9A0-41C5-862A-B4B631284C64}" type="slidenum">
-              <a:rPr lang="ko-KR" altLang="en-US"/>
-              <a:t>1</a:t>
+              <a:rPr lang="en-US" altLang="en-US"/>
+              <a:pPr marL="0" indent="0" latinLnBrk="0">
+                <a:buFontTx/>
+                <a:buNone/>
+                <a:defRPr/>
+              </a:pPr>
+              <a:t>3</a:t>
             </a:fld>
+            <a:endParaRPr lang="en-US" altLang="en-US"/>
           </a:p>
         </p:txBody>
       </p:sp>
@@ -1431,19 +1536,11 @@
   <p:clrMapOvr>
     <a:masterClrMapping/>
   </p:clrMapOvr>
-  <mc:AlternateContent xmlns:mc="http://schemas.openxmlformats.org/markup-compatibility/2006">
-    <mc:Choice xmlns:p14="http://schemas.microsoft.com/office/powerpoint/2010/main" Requires="p14">
-      <p:transition spd="slow" p14:dur="0"/>
-    </mc:Choice>
-    <mc:Fallback>
-      <p:transition spd="slow"/>
-    </mc:Fallback>
-  </mc:AlternateContent>
 </p:notes>
 </file>
 
 <file path=ppt/notesSlides/notesSlide4.xml><?xml version="1.0" encoding="utf-8"?>
-<p:notes xmlns:a="http://schemas.openxmlformats.org/drawingml/2006/main" xmlns:r="http://schemas.openxmlformats.org/officeDocument/2006/relationships" xmlns:p="http://schemas.openxmlformats.org/presentationml/2006/main">
+<p:notes xmlns:r="http://schemas.openxmlformats.org/officeDocument/2006/relationships" xmlns:c="http://schemas.openxmlformats.org/drawingml/2006/chart" xmlns:a="http://schemas.openxmlformats.org/drawingml/2006/main" xmlns:dgm="http://schemas.openxmlformats.org/drawingml/2006/diagram" xmlns:dsp="http://schemas.microsoft.com/office/drawing/2008/diagram" xmlns:p="http://schemas.openxmlformats.org/presentationml/2006/main">
   <p:cSld>
     <p:spTree>
       <p:nvGrpSpPr>
@@ -1463,18 +1560,20 @@
         <p:nvSpPr>
           <p:cNvPr id="2" name="슬라이드 이미지 개체 틀 1"/>
           <p:cNvSpPr>
-            <a:spLocks noChangeAspect="1"/>
-          </p:cNvSpPr>
-          <p:nvPr>
-            <p:ph type="sldImg"/>
-          </p:nvPr>
-        </p:nvSpPr>
-        <p:spPr>
-          <a:xfrm rot="0">
+            <a:spLocks noGrp="1" noRot="1" noChangeAspect="1" noTextEdit="1"/>
+          </p:cNvSpPr>
+          <p:nvPr>
+            <p:ph type="sldImg" idx="0"/>
+          </p:nvPr>
+        </p:nvSpPr>
+        <p:spPr>
+          <a:xfrm>
             <a:off x="685800" y="1143000"/>
             <a:ext cx="5487035" cy="3086735"/>
           </a:xfrm>
-          <a:prstGeom prst="rect"/>
+          <a:prstGeom prst="rect">
+            <a:avLst/>
+          </a:prstGeom>
           <a:noFill/>
           <a:ln w="12700" cap="flat" cmpd="sng">
             <a:solidFill>
@@ -1486,12 +1585,15 @@
           </a:ln>
         </p:spPr>
         <p:txBody>
-          <a:bodyPr wrap="square" lIns="0" tIns="0" rIns="0" bIns="0" vert="horz" anchor="t">
+          <a:bodyPr vert="horz" wrap="square" lIns="0" tIns="0" rIns="0" bIns="0" anchor="t">
             <a:noAutofit/>
           </a:bodyPr>
           <a:lstStyle/>
           <a:p>
-            <a:pPr marL="0" indent="0"/>
+            <a:pPr marL="0" indent="0">
+              <a:defRPr/>
+            </a:pPr>
+            <a:endParaRPr lang="ko-KR" altLang="en-US"/>
           </a:p>
         </p:txBody>
       </p:sp>
@@ -1499,21 +1601,23 @@
         <p:nvSpPr>
           <p:cNvPr id="3" name="슬라이드 노트 개체 틀 2"/>
           <p:cNvSpPr txBox="1">
-            <a:spLocks/>
+            <a:spLocks noGrp="1"/>
           </p:cNvSpPr>
           <p:nvPr>
             <p:ph type="body" idx="1"/>
           </p:nvPr>
         </p:nvSpPr>
         <p:spPr>
-          <a:xfrm rot="0">
+          <a:xfrm>
             <a:off x="685800" y="4400550"/>
             <a:ext cx="5487035" cy="3601085"/>
           </a:xfrm>
-          <a:prstGeom prst="rect"/>
-        </p:spPr>
-        <p:txBody>
-          <a:bodyPr wrap="square" lIns="91440" tIns="45720" rIns="91440" bIns="45720" numCol="1" vert="horz" anchor="t">
+          <a:prstGeom prst="rect">
+            <a:avLst/>
+          </a:prstGeom>
+        </p:spPr>
+        <p:txBody>
+          <a:bodyPr vert="horz" wrap="square" lIns="91440" tIns="45720" rIns="91440" bIns="45720" anchor="t">
             <a:noAutofit/>
           </a:bodyPr>
           <a:lstStyle/>
@@ -1521,7 +1625,13 @@
             <a:pPr marL="0" indent="0" latinLnBrk="0">
               <a:buFontTx/>
               <a:buNone/>
+              <a:defRPr/>
             </a:pPr>
+            <a:r>
+              <a:rPr lang="ko-KR" altLang="en-US"/>
+              <a:t/>
+            </a:r>
+            <a:endParaRPr lang="ko-KR" altLang="en-US"/>
           </a:p>
         </p:txBody>
       </p:sp>
@@ -1529,21 +1639,23 @@
         <p:nvSpPr>
           <p:cNvPr id="4" name="슬라이드 번호 개체 틀 3"/>
           <p:cNvSpPr txBox="1">
-            <a:spLocks/>
+            <a:spLocks noGrp="1"/>
           </p:cNvSpPr>
           <p:nvPr>
             <p:ph type="sldNum" idx="10"/>
           </p:nvPr>
         </p:nvSpPr>
         <p:spPr>
-          <a:xfrm rot="0">
+          <a:xfrm>
             <a:off x="3884930" y="8685530"/>
             <a:ext cx="2972435" cy="459105"/>
           </a:xfrm>
-          <a:prstGeom prst="rect"/>
-        </p:spPr>
-        <p:txBody>
-          <a:bodyPr wrap="square" lIns="91440" tIns="45720" rIns="91440" bIns="45720" numCol="1" vert="horz" anchor="b">
+          <a:prstGeom prst="rect">
+            <a:avLst/>
+          </a:prstGeom>
+        </p:spPr>
+        <p:txBody>
+          <a:bodyPr vert="horz" wrap="square" lIns="91440" tIns="45720" rIns="91440" bIns="45720" anchor="b">
             <a:noAutofit/>
           </a:bodyPr>
           <a:lstStyle/>
@@ -1551,11 +1663,18 @@
             <a:pPr marL="0" indent="0" latinLnBrk="0">
               <a:buFontTx/>
               <a:buNone/>
+              <a:defRPr/>
             </a:pPr>
             <a:fld id="{B9320F77-B9A0-41C5-862A-B4B631284C64}" type="slidenum">
-              <a:rPr lang="ko-KR" altLang="en-US"/>
-              <a:t>1</a:t>
+              <a:rPr lang="en-US" altLang="en-US"/>
+              <a:pPr marL="0" indent="0" latinLnBrk="0">
+                <a:buFontTx/>
+                <a:buNone/>
+                <a:defRPr/>
+              </a:pPr>
+              <a:t>4</a:t>
             </a:fld>
+            <a:endParaRPr lang="en-US" altLang="en-US"/>
           </a:p>
         </p:txBody>
       </p:sp>
@@ -1564,19 +1683,11 @@
   <p:clrMapOvr>
     <a:masterClrMapping/>
   </p:clrMapOvr>
-  <mc:AlternateContent xmlns:mc="http://schemas.openxmlformats.org/markup-compatibility/2006">
-    <mc:Choice xmlns:p14="http://schemas.microsoft.com/office/powerpoint/2010/main" Requires="p14">
-      <p:transition spd="slow" p14:dur="0"/>
-    </mc:Choice>
-    <mc:Fallback>
-      <p:transition spd="slow"/>
-    </mc:Fallback>
-  </mc:AlternateContent>
 </p:notes>
 </file>
 
 <file path=ppt/notesSlides/notesSlide5.xml><?xml version="1.0" encoding="utf-8"?>
-<p:notes xmlns:a="http://schemas.openxmlformats.org/drawingml/2006/main" xmlns:r="http://schemas.openxmlformats.org/officeDocument/2006/relationships" xmlns:p="http://schemas.openxmlformats.org/presentationml/2006/main">
+<p:notes xmlns:r="http://schemas.openxmlformats.org/officeDocument/2006/relationships" xmlns:c="http://schemas.openxmlformats.org/drawingml/2006/chart" xmlns:a="http://schemas.openxmlformats.org/drawingml/2006/main" xmlns:dgm="http://schemas.openxmlformats.org/drawingml/2006/diagram" xmlns:dsp="http://schemas.microsoft.com/office/drawing/2008/diagram" xmlns:p="http://schemas.openxmlformats.org/presentationml/2006/main">
   <p:cSld>
     <p:spTree>
       <p:nvGrpSpPr>
@@ -1596,18 +1707,20 @@
         <p:nvSpPr>
           <p:cNvPr id="2" name="슬라이드 이미지 개체 틀 1"/>
           <p:cNvSpPr>
-            <a:spLocks noChangeAspect="1"/>
-          </p:cNvSpPr>
-          <p:nvPr>
-            <p:ph type="sldImg"/>
-          </p:nvPr>
-        </p:nvSpPr>
-        <p:spPr>
-          <a:xfrm rot="0">
+            <a:spLocks noGrp="1" noRot="1" noChangeAspect="1" noTextEdit="1"/>
+          </p:cNvSpPr>
+          <p:nvPr>
+            <p:ph type="sldImg" idx="0"/>
+          </p:nvPr>
+        </p:nvSpPr>
+        <p:spPr>
+          <a:xfrm>
             <a:off x="685800" y="1143000"/>
             <a:ext cx="5487035" cy="3086735"/>
           </a:xfrm>
-          <a:prstGeom prst="rect"/>
+          <a:prstGeom prst="rect">
+            <a:avLst/>
+          </a:prstGeom>
           <a:noFill/>
           <a:ln w="12700" cap="flat" cmpd="sng">
             <a:solidFill>
@@ -1619,12 +1732,15 @@
           </a:ln>
         </p:spPr>
         <p:txBody>
-          <a:bodyPr wrap="square" lIns="0" tIns="0" rIns="0" bIns="0" vert="horz" anchor="t">
+          <a:bodyPr vert="horz" wrap="square" lIns="0" tIns="0" rIns="0" bIns="0" anchor="t">
             <a:noAutofit/>
           </a:bodyPr>
           <a:lstStyle/>
           <a:p>
-            <a:pPr marL="0" indent="0"/>
+            <a:pPr marL="0" indent="0">
+              <a:defRPr/>
+            </a:pPr>
+            <a:endParaRPr lang="ko-KR" altLang="en-US"/>
           </a:p>
         </p:txBody>
       </p:sp>
@@ -1632,21 +1748,23 @@
         <p:nvSpPr>
           <p:cNvPr id="3" name="슬라이드 노트 개체 틀 2"/>
           <p:cNvSpPr txBox="1">
-            <a:spLocks/>
+            <a:spLocks noGrp="1"/>
           </p:cNvSpPr>
           <p:nvPr>
             <p:ph type="body" idx="1"/>
           </p:nvPr>
         </p:nvSpPr>
         <p:spPr>
-          <a:xfrm rot="0">
+          <a:xfrm>
             <a:off x="685800" y="4400550"/>
             <a:ext cx="5487035" cy="3601085"/>
           </a:xfrm>
-          <a:prstGeom prst="rect"/>
-        </p:spPr>
-        <p:txBody>
-          <a:bodyPr wrap="square" lIns="91440" tIns="45720" rIns="91440" bIns="45720" numCol="1" vert="horz" anchor="t">
+          <a:prstGeom prst="rect">
+            <a:avLst/>
+          </a:prstGeom>
+        </p:spPr>
+        <p:txBody>
+          <a:bodyPr vert="horz" wrap="square" lIns="91440" tIns="45720" rIns="91440" bIns="45720" anchor="t">
             <a:noAutofit/>
           </a:bodyPr>
           <a:lstStyle/>
@@ -1654,7 +1772,13 @@
             <a:pPr marL="0" indent="0" latinLnBrk="0">
               <a:buFontTx/>
               <a:buNone/>
+              <a:defRPr/>
             </a:pPr>
+            <a:r>
+              <a:rPr lang="ko-KR" altLang="en-US"/>
+              <a:t/>
+            </a:r>
+            <a:endParaRPr lang="ko-KR" altLang="en-US"/>
           </a:p>
         </p:txBody>
       </p:sp>
@@ -1662,21 +1786,23 @@
         <p:nvSpPr>
           <p:cNvPr id="4" name="슬라이드 번호 개체 틀 3"/>
           <p:cNvSpPr txBox="1">
-            <a:spLocks/>
+            <a:spLocks noGrp="1"/>
           </p:cNvSpPr>
           <p:nvPr>
             <p:ph type="sldNum" idx="10"/>
           </p:nvPr>
         </p:nvSpPr>
         <p:spPr>
-          <a:xfrm rot="0">
+          <a:xfrm>
             <a:off x="3884930" y="8685530"/>
             <a:ext cx="2972435" cy="459105"/>
           </a:xfrm>
-          <a:prstGeom prst="rect"/>
-        </p:spPr>
-        <p:txBody>
-          <a:bodyPr wrap="square" lIns="91440" tIns="45720" rIns="91440" bIns="45720" numCol="1" vert="horz" anchor="b">
+          <a:prstGeom prst="rect">
+            <a:avLst/>
+          </a:prstGeom>
+        </p:spPr>
+        <p:txBody>
+          <a:bodyPr vert="horz" wrap="square" lIns="91440" tIns="45720" rIns="91440" bIns="45720" anchor="b">
             <a:noAutofit/>
           </a:bodyPr>
           <a:lstStyle/>
@@ -1684,11 +1810,18 @@
             <a:pPr marL="0" indent="0" latinLnBrk="0">
               <a:buFontTx/>
               <a:buNone/>
+              <a:defRPr/>
             </a:pPr>
             <a:fld id="{B9320F77-B9A0-41C5-862A-B4B631284C64}" type="slidenum">
-              <a:rPr lang="ko-KR" altLang="en-US"/>
-              <a:t>1</a:t>
+              <a:rPr lang="en-US" altLang="en-US"/>
+              <a:pPr marL="0" indent="0" latinLnBrk="0">
+                <a:buFontTx/>
+                <a:buNone/>
+                <a:defRPr/>
+              </a:pPr>
+              <a:t>5</a:t>
             </a:fld>
+            <a:endParaRPr lang="en-US" altLang="en-US"/>
           </a:p>
         </p:txBody>
       </p:sp>
@@ -1697,19 +1830,11 @@
   <p:clrMapOvr>
     <a:masterClrMapping/>
   </p:clrMapOvr>
-  <mc:AlternateContent xmlns:mc="http://schemas.openxmlformats.org/markup-compatibility/2006">
-    <mc:Choice xmlns:p14="http://schemas.microsoft.com/office/powerpoint/2010/main" Requires="p14">
-      <p:transition spd="slow" p14:dur="0"/>
-    </mc:Choice>
-    <mc:Fallback>
-      <p:transition spd="slow"/>
-    </mc:Fallback>
-  </mc:AlternateContent>
 </p:notes>
 </file>
 
 <file path=ppt/notesSlides/notesSlide6.xml><?xml version="1.0" encoding="utf-8"?>
-<p:notes xmlns:a="http://schemas.openxmlformats.org/drawingml/2006/main" xmlns:r="http://schemas.openxmlformats.org/officeDocument/2006/relationships" xmlns:p="http://schemas.openxmlformats.org/presentationml/2006/main">
+<p:notes xmlns:r="http://schemas.openxmlformats.org/officeDocument/2006/relationships" xmlns:c="http://schemas.openxmlformats.org/drawingml/2006/chart" xmlns:a="http://schemas.openxmlformats.org/drawingml/2006/main" xmlns:dgm="http://schemas.openxmlformats.org/drawingml/2006/diagram" xmlns:dsp="http://schemas.microsoft.com/office/drawing/2008/diagram" xmlns:p="http://schemas.openxmlformats.org/presentationml/2006/main">
   <p:cSld>
     <p:spTree>
       <p:nvGrpSpPr>
@@ -1729,18 +1854,20 @@
         <p:nvSpPr>
           <p:cNvPr id="2" name="슬라이드 이미지 개체 틀 1"/>
           <p:cNvSpPr>
-            <a:spLocks noChangeAspect="1"/>
-          </p:cNvSpPr>
-          <p:nvPr>
-            <p:ph type="sldImg"/>
-          </p:nvPr>
-        </p:nvSpPr>
-        <p:spPr>
-          <a:xfrm rot="0">
+            <a:spLocks noGrp="1" noRot="1" noChangeAspect="1" noTextEdit="1"/>
+          </p:cNvSpPr>
+          <p:nvPr>
+            <p:ph type="sldImg" idx="0"/>
+          </p:nvPr>
+        </p:nvSpPr>
+        <p:spPr>
+          <a:xfrm>
             <a:off x="685800" y="1143000"/>
             <a:ext cx="5487035" cy="3086735"/>
           </a:xfrm>
-          <a:prstGeom prst="rect"/>
+          <a:prstGeom prst="rect">
+            <a:avLst/>
+          </a:prstGeom>
           <a:noFill/>
           <a:ln w="12700" cap="flat" cmpd="sng">
             <a:solidFill>
@@ -1752,12 +1879,15 @@
           </a:ln>
         </p:spPr>
         <p:txBody>
-          <a:bodyPr wrap="square" lIns="0" tIns="0" rIns="0" bIns="0" vert="horz" anchor="t">
+          <a:bodyPr vert="horz" wrap="square" lIns="0" tIns="0" rIns="0" bIns="0" anchor="t">
             <a:noAutofit/>
           </a:bodyPr>
           <a:lstStyle/>
           <a:p>
-            <a:pPr marL="0" indent="0"/>
+            <a:pPr marL="0" indent="0">
+              <a:defRPr/>
+            </a:pPr>
+            <a:endParaRPr lang="ko-KR" altLang="en-US"/>
           </a:p>
         </p:txBody>
       </p:sp>
@@ -1765,21 +1895,23 @@
         <p:nvSpPr>
           <p:cNvPr id="3" name="슬라이드 노트 개체 틀 2"/>
           <p:cNvSpPr txBox="1">
-            <a:spLocks/>
+            <a:spLocks noGrp="1"/>
           </p:cNvSpPr>
           <p:nvPr>
             <p:ph type="body" idx="1"/>
           </p:nvPr>
         </p:nvSpPr>
         <p:spPr>
-          <a:xfrm rot="0">
+          <a:xfrm>
             <a:off x="685800" y="4400550"/>
             <a:ext cx="5487035" cy="3601085"/>
           </a:xfrm>
-          <a:prstGeom prst="rect"/>
-        </p:spPr>
-        <p:txBody>
-          <a:bodyPr wrap="square" lIns="91440" tIns="45720" rIns="91440" bIns="45720" numCol="1" vert="horz" anchor="t">
+          <a:prstGeom prst="rect">
+            <a:avLst/>
+          </a:prstGeom>
+        </p:spPr>
+        <p:txBody>
+          <a:bodyPr vert="horz" wrap="square" lIns="91440" tIns="45720" rIns="91440" bIns="45720" anchor="t">
             <a:noAutofit/>
           </a:bodyPr>
           <a:lstStyle/>
@@ -1787,7 +1919,13 @@
             <a:pPr marL="0" indent="0" latinLnBrk="0">
               <a:buFontTx/>
               <a:buNone/>
+              <a:defRPr/>
             </a:pPr>
+            <a:r>
+              <a:rPr lang="ko-KR" altLang="en-US"/>
+              <a:t/>
+            </a:r>
+            <a:endParaRPr lang="ko-KR" altLang="en-US"/>
           </a:p>
         </p:txBody>
       </p:sp>
@@ -1795,21 +1933,23 @@
         <p:nvSpPr>
           <p:cNvPr id="4" name="슬라이드 번호 개체 틀 3"/>
           <p:cNvSpPr txBox="1">
-            <a:spLocks/>
+            <a:spLocks noGrp="1"/>
           </p:cNvSpPr>
           <p:nvPr>
             <p:ph type="sldNum" idx="10"/>
           </p:nvPr>
         </p:nvSpPr>
         <p:spPr>
-          <a:xfrm rot="0">
+          <a:xfrm>
             <a:off x="3884930" y="8685530"/>
             <a:ext cx="2972435" cy="459105"/>
           </a:xfrm>
-          <a:prstGeom prst="rect"/>
-        </p:spPr>
-        <p:txBody>
-          <a:bodyPr wrap="square" lIns="91440" tIns="45720" rIns="91440" bIns="45720" numCol="1" vert="horz" anchor="b">
+          <a:prstGeom prst="rect">
+            <a:avLst/>
+          </a:prstGeom>
+        </p:spPr>
+        <p:txBody>
+          <a:bodyPr vert="horz" wrap="square" lIns="91440" tIns="45720" rIns="91440" bIns="45720" anchor="b">
             <a:noAutofit/>
           </a:bodyPr>
           <a:lstStyle/>
@@ -1817,11 +1957,18 @@
             <a:pPr marL="0" indent="0" latinLnBrk="0">
               <a:buFontTx/>
               <a:buNone/>
+              <a:defRPr/>
             </a:pPr>
             <a:fld id="{B9320F77-B9A0-41C5-862A-B4B631284C64}" type="slidenum">
-              <a:rPr lang="ko-KR" altLang="en-US"/>
-              <a:t>1</a:t>
+              <a:rPr lang="en-US" altLang="en-US"/>
+              <a:pPr marL="0" indent="0" latinLnBrk="0">
+                <a:buFontTx/>
+                <a:buNone/>
+                <a:defRPr/>
+              </a:pPr>
+              <a:t>6</a:t>
             </a:fld>
+            <a:endParaRPr lang="en-US" altLang="en-US"/>
           </a:p>
         </p:txBody>
       </p:sp>
@@ -1830,19 +1977,11 @@
   <p:clrMapOvr>
     <a:masterClrMapping/>
   </p:clrMapOvr>
-  <mc:AlternateContent xmlns:mc="http://schemas.openxmlformats.org/markup-compatibility/2006">
-    <mc:Choice xmlns:p14="http://schemas.microsoft.com/office/powerpoint/2010/main" Requires="p14">
-      <p:transition spd="slow" p14:dur="0"/>
-    </mc:Choice>
-    <mc:Fallback>
-      <p:transition spd="slow"/>
-    </mc:Fallback>
-  </mc:AlternateContent>
 </p:notes>
 </file>
 
 <file path=ppt/notesSlides/notesSlide7.xml><?xml version="1.0" encoding="utf-8"?>
-<p:notes xmlns:a="http://schemas.openxmlformats.org/drawingml/2006/main" xmlns:r="http://schemas.openxmlformats.org/officeDocument/2006/relationships" xmlns:p="http://schemas.openxmlformats.org/presentationml/2006/main">
+<p:notes xmlns:r="http://schemas.openxmlformats.org/officeDocument/2006/relationships" xmlns:c="http://schemas.openxmlformats.org/drawingml/2006/chart" xmlns:a="http://schemas.openxmlformats.org/drawingml/2006/main" xmlns:dgm="http://schemas.openxmlformats.org/drawingml/2006/diagram" xmlns:dsp="http://schemas.microsoft.com/office/drawing/2008/diagram" xmlns:p="http://schemas.openxmlformats.org/presentationml/2006/main">
   <p:cSld>
     <p:spTree>
       <p:nvGrpSpPr>
@@ -1862,18 +2001,20 @@
         <p:nvSpPr>
           <p:cNvPr id="2" name="슬라이드 이미지 개체 틀 1"/>
           <p:cNvSpPr>
-            <a:spLocks noChangeAspect="1"/>
-          </p:cNvSpPr>
-          <p:nvPr>
-            <p:ph type="sldImg"/>
-          </p:nvPr>
-        </p:nvSpPr>
-        <p:spPr>
-          <a:xfrm rot="0">
+            <a:spLocks noGrp="1" noRot="1" noChangeAspect="1" noTextEdit="1"/>
+          </p:cNvSpPr>
+          <p:nvPr>
+            <p:ph type="sldImg" idx="0"/>
+          </p:nvPr>
+        </p:nvSpPr>
+        <p:spPr>
+          <a:xfrm>
             <a:off x="685800" y="1143000"/>
             <a:ext cx="5487035" cy="3086735"/>
           </a:xfrm>
-          <a:prstGeom prst="rect"/>
+          <a:prstGeom prst="rect">
+            <a:avLst/>
+          </a:prstGeom>
           <a:noFill/>
           <a:ln w="12700" cap="flat" cmpd="sng">
             <a:solidFill>
@@ -1885,12 +2026,15 @@
           </a:ln>
         </p:spPr>
         <p:txBody>
-          <a:bodyPr wrap="square" lIns="0" tIns="0" rIns="0" bIns="0" vert="horz" anchor="t">
+          <a:bodyPr vert="horz" wrap="square" lIns="0" tIns="0" rIns="0" bIns="0" anchor="t">
             <a:noAutofit/>
           </a:bodyPr>
           <a:lstStyle/>
           <a:p>
-            <a:pPr marL="0" indent="0"/>
+            <a:pPr marL="0" indent="0">
+              <a:defRPr/>
+            </a:pPr>
+            <a:endParaRPr lang="ko-KR" altLang="en-US"/>
           </a:p>
         </p:txBody>
       </p:sp>
@@ -1898,21 +2042,23 @@
         <p:nvSpPr>
           <p:cNvPr id="3" name="슬라이드 노트 개체 틀 2"/>
           <p:cNvSpPr txBox="1">
-            <a:spLocks/>
+            <a:spLocks noGrp="1"/>
           </p:cNvSpPr>
           <p:nvPr>
             <p:ph type="body" idx="1"/>
           </p:nvPr>
         </p:nvSpPr>
         <p:spPr>
-          <a:xfrm rot="0">
+          <a:xfrm>
             <a:off x="685800" y="4400550"/>
             <a:ext cx="5487035" cy="3601085"/>
           </a:xfrm>
-          <a:prstGeom prst="rect"/>
-        </p:spPr>
-        <p:txBody>
-          <a:bodyPr wrap="square" lIns="91440" tIns="45720" rIns="91440" bIns="45720" numCol="1" vert="horz" anchor="t">
+          <a:prstGeom prst="rect">
+            <a:avLst/>
+          </a:prstGeom>
+        </p:spPr>
+        <p:txBody>
+          <a:bodyPr vert="horz" wrap="square" lIns="91440" tIns="45720" rIns="91440" bIns="45720" anchor="t">
             <a:noAutofit/>
           </a:bodyPr>
           <a:lstStyle/>
@@ -1920,7 +2066,13 @@
             <a:pPr marL="0" indent="0" latinLnBrk="0">
               <a:buFontTx/>
               <a:buNone/>
+              <a:defRPr/>
             </a:pPr>
+            <a:r>
+              <a:rPr lang="ko-KR" altLang="en-US"/>
+              <a:t/>
+            </a:r>
+            <a:endParaRPr lang="ko-KR" altLang="en-US"/>
           </a:p>
         </p:txBody>
       </p:sp>
@@ -1928,21 +2080,23 @@
         <p:nvSpPr>
           <p:cNvPr id="4" name="슬라이드 번호 개체 틀 3"/>
           <p:cNvSpPr txBox="1">
-            <a:spLocks/>
+            <a:spLocks noGrp="1"/>
           </p:cNvSpPr>
           <p:nvPr>
             <p:ph type="sldNum" idx="10"/>
           </p:nvPr>
         </p:nvSpPr>
         <p:spPr>
-          <a:xfrm rot="0">
+          <a:xfrm>
             <a:off x="3884930" y="8685530"/>
             <a:ext cx="2972435" cy="459105"/>
           </a:xfrm>
-          <a:prstGeom prst="rect"/>
-        </p:spPr>
-        <p:txBody>
-          <a:bodyPr wrap="square" lIns="91440" tIns="45720" rIns="91440" bIns="45720" numCol="1" vert="horz" anchor="b">
+          <a:prstGeom prst="rect">
+            <a:avLst/>
+          </a:prstGeom>
+        </p:spPr>
+        <p:txBody>
+          <a:bodyPr vert="horz" wrap="square" lIns="91440" tIns="45720" rIns="91440" bIns="45720" anchor="b">
             <a:noAutofit/>
           </a:bodyPr>
           <a:lstStyle/>
@@ -1950,11 +2104,18 @@
             <a:pPr marL="0" indent="0" latinLnBrk="0">
               <a:buFontTx/>
               <a:buNone/>
+              <a:defRPr/>
             </a:pPr>
             <a:fld id="{B9320F77-B9A0-41C5-862A-B4B631284C64}" type="slidenum">
-              <a:rPr lang="ko-KR" altLang="en-US"/>
-              <a:t>1</a:t>
+              <a:rPr lang="en-US" altLang="en-US"/>
+              <a:pPr marL="0" indent="0" latinLnBrk="0">
+                <a:buFontTx/>
+                <a:buNone/>
+                <a:defRPr/>
+              </a:pPr>
+              <a:t>7</a:t>
             </a:fld>
+            <a:endParaRPr lang="en-US" altLang="en-US"/>
           </a:p>
         </p:txBody>
       </p:sp>
@@ -1963,19 +2124,11 @@
   <p:clrMapOvr>
     <a:masterClrMapping/>
   </p:clrMapOvr>
-  <mc:AlternateContent xmlns:mc="http://schemas.openxmlformats.org/markup-compatibility/2006">
-    <mc:Choice xmlns:p14="http://schemas.microsoft.com/office/powerpoint/2010/main" Requires="p14">
-      <p:transition spd="slow" p14:dur="0"/>
-    </mc:Choice>
-    <mc:Fallback>
-      <p:transition spd="slow"/>
-    </mc:Fallback>
-  </mc:AlternateContent>
 </p:notes>
 </file>
 
 <file path=ppt/notesSlides/notesSlide8.xml><?xml version="1.0" encoding="utf-8"?>
-<p:notes xmlns:a="http://schemas.openxmlformats.org/drawingml/2006/main" xmlns:r="http://schemas.openxmlformats.org/officeDocument/2006/relationships" xmlns:p="http://schemas.openxmlformats.org/presentationml/2006/main">
+<p:notes xmlns:r="http://schemas.openxmlformats.org/officeDocument/2006/relationships" xmlns:c="http://schemas.openxmlformats.org/drawingml/2006/chart" xmlns:a="http://schemas.openxmlformats.org/drawingml/2006/main" xmlns:dgm="http://schemas.openxmlformats.org/drawingml/2006/diagram" xmlns:dsp="http://schemas.microsoft.com/office/drawing/2008/diagram" xmlns:p="http://schemas.openxmlformats.org/presentationml/2006/main">
   <p:cSld>
     <p:spTree>
       <p:nvGrpSpPr>
@@ -1995,18 +2148,20 @@
         <p:nvSpPr>
           <p:cNvPr id="2" name="슬라이드 이미지 개체 틀 1"/>
           <p:cNvSpPr>
-            <a:spLocks noChangeAspect="1"/>
-          </p:cNvSpPr>
-          <p:nvPr>
-            <p:ph type="sldImg"/>
-          </p:nvPr>
-        </p:nvSpPr>
-        <p:spPr>
-          <a:xfrm rot="0">
+            <a:spLocks noGrp="1" noRot="1" noChangeAspect="1" noTextEdit="1"/>
+          </p:cNvSpPr>
+          <p:nvPr>
+            <p:ph type="sldImg" idx="0"/>
+          </p:nvPr>
+        </p:nvSpPr>
+        <p:spPr>
+          <a:xfrm>
             <a:off x="685800" y="1143000"/>
             <a:ext cx="5487035" cy="3086735"/>
           </a:xfrm>
-          <a:prstGeom prst="rect"/>
+          <a:prstGeom prst="rect">
+            <a:avLst/>
+          </a:prstGeom>
           <a:noFill/>
           <a:ln w="12700" cap="flat" cmpd="sng">
             <a:solidFill>
@@ -2018,12 +2173,15 @@
           </a:ln>
         </p:spPr>
         <p:txBody>
-          <a:bodyPr wrap="square" lIns="0" tIns="0" rIns="0" bIns="0" vert="horz" anchor="t">
+          <a:bodyPr vert="horz" wrap="square" lIns="0" tIns="0" rIns="0" bIns="0" anchor="t">
             <a:noAutofit/>
           </a:bodyPr>
           <a:lstStyle/>
           <a:p>
-            <a:pPr marL="0" indent="0"/>
+            <a:pPr marL="0" indent="0">
+              <a:defRPr/>
+            </a:pPr>
+            <a:endParaRPr lang="ko-KR" altLang="en-US"/>
           </a:p>
         </p:txBody>
       </p:sp>
@@ -2031,21 +2189,23 @@
         <p:nvSpPr>
           <p:cNvPr id="3" name="슬라이드 노트 개체 틀 2"/>
           <p:cNvSpPr txBox="1">
-            <a:spLocks/>
+            <a:spLocks noGrp="1"/>
           </p:cNvSpPr>
           <p:nvPr>
             <p:ph type="body" idx="1"/>
           </p:nvPr>
         </p:nvSpPr>
         <p:spPr>
-          <a:xfrm rot="0">
+          <a:xfrm>
             <a:off x="685800" y="4400550"/>
             <a:ext cx="5487035" cy="3601085"/>
           </a:xfrm>
-          <a:prstGeom prst="rect"/>
-        </p:spPr>
-        <p:txBody>
-          <a:bodyPr wrap="square" lIns="91440" tIns="45720" rIns="91440" bIns="45720" numCol="1" vert="horz" anchor="t">
+          <a:prstGeom prst="rect">
+            <a:avLst/>
+          </a:prstGeom>
+        </p:spPr>
+        <p:txBody>
+          <a:bodyPr vert="horz" wrap="square" lIns="91440" tIns="45720" rIns="91440" bIns="45720" anchor="t">
             <a:noAutofit/>
           </a:bodyPr>
           <a:lstStyle/>
@@ -2053,7 +2213,13 @@
             <a:pPr marL="0" indent="0" latinLnBrk="0">
               <a:buFontTx/>
               <a:buNone/>
+              <a:defRPr/>
             </a:pPr>
+            <a:r>
+              <a:rPr lang="ko-KR" altLang="en-US"/>
+              <a:t/>
+            </a:r>
+            <a:endParaRPr lang="ko-KR" altLang="en-US"/>
           </a:p>
         </p:txBody>
       </p:sp>
@@ -2061,21 +2227,23 @@
         <p:nvSpPr>
           <p:cNvPr id="4" name="슬라이드 번호 개체 틀 3"/>
           <p:cNvSpPr txBox="1">
-            <a:spLocks/>
+            <a:spLocks noGrp="1"/>
           </p:cNvSpPr>
           <p:nvPr>
             <p:ph type="sldNum" idx="10"/>
           </p:nvPr>
         </p:nvSpPr>
         <p:spPr>
-          <a:xfrm rot="0">
+          <a:xfrm>
             <a:off x="3884930" y="8685530"/>
             <a:ext cx="2972435" cy="459105"/>
           </a:xfrm>
-          <a:prstGeom prst="rect"/>
-        </p:spPr>
-        <p:txBody>
-          <a:bodyPr wrap="square" lIns="91440" tIns="45720" rIns="91440" bIns="45720" numCol="1" vert="horz" anchor="b">
+          <a:prstGeom prst="rect">
+            <a:avLst/>
+          </a:prstGeom>
+        </p:spPr>
+        <p:txBody>
+          <a:bodyPr vert="horz" wrap="square" lIns="91440" tIns="45720" rIns="91440" bIns="45720" anchor="b">
             <a:noAutofit/>
           </a:bodyPr>
           <a:lstStyle/>
@@ -2083,11 +2251,18 @@
             <a:pPr marL="0" indent="0" latinLnBrk="0">
               <a:buFontTx/>
               <a:buNone/>
+              <a:defRPr/>
             </a:pPr>
             <a:fld id="{B9320F77-B9A0-41C5-862A-B4B631284C64}" type="slidenum">
-              <a:rPr lang="ko-KR" altLang="en-US"/>
-              <a:t>1</a:t>
+              <a:rPr lang="en-US" altLang="en-US"/>
+              <a:pPr marL="0" indent="0" latinLnBrk="0">
+                <a:buFontTx/>
+                <a:buNone/>
+                <a:defRPr/>
+              </a:pPr>
+              <a:t>8</a:t>
             </a:fld>
+            <a:endParaRPr lang="en-US" altLang="en-US"/>
           </a:p>
         </p:txBody>
       </p:sp>
@@ -2096,19 +2271,11 @@
   <p:clrMapOvr>
     <a:masterClrMapping/>
   </p:clrMapOvr>
-  <mc:AlternateContent xmlns:mc="http://schemas.openxmlformats.org/markup-compatibility/2006">
-    <mc:Choice xmlns:p14="http://schemas.microsoft.com/office/powerpoint/2010/main" Requires="p14">
-      <p:transition spd="slow" p14:dur="0"/>
-    </mc:Choice>
-    <mc:Fallback>
-      <p:transition spd="slow"/>
-    </mc:Fallback>
-  </mc:AlternateContent>
 </p:notes>
 </file>
 
 <file path=ppt/notesSlides/notesSlide9.xml><?xml version="1.0" encoding="utf-8"?>
-<p:notes xmlns:a="http://schemas.openxmlformats.org/drawingml/2006/main" xmlns:r="http://schemas.openxmlformats.org/officeDocument/2006/relationships" xmlns:p="http://schemas.openxmlformats.org/presentationml/2006/main">
+<p:notes xmlns:r="http://schemas.openxmlformats.org/officeDocument/2006/relationships" xmlns:c="http://schemas.openxmlformats.org/drawingml/2006/chart" xmlns:a="http://schemas.openxmlformats.org/drawingml/2006/main" xmlns:dgm="http://schemas.openxmlformats.org/drawingml/2006/diagram" xmlns:dsp="http://schemas.microsoft.com/office/drawing/2008/diagram" xmlns:p="http://schemas.openxmlformats.org/presentationml/2006/main">
   <p:cSld>
     <p:spTree>
       <p:nvGrpSpPr>
@@ -2128,18 +2295,20 @@
         <p:nvSpPr>
           <p:cNvPr id="2" name="슬라이드 이미지 개체 틀 1"/>
           <p:cNvSpPr>
-            <a:spLocks noChangeAspect="1"/>
-          </p:cNvSpPr>
-          <p:nvPr>
-            <p:ph type="sldImg"/>
-          </p:nvPr>
-        </p:nvSpPr>
-        <p:spPr>
-          <a:xfrm rot="0">
+            <a:spLocks noGrp="1" noRot="1" noChangeAspect="1" noTextEdit="1"/>
+          </p:cNvSpPr>
+          <p:nvPr>
+            <p:ph type="sldImg" idx="0"/>
+          </p:nvPr>
+        </p:nvSpPr>
+        <p:spPr>
+          <a:xfrm>
             <a:off x="685800" y="1143000"/>
             <a:ext cx="5487035" cy="3086735"/>
           </a:xfrm>
-          <a:prstGeom prst="rect"/>
+          <a:prstGeom prst="rect">
+            <a:avLst/>
+          </a:prstGeom>
           <a:noFill/>
           <a:ln w="12700" cap="flat" cmpd="sng">
             <a:solidFill>
@@ -2151,12 +2320,15 @@
           </a:ln>
         </p:spPr>
         <p:txBody>
-          <a:bodyPr wrap="square" lIns="0" tIns="0" rIns="0" bIns="0" vert="horz" anchor="t">
+          <a:bodyPr vert="horz" wrap="square" lIns="0" tIns="0" rIns="0" bIns="0" anchor="t">
             <a:noAutofit/>
           </a:bodyPr>
           <a:lstStyle/>
           <a:p>
-            <a:pPr marL="0" indent="0"/>
+            <a:pPr marL="0" indent="0">
+              <a:defRPr/>
+            </a:pPr>
+            <a:endParaRPr lang="ko-KR" altLang="en-US"/>
           </a:p>
         </p:txBody>
       </p:sp>
@@ -2164,21 +2336,23 @@
         <p:nvSpPr>
           <p:cNvPr id="3" name="슬라이드 노트 개체 틀 2"/>
           <p:cNvSpPr txBox="1">
-            <a:spLocks/>
+            <a:spLocks noGrp="1"/>
           </p:cNvSpPr>
           <p:nvPr>
             <p:ph type="body" idx="1"/>
           </p:nvPr>
         </p:nvSpPr>
         <p:spPr>
-          <a:xfrm rot="0">
+          <a:xfrm>
             <a:off x="685800" y="4400550"/>
             <a:ext cx="5487035" cy="3601085"/>
           </a:xfrm>
-          <a:prstGeom prst="rect"/>
-        </p:spPr>
-        <p:txBody>
-          <a:bodyPr wrap="square" lIns="91440" tIns="45720" rIns="91440" bIns="45720" numCol="1" vert="horz" anchor="t">
+          <a:prstGeom prst="rect">
+            <a:avLst/>
+          </a:prstGeom>
+        </p:spPr>
+        <p:txBody>
+          <a:bodyPr vert="horz" wrap="square" lIns="91440" tIns="45720" rIns="91440" bIns="45720" anchor="t">
             <a:noAutofit/>
           </a:bodyPr>
           <a:lstStyle/>
@@ -2186,7 +2360,13 @@
             <a:pPr marL="0" indent="0" latinLnBrk="0">
               <a:buFontTx/>
               <a:buNone/>
+              <a:defRPr/>
             </a:pPr>
+            <a:r>
+              <a:rPr lang="ko-KR" altLang="en-US"/>
+              <a:t/>
+            </a:r>
+            <a:endParaRPr lang="ko-KR" altLang="en-US"/>
           </a:p>
         </p:txBody>
       </p:sp>
@@ -2194,21 +2374,23 @@
         <p:nvSpPr>
           <p:cNvPr id="4" name="슬라이드 번호 개체 틀 3"/>
           <p:cNvSpPr txBox="1">
-            <a:spLocks/>
+            <a:spLocks noGrp="1"/>
           </p:cNvSpPr>
           <p:nvPr>
             <p:ph type="sldNum" idx="10"/>
           </p:nvPr>
         </p:nvSpPr>
         <p:spPr>
-          <a:xfrm rot="0">
+          <a:xfrm>
             <a:off x="3884930" y="8685530"/>
             <a:ext cx="2972435" cy="459105"/>
           </a:xfrm>
-          <a:prstGeom prst="rect"/>
-        </p:spPr>
-        <p:txBody>
-          <a:bodyPr wrap="square" lIns="91440" tIns="45720" rIns="91440" bIns="45720" numCol="1" vert="horz" anchor="b">
+          <a:prstGeom prst="rect">
+            <a:avLst/>
+          </a:prstGeom>
+        </p:spPr>
+        <p:txBody>
+          <a:bodyPr vert="horz" wrap="square" lIns="91440" tIns="45720" rIns="91440" bIns="45720" anchor="b">
             <a:noAutofit/>
           </a:bodyPr>
           <a:lstStyle/>
@@ -2216,11 +2398,18 @@
             <a:pPr marL="0" indent="0" latinLnBrk="0">
               <a:buFontTx/>
               <a:buNone/>
+              <a:defRPr/>
             </a:pPr>
             <a:fld id="{B9320F77-B9A0-41C5-862A-B4B631284C64}" type="slidenum">
-              <a:rPr lang="ko-KR" altLang="en-US"/>
-              <a:t>1</a:t>
+              <a:rPr lang="en-US" altLang="en-US"/>
+              <a:pPr marL="0" indent="0" latinLnBrk="0">
+                <a:buFontTx/>
+                <a:buNone/>
+                <a:defRPr/>
+              </a:pPr>
+              <a:t>9</a:t>
             </a:fld>
+            <a:endParaRPr lang="en-US" altLang="en-US"/>
           </a:p>
         </p:txBody>
       </p:sp>
@@ -2229,14 +2418,6 @@
   <p:clrMapOvr>
     <a:masterClrMapping/>
   </p:clrMapOvr>
-  <mc:AlternateContent xmlns:mc="http://schemas.openxmlformats.org/markup-compatibility/2006">
-    <mc:Choice xmlns:p14="http://schemas.microsoft.com/office/powerpoint/2010/main" Requires="p14">
-      <p:transition spd="slow" p14:dur="0"/>
-    </mc:Choice>
-    <mc:Fallback>
-      <p:transition spd="slow"/>
-    </mc:Fallback>
-  </mc:AlternateContent>
 </p:notes>
 </file>
 
@@ -7942,7 +8123,7 @@
 </file>
 
 <file path=ppt/slides/slide7.xml><?xml version="1.0" encoding="utf-8"?>
-<p:sld xmlns:a="http://schemas.openxmlformats.org/drawingml/2006/main" xmlns:r="http://schemas.openxmlformats.org/officeDocument/2006/relationships" xmlns:p="http://schemas.openxmlformats.org/presentationml/2006/main">
+<p:sld xmlns:r="http://schemas.openxmlformats.org/officeDocument/2006/relationships" xmlns:c="http://schemas.openxmlformats.org/drawingml/2006/chart" xmlns:a="http://schemas.openxmlformats.org/drawingml/2006/main" xmlns:dgm="http://schemas.openxmlformats.org/drawingml/2006/diagram" xmlns:dsp="http://schemas.microsoft.com/office/drawing/2008/diagram" xmlns:p="http://schemas.openxmlformats.org/presentationml/2006/main">
   <p:cSld>
     <p:spTree>
       <p:nvGrpSpPr>
@@ -7967,34 +8148,38 @@
           <p:nvPr/>
         </p:nvSpPr>
         <p:spPr>
-          <a:xfrm rot="0">
+          <a:xfrm>
             <a:off x="0" y="0"/>
             <a:ext cx="12193270" cy="771525"/>
           </a:xfrm>
-          <a:prstGeom prst="rect"/>
+          <a:prstGeom prst="rect">
+            <a:avLst/>
+          </a:prstGeom>
           <a:solidFill>
-            <a:srgbClr val="5B9BD5"/>
+            <a:srgbClr val="5b9bd5"/>
           </a:solidFill>
           <a:ln w="12700" cap="flat" cmpd="sng">
             <a:solidFill>
-              <a:srgbClr val="FFFFFF">
+              <a:srgbClr val="ffffff">
                 <a:alpha val="100000"/>
               </a:srgbClr>
             </a:solidFill>
             <a:prstDash val="solid"/>
-            <a:miter lim="800000"/>
+            <a:miter/>
           </a:ln>
         </p:spPr>
         <p:txBody>
-          <a:bodyPr wrap="square" lIns="0" tIns="0" rIns="0" bIns="0" vert="horz" anchor="t">
+          <a:bodyPr vert="horz" wrap="square" lIns="0" tIns="0" rIns="0" bIns="0" anchor="t">
             <a:noAutofit/>
           </a:bodyPr>
           <a:lstStyle/>
           <a:p>
-            <a:pPr marL="0" indent="0"/>
+            <a:pPr marL="0" indent="0">
+              <a:defRPr/>
+            </a:pPr>
             <a:endParaRPr lang="ko-KR" altLang="en-US" sz="1800">
-              <a:latin typeface="맑은 고딕" charset="0"/>
-              <a:ea typeface="맑은 고딕" charset="0"/>
+              <a:latin typeface="맑은 고딕"/>
+              <a:ea typeface="맑은 고딕"/>
             </a:endParaRPr>
           </a:p>
         </p:txBody>
@@ -8008,30 +8193,33 @@
           <p:nvPr/>
         </p:nvSpPr>
         <p:spPr>
-          <a:xfrm rot="0">
+          <a:xfrm>
             <a:off x="135255" y="63500"/>
             <a:ext cx="9632950" cy="646430"/>
           </a:xfrm>
-          <a:prstGeom prst="rect"/>
+          <a:prstGeom prst="rect">
+            <a:avLst/>
+          </a:prstGeom>
           <a:ln w="0">
             <a:noFill/>
-            <a:prstDash/>
           </a:ln>
         </p:spPr>
         <p:txBody>
-          <a:bodyPr wrap="square" lIns="0" tIns="0" rIns="0" bIns="0" vert="horz" anchor="t">
+          <a:bodyPr vert="horz" wrap="square" lIns="0" tIns="0" rIns="0" bIns="0" anchor="t">
             <a:noAutofit/>
           </a:bodyPr>
           <a:lstStyle/>
           <a:p>
-            <a:pPr marL="0" indent="0"/>
+            <a:pPr marL="0" indent="0">
+              <a:defRPr/>
+            </a:pPr>
             <a:r>
               <a:rPr lang="ko-KR" sz="3600">
                 <a:solidFill>
-                  <a:srgbClr val="FFFFFF"/>
+                  <a:srgbClr val="ffffff"/>
                 </a:solidFill>
-                <a:latin typeface="나눔스퀘어 Light" charset="0"/>
-                <a:ea typeface="나눔스퀘어 Light" charset="0"/>
+                <a:latin typeface="나눔스퀘어 Light"/>
+                <a:ea typeface="나눔스퀘어 Light"/>
               </a:rPr>
               <a:t>Server Code (POST Method)</a:t>
             </a:r>
@@ -8039,8 +8227,8 @@
               <a:solidFill>
                 <a:schemeClr val="bg1"/>
               </a:solidFill>
-              <a:latin typeface="나눔스퀘어" charset="0"/>
-              <a:ea typeface="나눔스퀘어" charset="0"/>
+              <a:latin typeface="나눔스퀘어"/>
+              <a:ea typeface="나눔스퀘어"/>
             </a:endParaRPr>
           </a:p>
         </p:txBody>
@@ -8054,40 +8242,36 @@
           <p:nvPr/>
         </p:nvPicPr>
         <p:blipFill rotWithShape="1">
-          <a:blip r:embed="rId2" cstate="print">
-            <a:extLst>
-              <a:ext uri="{28A0092B-C50C-407E-A947-70E740481C1C}">
-                <a14:useLocalDpi xmlns:a14="http://schemas.microsoft.com/office/drawing/2010/main" val="0"/>
-              </a:ext>
-            </a:extLst>
-          </a:blip>
+          <a:blip r:embed="rId3"/>
           <a:stretch>
             <a:fillRect/>
           </a:stretch>
         </p:blipFill>
         <p:spPr>
-          <a:xfrm rot="0">
+          <a:xfrm>
             <a:off x="0" y="769620"/>
             <a:ext cx="4238625" cy="5800090"/>
           </a:xfrm>
-          <a:prstGeom prst="rect"/>
+          <a:prstGeom prst="rect">
+            <a:avLst/>
+          </a:prstGeom>
           <a:noFill/>
         </p:spPr>
       </p:pic>
       <p:sp>
         <p:nvSpPr>
           <p:cNvPr id="12" name="텍스트 상자 44"/>
-          <p:cNvSpPr txBox="1">
-            <a:spLocks/>
-          </p:cNvSpPr>
+          <p:cNvSpPr txBox="1"/>
           <p:nvPr/>
         </p:nvSpPr>
         <p:spPr>
-          <a:xfrm rot="0">
+          <a:xfrm>
             <a:off x="-3175" y="6577330"/>
-            <a:ext cx="4232910" cy="277495"/>
-          </a:xfrm>
-          <a:prstGeom prst="rect"/>
+            <a:ext cx="4954905" cy="277495"/>
+          </a:xfrm>
+          <a:prstGeom prst="rect">
+            <a:avLst/>
+          </a:prstGeom>
           <a:noFill/>
           <a:ln w="0" cap="flat" cmpd="sng">
             <a:solidFill>
@@ -8099,12 +8283,14 @@
           </a:ln>
         </p:spPr>
         <p:txBody>
-          <a:bodyPr wrap="square" lIns="0" tIns="0" rIns="0" bIns="0" vert="horz" anchor="t">
+          <a:bodyPr vert="horz" wrap="square" lIns="0" tIns="0" rIns="0" bIns="0" anchor="t">
             <a:noAutofit/>
           </a:bodyPr>
           <a:lstStyle/>
           <a:p>
-            <a:pPr marL="0" indent="0" algn="ctr"/>
+            <a:pPr marL="0" indent="0" algn="ctr">
+              <a:defRPr/>
+            </a:pPr>
             <a:r>
               <a:rPr lang="ko-KR" sz="1800">
                 <a:solidFill>
@@ -8113,9 +8299,34 @@
               </a:rPr>
               <a:t>주고 받을 데이터 객체</a:t>
             </a:r>
-            <a:endParaRPr lang="ko-KR" altLang="en-US" sz="1800">
-              <a:latin typeface="맑은 고딕" charset="0"/>
-              <a:ea typeface="맑은 고딕" charset="0"/>
+            <a:r>
+              <a:rPr lang="en-US" altLang="ko-KR" sz="1800">
+                <a:solidFill>
+                  <a:srgbClr val="000000"/>
+                </a:solidFill>
+              </a:rPr>
+              <a:t>(</a:t>
+            </a:r>
+            <a:r>
+              <a:rPr lang="ko-KR" altLang="en-US" sz="1800">
+                <a:solidFill>
+                  <a:srgbClr val="000000"/>
+                </a:solidFill>
+              </a:rPr>
+              <a:t>클라이언트에서도 사용</a:t>
+            </a:r>
+            <a:r>
+              <a:rPr lang="en-US" altLang="ko-KR" sz="1800">
+                <a:solidFill>
+                  <a:srgbClr val="000000"/>
+                </a:solidFill>
+              </a:rPr>
+              <a:t>)</a:t>
+            </a:r>
+            <a:endParaRPr lang="en-US" altLang="ko-KR" sz="1800">
+              <a:solidFill>
+                <a:srgbClr val="000000"/>
+              </a:solidFill>
             </a:endParaRPr>
           </a:p>
         </p:txBody>
@@ -8129,40 +8340,36 @@
           <p:nvPr/>
         </p:nvPicPr>
         <p:blipFill rotWithShape="1">
-          <a:blip r:embed="rId3" cstate="print">
-            <a:extLst>
-              <a:ext uri="{28A0092B-C50C-407E-A947-70E740481C1C}">
-                <a14:useLocalDpi xmlns:a14="http://schemas.microsoft.com/office/drawing/2010/main" val="0"/>
-              </a:ext>
-            </a:extLst>
-          </a:blip>
+          <a:blip r:embed="rId4"/>
           <a:stretch>
             <a:fillRect/>
           </a:stretch>
         </p:blipFill>
         <p:spPr>
-          <a:xfrm rot="0">
+          <a:xfrm>
             <a:off x="6252210" y="775970"/>
             <a:ext cx="5937885" cy="5784850"/>
           </a:xfrm>
-          <a:prstGeom prst="rect"/>
+          <a:prstGeom prst="rect">
+            <a:avLst/>
+          </a:prstGeom>
           <a:noFill/>
         </p:spPr>
       </p:pic>
       <p:sp>
         <p:nvSpPr>
           <p:cNvPr id="15" name="텍스트 상자 48"/>
-          <p:cNvSpPr txBox="1">
-            <a:spLocks/>
-          </p:cNvSpPr>
+          <p:cNvSpPr txBox="1"/>
           <p:nvPr/>
         </p:nvSpPr>
         <p:spPr>
-          <a:xfrm rot="0">
+          <a:xfrm>
             <a:off x="6252845" y="6577965"/>
             <a:ext cx="5934710" cy="277495"/>
           </a:xfrm>
-          <a:prstGeom prst="rect"/>
+          <a:prstGeom prst="rect">
+            <a:avLst/>
+          </a:prstGeom>
           <a:noFill/>
           <a:ln w="0" cap="flat" cmpd="sng">
             <a:solidFill>
@@ -8174,12 +8381,14 @@
           </a:ln>
         </p:spPr>
         <p:txBody>
-          <a:bodyPr wrap="square" lIns="0" tIns="0" rIns="0" bIns="0" vert="horz" anchor="t">
+          <a:bodyPr vert="horz" wrap="square" lIns="0" tIns="0" rIns="0" bIns="0" anchor="t">
             <a:noAutofit/>
           </a:bodyPr>
           <a:lstStyle/>
           <a:p>
-            <a:pPr marL="0" indent="0" algn="ctr"/>
+            <a:pPr marL="0" indent="0" algn="ctr">
+              <a:defRPr/>
+            </a:pPr>
             <a:r>
               <a:rPr lang="ko-KR" sz="1800">
                 <a:solidFill>
@@ -8189,8 +8398,8 @@
               <a:t>간단하게 만들기 위해 application 영역에 저장해서 사용</a:t>
             </a:r>
             <a:endParaRPr lang="ko-KR" altLang="en-US" sz="1800">
-              <a:latin typeface="맑은 고딕" charset="0"/>
-              <a:ea typeface="맑은 고딕" charset="0"/>
+              <a:latin typeface="맑은 고딕"/>
+              <a:ea typeface="맑은 고딕"/>
             </a:endParaRPr>
           </a:p>
         </p:txBody>
@@ -8202,10 +8411,10 @@
   </p:clrMapOvr>
   <mc:AlternateContent xmlns:mc="http://schemas.openxmlformats.org/markup-compatibility/2006">
     <mc:Choice xmlns:p14="http://schemas.microsoft.com/office/powerpoint/2010/main" Requires="p14">
-      <p:transition spd="slow" p14:dur="2000"/>
+      <p:transition xmlns:mc="http://schemas.openxmlformats.org/markup-compatibility/2006" xmlns:p14="http://schemas.microsoft.com/office/powerpoint/2010/main" spd="med" mc:Ignorable="p14" p14:dur="2000"/>
     </mc:Choice>
     <mc:Fallback>
-      <p:transition spd="slow"/>
+      <p:transition/>
     </mc:Fallback>
   </mc:AlternateContent>
   <p:timing>
@@ -8984,44 +9193,44 @@
 </file>
 
 <file path=ppt/theme/theme1.xml><?xml version="1.0" encoding="utf-8"?>
-<a:theme xmlns:a="http://schemas.openxmlformats.org/drawingml/2006/main" name="Office 테마">
+<a:theme xmlns:r="http://schemas.openxmlformats.org/officeDocument/2006/relationships" xmlns:c="http://schemas.openxmlformats.org/drawingml/2006/chart" xmlns:dgm="http://schemas.openxmlformats.org/drawingml/2006/diagram" xmlns:dsp="http://schemas.microsoft.com/office/drawing/2008/diagram" xmlns:a="http://schemas.openxmlformats.org/drawingml/2006/main" xmlns:pic="http://schemas.openxmlformats.org/drawingml/2006/picture" xmlns:wp="http://schemas.openxmlformats.org/drawingml/2006/wordprocessingDrawing" xmlns:xdr="http://schemas.openxmlformats.org/drawingml/2006/spreadsheetDrawing" xmlns:lc="http://schemas.openxmlformats.org/drawingml/2006/lockedCanvas" xmlns:p="http://schemas.openxmlformats.org/presentationml/2006/main" name="Office 테마">
   <a:themeElements>
     <a:clrScheme name="Office">
       <a:dk1>
         <a:sysClr val="windowText" lastClr="000000"/>
       </a:dk1>
       <a:lt1>
-        <a:sysClr val="window" lastClr="FFFFFF"/>
+        <a:sysClr val="window" lastClr="ffffff"/>
       </a:lt1>
       <a:dk2>
-        <a:srgbClr val="44546A"/>
+        <a:srgbClr val="44546a"/>
       </a:dk2>
       <a:lt2>
-        <a:srgbClr val="E7E6E6"/>
+        <a:srgbClr val="e7e6e6"/>
       </a:lt2>
       <a:accent1>
-        <a:srgbClr val="5B9BD5"/>
+        <a:srgbClr val="5b9bd5"/>
       </a:accent1>
       <a:accent2>
-        <a:srgbClr val="ED7D31"/>
+        <a:srgbClr val="ed7d31"/>
       </a:accent2>
       <a:accent3>
-        <a:srgbClr val="A5A5A5"/>
+        <a:srgbClr val="a5a5a5"/>
       </a:accent3>
       <a:accent4>
-        <a:srgbClr val="FFC000"/>
+        <a:srgbClr val="ffc000"/>
       </a:accent4>
       <a:accent5>
-        <a:srgbClr val="4472C4"/>
+        <a:srgbClr val="4472c4"/>
       </a:accent5>
       <a:accent6>
-        <a:srgbClr val="70AD47"/>
+        <a:srgbClr val="70ad47"/>
       </a:accent6>
       <a:hlink>
-        <a:srgbClr val="0563C1"/>
+        <a:srgbClr val="0563c1"/>
       </a:hlink>
       <a:folHlink>
-        <a:srgbClr val="954F72"/>
+        <a:srgbClr val="954f72"/>
       </a:folHlink>
     </a:clrScheme>
     <a:fontScheme name="Office">
@@ -9029,7 +9238,7 @@
         <a:latin typeface="맑은 고딕" panose="020F0302020204030204"/>
         <a:ea typeface=""/>
         <a:cs typeface=""/>
-        <a:font script="Jpan" typeface="游ゴシック Light"/>
+        <a:font script="Jpan" typeface="Yu Gothic Light"/>
         <a:font script="Hang" typeface="맑은 고딕"/>
         <a:font script="Hans" typeface="等线 Light"/>
         <a:font script="Hant" typeface="新細明體"/>
@@ -9064,7 +9273,7 @@
         <a:latin typeface="맑은 고딕" panose="020F0502020204030204"/>
         <a:ea typeface=""/>
         <a:cs typeface=""/>
-        <a:font script="Jpan" typeface="游ゴシック"/>
+        <a:font script="Jpan" typeface="Yu Gothic"/>
         <a:font script="Hang" typeface="맑은 고딕"/>
         <a:font script="Hans" typeface="等线"/>
         <a:font script="Hant" typeface="新細明體"/>
@@ -9160,21 +9369,21 @@
             <a:schemeClr val="phClr"/>
           </a:solidFill>
           <a:prstDash val="solid"/>
-          <a:miter lim="800000"/>
+          <a:miter/>
         </a:ln>
         <a:ln w="12700" cap="flat" cmpd="sng" algn="ctr">
           <a:solidFill>
             <a:schemeClr val="phClr"/>
           </a:solidFill>
           <a:prstDash val="solid"/>
-          <a:miter lim="800000"/>
+          <a:miter/>
         </a:ln>
         <a:ln w="19050" cap="flat" cmpd="sng" algn="ctr">
           <a:solidFill>
             <a:schemeClr val="phClr"/>
           </a:solidFill>
           <a:prstDash val="solid"/>
-          <a:miter lim="800000"/>
+          <a:miter/>
         </a:ln>
       </a:lnStyleLst>
       <a:effectStyleLst>
@@ -9234,55 +9443,48 @@
       </a:bgFillStyleLst>
     </a:fmtScheme>
   </a:themeElements>
-  <a:objectDefaults/>
-  <a:extraClrSchemeLst/>
-  <a:extLst>
-    <a:ext uri="{05A4C25C-085E-4340-85A3-A5531E510DB2}">
-      <thm15:themeFamily xmlns:thm15="http://schemas.microsoft.com/office/thememl/2012/main" name="Office Theme" id="{62F939B6-93AF-4DB8-9C6B-D6C7DFDC589F}" vid="{4A3C46E8-61CC-4603-A589-7422A47A8E4A}"/>
-    </a:ext>
-  </a:extLst>
 </a:theme>
 </file>
 
 <file path=ppt/theme/theme2.xml><?xml version="1.0" encoding="utf-8"?>
-<a:theme xmlns:a="http://schemas.openxmlformats.org/drawingml/2006/main" name="Office 테마">
+<a:theme xmlns:r="http://schemas.openxmlformats.org/officeDocument/2006/relationships" xmlns:c="http://schemas.openxmlformats.org/drawingml/2006/chart" xmlns:dgm="http://schemas.openxmlformats.org/drawingml/2006/diagram" xmlns:dsp="http://schemas.microsoft.com/office/drawing/2008/diagram" xmlns:a="http://schemas.openxmlformats.org/drawingml/2006/main" xmlns:pic="http://schemas.openxmlformats.org/drawingml/2006/picture" xmlns:wp="http://schemas.openxmlformats.org/drawingml/2006/wordprocessingDrawing" xmlns:xdr="http://schemas.openxmlformats.org/drawingml/2006/spreadsheetDrawing" xmlns:lc="http://schemas.openxmlformats.org/drawingml/2006/lockedCanvas" xmlns:p="http://schemas.openxmlformats.org/presentationml/2006/main" name="Office 테마">
   <a:themeElements>
     <a:clrScheme name="Office">
       <a:dk1>
         <a:sysClr val="windowText" lastClr="000000"/>
       </a:dk1>
       <a:lt1>
-        <a:sysClr val="window" lastClr="FFFFFF"/>
+        <a:sysClr val="window" lastClr="ffffff"/>
       </a:lt1>
       <a:dk2>
-        <a:srgbClr val="44546A"/>
+        <a:srgbClr val="44546a"/>
       </a:dk2>
       <a:lt2>
-        <a:srgbClr val="E7E6E6"/>
+        <a:srgbClr val="e7e6e6"/>
       </a:lt2>
       <a:accent1>
-        <a:srgbClr val="5B9BD5"/>
+        <a:srgbClr val="5b9bd5"/>
       </a:accent1>
       <a:accent2>
-        <a:srgbClr val="ED7D31"/>
+        <a:srgbClr val="ed7d31"/>
       </a:accent2>
       <a:accent3>
-        <a:srgbClr val="A5A5A5"/>
+        <a:srgbClr val="a5a5a5"/>
       </a:accent3>
       <a:accent4>
-        <a:srgbClr val="FFC000"/>
+        <a:srgbClr val="ffc000"/>
       </a:accent4>
       <a:accent5>
-        <a:srgbClr val="4472C4"/>
+        <a:srgbClr val="4472c4"/>
       </a:accent5>
       <a:accent6>
-        <a:srgbClr val="70AD47"/>
+        <a:srgbClr val="70ad47"/>
       </a:accent6>
       <a:hlink>
-        <a:srgbClr val="0563C1"/>
+        <a:srgbClr val="0563c1"/>
       </a:hlink>
       <a:folHlink>
-        <a:srgbClr val="954F72"/>
+        <a:srgbClr val="954f72"/>
       </a:folHlink>
     </a:clrScheme>
     <a:fontScheme name="Office">
@@ -9290,7 +9492,7 @@
         <a:latin typeface="맑은 고딕" panose="020F0302020204030204"/>
         <a:ea typeface=""/>
         <a:cs typeface=""/>
-        <a:font script="Jpan" typeface="游ゴシック Light"/>
+        <a:font script="Jpan" typeface="Yu Gothic Light"/>
         <a:font script="Hang" typeface="맑은 고딕"/>
         <a:font script="Hans" typeface="等线 Light"/>
         <a:font script="Hant" typeface="新細明體"/>
@@ -9325,7 +9527,7 @@
         <a:latin typeface="맑은 고딕" panose="020F0502020204030204"/>
         <a:ea typeface=""/>
         <a:cs typeface=""/>
-        <a:font script="Jpan" typeface="游ゴシック"/>
+        <a:font script="Jpan" typeface="Yu Gothic"/>
         <a:font script="Hang" typeface="맑은 고딕"/>
         <a:font script="Hans" typeface="等线"/>
         <a:font script="Hant" typeface="新細明體"/>
@@ -9421,21 +9623,21 @@
             <a:schemeClr val="phClr"/>
           </a:solidFill>
           <a:prstDash val="solid"/>
-          <a:miter lim="800000"/>
+          <a:miter/>
         </a:ln>
         <a:ln w="12700" cap="flat" cmpd="sng" algn="ctr">
           <a:solidFill>
             <a:schemeClr val="phClr"/>
           </a:solidFill>
           <a:prstDash val="solid"/>
-          <a:miter lim="800000"/>
+          <a:miter/>
         </a:ln>
         <a:ln w="19050" cap="flat" cmpd="sng" algn="ctr">
           <a:solidFill>
             <a:schemeClr val="phClr"/>
           </a:solidFill>
           <a:prstDash val="solid"/>
-          <a:miter lim="800000"/>
+          <a:miter/>
         </a:ln>
       </a:lnStyleLst>
       <a:effectStyleLst>
@@ -9495,55 +9697,48 @@
       </a:bgFillStyleLst>
     </a:fmtScheme>
   </a:themeElements>
-  <a:objectDefaults/>
-  <a:extraClrSchemeLst/>
-  <a:extLst>
-    <a:ext uri="{05A4C25C-085E-4340-85A3-A5531E510DB2}">
-      <thm15:themeFamily xmlns:thm15="http://schemas.microsoft.com/office/thememl/2012/main" name="Office Theme" id="{62F939B6-93AF-4DB8-9C6B-D6C7DFDC589F}" vid="{4A3C46E8-61CC-4603-A589-7422A47A8E4A}"/>
-    </a:ext>
-  </a:extLst>
 </a:theme>
 </file>
 
 <file path=ppt/theme/theme3.xml><?xml version="1.0" encoding="utf-8"?>
-<a:theme xmlns:a="http://schemas.openxmlformats.org/drawingml/2006/main" name="Office 테마">
+<a:theme xmlns:r="http://schemas.openxmlformats.org/officeDocument/2006/relationships" xmlns:c="http://schemas.openxmlformats.org/drawingml/2006/chart" xmlns:dgm="http://schemas.openxmlformats.org/drawingml/2006/diagram" xmlns:dsp="http://schemas.microsoft.com/office/drawing/2008/diagram" xmlns:a="http://schemas.openxmlformats.org/drawingml/2006/main" xmlns:pic="http://schemas.openxmlformats.org/drawingml/2006/picture" xmlns:wp="http://schemas.openxmlformats.org/drawingml/2006/wordprocessingDrawing" xmlns:xdr="http://schemas.openxmlformats.org/drawingml/2006/spreadsheetDrawing" xmlns:lc="http://schemas.openxmlformats.org/drawingml/2006/lockedCanvas" xmlns:p="http://schemas.openxmlformats.org/presentationml/2006/main" name="Office 테마">
   <a:themeElements>
     <a:clrScheme name="Office">
       <a:dk1>
         <a:sysClr val="windowText" lastClr="000000"/>
       </a:dk1>
       <a:lt1>
-        <a:sysClr val="window" lastClr="FFFFFF"/>
+        <a:sysClr val="window" lastClr="ffffff"/>
       </a:lt1>
       <a:dk2>
-        <a:srgbClr val="44546A"/>
+        <a:srgbClr val="44546a"/>
       </a:dk2>
       <a:lt2>
-        <a:srgbClr val="E7E6E6"/>
+        <a:srgbClr val="e7e6e6"/>
       </a:lt2>
       <a:accent1>
-        <a:srgbClr val="5B9BD5"/>
+        <a:srgbClr val="5b9bd5"/>
       </a:accent1>
       <a:accent2>
-        <a:srgbClr val="ED7D31"/>
+        <a:srgbClr val="ed7d31"/>
       </a:accent2>
       <a:accent3>
-        <a:srgbClr val="A5A5A5"/>
+        <a:srgbClr val="a5a5a5"/>
       </a:accent3>
       <a:accent4>
-        <a:srgbClr val="FFC000"/>
+        <a:srgbClr val="ffc000"/>
       </a:accent4>
       <a:accent5>
-        <a:srgbClr val="4472C4"/>
+        <a:srgbClr val="4472c4"/>
       </a:accent5>
       <a:accent6>
-        <a:srgbClr val="70AD47"/>
+        <a:srgbClr val="70ad47"/>
       </a:accent6>
       <a:hlink>
-        <a:srgbClr val="0563C1"/>
+        <a:srgbClr val="0563c1"/>
       </a:hlink>
       <a:folHlink>
-        <a:srgbClr val="954F72"/>
+        <a:srgbClr val="954f72"/>
       </a:folHlink>
     </a:clrScheme>
     <a:fontScheme name="Office">
@@ -9551,7 +9746,7 @@
         <a:latin typeface="맑은 고딕" panose="020F0302020204030204"/>
         <a:ea typeface=""/>
         <a:cs typeface=""/>
-        <a:font script="Jpan" typeface="游ゴシック Light"/>
+        <a:font script="Jpan" typeface="Yu Gothic Light"/>
         <a:font script="Hang" typeface="맑은 고딕"/>
         <a:font script="Hans" typeface="等线 Light"/>
         <a:font script="Hant" typeface="新細明體"/>
@@ -9586,7 +9781,7 @@
         <a:latin typeface="맑은 고딕" panose="020F0502020204030204"/>
         <a:ea typeface=""/>
         <a:cs typeface=""/>
-        <a:font script="Jpan" typeface="游ゴシック"/>
+        <a:font script="Jpan" typeface="Yu Gothic"/>
         <a:font script="Hang" typeface="맑은 고딕"/>
         <a:font script="Hans" typeface="等线"/>
         <a:font script="Hant" typeface="新細明體"/>
@@ -9682,21 +9877,21 @@
             <a:schemeClr val="phClr"/>
           </a:solidFill>
           <a:prstDash val="solid"/>
-          <a:miter lim="800000"/>
+          <a:miter/>
         </a:ln>
         <a:ln w="12700" cap="flat" cmpd="sng" algn="ctr">
           <a:solidFill>
             <a:schemeClr val="phClr"/>
           </a:solidFill>
           <a:prstDash val="solid"/>
-          <a:miter lim="800000"/>
+          <a:miter/>
         </a:ln>
         <a:ln w="19050" cap="flat" cmpd="sng" algn="ctr">
           <a:solidFill>
             <a:schemeClr val="phClr"/>
           </a:solidFill>
           <a:prstDash val="solid"/>
-          <a:miter lim="800000"/>
+          <a:miter/>
         </a:ln>
       </a:lnStyleLst>
       <a:effectStyleLst>
@@ -9756,12 +9951,5 @@
       </a:bgFillStyleLst>
     </a:fmtScheme>
   </a:themeElements>
-  <a:objectDefaults/>
-  <a:extraClrSchemeLst/>
-  <a:extLst>
-    <a:ext uri="{05A4C25C-085E-4340-85A3-A5531E510DB2}">
-      <thm15:themeFamily xmlns:thm15="http://schemas.microsoft.com/office/thememl/2012/main" name="Office Theme" id="{62F939B6-93AF-4DB8-9C6B-D6C7DFDC589F}" vid="{4A3C46E8-61CC-4603-A589-7422A47A8E4A}"/>
-    </a:ext>
-  </a:extLst>
 </a:theme>
 </file>
--- a/REST API, Spring Framework.pptx
+++ b/REST API, Spring Framework.pptx
@@ -2,7 +2,7 @@
 <file path=ppt/presentation.xml><?xml version="1.0" encoding="utf-8"?>
 <p:presentation xmlns:r="http://schemas.openxmlformats.org/officeDocument/2006/relationships" xmlns:c="http://schemas.openxmlformats.org/drawingml/2006/chart" xmlns:a="http://schemas.openxmlformats.org/drawingml/2006/main" xmlns:dgm="http://schemas.openxmlformats.org/drawingml/2006/diagram" xmlns:dsp="http://schemas.microsoft.com/office/drawing/2008/diagram" xmlns:p="http://schemas.openxmlformats.org/presentationml/2006/main">
   <p:sldMasterIdLst>
-    <p:sldMasterId id="2147483698" r:id="rId1"/>
+    <p:sldMasterId id="2147483662" r:id="rId1"/>
   </p:sldMasterIdLst>
   <p:notesMasterIdLst>
     <p:notesMasterId r:id="rId2"/>
@@ -228,7 +228,7 @@
               <a:pPr lvl="0">
                 <a:defRPr/>
               </a:pPr>
-              <a:t>2021-11-14</a:t>
+              <a:t>2021-11-15</a:t>
             </a:fld>
             <a:endParaRPr lang="ko-KR" altLang="en-US"/>
           </a:p>
@@ -414,7 +414,7 @@
               <a:pPr lvl="0">
                 <a:defRPr/>
               </a:pPr>
-              <a:t>2021-11-14</a:t>
+              <a:t>2021-11-15</a:t>
             </a:fld>
             <a:endParaRPr lang="ko-KR" altLang="en-US"/>
           </a:p>
@@ -944,10 +944,10 @@
               <a:defRPr/>
             </a:pPr>
             <a:r>
-              <a:rPr lang="en-US" altLang="ko-KR"/>
+              <a:rPr lang="ko-KR" altLang="en-US"/>
               <a:t/>
             </a:r>
-            <a:endParaRPr lang="en-US" altLang="ko-KR"/>
+            <a:endParaRPr lang="ko-KR" altLang="en-US"/>
           </a:p>
         </p:txBody>
       </p:sp>
@@ -1091,10 +1091,10 @@
               <a:defRPr/>
             </a:pPr>
             <a:r>
-              <a:rPr lang="en-US" altLang="ko-KR"/>
+              <a:rPr lang="ko-KR" altLang="en-US"/>
               <a:t/>
             </a:r>
-            <a:endParaRPr lang="en-US" altLang="ko-KR"/>
+            <a:endParaRPr lang="ko-KR" altLang="en-US"/>
           </a:p>
         </p:txBody>
       </p:sp>
@@ -1135,7 +1135,7 @@
                 <a:buNone/>
                 <a:defRPr/>
               </a:pPr>
-              <a:t>16</a:t>
+              <a:t>11</a:t>
             </a:fld>
             <a:endParaRPr lang="en-US" altLang="en-US"/>
           </a:p>
@@ -1238,10 +1238,10 @@
               <a:defRPr/>
             </a:pPr>
             <a:r>
-              <a:rPr lang="en-US" altLang="ko-KR"/>
+              <a:rPr lang="ko-KR" altLang="en-US"/>
               <a:t/>
             </a:r>
-            <a:endParaRPr lang="en-US" altLang="ko-KR"/>
+            <a:endParaRPr lang="ko-KR" altLang="en-US"/>
           </a:p>
         </p:txBody>
       </p:sp>
@@ -1385,10 +1385,10 @@
               <a:defRPr/>
             </a:pPr>
             <a:r>
-              <a:rPr lang="en-US" altLang="ko-KR"/>
+              <a:rPr lang="ko-KR" altLang="en-US"/>
               <a:t/>
             </a:r>
-            <a:endParaRPr lang="en-US" altLang="ko-KR"/>
+            <a:endParaRPr lang="ko-KR" altLang="en-US"/>
           </a:p>
         </p:txBody>
       </p:sp>
@@ -1532,10 +1532,10 @@
               <a:defRPr/>
             </a:pPr>
             <a:r>
-              <a:rPr lang="en-US" altLang="ko-KR"/>
+              <a:rPr lang="ko-KR" altLang="en-US"/>
               <a:t/>
             </a:r>
-            <a:endParaRPr lang="en-US" altLang="ko-KR"/>
+            <a:endParaRPr lang="ko-KR" altLang="en-US"/>
           </a:p>
         </p:txBody>
       </p:sp>
@@ -1679,10 +1679,10 @@
               <a:defRPr/>
             </a:pPr>
             <a:r>
-              <a:rPr lang="en-US" altLang="ko-KR"/>
+              <a:rPr lang="ko-KR" altLang="en-US"/>
               <a:t/>
             </a:r>
-            <a:endParaRPr lang="en-US" altLang="ko-KR"/>
+            <a:endParaRPr lang="ko-KR" altLang="en-US"/>
           </a:p>
         </p:txBody>
       </p:sp>
@@ -1826,10 +1826,10 @@
               <a:defRPr/>
             </a:pPr>
             <a:r>
-              <a:rPr lang="en-US" altLang="ko-KR"/>
+              <a:rPr lang="ko-KR" altLang="en-US"/>
               <a:t/>
             </a:r>
-            <a:endParaRPr lang="en-US" altLang="ko-KR"/>
+            <a:endParaRPr lang="ko-KR" altLang="en-US"/>
           </a:p>
         </p:txBody>
       </p:sp>
@@ -1973,10 +1973,10 @@
               <a:defRPr/>
             </a:pPr>
             <a:r>
-              <a:rPr lang="en-US" altLang="ko-KR"/>
+              <a:rPr lang="ko-KR" altLang="en-US"/>
               <a:t/>
             </a:r>
-            <a:endParaRPr lang="en-US" altLang="ko-KR"/>
+            <a:endParaRPr lang="ko-KR" altLang="en-US"/>
           </a:p>
         </p:txBody>
       </p:sp>
@@ -2120,10 +2120,10 @@
               <a:defRPr/>
             </a:pPr>
             <a:r>
-              <a:rPr lang="en-US" altLang="ko-KR"/>
+              <a:rPr lang="ko-KR" altLang="en-US"/>
               <a:t/>
             </a:r>
-            <a:endParaRPr lang="en-US" altLang="ko-KR"/>
+            <a:endParaRPr lang="ko-KR" altLang="en-US"/>
           </a:p>
         </p:txBody>
       </p:sp>
@@ -2267,10 +2267,10 @@
               <a:defRPr/>
             </a:pPr>
             <a:r>
-              <a:rPr lang="en-US" altLang="ko-KR"/>
+              <a:rPr lang="ko-KR" altLang="en-US"/>
               <a:t/>
             </a:r>
-            <a:endParaRPr lang="en-US" altLang="ko-KR"/>
+            <a:endParaRPr lang="ko-KR" altLang="en-US"/>
           </a:p>
         </p:txBody>
       </p:sp>
@@ -2561,10 +2561,10 @@
               <a:defRPr/>
             </a:pPr>
             <a:r>
-              <a:rPr lang="en-US" altLang="ko-KR"/>
+              <a:rPr lang="ko-KR" altLang="en-US"/>
               <a:t/>
             </a:r>
-            <a:endParaRPr lang="en-US" altLang="ko-KR"/>
+            <a:endParaRPr lang="ko-KR" altLang="en-US"/>
           </a:p>
         </p:txBody>
       </p:sp>
@@ -2708,10 +2708,10 @@
               <a:defRPr/>
             </a:pPr>
             <a:r>
-              <a:rPr lang="en-US" altLang="ko-KR"/>
+              <a:rPr lang="ko-KR" altLang="en-US"/>
               <a:t/>
             </a:r>
-            <a:endParaRPr lang="en-US" altLang="ko-KR"/>
+            <a:endParaRPr lang="ko-KR" altLang="en-US"/>
           </a:p>
         </p:txBody>
       </p:sp>
@@ -3193,7 +3193,7 @@
                 <a:buNone/>
                 <a:defRPr/>
               </a:pPr>
-              <a:t>6</a:t>
+              <a:t>5</a:t>
             </a:fld>
             <a:endParaRPr lang="en-US" altLang="en-US"/>
           </a:p>
@@ -3340,7 +3340,7 @@
                 <a:buNone/>
                 <a:defRPr/>
               </a:pPr>
-              <a:t>7</a:t>
+              <a:t>6</a:t>
             </a:fld>
             <a:endParaRPr lang="en-US" altLang="en-US"/>
           </a:p>
@@ -3487,7 +3487,7 @@
                 <a:buNone/>
                 <a:defRPr/>
               </a:pPr>
-              <a:t>8</a:t>
+              <a:t>7</a:t>
             </a:fld>
             <a:endParaRPr lang="en-US" altLang="en-US"/>
           </a:p>
@@ -3634,7 +3634,7 @@
                 <a:buNone/>
                 <a:defRPr/>
               </a:pPr>
-              <a:t>9</a:t>
+              <a:t>8</a:t>
             </a:fld>
             <a:endParaRPr lang="en-US" altLang="en-US"/>
           </a:p>
@@ -3737,10 +3737,10 @@
               <a:defRPr/>
             </a:pPr>
             <a:r>
-              <a:rPr lang="en-US" altLang="ko-KR"/>
+              <a:rPr lang="ko-KR" altLang="en-US"/>
               <a:t/>
             </a:r>
-            <a:endParaRPr lang="en-US" altLang="ko-KR"/>
+            <a:endParaRPr lang="ko-KR" altLang="en-US"/>
           </a:p>
         </p:txBody>
       </p:sp>
@@ -3781,7 +3781,7 @@
                 <a:buNone/>
                 <a:defRPr/>
               </a:pPr>
-              <a:t>10</a:t>
+              <a:t>9</a:t>
             </a:fld>
             <a:endParaRPr lang="en-US" altLang="en-US"/>
           </a:p>
@@ -11662,7 +11662,7 @@
         <p:spPr>
           <a:xfrm>
             <a:off x="0" y="5642457"/>
-            <a:ext cx="6614160" cy="277495"/>
+            <a:ext cx="6614160" cy="553720"/>
           </a:xfrm>
           <a:prstGeom prst="rect">
             <a:avLst/>
@@ -11687,16 +11687,59 @@
               <a:defRPr/>
             </a:pPr>
             <a:r>
+              <a:rPr lang="en-US" altLang="ko-KR" sz="1800">
+                <a:solidFill>
+                  <a:srgbClr val="000000"/>
+                </a:solidFill>
+              </a:rPr>
+              <a:t>w</a:t>
+            </a:r>
+            <a:r>
               <a:rPr lang="ko-KR" sz="1800">
                 <a:solidFill>
                   <a:srgbClr val="000000"/>
                 </a:solidFill>
               </a:rPr>
-              <a:t>Web.xml를 대신해서 사용하는 WebInitializer.java</a:t>
-            </a:r>
-            <a:endParaRPr lang="ko-KR" altLang="en-US" sz="1800">
-              <a:latin typeface="맑은 고딕"/>
-              <a:ea typeface="맑은 고딕"/>
+              <a:t>eb.xml를 대신해서 사용하는 WebInitializer.java</a:t>
+            </a:r>
+            <a:endParaRPr lang="ko-KR" sz="1800">
+              <a:solidFill>
+                <a:srgbClr val="000000"/>
+              </a:solidFill>
+            </a:endParaRPr>
+          </a:p>
+          <a:p>
+            <a:pPr marL="0" indent="0" algn="ctr">
+              <a:defRPr/>
+            </a:pPr>
+            <a:r>
+              <a:rPr lang="en-US" altLang="ko-KR" sz="1800">
+                <a:solidFill>
+                  <a:srgbClr val="000000"/>
+                </a:solidFill>
+              </a:rPr>
+              <a:t>web.xml</a:t>
+            </a:r>
+            <a:r>
+              <a:rPr lang="ko-KR" altLang="en-US" sz="1800">
+                <a:solidFill>
+                  <a:srgbClr val="000000"/>
+                </a:solidFill>
+              </a:rPr>
+              <a:t> 파일은 삭제한다</a:t>
+            </a:r>
+            <a:r>
+              <a:rPr lang="en-US" altLang="ko-KR" sz="1800">
+                <a:solidFill>
+                  <a:srgbClr val="000000"/>
+                </a:solidFill>
+              </a:rPr>
+              <a:t>.</a:t>
+            </a:r>
+            <a:endParaRPr lang="en-US" altLang="ko-KR" sz="1800">
+              <a:solidFill>
+                <a:srgbClr val="000000"/>
+              </a:solidFill>
             </a:endParaRPr>
           </a:p>
         </p:txBody>
@@ -11735,6 +11778,46 @@
               <a:defRPr/>
             </a:pPr>
             <a:r>
+              <a:rPr lang="ko-KR" altLang="en-US" sz="1800">
+                <a:solidFill>
+                  <a:srgbClr val="000000"/>
+                </a:solidFill>
+              </a:rPr>
+              <a:t>스프링 </a:t>
+            </a:r>
+            <a:r>
+              <a:rPr lang="en-US" altLang="ko-KR" sz="1800">
+                <a:solidFill>
+                  <a:srgbClr val="000000"/>
+                </a:solidFill>
+              </a:rPr>
+              <a:t>WebMVC</a:t>
+            </a:r>
+            <a:r>
+              <a:rPr lang="ko-KR" altLang="en-US" sz="1800">
+                <a:solidFill>
+                  <a:srgbClr val="000000"/>
+                </a:solidFill>
+              </a:rPr>
+              <a:t> 설정</a:t>
+            </a:r>
+            <a:r>
+              <a:rPr lang="en-US" altLang="ko-KR" sz="1800">
+                <a:solidFill>
+                  <a:srgbClr val="000000"/>
+                </a:solidFill>
+              </a:rPr>
+              <a:t>,</a:t>
+            </a:r>
+            <a:r>
+              <a:rPr lang="ko-KR" altLang="en-US" sz="1800">
+                <a:solidFill>
+                  <a:srgbClr val="000000"/>
+                </a:solidFill>
+              </a:rPr>
+              <a:t> </a:t>
+            </a:r>
+            <a:r>
               <a:rPr lang="ko-KR" sz="1800">
                 <a:solidFill>
                   <a:srgbClr val="000000"/>
@@ -11742,9 +11825,10 @@
               </a:rPr>
               <a:t>Controller 등록</a:t>
             </a:r>
-            <a:endParaRPr lang="ko-KR" altLang="en-US" sz="1800">
-              <a:latin typeface="맑은 고딕"/>
-              <a:ea typeface="맑은 고딕"/>
+            <a:endParaRPr lang="ko-KR" sz="1800">
+              <a:solidFill>
+                <a:srgbClr val="000000"/>
+              </a:solidFill>
             </a:endParaRPr>
           </a:p>
         </p:txBody>
@@ -11917,38 +12001,14 @@
               <a:defRPr/>
             </a:pPr>
             <a:r>
-              <a:rPr lang="ko-KR" sz="1800">
-                <a:solidFill>
-                  <a:srgbClr val="000000"/>
-                </a:solidFill>
-              </a:rPr>
-              <a:t>주고 받을 데이터 객체</a:t>
-            </a:r>
-            <a:r>
-              <a:rPr lang="en-US" altLang="ko-KR" sz="1800">
-                <a:solidFill>
-                  <a:srgbClr val="000000"/>
-                </a:solidFill>
-              </a:rPr>
-              <a:t>(</a:t>
-            </a:r>
-            <a:r>
               <a:rPr lang="ko-KR" altLang="en-US" sz="1800">
                 <a:solidFill>
                   <a:srgbClr val="000000"/>
                 </a:solidFill>
               </a:rPr>
-              <a:t>클라이언트에서도 사용</a:t>
-            </a:r>
-            <a:r>
-              <a:rPr lang="en-US" altLang="ko-KR" sz="1800">
-                <a:solidFill>
-                  <a:srgbClr val="000000"/>
-                </a:solidFill>
-              </a:rPr>
-              <a:t>)</a:t>
-            </a:r>
-            <a:endParaRPr lang="en-US" altLang="ko-KR" sz="1800">
+              <a:t>리소스로 사용할 객체</a:t>
+            </a:r>
+            <a:endParaRPr lang="ko-KR" altLang="en-US" sz="1800">
               <a:solidFill>
                 <a:srgbClr val="000000"/>
               </a:solidFill>
@@ -11990,6 +12050,22 @@
               <a:defRPr/>
             </a:pPr>
             <a:r>
+              <a:rPr lang="en-US" altLang="ko-KR" sz="1800">
+                <a:solidFill>
+                  <a:srgbClr val="000000"/>
+                </a:solidFill>
+              </a:rPr>
+              <a:t>DB</a:t>
+            </a:r>
+            <a:r>
+              <a:rPr lang="ko-KR" altLang="en-US" sz="1800">
+                <a:solidFill>
+                  <a:srgbClr val="000000"/>
+                </a:solidFill>
+              </a:rPr>
+              <a:t> 없이 </a:t>
+            </a:r>
+            <a:r>
               <a:rPr lang="ko-KR" sz="1800">
                 <a:solidFill>
                   <a:srgbClr val="000000"/>
@@ -11997,9 +12073,10 @@
               </a:rPr>
               <a:t>간단하게 만들기 위해 application 영역에 저장해서 사용</a:t>
             </a:r>
-            <a:endParaRPr lang="ko-KR" altLang="en-US" sz="1800">
-              <a:latin typeface="맑은 고딕"/>
-              <a:ea typeface="맑은 고딕"/>
+            <a:endParaRPr lang="ko-KR" sz="1800">
+              <a:solidFill>
+                <a:srgbClr val="000000"/>
+              </a:solidFill>
             </a:endParaRPr>
           </a:p>
         </p:txBody>

--- a/REST API, Spring Framework.pptx
+++ b/REST API, Spring Framework.pptx
@@ -228,7 +228,7 @@
               <a:pPr lvl="0">
                 <a:defRPr/>
               </a:pPr>
-              <a:t>2021-11-15</a:t>
+              <a:t>2021-11-18</a:t>
             </a:fld>
             <a:endParaRPr lang="ko-KR" altLang="en-US"/>
           </a:p>
@@ -414,7 +414,7 @@
               <a:pPr lvl="0">
                 <a:defRPr/>
               </a:pPr>
-              <a:t>2021-11-15</a:t>
+              <a:t>2021-11-18</a:t>
             </a:fld>
             <a:endParaRPr lang="ko-KR" altLang="en-US"/>
           </a:p>
@@ -8549,7 +8549,7 @@
         <p:spPr>
           <a:xfrm>
             <a:off x="135255" y="917574"/>
-            <a:ext cx="11923394" cy="5396231"/>
+            <a:ext cx="11923394" cy="5129531"/>
           </a:xfrm>
           <a:prstGeom prst="rect">
             <a:avLst/>
@@ -8573,7 +8573,21 @@
                 <a:latin typeface="맑은 고딕"/>
                 <a:ea typeface="맑은 고딕"/>
               </a:rPr>
-              <a:t>RPC(Remote Procedure Call)</a:t>
+              <a:t>IPC(Inter-Process Communication, </a:t>
+            </a:r>
+            <a:r>
+              <a:rPr lang="ko-KR" altLang="en-US" sz="2400">
+                <a:latin typeface="맑은 고딕"/>
+                <a:ea typeface="맑은 고딕"/>
+              </a:rPr>
+              <a:t>프로세스 간 통신</a:t>
+            </a:r>
+            <a:r>
+              <a:rPr lang="en-US" altLang="ko-KR" sz="2400">
+                <a:latin typeface="맑은 고딕"/>
+                <a:ea typeface="맑은 고딕"/>
+              </a:rPr>
+              <a:t>)</a:t>
             </a:r>
             <a:endParaRPr lang="en-US" altLang="ko-KR" sz="2400">
               <a:latin typeface="맑은 고딕"/>
@@ -8594,74 +8608,11 @@
               <a:defRPr/>
             </a:pPr>
             <a:r>
-              <a:rPr lang="ko-KR" altLang="en-US">
-                <a:latin typeface="맑은 고딕"/>
-                <a:ea typeface="맑은 고딕"/>
-              </a:rPr>
-              <a:t>별도의 원격 제어를 위한 코딩 없이 다른 주소 공간에서 함수나 프로시저를 실행할 수 있게하는 </a:t>
-            </a:r>
-            <a:r>
-              <a:rPr lang="ko-KR" altLang="en-US" u="sng">
-                <a:latin typeface="맑은 고딕"/>
-                <a:ea typeface="맑은 고딕"/>
-              </a:rPr>
-              <a:t>프로세스 간 통신</a:t>
-            </a:r>
-            <a:r>
-              <a:rPr lang="en-US" altLang="ko-KR" u="sng">
-                <a:latin typeface="맑은 고딕"/>
-                <a:ea typeface="맑은 고딕"/>
-              </a:rPr>
-              <a:t>(IPC)</a:t>
-            </a:r>
-            <a:r>
-              <a:rPr lang="ko-KR" altLang="en-US" u="sng">
-                <a:latin typeface="맑은 고딕"/>
-                <a:ea typeface="맑은 고딕"/>
-              </a:rPr>
-              <a:t> 기술</a:t>
-            </a:r>
-            <a:r>
-              <a:rPr lang="ko-KR" altLang="en-US">
-                <a:latin typeface="맑은 고딕"/>
-                <a:ea typeface="맑은 고딕"/>
-              </a:rPr>
-              <a:t>이다</a:t>
-            </a:r>
-            <a:r>
               <a:rPr lang="en-US" altLang="ko-KR">
                 <a:latin typeface="맑은 고딕"/>
                 <a:ea typeface="맑은 고딕"/>
               </a:rPr>
-              <a:t>.</a:t>
-            </a:r>
-            <a:r>
-              <a:rPr lang="ko-KR" altLang="en-US">
-                <a:latin typeface="맑은 고딕"/>
-                <a:ea typeface="맑은 고딕"/>
-              </a:rPr>
-              <a:t> 객체 지향 소프트웨어에서는 </a:t>
-            </a:r>
-            <a:r>
-              <a:rPr lang="en-US" altLang="ko-KR">
-                <a:latin typeface="맑은 고딕"/>
-                <a:ea typeface="맑은 고딕"/>
-              </a:rPr>
-              <a:t>RPI(Remote Procedure Invocation)</a:t>
-            </a:r>
-            <a:r>
-              <a:rPr lang="ko-KR" altLang="en-US">
-                <a:latin typeface="맑은 고딕"/>
-                <a:ea typeface="맑은 고딕"/>
-              </a:rPr>
-              <a:t>라고도 부른다</a:t>
-            </a:r>
-            <a:r>
-              <a:rPr lang="en-US" altLang="ko-KR">
-                <a:latin typeface="맑은 고딕"/>
-                <a:ea typeface="맑은 고딕"/>
-              </a:rPr>
-              <a:t>.</a:t>
+              <a:t>프로세스들 사이에 서로 데이터를 주고받는 행위 또는 그에 대한 방법이나 경로를 뜻한다.</a:t>
             </a:r>
             <a:endParaRPr lang="en-US" altLang="ko-KR">
               <a:latin typeface="맑은 고딕"/>
@@ -8693,28 +8644,14 @@
                 <a:latin typeface="맑은 고딕"/>
                 <a:ea typeface="맑은 고딕"/>
               </a:rPr>
-              <a:t> </a:t>
+              <a:t> 소켓</a:t>
             </a:r>
             <a:r>
               <a:rPr lang="en-US" altLang="ko-KR">
                 <a:latin typeface="맑은 고딕"/>
                 <a:ea typeface="맑은 고딕"/>
               </a:rPr>
-              <a:t>IPC : </a:t>
-            </a:r>
-            <a:r>
-              <a:rPr lang="ko-KR" altLang="en-US">
-                <a:latin typeface="맑은 고딕"/>
-                <a:ea typeface="맑은 고딕"/>
-              </a:rPr>
-              <a:t>프로세스 간 통신</a:t>
-            </a:r>
-            <a:r>
-              <a:rPr lang="en-US" altLang="ko-KR">
-                <a:latin typeface="맑은 고딕"/>
-                <a:ea typeface="맑은 고딕"/>
-              </a:rPr>
-              <a:t>.</a:t>
+              <a:t>,</a:t>
             </a:r>
             <a:r>
               <a:rPr lang="ko-KR" altLang="en-US">

--- a/REST API, Spring Framework.pptx
+++ b/REST API, Spring Framework.pptx
@@ -1,37 +1,39 @@
 
 <file path=ppt/presentation.xml><?xml version="1.0" encoding="utf-8"?>
-<p:presentation xmlns:r="http://schemas.openxmlformats.org/officeDocument/2006/relationships" xmlns:c="http://schemas.openxmlformats.org/drawingml/2006/chart" xmlns:a="http://schemas.openxmlformats.org/drawingml/2006/main" xmlns:dgm="http://schemas.openxmlformats.org/drawingml/2006/diagram" xmlns:dsp="http://schemas.microsoft.com/office/drawing/2008/diagram" xmlns:p="http://schemas.openxmlformats.org/presentationml/2006/main">
+<p:presentation xmlns:r="http://schemas.openxmlformats.org/officeDocument/2006/relationships" xmlns:c="http://schemas.openxmlformats.org/drawingml/2006/chart" xmlns:a="http://schemas.openxmlformats.org/drawingml/2006/main" xmlns:dgm="http://schemas.openxmlformats.org/drawingml/2006/diagram" xmlns:dsp="http://schemas.microsoft.com/office/drawing/2008/diagram" xmlns:p="http://schemas.openxmlformats.org/presentationml/2006/main" xmlns:p14="http://schemas.microsoft.com/office/powerpoint/2010/main">
   <p:sldMasterIdLst>
-    <p:sldMasterId id="2147483662" r:id="rId1"/>
+    <p:sldMasterId id="2147483671" r:id="rId13"/>
   </p:sldMasterIdLst>
   <p:notesMasterIdLst>
-    <p:notesMasterId r:id="rId2"/>
+    <p:notesMasterId r:id="rId17"/>
   </p:notesMasterIdLst>
   <p:handoutMasterIdLst>
-    <p:handoutMasterId r:id="rId3"/>
+    <p:handoutMasterId r:id="rId15"/>
   </p:handoutMasterIdLst>
   <p:sldIdLst>
-    <p:sldId id="256" r:id="rId4"/>
-    <p:sldId id="257" r:id="rId5"/>
-    <p:sldId id="258" r:id="rId6"/>
-    <p:sldId id="259" r:id="rId7"/>
-    <p:sldId id="260" r:id="rId8"/>
-    <p:sldId id="261" r:id="rId9"/>
-    <p:sldId id="262" r:id="rId10"/>
-    <p:sldId id="263" r:id="rId11"/>
-    <p:sldId id="264" r:id="rId12"/>
-    <p:sldId id="265" r:id="rId13"/>
-    <p:sldId id="266" r:id="rId14"/>
-    <p:sldId id="267" r:id="rId15"/>
-    <p:sldId id="268" r:id="rId16"/>
-    <p:sldId id="269" r:id="rId17"/>
-    <p:sldId id="270" r:id="rId18"/>
-    <p:sldId id="271" r:id="rId19"/>
-    <p:sldId id="272" r:id="rId20"/>
-    <p:sldId id="273" r:id="rId21"/>
-    <p:sldId id="274" r:id="rId22"/>
-    <p:sldId id="275" r:id="rId23"/>
-    <p:sldId id="276" r:id="rId24"/>
+    <p:sldId id="256" r:id="rId19"/>
+    <p:sldId id="257" r:id="rId20"/>
+    <p:sldId id="258" r:id="rId21"/>
+    <p:sldId id="259" r:id="rId22"/>
+    <p:sldId id="277" r:id="rId23"/>
+    <p:sldId id="278" r:id="rId24"/>
+    <p:sldId id="260" r:id="rId25"/>
+    <p:sldId id="261" r:id="rId26"/>
+    <p:sldId id="262" r:id="rId27"/>
+    <p:sldId id="263" r:id="rId28"/>
+    <p:sldId id="264" r:id="rId29"/>
+    <p:sldId id="265" r:id="rId30"/>
+    <p:sldId id="266" r:id="rId31"/>
+    <p:sldId id="267" r:id="rId32"/>
+    <p:sldId id="268" r:id="rId33"/>
+    <p:sldId id="269" r:id="rId34"/>
+    <p:sldId id="270" r:id="rId35"/>
+    <p:sldId id="271" r:id="rId36"/>
+    <p:sldId id="272" r:id="rId37"/>
+    <p:sldId id="273" r:id="rId38"/>
+    <p:sldId id="274" r:id="rId39"/>
+    <p:sldId id="275" r:id="rId40"/>
+    <p:sldId id="276" r:id="rId41"/>
   </p:sldIdLst>
   <p:sldSz cx="12192000" cy="6858000"/>
   <p:notesSz cx="6858000" cy="9144000"/>
@@ -130,6 +132,22 @@
       </a:defRPr>
     </a:lvl9pPr>
   </p:defaultTextStyle>
+  <p:extLst>
+    <p:ext uri="{EFAFB233-063F-42B5-8137-9DF3F51BA10A}">
+      <p15:sldGuideLst xmlns:p15="http://schemas.microsoft.com/office/powerpoint/2012/main">
+        <p15:guide id="0" orient="horz" pos="2156" userDrawn="1">
+          <p15:clr>
+            <a:srgbClr val="A4A3A4"/>
+          </p15:clr>
+        </p15:guide>
+        <p15:guide id="1" pos="3838" userDrawn="1">
+          <p15:clr>
+            <a:srgbClr val="A4A3A4"/>
+          </p15:clr>
+        </p15:guide>
+      </p15:sldGuideLst>
+    </p:ext>
+  </p:extLst>
 </p:presentation>
 </file>
 
@@ -988,7 +1006,7 @@
                 <a:buNone/>
                 <a:defRPr/>
               </a:pPr>
-              <a:t>10</a:t>
+              <a:t>8</a:t>
             </a:fld>
             <a:endParaRPr lang="en-US" altLang="en-US"/>
           </a:p>
@@ -1135,7 +1153,7 @@
                 <a:buNone/>
                 <a:defRPr/>
               </a:pPr>
-              <a:t>11</a:t>
+              <a:t>9</a:t>
             </a:fld>
             <a:endParaRPr lang="en-US" altLang="en-US"/>
           </a:p>
@@ -1282,7 +1300,7 @@
                 <a:buNone/>
                 <a:defRPr/>
               </a:pPr>
-              <a:t>12</a:t>
+              <a:t>10</a:t>
             </a:fld>
             <a:endParaRPr lang="en-US" altLang="en-US"/>
           </a:p>
@@ -1429,7 +1447,7 @@
                 <a:buNone/>
                 <a:defRPr/>
               </a:pPr>
-              <a:t>13</a:t>
+              <a:t>11</a:t>
             </a:fld>
             <a:endParaRPr lang="en-US" altLang="en-US"/>
           </a:p>
@@ -1576,7 +1594,7 @@
                 <a:buNone/>
                 <a:defRPr/>
               </a:pPr>
-              <a:t>14</a:t>
+              <a:t>12</a:t>
             </a:fld>
             <a:endParaRPr lang="en-US" altLang="en-US"/>
           </a:p>
@@ -1723,7 +1741,7 @@
                 <a:buNone/>
                 <a:defRPr/>
               </a:pPr>
-              <a:t>15</a:t>
+              <a:t>13</a:t>
             </a:fld>
             <a:endParaRPr lang="en-US" altLang="en-US"/>
           </a:p>
@@ -1870,7 +1888,7 @@
                 <a:buNone/>
                 <a:defRPr/>
               </a:pPr>
-              <a:t>16</a:t>
+              <a:t>14</a:t>
             </a:fld>
             <a:endParaRPr lang="en-US" altLang="en-US"/>
           </a:p>
@@ -2017,7 +2035,7 @@
                 <a:buNone/>
                 <a:defRPr/>
               </a:pPr>
-              <a:t>17</a:t>
+              <a:t>15</a:t>
             </a:fld>
             <a:endParaRPr lang="en-US" altLang="en-US"/>
           </a:p>
@@ -2164,7 +2182,7 @@
                 <a:buNone/>
                 <a:defRPr/>
               </a:pPr>
-              <a:t>18</a:t>
+              <a:t>16</a:t>
             </a:fld>
             <a:endParaRPr lang="en-US" altLang="en-US"/>
           </a:p>
@@ -2311,7 +2329,7 @@
                 <a:buNone/>
                 <a:defRPr/>
               </a:pPr>
-              <a:t>19</a:t>
+              <a:t>17</a:t>
             </a:fld>
             <a:endParaRPr lang="en-US" altLang="en-US"/>
           </a:p>
@@ -2605,7 +2623,7 @@
                 <a:buNone/>
                 <a:defRPr/>
               </a:pPr>
-              <a:t>20</a:t>
+              <a:t>18</a:t>
             </a:fld>
             <a:endParaRPr lang="en-US" altLang="en-US"/>
           </a:p>
@@ -2752,6 +2770,300 @@
                 <a:buNone/>
                 <a:defRPr/>
               </a:pPr>
+              <a:t>19</a:t>
+            </a:fld>
+            <a:endParaRPr lang="en-US" altLang="en-US"/>
+          </a:p>
+        </p:txBody>
+      </p:sp>
+    </p:spTree>
+  </p:cSld>
+  <p:clrMapOvr>
+    <a:masterClrMapping/>
+  </p:clrMapOvr>
+</p:notes>
+</file>
+
+<file path=ppt/notesSlides/notesSlide22.xml><?xml version="1.0" encoding="utf-8"?>
+<p:notes xmlns:r="http://schemas.openxmlformats.org/officeDocument/2006/relationships" xmlns:c="http://schemas.openxmlformats.org/drawingml/2006/chart" xmlns:a="http://schemas.openxmlformats.org/drawingml/2006/main" xmlns:dgm="http://schemas.openxmlformats.org/drawingml/2006/diagram" xmlns:dsp="http://schemas.microsoft.com/office/drawing/2008/diagram" xmlns:p="http://schemas.openxmlformats.org/presentationml/2006/main">
+  <p:cSld>
+    <p:spTree>
+      <p:nvGrpSpPr>
+        <p:cNvPr id="1" name=""/>
+        <p:cNvGrpSpPr/>
+        <p:nvPr/>
+      </p:nvGrpSpPr>
+      <p:grpSpPr>
+        <a:xfrm>
+          <a:off x="0" y="0"/>
+          <a:ext cx="0" cy="0"/>
+          <a:chOff x="0" y="0"/>
+          <a:chExt cx="0" cy="0"/>
+        </a:xfrm>
+      </p:grpSpPr>
+      <p:sp>
+        <p:nvSpPr>
+          <p:cNvPr id="2" name="슬라이드 이미지 개체 틀 1"/>
+          <p:cNvSpPr>
+            <a:spLocks noGrp="1" noRot="1" noChangeAspect="1" noTextEdit="1"/>
+          </p:cNvSpPr>
+          <p:nvPr>
+            <p:ph type="sldImg" idx="0"/>
+          </p:nvPr>
+        </p:nvSpPr>
+        <p:spPr>
+          <a:xfrm>
+            <a:off x="685800" y="1143000"/>
+            <a:ext cx="5487035" cy="3086735"/>
+          </a:xfrm>
+          <a:prstGeom prst="rect">
+            <a:avLst/>
+          </a:prstGeom>
+          <a:noFill/>
+          <a:ln w="12700" cap="flat" cmpd="sng">
+            <a:solidFill>
+              <a:srgbClr val="000000">
+                <a:alpha val="100000"/>
+              </a:srgbClr>
+            </a:solidFill>
+            <a:prstDash val="solid"/>
+          </a:ln>
+        </p:spPr>
+        <p:txBody>
+          <a:bodyPr vert="horz" wrap="square" lIns="0" tIns="0" rIns="0" bIns="0" anchor="t">
+            <a:noAutofit/>
+          </a:bodyPr>
+          <a:lstStyle/>
+          <a:p>
+            <a:pPr marL="0" indent="0">
+              <a:defRPr/>
+            </a:pPr>
+            <a:endParaRPr lang="ko-KR" altLang="en-US"/>
+          </a:p>
+        </p:txBody>
+      </p:sp>
+      <p:sp>
+        <p:nvSpPr>
+          <p:cNvPr id="3" name="슬라이드 노트 개체 틀 2"/>
+          <p:cNvSpPr txBox="1">
+            <a:spLocks noGrp="1"/>
+          </p:cNvSpPr>
+          <p:nvPr>
+            <p:ph type="body" idx="1"/>
+          </p:nvPr>
+        </p:nvSpPr>
+        <p:spPr>
+          <a:xfrm>
+            <a:off x="685800" y="4400550"/>
+            <a:ext cx="5487035" cy="3601085"/>
+          </a:xfrm>
+          <a:prstGeom prst="rect">
+            <a:avLst/>
+          </a:prstGeom>
+        </p:spPr>
+        <p:txBody>
+          <a:bodyPr vert="horz" wrap="square" lIns="91440" tIns="45720" rIns="91440" bIns="45720" anchor="t">
+            <a:noAutofit/>
+          </a:bodyPr>
+          <a:lstStyle/>
+          <a:p>
+            <a:pPr marL="0" indent="0" latinLnBrk="0">
+              <a:buFontTx/>
+              <a:buNone/>
+              <a:defRPr/>
+            </a:pPr>
+            <a:r>
+              <a:rPr lang="ko-KR" altLang="en-US"/>
+              <a:t/>
+            </a:r>
+            <a:endParaRPr lang="ko-KR" altLang="en-US"/>
+          </a:p>
+        </p:txBody>
+      </p:sp>
+      <p:sp>
+        <p:nvSpPr>
+          <p:cNvPr id="4" name="슬라이드 번호 개체 틀 3"/>
+          <p:cNvSpPr txBox="1">
+            <a:spLocks noGrp="1"/>
+          </p:cNvSpPr>
+          <p:nvPr>
+            <p:ph type="sldNum" idx="10"/>
+          </p:nvPr>
+        </p:nvSpPr>
+        <p:spPr>
+          <a:xfrm>
+            <a:off x="3884930" y="8685530"/>
+            <a:ext cx="2972435" cy="459105"/>
+          </a:xfrm>
+          <a:prstGeom prst="rect">
+            <a:avLst/>
+          </a:prstGeom>
+        </p:spPr>
+        <p:txBody>
+          <a:bodyPr vert="horz" wrap="square" lIns="91440" tIns="45720" rIns="91440" bIns="45720" anchor="b">
+            <a:noAutofit/>
+          </a:bodyPr>
+          <a:lstStyle/>
+          <a:p>
+            <a:pPr marL="0" indent="0" latinLnBrk="0">
+              <a:buFontTx/>
+              <a:buNone/>
+              <a:defRPr/>
+            </a:pPr>
+            <a:fld id="{B9320F77-B9A0-41C5-862A-B4B631284C64}" type="slidenum">
+              <a:rPr lang="en-US" altLang="en-US"/>
+              <a:pPr marL="0" indent="0" latinLnBrk="0">
+                <a:buFontTx/>
+                <a:buNone/>
+                <a:defRPr/>
+              </a:pPr>
+              <a:t>20</a:t>
+            </a:fld>
+            <a:endParaRPr lang="en-US" altLang="en-US"/>
+          </a:p>
+        </p:txBody>
+      </p:sp>
+    </p:spTree>
+  </p:cSld>
+  <p:clrMapOvr>
+    <a:masterClrMapping/>
+  </p:clrMapOvr>
+</p:notes>
+</file>
+
+<file path=ppt/notesSlides/notesSlide23.xml><?xml version="1.0" encoding="utf-8"?>
+<p:notes xmlns:r="http://schemas.openxmlformats.org/officeDocument/2006/relationships" xmlns:c="http://schemas.openxmlformats.org/drawingml/2006/chart" xmlns:a="http://schemas.openxmlformats.org/drawingml/2006/main" xmlns:dgm="http://schemas.openxmlformats.org/drawingml/2006/diagram" xmlns:dsp="http://schemas.microsoft.com/office/drawing/2008/diagram" xmlns:p="http://schemas.openxmlformats.org/presentationml/2006/main">
+  <p:cSld>
+    <p:spTree>
+      <p:nvGrpSpPr>
+        <p:cNvPr id="1" name=""/>
+        <p:cNvGrpSpPr/>
+        <p:nvPr/>
+      </p:nvGrpSpPr>
+      <p:grpSpPr>
+        <a:xfrm>
+          <a:off x="0" y="0"/>
+          <a:ext cx="0" cy="0"/>
+          <a:chOff x="0" y="0"/>
+          <a:chExt cx="0" cy="0"/>
+        </a:xfrm>
+      </p:grpSpPr>
+      <p:sp>
+        <p:nvSpPr>
+          <p:cNvPr id="2" name="슬라이드 이미지 개체 틀 1"/>
+          <p:cNvSpPr>
+            <a:spLocks noGrp="1" noRot="1" noChangeAspect="1" noTextEdit="1"/>
+          </p:cNvSpPr>
+          <p:nvPr>
+            <p:ph type="sldImg" idx="0"/>
+          </p:nvPr>
+        </p:nvSpPr>
+        <p:spPr>
+          <a:xfrm>
+            <a:off x="685800" y="1143000"/>
+            <a:ext cx="5487035" cy="3086735"/>
+          </a:xfrm>
+          <a:prstGeom prst="rect">
+            <a:avLst/>
+          </a:prstGeom>
+          <a:noFill/>
+          <a:ln w="12700" cap="flat" cmpd="sng">
+            <a:solidFill>
+              <a:srgbClr val="000000">
+                <a:alpha val="100000"/>
+              </a:srgbClr>
+            </a:solidFill>
+            <a:prstDash val="solid"/>
+          </a:ln>
+        </p:spPr>
+        <p:txBody>
+          <a:bodyPr vert="horz" wrap="square" lIns="0" tIns="0" rIns="0" bIns="0" anchor="t">
+            <a:noAutofit/>
+          </a:bodyPr>
+          <a:lstStyle/>
+          <a:p>
+            <a:pPr marL="0" indent="0">
+              <a:defRPr/>
+            </a:pPr>
+            <a:endParaRPr lang="ko-KR" altLang="en-US"/>
+          </a:p>
+        </p:txBody>
+      </p:sp>
+      <p:sp>
+        <p:nvSpPr>
+          <p:cNvPr id="3" name="슬라이드 노트 개체 틀 2"/>
+          <p:cNvSpPr txBox="1">
+            <a:spLocks noGrp="1"/>
+          </p:cNvSpPr>
+          <p:nvPr>
+            <p:ph type="body" idx="1"/>
+          </p:nvPr>
+        </p:nvSpPr>
+        <p:spPr>
+          <a:xfrm>
+            <a:off x="685800" y="4400550"/>
+            <a:ext cx="5487035" cy="3601085"/>
+          </a:xfrm>
+          <a:prstGeom prst="rect">
+            <a:avLst/>
+          </a:prstGeom>
+        </p:spPr>
+        <p:txBody>
+          <a:bodyPr vert="horz" wrap="square" lIns="91440" tIns="45720" rIns="91440" bIns="45720" anchor="t">
+            <a:noAutofit/>
+          </a:bodyPr>
+          <a:lstStyle/>
+          <a:p>
+            <a:pPr marL="0" indent="0" latinLnBrk="0">
+              <a:buFontTx/>
+              <a:buNone/>
+              <a:defRPr/>
+            </a:pPr>
+            <a:r>
+              <a:rPr lang="ko-KR" altLang="en-US"/>
+              <a:t/>
+            </a:r>
+            <a:endParaRPr lang="ko-KR" altLang="en-US"/>
+          </a:p>
+        </p:txBody>
+      </p:sp>
+      <p:sp>
+        <p:nvSpPr>
+          <p:cNvPr id="4" name="슬라이드 번호 개체 틀 3"/>
+          <p:cNvSpPr txBox="1">
+            <a:spLocks noGrp="1"/>
+          </p:cNvSpPr>
+          <p:nvPr>
+            <p:ph type="sldNum" idx="10"/>
+          </p:nvPr>
+        </p:nvSpPr>
+        <p:spPr>
+          <a:xfrm>
+            <a:off x="3884930" y="8685530"/>
+            <a:ext cx="2972435" cy="459105"/>
+          </a:xfrm>
+          <a:prstGeom prst="rect">
+            <a:avLst/>
+          </a:prstGeom>
+        </p:spPr>
+        <p:txBody>
+          <a:bodyPr vert="horz" wrap="square" lIns="91440" tIns="45720" rIns="91440" bIns="45720" anchor="b">
+            <a:noAutofit/>
+          </a:bodyPr>
+          <a:lstStyle/>
+          <a:p>
+            <a:pPr marL="0" indent="0" latinLnBrk="0">
+              <a:buFontTx/>
+              <a:buNone/>
+              <a:defRPr/>
+            </a:pPr>
+            <a:fld id="{B9320F77-B9A0-41C5-862A-B4B631284C64}" type="slidenum">
+              <a:rPr lang="en-US" altLang="en-US"/>
+              <a:pPr marL="0" indent="0" latinLnBrk="0">
+                <a:buFontTx/>
+                <a:buNone/>
+                <a:defRPr/>
+              </a:pPr>
               <a:t>21</a:t>
             </a:fld>
             <a:endParaRPr lang="en-US" altLang="en-US"/>
@@ -3061,7 +3373,7 @@
 </file>
 
 <file path=ppt/notesSlides/notesSlide5.xml><?xml version="1.0" encoding="utf-8"?>
-<p:notes xmlns:r="http://schemas.openxmlformats.org/officeDocument/2006/relationships" xmlns:c="http://schemas.openxmlformats.org/drawingml/2006/chart" xmlns:a="http://schemas.openxmlformats.org/drawingml/2006/main" xmlns:dgm="http://schemas.openxmlformats.org/drawingml/2006/diagram" xmlns:dsp="http://schemas.microsoft.com/office/drawing/2008/diagram" xmlns:p="http://schemas.openxmlformats.org/presentationml/2006/main">
+<p:notes xmlns:a="http://schemas.openxmlformats.org/drawingml/2006/main" xmlns:r="http://schemas.openxmlformats.org/officeDocument/2006/relationships" xmlns:p="http://schemas.openxmlformats.org/presentationml/2006/main">
   <p:cSld>
     <p:spTree>
       <p:nvGrpSpPr>
@@ -3081,20 +3393,18 @@
         <p:nvSpPr>
           <p:cNvPr id="2" name="슬라이드 이미지 개체 틀 1"/>
           <p:cNvSpPr>
-            <a:spLocks noGrp="1" noRot="1" noChangeAspect="1" noTextEdit="1"/>
+            <a:spLocks noChangeAspect="1"/>
           </p:cNvSpPr>
           <p:nvPr>
-            <p:ph type="sldImg" idx="0"/>
+            <p:ph type="sldImg"/>
           </p:nvPr>
         </p:nvSpPr>
         <p:spPr>
-          <a:xfrm>
+          <a:xfrm rot="0">
             <a:off x="685800" y="1143000"/>
-            <a:ext cx="5487035" cy="3086735"/>
-          </a:xfrm>
-          <a:prstGeom prst="rect">
-            <a:avLst/>
-          </a:prstGeom>
+            <a:ext cx="5487670" cy="3087370"/>
+          </a:xfrm>
+          <a:prstGeom prst="rect"/>
           <a:noFill/>
           <a:ln w="12700" cap="flat" cmpd="sng">
             <a:solidFill>
@@ -3106,15 +3416,16 @@
           </a:ln>
         </p:spPr>
         <p:txBody>
-          <a:bodyPr vert="horz" wrap="square" lIns="0" tIns="0" rIns="0" bIns="0" anchor="t">
+          <a:bodyPr wrap="square" lIns="0" tIns="0" rIns="0" bIns="0" numCol="1" vert="horz" anchor="t">
             <a:noAutofit/>
           </a:bodyPr>
           <a:lstStyle/>
           <a:p>
-            <a:pPr marL="0" indent="0">
-              <a:defRPr/>
-            </a:pPr>
-            <a:endParaRPr lang="ko-KR" altLang="en-US"/>
+            <a:pPr marL="0" indent="0" latinLnBrk="0">
+              <a:buFontTx/>
+              <a:buNone/>
+              <a:defRPr/>
+            </a:pPr>
           </a:p>
         </p:txBody>
       </p:sp>
@@ -3122,23 +3433,21 @@
         <p:nvSpPr>
           <p:cNvPr id="3" name="슬라이드 노트 개체 틀 2"/>
           <p:cNvSpPr txBox="1">
-            <a:spLocks noGrp="1"/>
+            <a:spLocks/>
           </p:cNvSpPr>
           <p:nvPr>
             <p:ph type="body" idx="1"/>
           </p:nvPr>
         </p:nvSpPr>
         <p:spPr>
-          <a:xfrm>
+          <a:xfrm rot="0">
             <a:off x="685800" y="4400550"/>
-            <a:ext cx="5487035" cy="3601085"/>
-          </a:xfrm>
-          <a:prstGeom prst="rect">
-            <a:avLst/>
-          </a:prstGeom>
-        </p:spPr>
-        <p:txBody>
-          <a:bodyPr vert="horz" wrap="square" lIns="91440" tIns="45720" rIns="91440" bIns="45720" anchor="t">
+            <a:ext cx="5487670" cy="3601720"/>
+          </a:xfrm>
+          <a:prstGeom prst="rect"/>
+        </p:spPr>
+        <p:txBody>
+          <a:bodyPr wrap="square" lIns="91440" tIns="45720" rIns="91440" bIns="45720" numCol="1" vert="horz" anchor="t">
             <a:noAutofit/>
           </a:bodyPr>
           <a:lstStyle/>
@@ -3148,11 +3457,6 @@
               <a:buNone/>
               <a:defRPr/>
             </a:pPr>
-            <a:r>
-              <a:rPr lang="ko-KR" altLang="en-US"/>
-              <a:t/>
-            </a:r>
-            <a:endParaRPr lang="ko-KR" altLang="en-US"/>
           </a:p>
         </p:txBody>
       </p:sp>
@@ -3160,23 +3464,21 @@
         <p:nvSpPr>
           <p:cNvPr id="4" name="슬라이드 번호 개체 틀 3"/>
           <p:cNvSpPr txBox="1">
-            <a:spLocks noGrp="1"/>
+            <a:spLocks/>
           </p:cNvSpPr>
           <p:nvPr>
             <p:ph type="sldNum" idx="10"/>
           </p:nvPr>
         </p:nvSpPr>
         <p:spPr>
-          <a:xfrm>
+          <a:xfrm rot="0">
             <a:off x="3884930" y="8685530"/>
-            <a:ext cx="2972435" cy="459105"/>
-          </a:xfrm>
-          <a:prstGeom prst="rect">
-            <a:avLst/>
-          </a:prstGeom>
-        </p:spPr>
-        <p:txBody>
-          <a:bodyPr vert="horz" wrap="square" lIns="91440" tIns="45720" rIns="91440" bIns="45720" anchor="b">
+            <a:ext cx="2973070" cy="459740"/>
+          </a:xfrm>
+          <a:prstGeom prst="rect"/>
+        </p:spPr>
+        <p:txBody>
+          <a:bodyPr wrap="square" lIns="91440" tIns="45720" rIns="91440" bIns="45720" numCol="1" vert="horz" anchor="b">
             <a:noAutofit/>
           </a:bodyPr>
           <a:lstStyle/>
@@ -3188,14 +3490,8 @@
             </a:pPr>
             <a:fld id="{B9320F77-B9A0-41C5-862A-B4B631284C64}" type="slidenum">
               <a:rPr lang="en-US" altLang="en-US"/>
-              <a:pPr marL="0" indent="0" latinLnBrk="0">
-                <a:buFontTx/>
-                <a:buNone/>
-                <a:defRPr/>
-              </a:pPr>
-              <a:t>5</a:t>
+              <a:t>4</a:t>
             </a:fld>
-            <a:endParaRPr lang="en-US" altLang="en-US"/>
           </a:p>
         </p:txBody>
       </p:sp>
@@ -3204,11 +3500,19 @@
   <p:clrMapOvr>
     <a:masterClrMapping/>
   </p:clrMapOvr>
+  <mc:AlternateContent xmlns:mc="http://schemas.openxmlformats.org/markup-compatibility/2006">
+    <mc:Choice xmlns:p14="http://schemas.microsoft.com/office/powerpoint/2010/main" Requires="p14">
+      <p:transition spd="slow" p14:dur="0"/>
+    </mc:Choice>
+    <mc:Fallback>
+      <p:transition spd="slow"/>
+    </mc:Fallback>
+  </mc:AlternateContent>
 </p:notes>
 </file>
 
 <file path=ppt/notesSlides/notesSlide6.xml><?xml version="1.0" encoding="utf-8"?>
-<p:notes xmlns:r="http://schemas.openxmlformats.org/officeDocument/2006/relationships" xmlns:c="http://schemas.openxmlformats.org/drawingml/2006/chart" xmlns:a="http://schemas.openxmlformats.org/drawingml/2006/main" xmlns:dgm="http://schemas.openxmlformats.org/drawingml/2006/diagram" xmlns:dsp="http://schemas.microsoft.com/office/drawing/2008/diagram" xmlns:p="http://schemas.openxmlformats.org/presentationml/2006/main">
+<p:notes xmlns:a="http://schemas.openxmlformats.org/drawingml/2006/main" xmlns:r="http://schemas.openxmlformats.org/officeDocument/2006/relationships" xmlns:p="http://schemas.openxmlformats.org/presentationml/2006/main">
   <p:cSld>
     <p:spTree>
       <p:nvGrpSpPr>
@@ -3228,20 +3532,18 @@
         <p:nvSpPr>
           <p:cNvPr id="2" name="슬라이드 이미지 개체 틀 1"/>
           <p:cNvSpPr>
-            <a:spLocks noGrp="1" noRot="1" noChangeAspect="1" noTextEdit="1"/>
+            <a:spLocks noChangeAspect="1"/>
           </p:cNvSpPr>
           <p:nvPr>
-            <p:ph type="sldImg" idx="0"/>
+            <p:ph type="sldImg"/>
           </p:nvPr>
         </p:nvSpPr>
         <p:spPr>
-          <a:xfrm>
+          <a:xfrm rot="0">
             <a:off x="685800" y="1143000"/>
-            <a:ext cx="5487035" cy="3086735"/>
-          </a:xfrm>
-          <a:prstGeom prst="rect">
-            <a:avLst/>
-          </a:prstGeom>
+            <a:ext cx="5487670" cy="3087370"/>
+          </a:xfrm>
+          <a:prstGeom prst="rect"/>
           <a:noFill/>
           <a:ln w="12700" cap="flat" cmpd="sng">
             <a:solidFill>
@@ -3253,15 +3555,16 @@
           </a:ln>
         </p:spPr>
         <p:txBody>
-          <a:bodyPr vert="horz" wrap="square" lIns="0" tIns="0" rIns="0" bIns="0" anchor="t">
+          <a:bodyPr wrap="square" lIns="0" tIns="0" rIns="0" bIns="0" numCol="1" vert="horz" anchor="t">
             <a:noAutofit/>
           </a:bodyPr>
           <a:lstStyle/>
           <a:p>
-            <a:pPr marL="0" indent="0">
-              <a:defRPr/>
-            </a:pPr>
-            <a:endParaRPr lang="ko-KR" altLang="en-US"/>
+            <a:pPr marL="0" indent="0" latinLnBrk="0">
+              <a:buFontTx/>
+              <a:buNone/>
+              <a:defRPr/>
+            </a:pPr>
           </a:p>
         </p:txBody>
       </p:sp>
@@ -3269,23 +3572,21 @@
         <p:nvSpPr>
           <p:cNvPr id="3" name="슬라이드 노트 개체 틀 2"/>
           <p:cNvSpPr txBox="1">
-            <a:spLocks noGrp="1"/>
+            <a:spLocks/>
           </p:cNvSpPr>
           <p:nvPr>
             <p:ph type="body" idx="1"/>
           </p:nvPr>
         </p:nvSpPr>
         <p:spPr>
-          <a:xfrm>
+          <a:xfrm rot="0">
             <a:off x="685800" y="4400550"/>
-            <a:ext cx="5487035" cy="3601085"/>
-          </a:xfrm>
-          <a:prstGeom prst="rect">
-            <a:avLst/>
-          </a:prstGeom>
-        </p:spPr>
-        <p:txBody>
-          <a:bodyPr vert="horz" wrap="square" lIns="91440" tIns="45720" rIns="91440" bIns="45720" anchor="t">
+            <a:ext cx="5487670" cy="3601720"/>
+          </a:xfrm>
+          <a:prstGeom prst="rect"/>
+        </p:spPr>
+        <p:txBody>
+          <a:bodyPr wrap="square" lIns="91440" tIns="45720" rIns="91440" bIns="45720" numCol="1" vert="horz" anchor="t">
             <a:noAutofit/>
           </a:bodyPr>
           <a:lstStyle/>
@@ -3295,11 +3596,6 @@
               <a:buNone/>
               <a:defRPr/>
             </a:pPr>
-            <a:r>
-              <a:rPr lang="ko-KR" altLang="en-US"/>
-              <a:t/>
-            </a:r>
-            <a:endParaRPr lang="ko-KR" altLang="en-US"/>
           </a:p>
         </p:txBody>
       </p:sp>
@@ -3307,23 +3603,21 @@
         <p:nvSpPr>
           <p:cNvPr id="4" name="슬라이드 번호 개체 틀 3"/>
           <p:cNvSpPr txBox="1">
-            <a:spLocks noGrp="1"/>
+            <a:spLocks/>
           </p:cNvSpPr>
           <p:nvPr>
             <p:ph type="sldNum" idx="10"/>
           </p:nvPr>
         </p:nvSpPr>
         <p:spPr>
-          <a:xfrm>
+          <a:xfrm rot="0">
             <a:off x="3884930" y="8685530"/>
-            <a:ext cx="2972435" cy="459105"/>
-          </a:xfrm>
-          <a:prstGeom prst="rect">
-            <a:avLst/>
-          </a:prstGeom>
-        </p:spPr>
-        <p:txBody>
-          <a:bodyPr vert="horz" wrap="square" lIns="91440" tIns="45720" rIns="91440" bIns="45720" anchor="b">
+            <a:ext cx="2973070" cy="459740"/>
+          </a:xfrm>
+          <a:prstGeom prst="rect"/>
+        </p:spPr>
+        <p:txBody>
+          <a:bodyPr wrap="square" lIns="91440" tIns="45720" rIns="91440" bIns="45720" numCol="1" vert="horz" anchor="b">
             <a:noAutofit/>
           </a:bodyPr>
           <a:lstStyle/>
@@ -3335,14 +3629,8 @@
             </a:pPr>
             <a:fld id="{B9320F77-B9A0-41C5-862A-B4B631284C64}" type="slidenum">
               <a:rPr lang="en-US" altLang="en-US"/>
-              <a:pPr marL="0" indent="0" latinLnBrk="0">
-                <a:buFontTx/>
-                <a:buNone/>
-                <a:defRPr/>
-              </a:pPr>
-              <a:t>6</a:t>
+              <a:t>4</a:t>
             </a:fld>
-            <a:endParaRPr lang="en-US" altLang="en-US"/>
           </a:p>
         </p:txBody>
       </p:sp>
@@ -3351,6 +3639,14 @@
   <p:clrMapOvr>
     <a:masterClrMapping/>
   </p:clrMapOvr>
+  <mc:AlternateContent xmlns:mc="http://schemas.openxmlformats.org/markup-compatibility/2006">
+    <mc:Choice xmlns:p14="http://schemas.microsoft.com/office/powerpoint/2010/main" Requires="p14">
+      <p:transition spd="slow" p14:dur="0"/>
+    </mc:Choice>
+    <mc:Fallback>
+      <p:transition spd="slow"/>
+    </mc:Fallback>
+  </mc:AlternateContent>
 </p:notes>
 </file>
 
@@ -3487,7 +3783,7 @@
                 <a:buNone/>
                 <a:defRPr/>
               </a:pPr>
-              <a:t>7</a:t>
+              <a:t>5</a:t>
             </a:fld>
             <a:endParaRPr lang="en-US" altLang="en-US"/>
           </a:p>
@@ -3634,7 +3930,7 @@
                 <a:buNone/>
                 <a:defRPr/>
               </a:pPr>
-              <a:t>8</a:t>
+              <a:t>6</a:t>
             </a:fld>
             <a:endParaRPr lang="en-US" altLang="en-US"/>
           </a:p>
@@ -3781,7 +4077,7 @@
                 <a:buNone/>
                 <a:defRPr/>
               </a:pPr>
-              <a:t>9</a:t>
+              <a:t>7</a:t>
             </a:fld>
             <a:endParaRPr lang="en-US" altLang="en-US"/>
           </a:p>
@@ -6636,7 +6932,7 @@
 </file>
 
 <file path=ppt/slides/slide1.xml><?xml version="1.0" encoding="utf-8"?>
-<p:sld xmlns:a="http://schemas.openxmlformats.org/drawingml/2006/main" xmlns:r="http://schemas.openxmlformats.org/officeDocument/2006/relationships" xmlns:p="http://schemas.openxmlformats.org/presentationml/2006/main">
+<p:sld xmlns:a="http://schemas.openxmlformats.org/drawingml/2006/main" xmlns:r="http://schemas.openxmlformats.org/officeDocument/2006/relationships" xmlns:p="http://schemas.openxmlformats.org/presentationml/2006/main" xmlns:p14="http://schemas.microsoft.com/office/powerpoint/2010/main">
   <p:cSld>
     <p:spTree>
       <p:nvGrpSpPr>
@@ -6746,7 +7042,7 @@
 </file>
 
 <file path=ppt/slides/slide10.xml><?xml version="1.0" encoding="utf-8"?>
-<p:sld xmlns:r="http://schemas.openxmlformats.org/officeDocument/2006/relationships" xmlns:c="http://schemas.openxmlformats.org/drawingml/2006/chart" xmlns:a="http://schemas.openxmlformats.org/drawingml/2006/main" xmlns:dgm="http://schemas.openxmlformats.org/drawingml/2006/diagram" xmlns:dsp="http://schemas.microsoft.com/office/drawing/2008/diagram" xmlns:p="http://schemas.openxmlformats.org/presentationml/2006/main">
+<p:sld xmlns:r="http://schemas.openxmlformats.org/officeDocument/2006/relationships" xmlns:c="http://schemas.openxmlformats.org/drawingml/2006/chart" xmlns:a="http://schemas.openxmlformats.org/drawingml/2006/main" xmlns:dgm="http://schemas.openxmlformats.org/drawingml/2006/diagram" xmlns:dsp="http://schemas.microsoft.com/office/drawing/2008/diagram" xmlns:p="http://schemas.openxmlformats.org/presentationml/2006/main" xmlns:p14="http://schemas.microsoft.com/office/powerpoint/2010/main">
   <p:cSld>
     <p:spTree>
       <p:nvGrpSpPr>
@@ -6844,61 +7140,21 @@
                 <a:latin typeface="나눔스퀘어 Light"/>
                 <a:ea typeface="나눔스퀘어 Light"/>
               </a:rPr>
-              <a:t>Code (</a:t>
-            </a:r>
-            <a:r>
-              <a:rPr lang="en-US" altLang="ko-KR" sz="3600">
-                <a:solidFill>
-                  <a:srgbClr val="ffffff"/>
-                </a:solidFill>
-                <a:latin typeface="나눔스퀘어 Light"/>
-                <a:ea typeface="나눔스퀘어 Light"/>
-              </a:rPr>
-              <a:t>POST</a:t>
-            </a:r>
-            <a:r>
-              <a:rPr lang="ko-KR" sz="3600">
-                <a:solidFill>
-                  <a:srgbClr val="ffffff"/>
-                </a:solidFill>
-                <a:latin typeface="나눔스퀘어 Light"/>
-                <a:ea typeface="나눔스퀘어 Light"/>
-              </a:rPr>
-              <a:t> </a:t>
-            </a:r>
-            <a:r>
-              <a:rPr lang="en-US" altLang="ko-KR" sz="3600">
-                <a:solidFill>
-                  <a:srgbClr val="ffffff"/>
-                </a:solidFill>
-                <a:latin typeface="나눔스퀘어 Light"/>
-                <a:ea typeface="나눔스퀘어 Light"/>
-              </a:rPr>
-              <a:t>m</a:t>
-            </a:r>
-            <a:r>
-              <a:rPr lang="ko-KR" sz="3600">
-                <a:solidFill>
-                  <a:srgbClr val="ffffff"/>
-                </a:solidFill>
-                <a:latin typeface="나눔스퀘어 Light"/>
-                <a:ea typeface="나눔스퀘어 Light"/>
-              </a:rPr>
-              <a:t>ethod)</a:t>
-            </a:r>
-            <a:endParaRPr lang="ko-KR" sz="3600">
+              <a:t>Code</a:t>
+            </a:r>
+            <a:endParaRPr lang="ko-KR" altLang="en-US" sz="3600" b="0">
               <a:solidFill>
-                <a:srgbClr val="ffffff"/>
+                <a:schemeClr val="bg1"/>
               </a:solidFill>
-              <a:latin typeface="나눔스퀘어 Light"/>
-              <a:ea typeface="나눔스퀘어 Light"/>
+              <a:latin typeface="나눔스퀘어"/>
+              <a:ea typeface="나눔스퀘어"/>
             </a:endParaRPr>
           </a:p>
         </p:txBody>
       </p:sp>
       <p:pic>
         <p:nvPicPr>
-          <p:cNvPr id="20" name=""/>
+          <p:cNvPr id="7" name="그림 35"/>
           <p:cNvPicPr>
             <a:picLocks noChangeAspect="1"/>
           </p:cNvPicPr>
@@ -6912,14 +7168,238 @@
         </p:blipFill>
         <p:spPr>
           <a:xfrm>
-            <a:off x="1771755" y="1763325"/>
-            <a:ext cx="8648488" cy="3331349"/>
+            <a:off x="0" y="768350"/>
+            <a:ext cx="6614160" cy="4874260"/>
           </a:xfrm>
           <a:prstGeom prst="rect">
             <a:avLst/>
           </a:prstGeom>
+          <a:noFill/>
+          <a:ln w="12700" cap="flat" cmpd="sng">
+            <a:solidFill>
+              <a:srgbClr val="ffffff">
+                <a:alpha val="100000"/>
+              </a:srgbClr>
+            </a:solidFill>
+            <a:prstDash val="solid"/>
+            <a:miter/>
+          </a:ln>
         </p:spPr>
       </p:pic>
+      <p:pic>
+        <p:nvPicPr>
+          <p:cNvPr id="9" name="그림 38"/>
+          <p:cNvPicPr>
+            <a:picLocks noChangeAspect="1"/>
+          </p:cNvPicPr>
+          <p:nvPr/>
+        </p:nvPicPr>
+        <p:blipFill rotWithShape="1">
+          <a:blip r:embed="rId4"/>
+          <a:stretch>
+            <a:fillRect/>
+          </a:stretch>
+        </p:blipFill>
+        <p:spPr>
+          <a:xfrm>
+            <a:off x="6775450" y="771525"/>
+            <a:ext cx="5416550" cy="3246755"/>
+          </a:xfrm>
+          <a:prstGeom prst="rect">
+            <a:avLst/>
+          </a:prstGeom>
+          <a:noFill/>
+          <a:ln w="12700" cap="flat" cmpd="sng">
+            <a:solidFill>
+              <a:srgbClr val="ffffff">
+                <a:alpha val="100000"/>
+              </a:srgbClr>
+            </a:solidFill>
+            <a:prstDash val="solid"/>
+            <a:miter/>
+          </a:ln>
+        </p:spPr>
+      </p:pic>
+      <p:sp>
+        <p:nvSpPr>
+          <p:cNvPr id="10" name="텍스트 상자 39"/>
+          <p:cNvSpPr txBox="1"/>
+          <p:nvPr/>
+        </p:nvSpPr>
+        <p:spPr>
+          <a:xfrm>
+            <a:off x="0" y="5642610"/>
+            <a:ext cx="6614160" cy="553720"/>
+          </a:xfrm>
+          <a:prstGeom prst="rect">
+            <a:avLst/>
+          </a:prstGeom>
+          <a:noFill/>
+          <a:ln w="0" cap="flat" cmpd="sng">
+            <a:solidFill>
+              <a:schemeClr val="tx1">
+                <a:alpha val="100000"/>
+              </a:schemeClr>
+            </a:solidFill>
+            <a:prstDash val="solid"/>
+          </a:ln>
+        </p:spPr>
+        <p:txBody>
+          <a:bodyPr vert="horz" wrap="square" lIns="0" tIns="0" rIns="0" bIns="0" anchor="t">
+            <a:noAutofit/>
+          </a:bodyPr>
+          <a:lstStyle/>
+          <a:p>
+            <a:pPr marL="0" indent="0" algn="ctr">
+              <a:defRPr/>
+            </a:pPr>
+            <a:r>
+              <a:rPr lang="en-US" altLang="ko-KR" sz="1800">
+                <a:solidFill>
+                  <a:srgbClr val="000000"/>
+                </a:solidFill>
+              </a:rPr>
+              <a:t>w</a:t>
+            </a:r>
+            <a:r>
+              <a:rPr lang="ko-KR" sz="1800">
+                <a:solidFill>
+                  <a:srgbClr val="000000"/>
+                </a:solidFill>
+              </a:rPr>
+              <a:t>eb.xml를 대신해서 사용하는 WebInitializer.java</a:t>
+            </a:r>
+            <a:endParaRPr lang="ko-KR" sz="1800">
+              <a:solidFill>
+                <a:srgbClr val="000000"/>
+              </a:solidFill>
+            </a:endParaRPr>
+          </a:p>
+          <a:p>
+            <a:pPr marL="0" indent="0" algn="ctr">
+              <a:defRPr/>
+            </a:pPr>
+            <a:r>
+              <a:rPr lang="en-US" altLang="ko-KR" sz="1800">
+                <a:solidFill>
+                  <a:srgbClr val="000000"/>
+                </a:solidFill>
+              </a:rPr>
+              <a:t>web.xml</a:t>
+            </a:r>
+            <a:r>
+              <a:rPr lang="ko-KR" altLang="en-US" sz="1800">
+                <a:solidFill>
+                  <a:srgbClr val="000000"/>
+                </a:solidFill>
+              </a:rPr>
+              <a:t> 파일은 삭제한다</a:t>
+            </a:r>
+            <a:r>
+              <a:rPr lang="en-US" altLang="ko-KR" sz="1800">
+                <a:solidFill>
+                  <a:srgbClr val="000000"/>
+                </a:solidFill>
+              </a:rPr>
+              <a:t>.</a:t>
+            </a:r>
+            <a:endParaRPr lang="en-US" altLang="ko-KR" sz="1800">
+              <a:solidFill>
+                <a:srgbClr val="000000"/>
+              </a:solidFill>
+            </a:endParaRPr>
+          </a:p>
+        </p:txBody>
+      </p:sp>
+      <p:sp>
+        <p:nvSpPr>
+          <p:cNvPr id="12" name="텍스트 상자 43"/>
+          <p:cNvSpPr txBox="1"/>
+          <p:nvPr/>
+        </p:nvSpPr>
+        <p:spPr>
+          <a:xfrm>
+            <a:off x="6775450" y="4018280"/>
+            <a:ext cx="5416550" cy="277495"/>
+          </a:xfrm>
+          <a:prstGeom prst="rect">
+            <a:avLst/>
+          </a:prstGeom>
+          <a:noFill/>
+          <a:ln w="0" cap="flat" cmpd="sng">
+            <a:solidFill>
+              <a:schemeClr val="tx1">
+                <a:alpha val="100000"/>
+              </a:schemeClr>
+            </a:solidFill>
+            <a:prstDash val="solid"/>
+          </a:ln>
+        </p:spPr>
+        <p:txBody>
+          <a:bodyPr vert="horz" wrap="square" lIns="0" tIns="0" rIns="0" bIns="0" anchor="t">
+            <a:noAutofit/>
+          </a:bodyPr>
+          <a:lstStyle/>
+          <a:p>
+            <a:pPr marL="0" indent="0" algn="ctr">
+              <a:defRPr/>
+            </a:pPr>
+            <a:r>
+              <a:rPr lang="ko-KR" altLang="en-US" sz="1800">
+                <a:solidFill>
+                  <a:srgbClr val="000000"/>
+                </a:solidFill>
+              </a:rPr>
+              <a:t>스프링 </a:t>
+            </a:r>
+            <a:r>
+              <a:rPr lang="en-US" altLang="ko-KR" sz="1800">
+                <a:solidFill>
+                  <a:srgbClr val="000000"/>
+                </a:solidFill>
+              </a:rPr>
+              <a:t>WebMVC</a:t>
+            </a:r>
+            <a:r>
+              <a:rPr lang="ko-KR" altLang="en-US" sz="1800">
+                <a:solidFill>
+                  <a:srgbClr val="000000"/>
+                </a:solidFill>
+              </a:rPr>
+              <a:t> 설정</a:t>
+            </a:r>
+            <a:r>
+              <a:rPr lang="en-US" altLang="ko-KR" sz="1800">
+                <a:solidFill>
+                  <a:srgbClr val="000000"/>
+                </a:solidFill>
+              </a:rPr>
+              <a:t>,</a:t>
+            </a:r>
+            <a:r>
+              <a:rPr lang="ko-KR" altLang="en-US" sz="1800">
+                <a:solidFill>
+                  <a:srgbClr val="000000"/>
+                </a:solidFill>
+              </a:rPr>
+              <a:t> </a:t>
+            </a:r>
+            <a:r>
+              <a:rPr lang="ko-KR" sz="1800">
+                <a:solidFill>
+                  <a:srgbClr val="000000"/>
+                </a:solidFill>
+              </a:rPr>
+              <a:t>Controller 등록</a:t>
+            </a:r>
+            <a:endParaRPr lang="ko-KR" sz="1800">
+              <a:solidFill>
+                <a:srgbClr val="000000"/>
+              </a:solidFill>
+            </a:endParaRPr>
+          </a:p>
+        </p:txBody>
+      </p:sp>
     </p:spTree>
   </p:cSld>
   <p:clrMapOvr>
@@ -6927,10 +7407,10 @@
   </p:clrMapOvr>
   <mc:AlternateContent xmlns:mc="http://schemas.openxmlformats.org/markup-compatibility/2006">
     <mc:Choice xmlns:p14="http://schemas.microsoft.com/office/powerpoint/2010/main" Requires="p14">
-      <p:transition xmlns:mc="http://schemas.openxmlformats.org/markup-compatibility/2006" xmlns:p14="http://schemas.microsoft.com/office/powerpoint/2010/main" spd="med" mc:Ignorable="p14" p14:dur="2000"/>
+      <p:transition spd="slow" p14:dur="2000"/>
     </mc:Choice>
     <mc:Fallback>
-      <p:transition/>
+      <p:transition spd="slow"/>
     </mc:Fallback>
   </mc:AlternateContent>
   <p:timing>
@@ -6944,7 +7424,7 @@
 </file>
 
 <file path=ppt/slides/slide11.xml><?xml version="1.0" encoding="utf-8"?>
-<p:sld xmlns:r="http://schemas.openxmlformats.org/officeDocument/2006/relationships" xmlns:c="http://schemas.openxmlformats.org/drawingml/2006/chart" xmlns:a="http://schemas.openxmlformats.org/drawingml/2006/main" xmlns:dgm="http://schemas.openxmlformats.org/drawingml/2006/diagram" xmlns:dsp="http://schemas.microsoft.com/office/drawing/2008/diagram" xmlns:p="http://schemas.openxmlformats.org/presentationml/2006/main">
+<p:sld xmlns:r="http://schemas.openxmlformats.org/officeDocument/2006/relationships" xmlns:c="http://schemas.openxmlformats.org/drawingml/2006/chart" xmlns:a="http://schemas.openxmlformats.org/drawingml/2006/main" xmlns:dgm="http://schemas.openxmlformats.org/drawingml/2006/diagram" xmlns:dsp="http://schemas.microsoft.com/office/drawing/2008/diagram" xmlns:p="http://schemas.openxmlformats.org/presentationml/2006/main" xmlns:p14="http://schemas.microsoft.com/office/powerpoint/2010/main">
   <p:cSld>
     <p:spTree>
       <p:nvGrpSpPr>
@@ -7035,16 +7515,16 @@
               <a:defRPr/>
             </a:pPr>
             <a:r>
-              <a:rPr lang="en-US" altLang="ko-KR" sz="3600">
+              <a:rPr lang="ko-KR" sz="3600">
                 <a:solidFill>
                   <a:srgbClr val="ffffff"/>
                 </a:solidFill>
                 <a:latin typeface="나눔스퀘어 Light"/>
                 <a:ea typeface="나눔스퀘어 Light"/>
               </a:rPr>
-              <a:t>POST request</a:t>
-            </a:r>
-            <a:endParaRPr lang="en-US" altLang="ko-KR" sz="3600">
+              <a:t>Code</a:t>
+            </a:r>
+            <a:endParaRPr lang="ko-KR" sz="3600">
               <a:solidFill>
                 <a:srgbClr val="ffffff"/>
               </a:solidFill>
@@ -7054,9 +7534,123 @@
           </a:p>
         </p:txBody>
       </p:sp>
+      <p:sp>
+        <p:nvSpPr>
+          <p:cNvPr id="12" name="텍스트 상자 44"/>
+          <p:cNvSpPr txBox="1"/>
+          <p:nvPr/>
+        </p:nvSpPr>
+        <p:spPr>
+          <a:xfrm>
+            <a:off x="-3175" y="6577330"/>
+            <a:ext cx="4954905" cy="277495"/>
+          </a:xfrm>
+          <a:prstGeom prst="rect">
+            <a:avLst/>
+          </a:prstGeom>
+          <a:noFill/>
+          <a:ln w="0" cap="flat" cmpd="sng">
+            <a:solidFill>
+              <a:schemeClr val="tx1">
+                <a:alpha val="100000"/>
+              </a:schemeClr>
+            </a:solidFill>
+            <a:prstDash val="solid"/>
+          </a:ln>
+        </p:spPr>
+        <p:txBody>
+          <a:bodyPr vert="horz" wrap="square" lIns="0" tIns="0" rIns="0" bIns="0" anchor="t">
+            <a:noAutofit/>
+          </a:bodyPr>
+          <a:lstStyle/>
+          <a:p>
+            <a:pPr marL="0" indent="0" algn="ctr">
+              <a:defRPr/>
+            </a:pPr>
+            <a:r>
+              <a:rPr lang="ko-KR" altLang="en-US" sz="1800">
+                <a:solidFill>
+                  <a:srgbClr val="000000"/>
+                </a:solidFill>
+              </a:rPr>
+              <a:t>리소스로 사용할 객체</a:t>
+            </a:r>
+            <a:endParaRPr lang="ko-KR" altLang="en-US" sz="1800">
+              <a:solidFill>
+                <a:srgbClr val="000000"/>
+              </a:solidFill>
+            </a:endParaRPr>
+          </a:p>
+        </p:txBody>
+      </p:sp>
+      <p:sp>
+        <p:nvSpPr>
+          <p:cNvPr id="15" name="텍스트 상자 48"/>
+          <p:cNvSpPr txBox="1"/>
+          <p:nvPr/>
+        </p:nvSpPr>
+        <p:spPr>
+          <a:xfrm>
+            <a:off x="5469255" y="6577965"/>
+            <a:ext cx="6718300" cy="277495"/>
+          </a:xfrm>
+          <a:prstGeom prst="rect">
+            <a:avLst/>
+          </a:prstGeom>
+          <a:noFill/>
+          <a:ln w="0" cap="flat" cmpd="sng">
+            <a:solidFill>
+              <a:schemeClr val="tx1">
+                <a:alpha val="100000"/>
+              </a:schemeClr>
+            </a:solidFill>
+            <a:prstDash val="solid"/>
+          </a:ln>
+        </p:spPr>
+        <p:txBody>
+          <a:bodyPr vert="horz" wrap="square" lIns="0" tIns="0" rIns="0" bIns="0" anchor="t">
+            <a:noAutofit/>
+          </a:bodyPr>
+          <a:lstStyle/>
+          <a:p>
+            <a:pPr marL="0" indent="0" algn="ctr">
+              <a:defRPr/>
+            </a:pPr>
+            <a:r>
+              <a:rPr lang="en-US" altLang="ko-KR" sz="1800">
+                <a:solidFill>
+                  <a:srgbClr val="000000"/>
+                </a:solidFill>
+              </a:rPr>
+              <a:t>DB</a:t>
+            </a:r>
+            <a:r>
+              <a:rPr lang="ko-KR" altLang="en-US" sz="1800">
+                <a:solidFill>
+                  <a:srgbClr val="000000"/>
+                </a:solidFill>
+              </a:rPr>
+              <a:t> 없이 </a:t>
+            </a:r>
+            <a:r>
+              <a:rPr lang="ko-KR" sz="1800">
+                <a:solidFill>
+                  <a:srgbClr val="000000"/>
+                </a:solidFill>
+              </a:rPr>
+              <a:t>간단하게 만들기 위해 application 영역에 저장해서 사용</a:t>
+            </a:r>
+            <a:endParaRPr lang="ko-KR" sz="1800">
+              <a:solidFill>
+                <a:srgbClr val="000000"/>
+              </a:solidFill>
+            </a:endParaRPr>
+          </a:p>
+        </p:txBody>
+      </p:sp>
       <p:pic>
         <p:nvPicPr>
-          <p:cNvPr id="34" name=""/>
+          <p:cNvPr id="18" name="그림 1"/>
           <p:cNvPicPr>
             <a:picLocks noChangeAspect="1"/>
           </p:cNvPicPr>
@@ -7071,7 +7665,31 @@
         <p:spPr>
           <a:xfrm>
             <a:off x="0" y="771525"/>
-            <a:ext cx="12192000" cy="6086475"/>
+            <a:ext cx="4951730" cy="5805805"/>
+          </a:xfrm>
+          <a:prstGeom prst="rect">
+            <a:avLst/>
+          </a:prstGeom>
+        </p:spPr>
+      </p:pic>
+      <p:pic>
+        <p:nvPicPr>
+          <p:cNvPr id="19" name="그림 2"/>
+          <p:cNvPicPr>
+            <a:picLocks noChangeAspect="1"/>
+          </p:cNvPicPr>
+          <p:nvPr/>
+        </p:nvPicPr>
+        <p:blipFill rotWithShape="1">
+          <a:blip r:embed="rId4"/>
+          <a:stretch>
+            <a:fillRect/>
+          </a:stretch>
+        </p:blipFill>
+        <p:spPr>
+          <a:xfrm>
+            <a:off x="5469255" y="771525"/>
+            <a:ext cx="6722745" cy="5806440"/>
           </a:xfrm>
           <a:prstGeom prst="rect">
             <a:avLst/>
@@ -7085,17 +7703,24 @@
   </p:clrMapOvr>
   <mc:AlternateContent xmlns:mc="http://schemas.openxmlformats.org/markup-compatibility/2006">
     <mc:Choice xmlns:p14="http://schemas.microsoft.com/office/powerpoint/2010/main" Requires="p14">
-      <p:transition xmlns:mc="http://schemas.openxmlformats.org/markup-compatibility/2006" xmlns:p14="http://schemas.microsoft.com/office/powerpoint/2010/main" spd="med" mc:Ignorable="p14" p14:dur="2000"/>
+      <p:transition spd="slow" p14:dur="2000"/>
     </mc:Choice>
     <mc:Fallback>
-      <p:transition/>
+      <p:transition spd="slow"/>
     </mc:Fallback>
   </mc:AlternateContent>
+  <p:timing>
+    <p:tnLst>
+      <p:par>
+        <p:cTn id="1" dur="indefinite" restart="never" nodeType="tmRoot"/>
+      </p:par>
+    </p:tnLst>
+  </p:timing>
 </p:sld>
 </file>
 
 <file path=ppt/slides/slide12.xml><?xml version="1.0" encoding="utf-8"?>
-<p:sld xmlns:r="http://schemas.openxmlformats.org/officeDocument/2006/relationships" xmlns:c="http://schemas.openxmlformats.org/drawingml/2006/chart" xmlns:a="http://schemas.openxmlformats.org/drawingml/2006/main" xmlns:dgm="http://schemas.openxmlformats.org/drawingml/2006/diagram" xmlns:dsp="http://schemas.microsoft.com/office/drawing/2008/diagram" xmlns:p="http://schemas.openxmlformats.org/presentationml/2006/main">
+<p:sld xmlns:r="http://schemas.openxmlformats.org/officeDocument/2006/relationships" xmlns:c="http://schemas.openxmlformats.org/drawingml/2006/chart" xmlns:a="http://schemas.openxmlformats.org/drawingml/2006/main" xmlns:dgm="http://schemas.openxmlformats.org/drawingml/2006/diagram" xmlns:dsp="http://schemas.microsoft.com/office/drawing/2008/diagram" xmlns:p="http://schemas.openxmlformats.org/presentationml/2006/main" xmlns:p14="http://schemas.microsoft.com/office/powerpoint/2010/main">
   <p:cSld>
     <p:spTree>
       <p:nvGrpSpPr>
@@ -7186,6 +7811,16 @@
               <a:defRPr/>
             </a:pPr>
             <a:r>
+              <a:rPr lang="ko-KR" sz="3600">
+                <a:solidFill>
+                  <a:srgbClr val="ffffff"/>
+                </a:solidFill>
+                <a:latin typeface="나눔스퀘어 Light"/>
+                <a:ea typeface="나눔스퀘어 Light"/>
+              </a:rPr>
+              <a:t>Code (</a:t>
+            </a:r>
+            <a:r>
               <a:rPr lang="en-US" altLang="ko-KR" sz="3600">
                 <a:solidFill>
                   <a:srgbClr val="ffffff"/>
@@ -7193,9 +7828,39 @@
                 <a:latin typeface="나눔스퀘어 Light"/>
                 <a:ea typeface="나눔스퀘어 Light"/>
               </a:rPr>
-              <a:t>POST request</a:t>
-            </a:r>
-            <a:endParaRPr lang="en-US" altLang="ko-KR" sz="3600">
+              <a:t>POST</a:t>
+            </a:r>
+            <a:r>
+              <a:rPr lang="ko-KR" sz="3600">
+                <a:solidFill>
+                  <a:srgbClr val="ffffff"/>
+                </a:solidFill>
+                <a:latin typeface="나눔스퀘어 Light"/>
+                <a:ea typeface="나눔스퀘어 Light"/>
+              </a:rPr>
+              <a:t> </a:t>
+            </a:r>
+            <a:r>
+              <a:rPr lang="en-US" altLang="ko-KR" sz="3600">
+                <a:solidFill>
+                  <a:srgbClr val="ffffff"/>
+                </a:solidFill>
+                <a:latin typeface="나눔스퀘어 Light"/>
+                <a:ea typeface="나눔스퀘어 Light"/>
+              </a:rPr>
+              <a:t>m</a:t>
+            </a:r>
+            <a:r>
+              <a:rPr lang="ko-KR" sz="3600">
+                <a:solidFill>
+                  <a:srgbClr val="ffffff"/>
+                </a:solidFill>
+                <a:latin typeface="나눔스퀘어 Light"/>
+                <a:ea typeface="나눔스퀘어 Light"/>
+              </a:rPr>
+              <a:t>ethod)</a:t>
+            </a:r>
+            <a:endParaRPr lang="ko-KR" sz="3600">
               <a:solidFill>
                 <a:srgbClr val="ffffff"/>
               </a:solidFill>
@@ -7207,7 +7872,7 @@
       </p:sp>
       <p:pic>
         <p:nvPicPr>
-          <p:cNvPr id="33" name=""/>
+          <p:cNvPr id="20" name="그림 3"/>
           <p:cNvPicPr>
             <a:picLocks noChangeAspect="1"/>
           </p:cNvPicPr>
@@ -7221,8 +7886,8 @@
         </p:blipFill>
         <p:spPr>
           <a:xfrm>
-            <a:off x="0" y="790168"/>
-            <a:ext cx="12192000" cy="6067832"/>
+            <a:off x="1771650" y="1763395"/>
+            <a:ext cx="8648700" cy="3331210"/>
           </a:xfrm>
           <a:prstGeom prst="rect">
             <a:avLst/>
@@ -7236,17 +7901,24 @@
   </p:clrMapOvr>
   <mc:AlternateContent xmlns:mc="http://schemas.openxmlformats.org/markup-compatibility/2006">
     <mc:Choice xmlns:p14="http://schemas.microsoft.com/office/powerpoint/2010/main" Requires="p14">
-      <p:transition xmlns:mc="http://schemas.openxmlformats.org/markup-compatibility/2006" xmlns:p14="http://schemas.microsoft.com/office/powerpoint/2010/main" spd="med" mc:Ignorable="p14" p14:dur="2000"/>
+      <p:transition spd="slow" p14:dur="2000"/>
     </mc:Choice>
     <mc:Fallback>
-      <p:transition/>
+      <p:transition spd="slow"/>
     </mc:Fallback>
   </mc:AlternateContent>
+  <p:timing>
+    <p:tnLst>
+      <p:par>
+        <p:cTn id="1" dur="indefinite" restart="never" nodeType="tmRoot"/>
+      </p:par>
+    </p:tnLst>
+  </p:timing>
 </p:sld>
 </file>
 
 <file path=ppt/slides/slide13.xml><?xml version="1.0" encoding="utf-8"?>
-<p:sld xmlns:r="http://schemas.openxmlformats.org/officeDocument/2006/relationships" xmlns:c="http://schemas.openxmlformats.org/drawingml/2006/chart" xmlns:a="http://schemas.openxmlformats.org/drawingml/2006/main" xmlns:dgm="http://schemas.openxmlformats.org/drawingml/2006/diagram" xmlns:dsp="http://schemas.microsoft.com/office/drawing/2008/diagram" xmlns:p="http://schemas.openxmlformats.org/presentationml/2006/main">
+<p:sld xmlns:r="http://schemas.openxmlformats.org/officeDocument/2006/relationships" xmlns:c="http://schemas.openxmlformats.org/drawingml/2006/chart" xmlns:a="http://schemas.openxmlformats.org/drawingml/2006/main" xmlns:dgm="http://schemas.openxmlformats.org/drawingml/2006/diagram" xmlns:dsp="http://schemas.microsoft.com/office/drawing/2008/diagram" xmlns:p="http://schemas.openxmlformats.org/presentationml/2006/main" xmlns:p14="http://schemas.microsoft.com/office/powerpoint/2010/main">
   <p:cSld>
     <p:spTree>
       <p:nvGrpSpPr>
@@ -7337,16 +8009,6 @@
               <a:defRPr/>
             </a:pPr>
             <a:r>
-              <a:rPr lang="ko-KR" sz="3600">
-                <a:solidFill>
-                  <a:srgbClr val="ffffff"/>
-                </a:solidFill>
-                <a:latin typeface="나눔스퀘어 Light"/>
-                <a:ea typeface="나눔스퀘어 Light"/>
-              </a:rPr>
-              <a:t>Code (</a:t>
-            </a:r>
-            <a:r>
               <a:rPr lang="en-US" altLang="ko-KR" sz="3600">
                 <a:solidFill>
                   <a:srgbClr val="ffffff"/>
@@ -7354,39 +8016,9 @@
                 <a:latin typeface="나눔스퀘어 Light"/>
                 <a:ea typeface="나눔스퀘어 Light"/>
               </a:rPr>
-              <a:t>GET</a:t>
-            </a:r>
-            <a:r>
-              <a:rPr lang="ko-KR" sz="3600">
-                <a:solidFill>
-                  <a:srgbClr val="ffffff"/>
-                </a:solidFill>
-                <a:latin typeface="나눔스퀘어 Light"/>
-                <a:ea typeface="나눔스퀘어 Light"/>
-              </a:rPr>
-              <a:t> </a:t>
-            </a:r>
-            <a:r>
-              <a:rPr lang="en-US" altLang="ko-KR" sz="3600">
-                <a:solidFill>
-                  <a:srgbClr val="ffffff"/>
-                </a:solidFill>
-                <a:latin typeface="나눔스퀘어 Light"/>
-                <a:ea typeface="나눔스퀘어 Light"/>
-              </a:rPr>
-              <a:t>m</a:t>
-            </a:r>
-            <a:r>
-              <a:rPr lang="ko-KR" sz="3600">
-                <a:solidFill>
-                  <a:srgbClr val="ffffff"/>
-                </a:solidFill>
-                <a:latin typeface="나눔스퀘어 Light"/>
-                <a:ea typeface="나눔스퀘어 Light"/>
-              </a:rPr>
-              <a:t>ethod)</a:t>
-            </a:r>
-            <a:endParaRPr lang="ko-KR" sz="3600">
+              <a:t>POST request</a:t>
+            </a:r>
+            <a:endParaRPr lang="en-US" altLang="ko-KR" sz="3600">
               <a:solidFill>
                 <a:srgbClr val="ffffff"/>
               </a:solidFill>
@@ -7398,7 +8030,7 @@
       </p:sp>
       <p:pic>
         <p:nvPicPr>
-          <p:cNvPr id="21" name=""/>
+          <p:cNvPr id="34" name="그림 4"/>
           <p:cNvPicPr>
             <a:picLocks noChangeAspect="1"/>
           </p:cNvPicPr>
@@ -7412,8 +8044,8 @@
         </p:blipFill>
         <p:spPr>
           <a:xfrm>
-            <a:off x="2073639" y="2310702"/>
-            <a:ext cx="8044719" cy="2236596"/>
+            <a:off x="0" y="771525"/>
+            <a:ext cx="12192000" cy="6086475"/>
           </a:xfrm>
           <a:prstGeom prst="rect">
             <a:avLst/>
@@ -7427,10 +8059,10 @@
   </p:clrMapOvr>
   <mc:AlternateContent xmlns:mc="http://schemas.openxmlformats.org/markup-compatibility/2006">
     <mc:Choice xmlns:p14="http://schemas.microsoft.com/office/powerpoint/2010/main" Requires="p14">
-      <p:transition xmlns:mc="http://schemas.openxmlformats.org/markup-compatibility/2006" xmlns:p14="http://schemas.microsoft.com/office/powerpoint/2010/main" spd="med" mc:Ignorable="p14" p14:dur="2000"/>
+      <p:transition spd="slow" p14:dur="2000"/>
     </mc:Choice>
     <mc:Fallback>
-      <p:transition/>
+      <p:transition spd="slow"/>
     </mc:Fallback>
   </mc:AlternateContent>
   <p:timing>
@@ -7444,7 +8076,7 @@
 </file>
 
 <file path=ppt/slides/slide14.xml><?xml version="1.0" encoding="utf-8"?>
-<p:sld xmlns:r="http://schemas.openxmlformats.org/officeDocument/2006/relationships" xmlns:c="http://schemas.openxmlformats.org/drawingml/2006/chart" xmlns:a="http://schemas.openxmlformats.org/drawingml/2006/main" xmlns:dgm="http://schemas.openxmlformats.org/drawingml/2006/diagram" xmlns:dsp="http://schemas.microsoft.com/office/drawing/2008/diagram" xmlns:p="http://schemas.openxmlformats.org/presentationml/2006/main">
+<p:sld xmlns:r="http://schemas.openxmlformats.org/officeDocument/2006/relationships" xmlns:c="http://schemas.openxmlformats.org/drawingml/2006/chart" xmlns:a="http://schemas.openxmlformats.org/drawingml/2006/main" xmlns:dgm="http://schemas.openxmlformats.org/drawingml/2006/diagram" xmlns:dsp="http://schemas.microsoft.com/office/drawing/2008/diagram" xmlns:p="http://schemas.openxmlformats.org/presentationml/2006/main" xmlns:p14="http://schemas.microsoft.com/office/powerpoint/2010/main">
   <p:cSld>
     <p:spTree>
       <p:nvGrpSpPr>
@@ -7542,7 +8174,7 @@
                 <a:latin typeface="나눔스퀘어 Light"/>
                 <a:ea typeface="나눔스퀘어 Light"/>
               </a:rPr>
-              <a:t>GET request</a:t>
+              <a:t>POST request</a:t>
             </a:r>
             <a:endParaRPr lang="en-US" altLang="ko-KR" sz="3600">
               <a:solidFill>
@@ -7556,7 +8188,7 @@
       </p:sp>
       <p:pic>
         <p:nvPicPr>
-          <p:cNvPr id="34" name=""/>
+          <p:cNvPr id="33" name="그림 5"/>
           <p:cNvPicPr>
             <a:picLocks noChangeAspect="1"/>
           </p:cNvPicPr>
@@ -7570,8 +8202,8 @@
         </p:blipFill>
         <p:spPr>
           <a:xfrm>
-            <a:off x="0" y="771525"/>
-            <a:ext cx="12192000" cy="6086475"/>
+            <a:off x="0" y="789940"/>
+            <a:ext cx="12192000" cy="6068060"/>
           </a:xfrm>
           <a:prstGeom prst="rect">
             <a:avLst/>
@@ -7585,17 +8217,24 @@
   </p:clrMapOvr>
   <mc:AlternateContent xmlns:mc="http://schemas.openxmlformats.org/markup-compatibility/2006">
     <mc:Choice xmlns:p14="http://schemas.microsoft.com/office/powerpoint/2010/main" Requires="p14">
-      <p:transition xmlns:mc="http://schemas.openxmlformats.org/markup-compatibility/2006" xmlns:p14="http://schemas.microsoft.com/office/powerpoint/2010/main" spd="med" mc:Ignorable="p14" p14:dur="2000"/>
+      <p:transition spd="slow" p14:dur="2000"/>
     </mc:Choice>
     <mc:Fallback>
-      <p:transition/>
+      <p:transition spd="slow"/>
     </mc:Fallback>
   </mc:AlternateContent>
+  <p:timing>
+    <p:tnLst>
+      <p:par>
+        <p:cTn id="1" dur="indefinite" restart="never" nodeType="tmRoot"/>
+      </p:par>
+    </p:tnLst>
+  </p:timing>
 </p:sld>
 </file>
 
 <file path=ppt/slides/slide15.xml><?xml version="1.0" encoding="utf-8"?>
-<p:sld xmlns:r="http://schemas.openxmlformats.org/officeDocument/2006/relationships" xmlns:c="http://schemas.openxmlformats.org/drawingml/2006/chart" xmlns:a="http://schemas.openxmlformats.org/drawingml/2006/main" xmlns:dgm="http://schemas.openxmlformats.org/drawingml/2006/diagram" xmlns:dsp="http://schemas.microsoft.com/office/drawing/2008/diagram" xmlns:p="http://schemas.openxmlformats.org/presentationml/2006/main">
+<p:sld xmlns:r="http://schemas.openxmlformats.org/officeDocument/2006/relationships" xmlns:c="http://schemas.openxmlformats.org/drawingml/2006/chart" xmlns:a="http://schemas.openxmlformats.org/drawingml/2006/main" xmlns:dgm="http://schemas.openxmlformats.org/drawingml/2006/diagram" xmlns:dsp="http://schemas.microsoft.com/office/drawing/2008/diagram" xmlns:p="http://schemas.openxmlformats.org/presentationml/2006/main" xmlns:p14="http://schemas.microsoft.com/office/powerpoint/2010/main">
   <p:cSld>
     <p:spTree>
       <p:nvGrpSpPr>
@@ -7703,7 +8342,7 @@
                 <a:latin typeface="나눔스퀘어 Light"/>
                 <a:ea typeface="나눔스퀘어 Light"/>
               </a:rPr>
-              <a:t>PUT</a:t>
+              <a:t>GET</a:t>
             </a:r>
             <a:r>
               <a:rPr lang="ko-KR" sz="3600">
@@ -7747,7 +8386,7 @@
       </p:sp>
       <p:pic>
         <p:nvPicPr>
-          <p:cNvPr id="22" name=""/>
+          <p:cNvPr id="21" name="그림 6"/>
           <p:cNvPicPr>
             <a:picLocks noChangeAspect="1"/>
           </p:cNvPicPr>
@@ -7761,8 +8400,8 @@
         </p:blipFill>
         <p:spPr>
           <a:xfrm>
-            <a:off x="2035146" y="1109420"/>
-            <a:ext cx="8121708" cy="4639160"/>
+            <a:off x="2073910" y="2310765"/>
+            <a:ext cx="8044815" cy="2236470"/>
           </a:xfrm>
           <a:prstGeom prst="rect">
             <a:avLst/>
@@ -7776,17 +8415,24 @@
   </p:clrMapOvr>
   <mc:AlternateContent xmlns:mc="http://schemas.openxmlformats.org/markup-compatibility/2006">
     <mc:Choice xmlns:p14="http://schemas.microsoft.com/office/powerpoint/2010/main" Requires="p14">
-      <p:transition xmlns:mc="http://schemas.openxmlformats.org/markup-compatibility/2006" xmlns:p14="http://schemas.microsoft.com/office/powerpoint/2010/main" spd="med" mc:Ignorable="p14" p14:dur="2000"/>
+      <p:transition spd="slow" p14:dur="2000"/>
     </mc:Choice>
     <mc:Fallback>
-      <p:transition/>
+      <p:transition spd="slow"/>
     </mc:Fallback>
   </mc:AlternateContent>
+  <p:timing>
+    <p:tnLst>
+      <p:par>
+        <p:cTn id="1" dur="indefinite" restart="never" nodeType="tmRoot"/>
+      </p:par>
+    </p:tnLst>
+  </p:timing>
 </p:sld>
 </file>
 
 <file path=ppt/slides/slide16.xml><?xml version="1.0" encoding="utf-8"?>
-<p:sld xmlns:r="http://schemas.openxmlformats.org/officeDocument/2006/relationships" xmlns:c="http://schemas.openxmlformats.org/drawingml/2006/chart" xmlns:a="http://schemas.openxmlformats.org/drawingml/2006/main" xmlns:dgm="http://schemas.openxmlformats.org/drawingml/2006/diagram" xmlns:dsp="http://schemas.microsoft.com/office/drawing/2008/diagram" xmlns:p="http://schemas.openxmlformats.org/presentationml/2006/main">
+<p:sld xmlns:r="http://schemas.openxmlformats.org/officeDocument/2006/relationships" xmlns:c="http://schemas.openxmlformats.org/drawingml/2006/chart" xmlns:a="http://schemas.openxmlformats.org/drawingml/2006/main" xmlns:dgm="http://schemas.openxmlformats.org/drawingml/2006/diagram" xmlns:dsp="http://schemas.microsoft.com/office/drawing/2008/diagram" xmlns:p="http://schemas.openxmlformats.org/presentationml/2006/main" xmlns:p14="http://schemas.microsoft.com/office/powerpoint/2010/main">
   <p:cSld>
     <p:spTree>
       <p:nvGrpSpPr>
@@ -7884,7 +8530,7 @@
                 <a:latin typeface="나눔스퀘어 Light"/>
                 <a:ea typeface="나눔스퀘어 Light"/>
               </a:rPr>
-              <a:t>PUT request</a:t>
+              <a:t>GET request</a:t>
             </a:r>
             <a:endParaRPr lang="en-US" altLang="ko-KR" sz="3600">
               <a:solidFill>
@@ -7898,7 +8544,7 @@
       </p:sp>
       <p:pic>
         <p:nvPicPr>
-          <p:cNvPr id="35" name=""/>
+          <p:cNvPr id="34" name="그림 7"/>
           <p:cNvPicPr>
             <a:picLocks noChangeAspect="1"/>
           </p:cNvPicPr>
@@ -7927,17 +8573,24 @@
   </p:clrMapOvr>
   <mc:AlternateContent xmlns:mc="http://schemas.openxmlformats.org/markup-compatibility/2006">
     <mc:Choice xmlns:p14="http://schemas.microsoft.com/office/powerpoint/2010/main" Requires="p14">
-      <p:transition xmlns:mc="http://schemas.openxmlformats.org/markup-compatibility/2006" xmlns:p14="http://schemas.microsoft.com/office/powerpoint/2010/main" spd="med" mc:Ignorable="p14" p14:dur="2000"/>
+      <p:transition spd="slow" p14:dur="2000"/>
     </mc:Choice>
     <mc:Fallback>
-      <p:transition/>
+      <p:transition spd="slow"/>
     </mc:Fallback>
   </mc:AlternateContent>
+  <p:timing>
+    <p:tnLst>
+      <p:par>
+        <p:cTn id="1" dur="indefinite" restart="never" nodeType="tmRoot"/>
+      </p:par>
+    </p:tnLst>
+  </p:timing>
 </p:sld>
 </file>
 
 <file path=ppt/slides/slide17.xml><?xml version="1.0" encoding="utf-8"?>
-<p:sld xmlns:r="http://schemas.openxmlformats.org/officeDocument/2006/relationships" xmlns:c="http://schemas.openxmlformats.org/drawingml/2006/chart" xmlns:a="http://schemas.openxmlformats.org/drawingml/2006/main" xmlns:dgm="http://schemas.openxmlformats.org/drawingml/2006/diagram" xmlns:dsp="http://schemas.microsoft.com/office/drawing/2008/diagram" xmlns:p="http://schemas.openxmlformats.org/presentationml/2006/main">
+<p:sld xmlns:r="http://schemas.openxmlformats.org/officeDocument/2006/relationships" xmlns:c="http://schemas.openxmlformats.org/drawingml/2006/chart" xmlns:a="http://schemas.openxmlformats.org/drawingml/2006/main" xmlns:dgm="http://schemas.openxmlformats.org/drawingml/2006/diagram" xmlns:dsp="http://schemas.microsoft.com/office/drawing/2008/diagram" xmlns:p="http://schemas.openxmlformats.org/presentationml/2006/main" xmlns:p14="http://schemas.microsoft.com/office/powerpoint/2010/main">
   <p:cSld>
     <p:spTree>
       <p:nvGrpSpPr>
@@ -8028,6 +8681,16 @@
               <a:defRPr/>
             </a:pPr>
             <a:r>
+              <a:rPr lang="ko-KR" sz="3600">
+                <a:solidFill>
+                  <a:srgbClr val="ffffff"/>
+                </a:solidFill>
+                <a:latin typeface="나눔스퀘어 Light"/>
+                <a:ea typeface="나눔스퀘어 Light"/>
+              </a:rPr>
+              <a:t>Code (</a:t>
+            </a:r>
+            <a:r>
               <a:rPr lang="en-US" altLang="ko-KR" sz="3600">
                 <a:solidFill>
                   <a:srgbClr val="ffffff"/>
@@ -8035,9 +8698,39 @@
                 <a:latin typeface="나눔스퀘어 Light"/>
                 <a:ea typeface="나눔스퀘어 Light"/>
               </a:rPr>
-              <a:t>PUT request</a:t>
-            </a:r>
-            <a:endParaRPr lang="en-US" altLang="ko-KR" sz="3600">
+              <a:t>PUT</a:t>
+            </a:r>
+            <a:r>
+              <a:rPr lang="ko-KR" sz="3600">
+                <a:solidFill>
+                  <a:srgbClr val="ffffff"/>
+                </a:solidFill>
+                <a:latin typeface="나눔스퀘어 Light"/>
+                <a:ea typeface="나눔스퀘어 Light"/>
+              </a:rPr>
+              <a:t> </a:t>
+            </a:r>
+            <a:r>
+              <a:rPr lang="en-US" altLang="ko-KR" sz="3600">
+                <a:solidFill>
+                  <a:srgbClr val="ffffff"/>
+                </a:solidFill>
+                <a:latin typeface="나눔스퀘어 Light"/>
+                <a:ea typeface="나눔스퀘어 Light"/>
+              </a:rPr>
+              <a:t>m</a:t>
+            </a:r>
+            <a:r>
+              <a:rPr lang="ko-KR" sz="3600">
+                <a:solidFill>
+                  <a:srgbClr val="ffffff"/>
+                </a:solidFill>
+                <a:latin typeface="나눔스퀘어 Light"/>
+                <a:ea typeface="나눔스퀘어 Light"/>
+              </a:rPr>
+              <a:t>ethod)</a:t>
+            </a:r>
+            <a:endParaRPr lang="ko-KR" sz="3600">
               <a:solidFill>
                 <a:srgbClr val="ffffff"/>
               </a:solidFill>
@@ -8049,7 +8742,7 @@
       </p:sp>
       <p:pic>
         <p:nvPicPr>
-          <p:cNvPr id="35" name=""/>
+          <p:cNvPr id="22" name="그림 8"/>
           <p:cNvPicPr>
             <a:picLocks noChangeAspect="1"/>
           </p:cNvPicPr>
@@ -8063,8 +8756,8 @@
         </p:blipFill>
         <p:spPr>
           <a:xfrm>
-            <a:off x="0" y="608668"/>
-            <a:ext cx="12192000" cy="6249332"/>
+            <a:off x="2035175" y="1109345"/>
+            <a:ext cx="8121650" cy="4639310"/>
           </a:xfrm>
           <a:prstGeom prst="rect">
             <a:avLst/>
@@ -8078,17 +8771,24 @@
   </p:clrMapOvr>
   <mc:AlternateContent xmlns:mc="http://schemas.openxmlformats.org/markup-compatibility/2006">
     <mc:Choice xmlns:p14="http://schemas.microsoft.com/office/powerpoint/2010/main" Requires="p14">
-      <p:transition xmlns:mc="http://schemas.openxmlformats.org/markup-compatibility/2006" xmlns:p14="http://schemas.microsoft.com/office/powerpoint/2010/main" spd="med" mc:Ignorable="p14" p14:dur="2000"/>
+      <p:transition spd="slow" p14:dur="2000"/>
     </mc:Choice>
     <mc:Fallback>
-      <p:transition/>
+      <p:transition spd="slow"/>
     </mc:Fallback>
   </mc:AlternateContent>
+  <p:timing>
+    <p:tnLst>
+      <p:par>
+        <p:cTn id="1" dur="indefinite" restart="never" nodeType="tmRoot"/>
+      </p:par>
+    </p:tnLst>
+  </p:timing>
 </p:sld>
 </file>
 
 <file path=ppt/slides/slide18.xml><?xml version="1.0" encoding="utf-8"?>
-<p:sld xmlns:r="http://schemas.openxmlformats.org/officeDocument/2006/relationships" xmlns:c="http://schemas.openxmlformats.org/drawingml/2006/chart" xmlns:a="http://schemas.openxmlformats.org/drawingml/2006/main" xmlns:dgm="http://schemas.openxmlformats.org/drawingml/2006/diagram" xmlns:dsp="http://schemas.microsoft.com/office/drawing/2008/diagram" xmlns:p="http://schemas.openxmlformats.org/presentationml/2006/main">
+<p:sld xmlns:r="http://schemas.openxmlformats.org/officeDocument/2006/relationships" xmlns:c="http://schemas.openxmlformats.org/drawingml/2006/chart" xmlns:a="http://schemas.openxmlformats.org/drawingml/2006/main" xmlns:dgm="http://schemas.openxmlformats.org/drawingml/2006/diagram" xmlns:dsp="http://schemas.microsoft.com/office/drawing/2008/diagram" xmlns:p="http://schemas.openxmlformats.org/presentationml/2006/main" xmlns:p14="http://schemas.microsoft.com/office/powerpoint/2010/main">
   <p:cSld>
     <p:spTree>
       <p:nvGrpSpPr>
@@ -8186,7 +8886,7 @@
                 <a:latin typeface="나눔스퀘어 Light"/>
                 <a:ea typeface="나눔스퀘어 Light"/>
               </a:rPr>
-              <a:t>GET request</a:t>
+              <a:t>PUT request</a:t>
             </a:r>
             <a:endParaRPr lang="en-US" altLang="ko-KR" sz="3600">
               <a:solidFill>
@@ -8200,7 +8900,7 @@
       </p:sp>
       <p:pic>
         <p:nvPicPr>
-          <p:cNvPr id="36" name=""/>
+          <p:cNvPr id="35" name="그림 9"/>
           <p:cNvPicPr>
             <a:picLocks noChangeAspect="1"/>
           </p:cNvPicPr>
@@ -8229,17 +8929,24 @@
   </p:clrMapOvr>
   <mc:AlternateContent xmlns:mc="http://schemas.openxmlformats.org/markup-compatibility/2006">
     <mc:Choice xmlns:p14="http://schemas.microsoft.com/office/powerpoint/2010/main" Requires="p14">
-      <p:transition xmlns:mc="http://schemas.openxmlformats.org/markup-compatibility/2006" xmlns:p14="http://schemas.microsoft.com/office/powerpoint/2010/main" spd="med" mc:Ignorable="p14" p14:dur="2000"/>
+      <p:transition spd="slow" p14:dur="2000"/>
     </mc:Choice>
     <mc:Fallback>
-      <p:transition/>
+      <p:transition spd="slow"/>
     </mc:Fallback>
   </mc:AlternateContent>
+  <p:timing>
+    <p:tnLst>
+      <p:par>
+        <p:cTn id="1" dur="indefinite" restart="never" nodeType="tmRoot"/>
+      </p:par>
+    </p:tnLst>
+  </p:timing>
 </p:sld>
 </file>
 
 <file path=ppt/slides/slide19.xml><?xml version="1.0" encoding="utf-8"?>
-<p:sld xmlns:r="http://schemas.openxmlformats.org/officeDocument/2006/relationships" xmlns:c="http://schemas.openxmlformats.org/drawingml/2006/chart" xmlns:a="http://schemas.openxmlformats.org/drawingml/2006/main" xmlns:dgm="http://schemas.openxmlformats.org/drawingml/2006/diagram" xmlns:dsp="http://schemas.microsoft.com/office/drawing/2008/diagram" xmlns:p="http://schemas.openxmlformats.org/presentationml/2006/main">
+<p:sld xmlns:r="http://schemas.openxmlformats.org/officeDocument/2006/relationships" xmlns:c="http://schemas.openxmlformats.org/drawingml/2006/chart" xmlns:a="http://schemas.openxmlformats.org/drawingml/2006/main" xmlns:dgm="http://schemas.openxmlformats.org/drawingml/2006/diagram" xmlns:dsp="http://schemas.microsoft.com/office/drawing/2008/diagram" xmlns:p="http://schemas.openxmlformats.org/presentationml/2006/main" xmlns:p14="http://schemas.microsoft.com/office/powerpoint/2010/main">
   <p:cSld>
     <p:spTree>
       <p:nvGrpSpPr>
@@ -8330,16 +9037,6 @@
               <a:defRPr/>
             </a:pPr>
             <a:r>
-              <a:rPr lang="ko-KR" sz="3600">
-                <a:solidFill>
-                  <a:srgbClr val="ffffff"/>
-                </a:solidFill>
-                <a:latin typeface="나눔스퀘어 Light"/>
-                <a:ea typeface="나눔스퀘어 Light"/>
-              </a:rPr>
-              <a:t>Code (</a:t>
-            </a:r>
-            <a:r>
               <a:rPr lang="en-US" altLang="ko-KR" sz="3600">
                 <a:solidFill>
                   <a:srgbClr val="ffffff"/>
@@ -8347,39 +9044,9 @@
                 <a:latin typeface="나눔스퀘어 Light"/>
                 <a:ea typeface="나눔스퀘어 Light"/>
               </a:rPr>
-              <a:t>DELETE</a:t>
-            </a:r>
-            <a:r>
-              <a:rPr lang="ko-KR" sz="3600">
-                <a:solidFill>
-                  <a:srgbClr val="ffffff"/>
-                </a:solidFill>
-                <a:latin typeface="나눔스퀘어 Light"/>
-                <a:ea typeface="나눔스퀘어 Light"/>
-              </a:rPr>
-              <a:t> </a:t>
-            </a:r>
-            <a:r>
-              <a:rPr lang="en-US" altLang="ko-KR" sz="3600">
-                <a:solidFill>
-                  <a:srgbClr val="ffffff"/>
-                </a:solidFill>
-                <a:latin typeface="나눔스퀘어 Light"/>
-                <a:ea typeface="나눔스퀘어 Light"/>
-              </a:rPr>
-              <a:t>m</a:t>
-            </a:r>
-            <a:r>
-              <a:rPr lang="ko-KR" sz="3600">
-                <a:solidFill>
-                  <a:srgbClr val="ffffff"/>
-                </a:solidFill>
-                <a:latin typeface="나눔스퀘어 Light"/>
-                <a:ea typeface="나눔스퀘어 Light"/>
-              </a:rPr>
-              <a:t>ethod)</a:t>
-            </a:r>
-            <a:endParaRPr lang="ko-KR" sz="3600">
+              <a:t>PUT request</a:t>
+            </a:r>
+            <a:endParaRPr lang="en-US" altLang="ko-KR" sz="3600">
               <a:solidFill>
                 <a:srgbClr val="ffffff"/>
               </a:solidFill>
@@ -8391,7 +9058,7 @@
       </p:sp>
       <p:pic>
         <p:nvPicPr>
-          <p:cNvPr id="23" name=""/>
+          <p:cNvPr id="35" name="그림 10"/>
           <p:cNvPicPr>
             <a:picLocks noChangeAspect="1"/>
           </p:cNvPicPr>
@@ -8405,8 +9072,8 @@
         </p:blipFill>
         <p:spPr>
           <a:xfrm>
-            <a:off x="2159097" y="2622196"/>
-            <a:ext cx="7873803" cy="1613606"/>
+            <a:off x="0" y="608965"/>
+            <a:ext cx="12192000" cy="6249035"/>
           </a:xfrm>
           <a:prstGeom prst="rect">
             <a:avLst/>
@@ -8420,17 +9087,24 @@
   </p:clrMapOvr>
   <mc:AlternateContent xmlns:mc="http://schemas.openxmlformats.org/markup-compatibility/2006">
     <mc:Choice xmlns:p14="http://schemas.microsoft.com/office/powerpoint/2010/main" Requires="p14">
-      <p:transition xmlns:mc="http://schemas.openxmlformats.org/markup-compatibility/2006" xmlns:p14="http://schemas.microsoft.com/office/powerpoint/2010/main" spd="med" mc:Ignorable="p14" p14:dur="2000"/>
+      <p:transition spd="slow" p14:dur="2000"/>
     </mc:Choice>
     <mc:Fallback>
-      <p:transition/>
+      <p:transition spd="slow"/>
     </mc:Fallback>
   </mc:AlternateContent>
+  <p:timing>
+    <p:tnLst>
+      <p:par>
+        <p:cTn id="1" dur="indefinite" restart="never" nodeType="tmRoot"/>
+      </p:par>
+    </p:tnLst>
+  </p:timing>
 </p:sld>
 </file>
 
 <file path=ppt/slides/slide2.xml><?xml version="1.0" encoding="utf-8"?>
-<p:sld xmlns:r="http://schemas.openxmlformats.org/officeDocument/2006/relationships" xmlns:c="http://schemas.openxmlformats.org/drawingml/2006/chart" xmlns:a="http://schemas.openxmlformats.org/drawingml/2006/main" xmlns:dgm="http://schemas.openxmlformats.org/drawingml/2006/diagram" xmlns:dsp="http://schemas.microsoft.com/office/drawing/2008/diagram" xmlns:p="http://schemas.openxmlformats.org/presentationml/2006/main">
+<p:sld xmlns:r="http://schemas.openxmlformats.org/officeDocument/2006/relationships" xmlns:c="http://schemas.openxmlformats.org/drawingml/2006/chart" xmlns:a="http://schemas.openxmlformats.org/drawingml/2006/main" xmlns:dgm="http://schemas.openxmlformats.org/drawingml/2006/diagram" xmlns:dsp="http://schemas.microsoft.com/office/drawing/2008/diagram" xmlns:p="http://schemas.openxmlformats.org/presentationml/2006/main" xmlns:p14="http://schemas.microsoft.com/office/powerpoint/2010/main">
   <p:cSld>
     <p:spTree>
       <p:nvGrpSpPr>
@@ -8548,8 +9222,8 @@
         </p:nvSpPr>
         <p:spPr>
           <a:xfrm>
-            <a:off x="135255" y="917574"/>
-            <a:ext cx="11923394" cy="5129531"/>
+            <a:off x="135255" y="917575"/>
+            <a:ext cx="11923395" cy="5129530"/>
           </a:xfrm>
           <a:prstGeom prst="rect">
             <a:avLst/>
@@ -9011,7 +9685,7 @@
       </p:sp>
       <p:pic>
         <p:nvPicPr>
-          <p:cNvPr id="9" name="그림 93" descr="C:/Users/ghjk0/AppData/Roaming/PolarisOffice/ETemp/2448_11919064/fImage2746438741.png"/>
+          <p:cNvPr id="9" name="그림 93"/>
           <p:cNvPicPr>
             <a:picLocks noChangeAspect="1"/>
           </p:cNvPicPr>
@@ -9025,8 +9699,8 @@
         </p:blipFill>
         <p:spPr>
           <a:xfrm>
-            <a:off x="6924842" y="2905534"/>
-            <a:ext cx="5265253" cy="3953100"/>
+            <a:off x="6924675" y="2905760"/>
+            <a:ext cx="5265420" cy="3952875"/>
           </a:xfrm>
           <a:prstGeom prst="rect">
             <a:avLst/>
@@ -9041,10 +9715,10 @@
   </p:clrMapOvr>
   <mc:AlternateContent xmlns:mc="http://schemas.openxmlformats.org/markup-compatibility/2006">
     <mc:Choice xmlns:p14="http://schemas.microsoft.com/office/powerpoint/2010/main" Requires="p14">
-      <p:transition xmlns:mc="http://schemas.openxmlformats.org/markup-compatibility/2006" xmlns:p14="http://schemas.microsoft.com/office/powerpoint/2010/main" spd="med" mc:Ignorable="p14" p14:dur="2000"/>
+      <p:transition spd="slow" p14:dur="2000"/>
     </mc:Choice>
     <mc:Fallback>
-      <p:transition/>
+      <p:transition spd="slow"/>
     </mc:Fallback>
   </mc:AlternateContent>
   <p:timing>
@@ -9058,7 +9732,7 @@
 </file>
 
 <file path=ppt/slides/slide20.xml><?xml version="1.0" encoding="utf-8"?>
-<p:sld xmlns:r="http://schemas.openxmlformats.org/officeDocument/2006/relationships" xmlns:c="http://schemas.openxmlformats.org/drawingml/2006/chart" xmlns:a="http://schemas.openxmlformats.org/drawingml/2006/main" xmlns:dgm="http://schemas.openxmlformats.org/drawingml/2006/diagram" xmlns:dsp="http://schemas.microsoft.com/office/drawing/2008/diagram" xmlns:p="http://schemas.openxmlformats.org/presentationml/2006/main">
+<p:sld xmlns:r="http://schemas.openxmlformats.org/officeDocument/2006/relationships" xmlns:c="http://schemas.openxmlformats.org/drawingml/2006/chart" xmlns:a="http://schemas.openxmlformats.org/drawingml/2006/main" xmlns:dgm="http://schemas.openxmlformats.org/drawingml/2006/diagram" xmlns:dsp="http://schemas.microsoft.com/office/drawing/2008/diagram" xmlns:p="http://schemas.openxmlformats.org/presentationml/2006/main" xmlns:p14="http://schemas.microsoft.com/office/powerpoint/2010/main">
   <p:cSld>
     <p:spTree>
       <p:nvGrpSpPr>
@@ -9156,7 +9830,7 @@
                 <a:latin typeface="나눔스퀘어 Light"/>
                 <a:ea typeface="나눔스퀘어 Light"/>
               </a:rPr>
-              <a:t>DELETE request</a:t>
+              <a:t>GET request</a:t>
             </a:r>
             <a:endParaRPr lang="en-US" altLang="ko-KR" sz="3600">
               <a:solidFill>
@@ -9170,7 +9844,7 @@
       </p:sp>
       <p:pic>
         <p:nvPicPr>
-          <p:cNvPr id="37" name=""/>
+          <p:cNvPr id="36" name="그림 11"/>
           <p:cNvPicPr>
             <a:picLocks noChangeAspect="1"/>
           </p:cNvPicPr>
@@ -9199,17 +9873,24 @@
   </p:clrMapOvr>
   <mc:AlternateContent xmlns:mc="http://schemas.openxmlformats.org/markup-compatibility/2006">
     <mc:Choice xmlns:p14="http://schemas.microsoft.com/office/powerpoint/2010/main" Requires="p14">
-      <p:transition xmlns:mc="http://schemas.openxmlformats.org/markup-compatibility/2006" xmlns:p14="http://schemas.microsoft.com/office/powerpoint/2010/main" spd="med" mc:Ignorable="p14" p14:dur="2000"/>
+      <p:transition spd="slow" p14:dur="2000"/>
     </mc:Choice>
     <mc:Fallback>
-      <p:transition/>
+      <p:transition spd="slow"/>
     </mc:Fallback>
   </mc:AlternateContent>
+  <p:timing>
+    <p:tnLst>
+      <p:par>
+        <p:cTn id="1" dur="indefinite" restart="never" nodeType="tmRoot"/>
+      </p:par>
+    </p:tnLst>
+  </p:timing>
 </p:sld>
 </file>
 
 <file path=ppt/slides/slide21.xml><?xml version="1.0" encoding="utf-8"?>
-<p:sld xmlns:r="http://schemas.openxmlformats.org/officeDocument/2006/relationships" xmlns:c="http://schemas.openxmlformats.org/drawingml/2006/chart" xmlns:a="http://schemas.openxmlformats.org/drawingml/2006/main" xmlns:dgm="http://schemas.openxmlformats.org/drawingml/2006/diagram" xmlns:dsp="http://schemas.microsoft.com/office/drawing/2008/diagram" xmlns:p="http://schemas.openxmlformats.org/presentationml/2006/main">
+<p:sld xmlns:r="http://schemas.openxmlformats.org/officeDocument/2006/relationships" xmlns:c="http://schemas.openxmlformats.org/drawingml/2006/chart" xmlns:a="http://schemas.openxmlformats.org/drawingml/2006/main" xmlns:dgm="http://schemas.openxmlformats.org/drawingml/2006/diagram" xmlns:dsp="http://schemas.microsoft.com/office/drawing/2008/diagram" xmlns:p="http://schemas.openxmlformats.org/presentationml/2006/main" xmlns:p14="http://schemas.microsoft.com/office/powerpoint/2010/main">
   <p:cSld>
     <p:spTree>
       <p:nvGrpSpPr>
@@ -9300,6 +9981,16 @@
               <a:defRPr/>
             </a:pPr>
             <a:r>
+              <a:rPr lang="ko-KR" sz="3600">
+                <a:solidFill>
+                  <a:srgbClr val="ffffff"/>
+                </a:solidFill>
+                <a:latin typeface="나눔스퀘어 Light"/>
+                <a:ea typeface="나눔스퀘어 Light"/>
+              </a:rPr>
+              <a:t>Code (</a:t>
+            </a:r>
+            <a:r>
               <a:rPr lang="en-US" altLang="ko-KR" sz="3600">
                 <a:solidFill>
                   <a:srgbClr val="ffffff"/>
@@ -9307,9 +9998,39 @@
                 <a:latin typeface="나눔스퀘어 Light"/>
                 <a:ea typeface="나눔스퀘어 Light"/>
               </a:rPr>
-              <a:t>GET request</a:t>
-            </a:r>
-            <a:endParaRPr lang="en-US" altLang="ko-KR" sz="3600">
+              <a:t>DELETE</a:t>
+            </a:r>
+            <a:r>
+              <a:rPr lang="ko-KR" sz="3600">
+                <a:solidFill>
+                  <a:srgbClr val="ffffff"/>
+                </a:solidFill>
+                <a:latin typeface="나눔스퀘어 Light"/>
+                <a:ea typeface="나눔스퀘어 Light"/>
+              </a:rPr>
+              <a:t> </a:t>
+            </a:r>
+            <a:r>
+              <a:rPr lang="en-US" altLang="ko-KR" sz="3600">
+                <a:solidFill>
+                  <a:srgbClr val="ffffff"/>
+                </a:solidFill>
+                <a:latin typeface="나눔스퀘어 Light"/>
+                <a:ea typeface="나눔스퀘어 Light"/>
+              </a:rPr>
+              <a:t>m</a:t>
+            </a:r>
+            <a:r>
+              <a:rPr lang="ko-KR" sz="3600">
+                <a:solidFill>
+                  <a:srgbClr val="ffffff"/>
+                </a:solidFill>
+                <a:latin typeface="나눔스퀘어 Light"/>
+                <a:ea typeface="나눔스퀘어 Light"/>
+              </a:rPr>
+              <a:t>ethod)</a:t>
+            </a:r>
+            <a:endParaRPr lang="ko-KR" sz="3600">
               <a:solidFill>
                 <a:srgbClr val="ffffff"/>
               </a:solidFill>
@@ -9321,7 +10042,7 @@
       </p:sp>
       <p:pic>
         <p:nvPicPr>
-          <p:cNvPr id="37" name=""/>
+          <p:cNvPr id="23" name="그림 12"/>
           <p:cNvPicPr>
             <a:picLocks noChangeAspect="1"/>
           </p:cNvPicPr>
@@ -9335,78 +10056,14 @@
         </p:blipFill>
         <p:spPr>
           <a:xfrm>
-            <a:off x="0" y="709930"/>
-            <a:ext cx="12192000" cy="6148069"/>
+            <a:off x="2159000" y="2621915"/>
+            <a:ext cx="7874000" cy="1613535"/>
           </a:xfrm>
           <a:prstGeom prst="rect">
             <a:avLst/>
           </a:prstGeom>
         </p:spPr>
       </p:pic>
-      <p:sp>
-        <p:nvSpPr>
-          <p:cNvPr id="38" name="텍스트 상자 83"/>
-          <p:cNvSpPr txBox="1"/>
-          <p:nvPr/>
-        </p:nvSpPr>
-        <p:spPr>
-          <a:xfrm>
-            <a:off x="5897245" y="6523355"/>
-            <a:ext cx="6202680" cy="277495"/>
-          </a:xfrm>
-          <a:prstGeom prst="rect">
-            <a:avLst/>
-          </a:prstGeom>
-          <a:noFill/>
-        </p:spPr>
-        <p:txBody>
-          <a:bodyPr vert="horz" wrap="square" lIns="0" tIns="0" rIns="0" bIns="0" anchor="t">
-            <a:noAutofit/>
-          </a:bodyPr>
-          <a:p>
-            <a:pPr marL="0" indent="0" algn="l" defTabSz="914400" rtl="0" eaLnBrk="1" latinLnBrk="1" hangingPunct="1">
-              <a:lnSpc>
-                <a:spcPct val="100000"/>
-              </a:lnSpc>
-              <a:spcBef>
-                <a:spcPct val="0"/>
-              </a:spcBef>
-              <a:spcAft>
-                <a:spcPts val="0"/>
-              </a:spcAft>
-              <a:buNone/>
-              <a:defRPr/>
-            </a:pPr>
-            <a:r>
-              <a:rPr xmlns:mc="http://schemas.openxmlformats.org/markup-compatibility/2006" xmlns:hp="http://schemas.haansoft.com/office/presentation/8.0" kumimoji="0" lang="ko-KR" sz="1800" b="0" i="0" u="none" strike="noStrike" kern="1200" cap="none" spc="0" normalizeH="0" baseline="0" mc:Ignorable="hp" hp:hslEmbossed="0">
-                <a:solidFill>
-                  <a:srgbClr val="000000"/>
-                </a:solidFill>
-                <a:latin typeface="맑은 고딕"/>
-                <a:ea typeface="맑은 고딕"/>
-              </a:rPr>
-              <a:t>전체 코드 : </a:t>
-            </a:r>
-            <a:r>
-              <a:rPr xmlns:mc="http://schemas.openxmlformats.org/markup-compatibility/2006" xmlns:hp="http://schemas.haansoft.com/office/presentation/8.0" kumimoji="0" sz="1800" b="0" i="0" u="none" strike="noStrike" kern="1200" cap="none" spc="0" normalizeH="0" baseline="0" mc:Ignorable="hp" hp:hslEmbossed="0">
-                <a:solidFill>
-                  <a:srgbClr val="000000"/>
-                </a:solidFill>
-                <a:latin typeface="맑은 고딕"/>
-                <a:ea typeface="맑은 고딕"/>
-              </a:rPr>
-              <a:t>https://github.com/ghjk0498/SimpleSpringREST</a:t>
-            </a:r>
-            <a:endParaRPr xmlns:mc="http://schemas.openxmlformats.org/markup-compatibility/2006" xmlns:hp="http://schemas.haansoft.com/office/presentation/8.0" kumimoji="0" lang="ko-KR" altLang="en-US" sz="1800" b="0" i="0" u="none" strike="noStrike" kern="1200" cap="none" spc="0" normalizeH="0" baseline="0" mc:Ignorable="hp" hp:hslEmbossed="0">
-              <a:solidFill>
-                <a:srgbClr val="000000"/>
-              </a:solidFill>
-              <a:latin typeface="맑은 고딕"/>
-              <a:ea typeface="맑은 고딕"/>
-            </a:endParaRPr>
-          </a:p>
-        </p:txBody>
-      </p:sp>
     </p:spTree>
   </p:cSld>
   <p:clrMapOvr>
@@ -9414,17 +10071,24 @@
   </p:clrMapOvr>
   <mc:AlternateContent xmlns:mc="http://schemas.openxmlformats.org/markup-compatibility/2006">
     <mc:Choice xmlns:p14="http://schemas.microsoft.com/office/powerpoint/2010/main" Requires="p14">
-      <p:transition xmlns:mc="http://schemas.openxmlformats.org/markup-compatibility/2006" xmlns:p14="http://schemas.microsoft.com/office/powerpoint/2010/main" spd="med" mc:Ignorable="p14" p14:dur="2000"/>
+      <p:transition spd="slow" p14:dur="2000"/>
     </mc:Choice>
     <mc:Fallback>
-      <p:transition/>
+      <p:transition spd="slow"/>
     </mc:Fallback>
   </mc:AlternateContent>
+  <p:timing>
+    <p:tnLst>
+      <p:par>
+        <p:cTn id="1" dur="indefinite" restart="never" nodeType="tmRoot"/>
+      </p:par>
+    </p:tnLst>
+  </p:timing>
 </p:sld>
 </file>
 
-<file path=ppt/slides/slide3.xml><?xml version="1.0" encoding="utf-8"?>
-<p:sld xmlns:r="http://schemas.openxmlformats.org/officeDocument/2006/relationships" xmlns:c="http://schemas.openxmlformats.org/drawingml/2006/chart" xmlns:a="http://schemas.openxmlformats.org/drawingml/2006/main" xmlns:dgm="http://schemas.openxmlformats.org/drawingml/2006/diagram" xmlns:dsp="http://schemas.microsoft.com/office/drawing/2008/diagram" xmlns:p="http://schemas.openxmlformats.org/presentationml/2006/main">
+<file path=ppt/slides/slide22.xml><?xml version="1.0" encoding="utf-8"?>
+<p:sld xmlns:r="http://schemas.openxmlformats.org/officeDocument/2006/relationships" xmlns:c="http://schemas.openxmlformats.org/drawingml/2006/chart" xmlns:a="http://schemas.openxmlformats.org/drawingml/2006/main" xmlns:dgm="http://schemas.openxmlformats.org/drawingml/2006/diagram" xmlns:dsp="http://schemas.microsoft.com/office/drawing/2008/diagram" xmlns:p="http://schemas.openxmlformats.org/presentationml/2006/main" xmlns:p14="http://schemas.microsoft.com/office/powerpoint/2010/main">
   <p:cSld>
     <p:spTree>
       <p:nvGrpSpPr>
@@ -9442,7 +10106,7 @@
       </p:grpSpPr>
       <p:sp>
         <p:nvSpPr>
-          <p:cNvPr id="3" name="텍스트 상자 18"/>
+          <p:cNvPr id="3" name="Rect 0"/>
           <p:cNvSpPr txBox="1">
             <a:spLocks noChangeAspect="1"/>
           </p:cNvSpPr>
@@ -9487,7 +10151,7 @@
       </p:sp>
       <p:sp>
         <p:nvSpPr>
-          <p:cNvPr id="4" name="텍스트 상자 19"/>
+          <p:cNvPr id="4" name="Rect 0"/>
           <p:cNvSpPr txBox="1">
             <a:spLocks noChangeAspect="1"/>
           </p:cNvSpPr>
@@ -9522,19 +10186,9 @@
                 <a:latin typeface="나눔스퀘어 Light"/>
                 <a:ea typeface="나눔스퀘어 Light"/>
               </a:rPr>
-              <a:t>REST </a:t>
-            </a:r>
-            <a:r>
-              <a:rPr lang="ko-KR" altLang="en-US" sz="3600">
-                <a:solidFill>
-                  <a:srgbClr val="ffffff"/>
-                </a:solidFill>
-                <a:latin typeface="나눔스퀘어 Light"/>
-                <a:ea typeface="나눔스퀘어 Light"/>
-              </a:rPr>
-              <a:t>성숙도 모델</a:t>
-            </a:r>
-            <a:endParaRPr lang="ko-KR" altLang="en-US" sz="3600">
+              <a:t>DELETE request</a:t>
+            </a:r>
+            <a:endParaRPr lang="en-US" altLang="ko-KR" sz="3600">
               <a:solidFill>
                 <a:srgbClr val="ffffff"/>
               </a:solidFill>
@@ -9544,418 +10198,30 @@
           </a:p>
         </p:txBody>
       </p:sp>
-      <p:sp>
-        <p:nvSpPr>
-          <p:cNvPr id="8" name="텍스트 상자 85"/>
-          <p:cNvSpPr txBox="1"/>
+      <p:pic>
+        <p:nvPicPr>
+          <p:cNvPr id="37" name="그림 13"/>
+          <p:cNvPicPr>
+            <a:picLocks noChangeAspect="1"/>
+          </p:cNvPicPr>
           <p:nvPr/>
-        </p:nvSpPr>
-        <p:spPr>
-          <a:xfrm>
-            <a:off x="135255" y="917572"/>
-            <a:ext cx="11797665" cy="5491483"/>
+        </p:nvPicPr>
+        <p:blipFill rotWithShape="1">
+          <a:blip r:embed="rId3"/>
+          <a:stretch>
+            <a:fillRect/>
+          </a:stretch>
+        </p:blipFill>
+        <p:spPr>
+          <a:xfrm>
+            <a:off x="0" y="771525"/>
+            <a:ext cx="12192000" cy="6086475"/>
           </a:xfrm>
           <a:prstGeom prst="rect">
             <a:avLst/>
           </a:prstGeom>
-          <a:noFill/>
-          <a:ln w="0">
-            <a:noFill/>
-          </a:ln>
-        </p:spPr>
-        <p:txBody>
-          <a:bodyPr vert="horz" wrap="square" lIns="89535" tIns="46355" rIns="89535" bIns="46355" anchor="t">
-            <a:spAutoFit/>
-          </a:bodyPr>
-          <a:lstStyle/>
-          <a:p>
-            <a:pPr marL="0" indent="0" algn="l" hangingPunct="1">
-              <a:defRPr/>
-            </a:pPr>
-            <a:r>
-              <a:rPr lang="en-US" altLang="ko-KR" sz="2400">
-                <a:latin typeface="맑은 고딕"/>
-                <a:ea typeface="맑은 고딕"/>
-              </a:rPr>
-              <a:t>Level</a:t>
-            </a:r>
-            <a:r>
-              <a:rPr lang="ko-KR" altLang="en-US" sz="2400">
-                <a:latin typeface="맑은 고딕"/>
-                <a:ea typeface="맑은 고딕"/>
-              </a:rPr>
-              <a:t> </a:t>
-            </a:r>
-            <a:r>
-              <a:rPr lang="en-US" altLang="ko-KR" sz="2400">
-                <a:latin typeface="맑은 고딕"/>
-                <a:ea typeface="맑은 고딕"/>
-              </a:rPr>
-              <a:t>0 : 1 URI, 1 HTTP method</a:t>
-            </a:r>
-            <a:endParaRPr lang="en-US" altLang="ko-KR" sz="2400">
-              <a:latin typeface="맑은 고딕"/>
-              <a:ea typeface="맑은 고딕"/>
-            </a:endParaRPr>
-          </a:p>
-          <a:p>
-            <a:pPr marL="0" indent="0" algn="l" hangingPunct="1">
-              <a:defRPr/>
-            </a:pPr>
-            <a:endParaRPr lang="ko-KR" altLang="en-US" sz="1800">
-              <a:latin typeface="맑은 고딕"/>
-              <a:ea typeface="맑은 고딕"/>
-            </a:endParaRPr>
-          </a:p>
-          <a:p>
-            <a:pPr marL="0" indent="0" algn="l" hangingPunct="1">
-              <a:defRPr/>
-            </a:pPr>
-            <a:r>
-              <a:rPr lang="ko-KR" altLang="en-US" sz="1800">
-                <a:latin typeface="맑은 고딕"/>
-                <a:ea typeface="맑은 고딕"/>
-              </a:rPr>
-              <a:t>클라이언트는 서비스별로 유일한 </a:t>
-            </a:r>
-            <a:r>
-              <a:rPr lang="en-US" altLang="ko-KR" sz="1800">
-                <a:latin typeface="맑은 고딕"/>
-                <a:ea typeface="맑은 고딕"/>
-              </a:rPr>
-              <a:t>URL</a:t>
-            </a:r>
-            <a:r>
-              <a:rPr lang="ko-KR" altLang="en-US" sz="1800">
-                <a:latin typeface="맑은 고딕"/>
-                <a:ea typeface="맑은 고딕"/>
-              </a:rPr>
-              <a:t> 끝점에 </a:t>
-            </a:r>
-            <a:r>
-              <a:rPr lang="en-US" altLang="ko-KR" sz="1800">
-                <a:latin typeface="맑은 고딕"/>
-                <a:ea typeface="맑은 고딕"/>
-              </a:rPr>
-              <a:t>HTTP POST</a:t>
-            </a:r>
-            <a:r>
-              <a:rPr lang="ko-KR" altLang="en-US" sz="1800">
-                <a:latin typeface="맑은 고딕"/>
-                <a:ea typeface="맑은 고딕"/>
-              </a:rPr>
-              <a:t> 요청을 하여 서비스를 호출한다</a:t>
-            </a:r>
-            <a:r>
-              <a:rPr lang="en-US" altLang="ko-KR" sz="1800">
-                <a:latin typeface="맑은 고딕"/>
-                <a:ea typeface="맑은 고딕"/>
-              </a:rPr>
-              <a:t>.</a:t>
-            </a:r>
-            <a:r>
-              <a:rPr lang="ko-KR" altLang="en-US" sz="1800">
-                <a:latin typeface="맑은 고딕"/>
-                <a:ea typeface="맑은 고딕"/>
-              </a:rPr>
-              <a:t> 요청을 할 때마다 어떤 액션을 수행할지</a:t>
-            </a:r>
-            <a:r>
-              <a:rPr lang="en-US" altLang="ko-KR" sz="1800">
-                <a:latin typeface="맑은 고딕"/>
-                <a:ea typeface="맑은 고딕"/>
-              </a:rPr>
-              <a:t>,</a:t>
-            </a:r>
-            <a:r>
-              <a:rPr lang="ko-KR" altLang="en-US" sz="1800">
-                <a:latin typeface="맑은 고딕"/>
-                <a:ea typeface="맑은 고딕"/>
-              </a:rPr>
-              <a:t> 그 대상은 무엇인지 지정한다</a:t>
-            </a:r>
-            <a:r>
-              <a:rPr lang="en-US" altLang="ko-KR" sz="1800">
-                <a:latin typeface="맑은 고딕"/>
-                <a:ea typeface="맑은 고딕"/>
-              </a:rPr>
-              <a:t>.</a:t>
-            </a:r>
-            <a:r>
-              <a:rPr lang="ko-KR" altLang="en-US" sz="1800">
-                <a:latin typeface="맑은 고딕"/>
-                <a:ea typeface="맑은 고딕"/>
-              </a:rPr>
-              <a:t> 필요한 매개변수도 함께 전달한다</a:t>
-            </a:r>
-            <a:r>
-              <a:rPr lang="en-US" altLang="ko-KR" sz="1800">
-                <a:latin typeface="맑은 고딕"/>
-                <a:ea typeface="맑은 고딕"/>
-              </a:rPr>
-              <a:t>.</a:t>
-            </a:r>
-            <a:endParaRPr lang="en-US" altLang="ko-KR" sz="1800">
-              <a:latin typeface="맑은 고딕"/>
-              <a:ea typeface="맑은 고딕"/>
-            </a:endParaRPr>
-          </a:p>
-          <a:p>
-            <a:pPr marL="0" indent="0" algn="l" hangingPunct="1">
-              <a:defRPr/>
-            </a:pPr>
-            <a:endParaRPr lang="en-US" altLang="ko-KR" sz="1800">
-              <a:latin typeface="맑은 고딕"/>
-              <a:ea typeface="맑은 고딕"/>
-            </a:endParaRPr>
-          </a:p>
-          <a:p>
-            <a:pPr marL="0" indent="0" algn="l" hangingPunct="1">
-              <a:defRPr/>
-            </a:pPr>
-            <a:r>
-              <a:rPr lang="en-US" altLang="ko-KR" sz="1800">
-                <a:latin typeface="맑은 고딕"/>
-                <a:ea typeface="맑은 고딕"/>
-              </a:rPr>
-              <a:t>CREATE	: POST /api/user</a:t>
-            </a:r>
-            <a:endParaRPr lang="en-US" altLang="ko-KR" sz="1800">
-              <a:latin typeface="맑은 고딕"/>
-              <a:ea typeface="맑은 고딕"/>
-            </a:endParaRPr>
-          </a:p>
-          <a:p>
-            <a:pPr marL="0" indent="0" algn="l" hangingPunct="1">
-              <a:defRPr/>
-            </a:pPr>
-            <a:r>
-              <a:rPr lang="en-US" altLang="ko-KR" sz="1800">
-                <a:latin typeface="맑은 고딕"/>
-                <a:ea typeface="맑은 고딕"/>
-              </a:rPr>
-              <a:t>READ	: POST /api/user</a:t>
-            </a:r>
-            <a:endParaRPr lang="en-US" altLang="ko-KR" sz="1800">
-              <a:latin typeface="맑은 고딕"/>
-              <a:ea typeface="맑은 고딕"/>
-            </a:endParaRPr>
-          </a:p>
-          <a:p>
-            <a:pPr marL="0" indent="0" algn="l" hangingPunct="1">
-              <a:defRPr/>
-            </a:pPr>
-            <a:r>
-              <a:rPr lang="en-US" altLang="ko-KR" sz="1800">
-                <a:latin typeface="맑은 고딕"/>
-                <a:ea typeface="맑은 고딕"/>
-              </a:rPr>
-              <a:t>UPDATE	: POST /api/user</a:t>
-            </a:r>
-            <a:endParaRPr lang="en-US" altLang="ko-KR" sz="1800">
-              <a:latin typeface="맑은 고딕"/>
-              <a:ea typeface="맑은 고딕"/>
-            </a:endParaRPr>
-          </a:p>
-          <a:p>
-            <a:pPr marL="0" indent="0" algn="l" hangingPunct="1">
-              <a:defRPr/>
-            </a:pPr>
-            <a:r>
-              <a:rPr lang="en-US" altLang="ko-KR" sz="1800">
-                <a:latin typeface="맑은 고딕"/>
-                <a:ea typeface="맑은 고딕"/>
-              </a:rPr>
-              <a:t>DELETE	: POST /api/user</a:t>
-            </a:r>
-            <a:endParaRPr lang="en-US" altLang="ko-KR" sz="1800">
-              <a:latin typeface="맑은 고딕"/>
-              <a:ea typeface="맑은 고딕"/>
-            </a:endParaRPr>
-          </a:p>
-          <a:p>
-            <a:pPr marL="0" indent="0" algn="l" hangingPunct="1">
-              <a:defRPr/>
-            </a:pPr>
-            <a:endParaRPr lang="en-US" altLang="ko-KR" sz="1800">
-              <a:latin typeface="맑은 고딕"/>
-              <a:ea typeface="맑은 고딕"/>
-            </a:endParaRPr>
-          </a:p>
-          <a:p>
-            <a:pPr marL="0" indent="0" algn="l" hangingPunct="1">
-              <a:defRPr/>
-            </a:pPr>
-            <a:r>
-              <a:rPr lang="en-US" altLang="ko-KR" sz="2400">
-                <a:latin typeface="맑은 고딕"/>
-                <a:ea typeface="맑은 고딕"/>
-              </a:rPr>
-              <a:t>Level 1 : N URI, 1 HTTP method</a:t>
-            </a:r>
-            <a:endParaRPr lang="en-US" altLang="ko-KR" sz="2400">
-              <a:latin typeface="맑은 고딕"/>
-              <a:ea typeface="맑은 고딕"/>
-            </a:endParaRPr>
-          </a:p>
-          <a:p>
-            <a:pPr marL="0" indent="0" algn="l" hangingPunct="1">
-              <a:defRPr/>
-            </a:pPr>
-            <a:endParaRPr lang="en-US" altLang="ko-KR" sz="1800">
-              <a:latin typeface="맑은 고딕"/>
-              <a:ea typeface="맑은 고딕"/>
-            </a:endParaRPr>
-          </a:p>
-          <a:p>
-            <a:pPr marL="0" indent="0" algn="l" hangingPunct="1">
-              <a:defRPr/>
-            </a:pPr>
-            <a:r>
-              <a:rPr lang="ko-KR" altLang="en-US" sz="1800">
-                <a:latin typeface="맑은 고딕"/>
-                <a:ea typeface="맑은 고딕"/>
-              </a:rPr>
-              <a:t>서비스는</a:t>
-            </a:r>
-            <a:r>
-              <a:rPr lang="en-US" altLang="ko-KR" sz="1800">
-                <a:latin typeface="맑은 고딕"/>
-                <a:ea typeface="맑은 고딕"/>
-              </a:rPr>
-              <a:t> </a:t>
-            </a:r>
-            <a:r>
-              <a:rPr lang="ko-KR" altLang="en-US" sz="1800">
-                <a:latin typeface="맑은 고딕"/>
-                <a:ea typeface="맑은 고딕"/>
-              </a:rPr>
-              <a:t>리소스 개념을 지원한다</a:t>
-            </a:r>
-            <a:r>
-              <a:rPr lang="en-US" altLang="ko-KR" sz="1800">
-                <a:latin typeface="맑은 고딕"/>
-                <a:ea typeface="맑은 고딕"/>
-              </a:rPr>
-              <a:t>.</a:t>
-            </a:r>
-            <a:r>
-              <a:rPr lang="ko-KR" altLang="en-US" sz="1800">
-                <a:latin typeface="맑은 고딕"/>
-                <a:ea typeface="맑은 고딕"/>
-              </a:rPr>
-              <a:t> 클라이언트는 수행할 액션과 매개변수가 지정된 </a:t>
-            </a:r>
-            <a:r>
-              <a:rPr lang="en-US" altLang="ko-KR" sz="1800">
-                <a:latin typeface="맑은 고딕"/>
-                <a:ea typeface="맑은 고딕"/>
-              </a:rPr>
-              <a:t>POST</a:t>
-            </a:r>
-            <a:r>
-              <a:rPr lang="ko-KR" altLang="en-US" sz="1800">
-                <a:latin typeface="맑은 고딕"/>
-                <a:ea typeface="맑은 고딕"/>
-              </a:rPr>
-              <a:t> 요청을 한다</a:t>
-            </a:r>
-            <a:r>
-              <a:rPr lang="en-US" altLang="ko-KR" sz="1800">
-                <a:latin typeface="맑은 고딕"/>
-                <a:ea typeface="맑은 고딕"/>
-              </a:rPr>
-              <a:t>.</a:t>
-            </a:r>
-            <a:endParaRPr lang="en-US" altLang="ko-KR" sz="1800">
-              <a:latin typeface="맑은 고딕"/>
-              <a:ea typeface="맑은 고딕"/>
-            </a:endParaRPr>
-          </a:p>
-          <a:p>
-            <a:pPr marL="0" indent="0" algn="l" hangingPunct="1">
-              <a:defRPr/>
-            </a:pPr>
-            <a:endParaRPr lang="en-US" altLang="ko-KR" sz="1800">
-              <a:latin typeface="맑은 고딕"/>
-              <a:ea typeface="맑은 고딕"/>
-            </a:endParaRPr>
-          </a:p>
-          <a:p>
-            <a:pPr marL="0" indent="0" algn="l" hangingPunct="1">
-              <a:defRPr/>
-            </a:pPr>
-            <a:r>
-              <a:rPr lang="en-US" altLang="ko-KR">
-                <a:latin typeface="맑은 고딕"/>
-                <a:ea typeface="맑은 고딕"/>
-              </a:rPr>
-              <a:t>CREATE	: POST /api/user</a:t>
-            </a:r>
-            <a:endParaRPr lang="en-US" altLang="ko-KR">
-              <a:latin typeface="맑은 고딕"/>
-              <a:ea typeface="맑은 고딕"/>
-            </a:endParaRPr>
-          </a:p>
-          <a:p>
-            <a:pPr marL="0" indent="0" algn="l" hangingPunct="1">
-              <a:defRPr/>
-            </a:pPr>
-            <a:r>
-              <a:rPr lang="en-US" altLang="ko-KR">
-                <a:latin typeface="맑은 고딕"/>
-                <a:ea typeface="맑은 고딕"/>
-              </a:rPr>
-              <a:t>READ	: POST /api/user/1</a:t>
-            </a:r>
-            <a:endParaRPr lang="en-US" altLang="ko-KR">
-              <a:latin typeface="맑은 고딕"/>
-              <a:ea typeface="맑은 고딕"/>
-            </a:endParaRPr>
-          </a:p>
-          <a:p>
-            <a:pPr marL="0" indent="0" algn="l" hangingPunct="1">
-              <a:defRPr/>
-            </a:pPr>
-            <a:r>
-              <a:rPr lang="en-US" altLang="ko-KR">
-                <a:latin typeface="맑은 고딕"/>
-                <a:ea typeface="맑은 고딕"/>
-              </a:rPr>
-              <a:t>UPDATE	: POST /api/user/5</a:t>
-            </a:r>
-            <a:endParaRPr lang="en-US" altLang="ko-KR">
-              <a:latin typeface="맑은 고딕"/>
-              <a:ea typeface="맑은 고딕"/>
-            </a:endParaRPr>
-          </a:p>
-          <a:p>
-            <a:pPr marL="0" indent="0" algn="l" hangingPunct="1">
-              <a:defRPr/>
-            </a:pPr>
-            <a:r>
-              <a:rPr lang="en-US" altLang="ko-KR">
-                <a:latin typeface="맑은 고딕"/>
-                <a:ea typeface="맑은 고딕"/>
-              </a:rPr>
-              <a:t>DELETE	: POST /api/user/7</a:t>
-            </a:r>
-            <a:endParaRPr lang="en-US" altLang="ko-KR">
-              <a:latin typeface="맑은 고딕"/>
-              <a:ea typeface="맑은 고딕"/>
-            </a:endParaRPr>
-          </a:p>
-          <a:p>
-            <a:pPr marL="0" indent="0" algn="l" hangingPunct="1">
-              <a:defRPr/>
-            </a:pPr>
-            <a:endParaRPr lang="en-US" altLang="ko-KR" sz="1800">
-              <a:latin typeface="맑은 고딕"/>
-              <a:ea typeface="맑은 고딕"/>
-            </a:endParaRPr>
-          </a:p>
-        </p:txBody>
-      </p:sp>
+        </p:spPr>
+      </p:pic>
     </p:spTree>
   </p:cSld>
   <p:clrMapOvr>
@@ -9963,10 +10229,10 @@
   </p:clrMapOvr>
   <mc:AlternateContent xmlns:mc="http://schemas.openxmlformats.org/markup-compatibility/2006">
     <mc:Choice xmlns:p14="http://schemas.microsoft.com/office/powerpoint/2010/main" Requires="p14">
-      <p:transition xmlns:mc="http://schemas.openxmlformats.org/markup-compatibility/2006" xmlns:p14="http://schemas.microsoft.com/office/powerpoint/2010/main" spd="med" mc:Ignorable="p14" p14:dur="2000"/>
+      <p:transition spd="slow" p14:dur="2000"/>
     </mc:Choice>
     <mc:Fallback>
-      <p:transition/>
+      <p:transition spd="slow"/>
     </mc:Fallback>
   </mc:AlternateContent>
   <p:timing>
@@ -9979,8 +10245,8 @@
 </p:sld>
 </file>
 
-<file path=ppt/slides/slide4.xml><?xml version="1.0" encoding="utf-8"?>
-<p:sld xmlns:r="http://schemas.openxmlformats.org/officeDocument/2006/relationships" xmlns:c="http://schemas.openxmlformats.org/drawingml/2006/chart" xmlns:a="http://schemas.openxmlformats.org/drawingml/2006/main" xmlns:dgm="http://schemas.openxmlformats.org/drawingml/2006/diagram" xmlns:dsp="http://schemas.microsoft.com/office/drawing/2008/diagram" xmlns:p="http://schemas.openxmlformats.org/presentationml/2006/main">
+<file path=ppt/slides/slide23.xml><?xml version="1.0" encoding="utf-8"?>
+<p:sld xmlns:r="http://schemas.openxmlformats.org/officeDocument/2006/relationships" xmlns:c="http://schemas.openxmlformats.org/drawingml/2006/chart" xmlns:a="http://schemas.openxmlformats.org/drawingml/2006/main" xmlns:dgm="http://schemas.openxmlformats.org/drawingml/2006/diagram" xmlns:dsp="http://schemas.microsoft.com/office/drawing/2008/diagram" xmlns:p="http://schemas.openxmlformats.org/presentationml/2006/main" xmlns:p14="http://schemas.microsoft.com/office/powerpoint/2010/main">
   <p:cSld>
     <p:spTree>
       <p:nvGrpSpPr>
@@ -9998,7 +10264,7 @@
       </p:grpSpPr>
       <p:sp>
         <p:nvSpPr>
-          <p:cNvPr id="3" name="텍스트 상자 18"/>
+          <p:cNvPr id="3" name="Rect 0"/>
           <p:cNvSpPr txBox="1">
             <a:spLocks noChangeAspect="1"/>
           </p:cNvSpPr>
@@ -10043,6 +10309,228 @@
       </p:sp>
       <p:sp>
         <p:nvSpPr>
+          <p:cNvPr id="4" name="Rect 0"/>
+          <p:cNvSpPr txBox="1">
+            <a:spLocks noChangeAspect="1"/>
+          </p:cNvSpPr>
+          <p:nvPr/>
+        </p:nvSpPr>
+        <p:spPr>
+          <a:xfrm>
+            <a:off x="135255" y="63500"/>
+            <a:ext cx="9632950" cy="646430"/>
+          </a:xfrm>
+          <a:prstGeom prst="rect">
+            <a:avLst/>
+          </a:prstGeom>
+          <a:ln w="0">
+            <a:noFill/>
+          </a:ln>
+        </p:spPr>
+        <p:txBody>
+          <a:bodyPr vert="horz" wrap="square" lIns="0" tIns="0" rIns="0" bIns="0" anchor="t">
+            <a:noAutofit/>
+          </a:bodyPr>
+          <a:lstStyle/>
+          <a:p>
+            <a:pPr marL="0" indent="0">
+              <a:defRPr/>
+            </a:pPr>
+            <a:r>
+              <a:rPr lang="en-US" altLang="ko-KR" sz="3600">
+                <a:solidFill>
+                  <a:srgbClr val="ffffff"/>
+                </a:solidFill>
+                <a:latin typeface="나눔스퀘어 Light"/>
+                <a:ea typeface="나눔스퀘어 Light"/>
+              </a:rPr>
+              <a:t>GET request</a:t>
+            </a:r>
+            <a:endParaRPr lang="en-US" altLang="ko-KR" sz="3600">
+              <a:solidFill>
+                <a:srgbClr val="ffffff"/>
+              </a:solidFill>
+              <a:latin typeface="나눔스퀘어 Light"/>
+              <a:ea typeface="나눔스퀘어 Light"/>
+            </a:endParaRPr>
+          </a:p>
+        </p:txBody>
+      </p:sp>
+      <p:pic>
+        <p:nvPicPr>
+          <p:cNvPr id="37" name="그림 14"/>
+          <p:cNvPicPr>
+            <a:picLocks noChangeAspect="1"/>
+          </p:cNvPicPr>
+          <p:nvPr/>
+        </p:nvPicPr>
+        <p:blipFill rotWithShape="1">
+          <a:blip r:embed="rId3"/>
+          <a:stretch>
+            <a:fillRect/>
+          </a:stretch>
+        </p:blipFill>
+        <p:spPr>
+          <a:xfrm>
+            <a:off x="0" y="709930"/>
+            <a:ext cx="12192000" cy="6148070"/>
+          </a:xfrm>
+          <a:prstGeom prst="rect">
+            <a:avLst/>
+          </a:prstGeom>
+        </p:spPr>
+      </p:pic>
+      <p:sp>
+        <p:nvSpPr>
+          <p:cNvPr id="38" name="텍스트 상자 83"/>
+          <p:cNvSpPr txBox="1"/>
+          <p:nvPr/>
+        </p:nvSpPr>
+        <p:spPr>
+          <a:xfrm>
+            <a:off x="5897245" y="6523355"/>
+            <a:ext cx="6202680" cy="277495"/>
+          </a:xfrm>
+          <a:prstGeom prst="rect">
+            <a:avLst/>
+          </a:prstGeom>
+          <a:noFill/>
+        </p:spPr>
+        <p:txBody>
+          <a:bodyPr vert="horz" wrap="square" lIns="0" tIns="0" rIns="0" bIns="0" anchor="t">
+            <a:noAutofit/>
+          </a:bodyPr>
+          <a:p>
+            <a:pPr marL="0" indent="0" algn="l" defTabSz="914400" rtl="0" eaLnBrk="1" latinLnBrk="1" hangingPunct="1">
+              <a:lnSpc>
+                <a:spcPct val="100000"/>
+              </a:lnSpc>
+              <a:spcBef>
+                <a:spcPct val="0"/>
+              </a:spcBef>
+              <a:spcAft>
+                <a:spcPts val="0"/>
+              </a:spcAft>
+              <a:buNone/>
+              <a:defRPr/>
+            </a:pPr>
+            <a:r>
+              <a:rPr xmlns:mc="http://schemas.openxmlformats.org/markup-compatibility/2006" xmlns:hp="http://schemas.haansoft.com/office/presentation/8.0" kumimoji="0" lang="ko-KR" sz="1800" b="0" i="0" u="none" strike="noStrike" kern="1200" cap="none" spc="0" normalizeH="0" baseline="0" mc:Ignorable="hp" hp:hslEmbossed="0">
+                <a:solidFill>
+                  <a:srgbClr val="000000"/>
+                </a:solidFill>
+                <a:latin typeface="맑은 고딕"/>
+                <a:ea typeface="맑은 고딕"/>
+              </a:rPr>
+              <a:t>전체 코드 : </a:t>
+            </a:r>
+            <a:r>
+              <a:rPr xmlns:mc="http://schemas.openxmlformats.org/markup-compatibility/2006" xmlns:hp="http://schemas.haansoft.com/office/presentation/8.0" kumimoji="0" sz="1800" b="0" i="0" u="none" strike="noStrike" kern="1200" cap="none" spc="0" normalizeH="0" baseline="0" mc:Ignorable="hp" hp:hslEmbossed="0">
+                <a:solidFill>
+                  <a:srgbClr val="000000"/>
+                </a:solidFill>
+                <a:latin typeface="맑은 고딕"/>
+                <a:ea typeface="맑은 고딕"/>
+              </a:rPr>
+              <a:t>https://github.com/ghjk0498/SimpleSpringREST</a:t>
+            </a:r>
+            <a:endParaRPr xmlns:mc="http://schemas.openxmlformats.org/markup-compatibility/2006" xmlns:hp="http://schemas.haansoft.com/office/presentation/8.0" kumimoji="0" lang="ko-KR" altLang="en-US" sz="1800" b="0" i="0" u="none" strike="noStrike" kern="1200" cap="none" spc="0" normalizeH="0" baseline="0" mc:Ignorable="hp" hp:hslEmbossed="0">
+              <a:solidFill>
+                <a:srgbClr val="000000"/>
+              </a:solidFill>
+              <a:latin typeface="맑은 고딕"/>
+              <a:ea typeface="맑은 고딕"/>
+            </a:endParaRPr>
+          </a:p>
+        </p:txBody>
+      </p:sp>
+    </p:spTree>
+  </p:cSld>
+  <p:clrMapOvr>
+    <a:masterClrMapping/>
+  </p:clrMapOvr>
+  <mc:AlternateContent xmlns:mc="http://schemas.openxmlformats.org/markup-compatibility/2006">
+    <mc:Choice xmlns:p14="http://schemas.microsoft.com/office/powerpoint/2010/main" Requires="p14">
+      <p:transition spd="slow" p14:dur="2000"/>
+    </mc:Choice>
+    <mc:Fallback>
+      <p:transition spd="slow"/>
+    </mc:Fallback>
+  </mc:AlternateContent>
+  <p:timing>
+    <p:tnLst>
+      <p:par>
+        <p:cTn id="1" dur="indefinite" restart="never" nodeType="tmRoot"/>
+      </p:par>
+    </p:tnLst>
+  </p:timing>
+</p:sld>
+</file>
+
+<file path=ppt/slides/slide3.xml><?xml version="1.0" encoding="utf-8"?>
+<p:sld xmlns:r="http://schemas.openxmlformats.org/officeDocument/2006/relationships" xmlns:c="http://schemas.openxmlformats.org/drawingml/2006/chart" xmlns:a="http://schemas.openxmlformats.org/drawingml/2006/main" xmlns:dgm="http://schemas.openxmlformats.org/drawingml/2006/diagram" xmlns:dsp="http://schemas.microsoft.com/office/drawing/2008/diagram" xmlns:p="http://schemas.openxmlformats.org/presentationml/2006/main" xmlns:p14="http://schemas.microsoft.com/office/powerpoint/2010/main">
+  <p:cSld>
+    <p:spTree>
+      <p:nvGrpSpPr>
+        <p:cNvPr id="1" name=""/>
+        <p:cNvGrpSpPr/>
+        <p:nvPr/>
+      </p:nvGrpSpPr>
+      <p:grpSpPr>
+        <a:xfrm>
+          <a:off x="0" y="0"/>
+          <a:ext cx="0" cy="0"/>
+          <a:chOff x="0" y="0"/>
+          <a:chExt cx="0" cy="0"/>
+        </a:xfrm>
+      </p:grpSpPr>
+      <p:sp>
+        <p:nvSpPr>
+          <p:cNvPr id="3" name="텍스트 상자 18"/>
+          <p:cNvSpPr txBox="1">
+            <a:spLocks noChangeAspect="1"/>
+          </p:cNvSpPr>
+          <p:nvPr/>
+        </p:nvSpPr>
+        <p:spPr>
+          <a:xfrm>
+            <a:off x="0" y="0"/>
+            <a:ext cx="12193270" cy="771525"/>
+          </a:xfrm>
+          <a:prstGeom prst="rect">
+            <a:avLst/>
+          </a:prstGeom>
+          <a:solidFill>
+            <a:srgbClr val="5b9bd5"/>
+          </a:solidFill>
+          <a:ln w="12700" cap="flat" cmpd="sng">
+            <a:solidFill>
+              <a:srgbClr val="ffffff">
+                <a:alpha val="100000"/>
+              </a:srgbClr>
+            </a:solidFill>
+            <a:prstDash val="solid"/>
+            <a:miter/>
+          </a:ln>
+        </p:spPr>
+        <p:txBody>
+          <a:bodyPr vert="horz" wrap="square" lIns="0" tIns="0" rIns="0" bIns="0" anchor="t">
+            <a:noAutofit/>
+          </a:bodyPr>
+          <a:lstStyle/>
+          <a:p>
+            <a:pPr marL="0" indent="0">
+              <a:defRPr/>
+            </a:pPr>
+            <a:endParaRPr lang="ko-KR" altLang="en-US" sz="1800">
+              <a:latin typeface="맑은 고딕"/>
+              <a:ea typeface="맑은 고딕"/>
+            </a:endParaRPr>
+          </a:p>
+        </p:txBody>
+      </p:sp>
+      <p:sp>
+        <p:nvSpPr>
           <p:cNvPr id="4" name="텍스트 상자 19"/>
           <p:cNvSpPr txBox="1">
             <a:spLocks noChangeAspect="1"/>
@@ -10108,8 +10596,8 @@
         </p:nvSpPr>
         <p:spPr>
           <a:xfrm>
-            <a:off x="135255" y="917572"/>
-            <a:ext cx="11797665" cy="4662808"/>
+            <a:off x="135255" y="917575"/>
+            <a:ext cx="11797665" cy="5491480"/>
           </a:xfrm>
           <a:prstGeom prst="rect">
             <a:avLst/>
@@ -10147,7 +10635,7 @@
                 <a:latin typeface="맑은 고딕"/>
                 <a:ea typeface="맑은 고딕"/>
               </a:rPr>
-              <a:t>2 : N URI, 4 HTTP method</a:t>
+              <a:t>0 : 1 URI, 1 HTTP method</a:t>
             </a:r>
             <a:endParaRPr lang="en-US" altLang="ko-KR" sz="2400">
               <a:latin typeface="맑은 고딕"/>
@@ -10172,49 +10660,77 @@
                 <a:latin typeface="맑은 고딕"/>
                 <a:ea typeface="맑은 고딕"/>
               </a:rPr>
-              <a:t>서비스는 </a:t>
+              <a:t>클라이언트는 서비스별로 유일한 </a:t>
             </a:r>
             <a:r>
               <a:rPr lang="en-US" altLang="ko-KR" sz="1800">
                 <a:latin typeface="맑은 고딕"/>
                 <a:ea typeface="맑은 고딕"/>
               </a:rPr>
-              <a:t>HTTP</a:t>
+              <a:t>URL</a:t>
             </a:r>
             <a:r>
               <a:rPr lang="ko-KR" altLang="en-US" sz="1800">
                 <a:latin typeface="맑은 고딕"/>
                 <a:ea typeface="맑은 고딕"/>
               </a:rPr>
-              <a:t> 동사를 이용해서 액션을 수행하고</a:t>
+              <a:t> 끝점에 </a:t>
             </a:r>
             <a:r>
               <a:rPr lang="en-US" altLang="ko-KR" sz="1800">
                 <a:latin typeface="맑은 고딕"/>
                 <a:ea typeface="맑은 고딕"/>
               </a:rPr>
-              <a:t>,</a:t>
+              <a:t>HTTP POST</a:t>
             </a:r>
             <a:r>
               <a:rPr lang="ko-KR" altLang="en-US" sz="1800">
                 <a:latin typeface="맑은 고딕"/>
                 <a:ea typeface="맑은 고딕"/>
               </a:rPr>
-              <a:t> 요청 쿼리 매개변수 및 본문</a:t>
+              <a:t> 요청을 하여 서비스를 호출한다</a:t>
             </a:r>
             <a:r>
               <a:rPr lang="en-US" altLang="ko-KR" sz="1800">
                 <a:latin typeface="맑은 고딕"/>
                 <a:ea typeface="맑은 고딕"/>
               </a:rPr>
-              <a:t>,</a:t>
+              <a:t>.</a:t>
             </a:r>
             <a:r>
               <a:rPr lang="ko-KR" altLang="en-US" sz="1800">
                 <a:latin typeface="맑은 고딕"/>
                 <a:ea typeface="맑은 고딕"/>
               </a:rPr>
-              <a:t> 필요 시 매개변수를 지정한다</a:t>
+              <a:t> 요청을 할 때마다 어떤 액션을 수행할지</a:t>
+            </a:r>
+            <a:r>
+              <a:rPr lang="en-US" altLang="ko-KR" sz="1800">
+                <a:latin typeface="맑은 고딕"/>
+                <a:ea typeface="맑은 고딕"/>
+              </a:rPr>
+              <a:t>,</a:t>
+            </a:r>
+            <a:r>
+              <a:rPr lang="ko-KR" altLang="en-US" sz="1800">
+                <a:latin typeface="맑은 고딕"/>
+                <a:ea typeface="맑은 고딕"/>
+              </a:rPr>
+              <a:t> 그 대상은 무엇인지 지정한다</a:t>
+            </a:r>
+            <a:r>
+              <a:rPr lang="en-US" altLang="ko-KR" sz="1800">
+                <a:latin typeface="맑은 고딕"/>
+                <a:ea typeface="맑은 고딕"/>
+              </a:rPr>
+              <a:t>.</a:t>
+            </a:r>
+            <a:r>
+              <a:rPr lang="ko-KR" altLang="en-US" sz="1800">
+                <a:latin typeface="맑은 고딕"/>
+                <a:ea typeface="맑은 고딕"/>
+              </a:rPr>
+              <a:t> 필요한 매개변수도 함께 전달한다</a:t>
             </a:r>
             <a:r>
               <a:rPr lang="en-US" altLang="ko-KR" sz="1800">
@@ -10262,7 +10778,7 @@
                 <a:latin typeface="맑은 고딕"/>
                 <a:ea typeface="맑은 고딕"/>
               </a:rPr>
-              <a:t>READ	: GET /api/user/1</a:t>
+              <a:t>READ	: POST /api/user</a:t>
             </a:r>
             <a:endParaRPr lang="en-US" altLang="ko-KR" sz="1800">
               <a:latin typeface="맑은 고딕"/>
@@ -10278,7 +10794,7 @@
                 <a:latin typeface="맑은 고딕"/>
                 <a:ea typeface="맑은 고딕"/>
               </a:rPr>
-              <a:t>UPDATE	: PUT /api/user/1</a:t>
+              <a:t>UPDATE	: POST /api/user</a:t>
             </a:r>
             <a:endParaRPr lang="en-US" altLang="ko-KR" sz="1800">
               <a:latin typeface="맑은 고딕"/>
@@ -10294,7 +10810,7 @@
                 <a:latin typeface="맑은 고딕"/>
                 <a:ea typeface="맑은 고딕"/>
               </a:rPr>
-              <a:t>DELETE	: DELETE /api/user/1</a:t>
+              <a:t>DELETE	: POST /api/user</a:t>
             </a:r>
             <a:endParaRPr lang="en-US" altLang="ko-KR" sz="1800">
               <a:latin typeface="맑은 고딕"/>
@@ -10319,7 +10835,7 @@
                 <a:latin typeface="맑은 고딕"/>
                 <a:ea typeface="맑은 고딕"/>
               </a:rPr>
-              <a:t>Level 3 : N URI, 4 HTTP method</a:t>
+              <a:t>Level 1 : N URI, 1 HTTP method</a:t>
             </a:r>
             <a:endParaRPr lang="en-US" altLang="ko-KR" sz="2400">
               <a:latin typeface="맑은 고딕"/>
@@ -10344,21 +10860,21 @@
                 <a:latin typeface="맑은 고딕"/>
                 <a:ea typeface="맑은 고딕"/>
               </a:rPr>
-              <a:t>서비스를 </a:t>
+              <a:t>서비스는</a:t>
             </a:r>
             <a:r>
               <a:rPr lang="en-US" altLang="ko-KR" sz="1800">
                 <a:latin typeface="맑은 고딕"/>
                 <a:ea typeface="맑은 고딕"/>
               </a:rPr>
-              <a:t>HATEOAS(Hypertext As The Engine Of Application State)</a:t>
+              <a:t> </a:t>
             </a:r>
             <a:r>
               <a:rPr lang="ko-KR" altLang="en-US" sz="1800">
                 <a:latin typeface="맑은 고딕"/>
                 <a:ea typeface="맑은 고딕"/>
               </a:rPr>
-              <a:t> 원칙에 기반하여 설계한다</a:t>
+              <a:t>리소스 개념을 지원한다</a:t>
             </a:r>
             <a:r>
               <a:rPr lang="en-US" altLang="ko-KR" sz="1800">
@@ -10372,21 +10888,21 @@
                 <a:latin typeface="맑은 고딕"/>
                 <a:ea typeface="맑은 고딕"/>
               </a:rPr>
-              <a:t> </a:t>
+              <a:t> 클라이언트는 수행할 액션과 매개변수가 지정된 </a:t>
             </a:r>
             <a:r>
               <a:rPr lang="en-US" altLang="ko-KR" sz="1800">
                 <a:latin typeface="맑은 고딕"/>
                 <a:ea typeface="맑은 고딕"/>
               </a:rPr>
-              <a:t>HATEOAS</a:t>
+              <a:t>POST</a:t>
             </a:r>
             <a:r>
               <a:rPr lang="ko-KR" altLang="en-US" sz="1800">
                 <a:latin typeface="맑은 고딕"/>
                 <a:ea typeface="맑은 고딕"/>
               </a:rPr>
-              <a:t>는 요청으로 반환된 리소스 표현형에 그 리소스에 대한 액션의 링크도 함께 태워 보내자는 생각이다</a:t>
+              <a:t> 요청을 한다</a:t>
             </a:r>
             <a:r>
               <a:rPr lang="en-US" altLang="ko-KR" sz="1800">
@@ -10395,91 +10911,80 @@
               </a:rPr>
               <a:t>.</a:t>
             </a:r>
-            <a:r>
-              <a:rPr lang="ko-KR" altLang="en-US" sz="1800">
+            <a:endParaRPr lang="en-US" altLang="ko-KR" sz="1800">
+              <a:latin typeface="맑은 고딕"/>
+              <a:ea typeface="맑은 고딕"/>
+            </a:endParaRPr>
+          </a:p>
+          <a:p>
+            <a:pPr marL="0" indent="0" algn="l" hangingPunct="1">
+              <a:defRPr/>
+            </a:pPr>
+            <a:endParaRPr lang="en-US" altLang="ko-KR" sz="1800">
+              <a:latin typeface="맑은 고딕"/>
+              <a:ea typeface="맑은 고딕"/>
+            </a:endParaRPr>
+          </a:p>
+          <a:p>
+            <a:pPr marL="0" indent="0" algn="l" hangingPunct="1">
+              <a:defRPr/>
+            </a:pPr>
+            <a:r>
+              <a:rPr lang="en-US" altLang="ko-KR">
                 <a:latin typeface="맑은 고딕"/>
                 <a:ea typeface="맑은 고딕"/>
               </a:rPr>
-              <a:t> 예를 들어</a:t>
-            </a:r>
-            <a:r>
-              <a:rPr lang="en-US" altLang="ko-KR" sz="1800">
+              <a:t>CREATE	: POST /api/user</a:t>
+            </a:r>
+            <a:endParaRPr lang="en-US" altLang="ko-KR">
+              <a:latin typeface="맑은 고딕"/>
+              <a:ea typeface="맑은 고딕"/>
+            </a:endParaRPr>
+          </a:p>
+          <a:p>
+            <a:pPr marL="0" indent="0" algn="l" hangingPunct="1">
+              <a:defRPr/>
+            </a:pPr>
+            <a:r>
+              <a:rPr lang="en-US" altLang="ko-KR">
                 <a:latin typeface="맑은 고딕"/>
                 <a:ea typeface="맑은 고딕"/>
               </a:rPr>
-              <a:t>,</a:t>
-            </a:r>
-            <a:r>
-              <a:rPr lang="ko-KR" altLang="en-US" sz="1800">
+              <a:t>READ	: POST /api/user/1</a:t>
+            </a:r>
+            <a:endParaRPr lang="en-US" altLang="ko-KR">
+              <a:latin typeface="맑은 고딕"/>
+              <a:ea typeface="맑은 고딕"/>
+            </a:endParaRPr>
+          </a:p>
+          <a:p>
+            <a:pPr marL="0" indent="0" algn="l" hangingPunct="1">
+              <a:defRPr/>
+            </a:pPr>
+            <a:r>
+              <a:rPr lang="en-US" altLang="ko-KR">
                 <a:latin typeface="맑은 고딕"/>
                 <a:ea typeface="맑은 고딕"/>
               </a:rPr>
-              <a:t> 클라이언트는 </a:t>
-            </a:r>
-            <a:r>
-              <a:rPr lang="en-US" altLang="ko-KR" sz="1800">
+              <a:t>UPDATE	: POST /api/user/5</a:t>
+            </a:r>
+            <a:endParaRPr lang="en-US" altLang="ko-KR">
+              <a:latin typeface="맑은 고딕"/>
+              <a:ea typeface="맑은 고딕"/>
+            </a:endParaRPr>
+          </a:p>
+          <a:p>
+            <a:pPr marL="0" indent="0" algn="l" hangingPunct="1">
+              <a:defRPr/>
+            </a:pPr>
+            <a:r>
+              <a:rPr lang="en-US" altLang="ko-KR">
                 <a:latin typeface="맑은 고딕"/>
                 <a:ea typeface="맑은 고딕"/>
               </a:rPr>
-              <a:t>GET</a:t>
-            </a:r>
-            <a:r>
-              <a:rPr lang="ko-KR" altLang="en-US" sz="1800">
-                <a:latin typeface="맑은 고딕"/>
-                <a:ea typeface="맑은 고딕"/>
-              </a:rPr>
-              <a:t> 요청으로 주문 데이터를 조회하고 이때 반환된 표현형 내부 링크를 이용해서 해당 주문을 취소할 수도 있다</a:t>
-            </a:r>
-            <a:r>
-              <a:rPr lang="en-US" altLang="ko-KR" sz="1800">
-                <a:latin typeface="맑은 고딕"/>
-                <a:ea typeface="맑은 고딕"/>
-              </a:rPr>
-              <a:t>.</a:t>
-            </a:r>
-            <a:r>
-              <a:rPr lang="ko-KR" altLang="en-US" sz="1800">
-                <a:latin typeface="맑은 고딕"/>
-                <a:ea typeface="맑은 고딕"/>
-              </a:rPr>
-              <a:t> </a:t>
-            </a:r>
-            <a:r>
-              <a:rPr lang="en-US" altLang="ko-KR" sz="1800">
-                <a:latin typeface="맑은 고딕"/>
-                <a:ea typeface="맑은 고딕"/>
-              </a:rPr>
-              <a:t>HATEOAS</a:t>
-            </a:r>
-            <a:r>
-              <a:rPr lang="ko-KR" altLang="en-US" sz="1800">
-                <a:latin typeface="맑은 고딕"/>
-                <a:ea typeface="맑은 고딕"/>
-              </a:rPr>
-              <a:t>를 사용하면 하드코딩한 </a:t>
-            </a:r>
-            <a:r>
-              <a:rPr lang="en-US" altLang="ko-KR" sz="1800">
-                <a:latin typeface="맑은 고딕"/>
-                <a:ea typeface="맑은 고딕"/>
-              </a:rPr>
-              <a:t>URL</a:t>
-            </a:r>
-            <a:r>
-              <a:rPr lang="ko-KR" altLang="en-US" sz="1800">
-                <a:latin typeface="맑은 고딕"/>
-                <a:ea typeface="맑은 고딕"/>
-              </a:rPr>
-              <a:t>을 클라이언트 코드에 욱여넣지 않아도 된다</a:t>
-            </a:r>
-            <a:r>
-              <a:rPr lang="en-US" altLang="ko-KR" sz="1800">
-                <a:latin typeface="맑은 고딕"/>
-                <a:ea typeface="맑은 고딕"/>
-              </a:rPr>
-              <a:t>.</a:t>
-            </a:r>
-            <a:endParaRPr lang="en-US" altLang="ko-KR" sz="1800">
+              <a:t>DELETE	: POST /api/user/7</a:t>
+            </a:r>
+            <a:endParaRPr lang="en-US" altLang="ko-KR">
               <a:latin typeface="맑은 고딕"/>
               <a:ea typeface="맑은 고딕"/>
             </a:endParaRPr>
@@ -10502,10 +11007,549 @@
   </p:clrMapOvr>
   <mc:AlternateContent xmlns:mc="http://schemas.openxmlformats.org/markup-compatibility/2006">
     <mc:Choice xmlns:p14="http://schemas.microsoft.com/office/powerpoint/2010/main" Requires="p14">
-      <p:transition xmlns:mc="http://schemas.openxmlformats.org/markup-compatibility/2006" xmlns:p14="http://schemas.microsoft.com/office/powerpoint/2010/main" spd="med" mc:Ignorable="p14" p14:dur="2000"/>
+      <p:transition spd="slow" p14:dur="2000"/>
     </mc:Choice>
     <mc:Fallback>
-      <p:transition/>
+      <p:transition spd="slow"/>
+    </mc:Fallback>
+  </mc:AlternateContent>
+  <p:timing>
+    <p:tnLst>
+      <p:par>
+        <p:cTn id="1" dur="indefinite" restart="never" nodeType="tmRoot"/>
+      </p:par>
+    </p:tnLst>
+  </p:timing>
+</p:sld>
+</file>
+
+<file path=ppt/slides/slide4.xml><?xml version="1.0" encoding="utf-8"?>
+<p:sld xmlns:r="http://schemas.openxmlformats.org/officeDocument/2006/relationships" xmlns:c="http://schemas.openxmlformats.org/drawingml/2006/chart" xmlns:a="http://schemas.openxmlformats.org/drawingml/2006/main" xmlns:dgm="http://schemas.openxmlformats.org/drawingml/2006/diagram" xmlns:dsp="http://schemas.microsoft.com/office/drawing/2008/diagram" xmlns:p="http://schemas.openxmlformats.org/presentationml/2006/main" xmlns:p14="http://schemas.microsoft.com/office/powerpoint/2010/main">
+  <p:cSld>
+    <p:spTree>
+      <p:nvGrpSpPr>
+        <p:cNvPr id="1" name=""/>
+        <p:cNvGrpSpPr/>
+        <p:nvPr/>
+      </p:nvGrpSpPr>
+      <p:grpSpPr>
+        <a:xfrm>
+          <a:off x="0" y="0"/>
+          <a:ext cx="0" cy="0"/>
+          <a:chOff x="0" y="0"/>
+          <a:chExt cx="0" cy="0"/>
+        </a:xfrm>
+      </p:grpSpPr>
+      <p:sp>
+        <p:nvSpPr>
+          <p:cNvPr id="3" name="텍스트 상자 18"/>
+          <p:cNvSpPr txBox="1">
+            <a:spLocks noChangeAspect="1"/>
+          </p:cNvSpPr>
+          <p:nvPr/>
+        </p:nvSpPr>
+        <p:spPr>
+          <a:xfrm>
+            <a:off x="0" y="0"/>
+            <a:ext cx="12193270" cy="771525"/>
+          </a:xfrm>
+          <a:prstGeom prst="rect">
+            <a:avLst/>
+          </a:prstGeom>
+          <a:solidFill>
+            <a:srgbClr val="5b9bd5"/>
+          </a:solidFill>
+          <a:ln w="12700" cap="flat" cmpd="sng">
+            <a:solidFill>
+              <a:srgbClr val="ffffff">
+                <a:alpha val="100000"/>
+              </a:srgbClr>
+            </a:solidFill>
+            <a:prstDash val="solid"/>
+            <a:miter/>
+          </a:ln>
+        </p:spPr>
+        <p:txBody>
+          <a:bodyPr vert="horz" wrap="square" lIns="0" tIns="0" rIns="0" bIns="0" anchor="t">
+            <a:noAutofit/>
+          </a:bodyPr>
+          <a:lstStyle/>
+          <a:p>
+            <a:pPr marL="0" indent="0">
+              <a:defRPr/>
+            </a:pPr>
+            <a:endParaRPr lang="ko-KR" altLang="en-US" sz="1800">
+              <a:latin typeface="맑은 고딕"/>
+              <a:ea typeface="맑은 고딕"/>
+            </a:endParaRPr>
+          </a:p>
+        </p:txBody>
+      </p:sp>
+      <p:sp>
+        <p:nvSpPr>
+          <p:cNvPr id="4" name="텍스트 상자 19"/>
+          <p:cNvSpPr txBox="1">
+            <a:spLocks noChangeAspect="1"/>
+          </p:cNvSpPr>
+          <p:nvPr/>
+        </p:nvSpPr>
+        <p:spPr>
+          <a:xfrm>
+            <a:off x="135255" y="63500"/>
+            <a:ext cx="9632950" cy="646430"/>
+          </a:xfrm>
+          <a:prstGeom prst="rect">
+            <a:avLst/>
+          </a:prstGeom>
+          <a:ln w="0">
+            <a:noFill/>
+          </a:ln>
+        </p:spPr>
+        <p:txBody>
+          <a:bodyPr vert="horz" wrap="square" lIns="0" tIns="0" rIns="0" bIns="0" anchor="t">
+            <a:noAutofit/>
+          </a:bodyPr>
+          <a:lstStyle/>
+          <a:p>
+            <a:pPr marL="0" indent="0">
+              <a:defRPr/>
+            </a:pPr>
+            <a:r>
+              <a:rPr lang="en-US" altLang="ko-KR" sz="3600">
+                <a:solidFill>
+                  <a:srgbClr val="ffffff"/>
+                </a:solidFill>
+                <a:latin typeface="나눔스퀘어 Light"/>
+                <a:ea typeface="나눔스퀘어 Light"/>
+              </a:rPr>
+              <a:t>REST </a:t>
+            </a:r>
+            <a:r>
+              <a:rPr lang="ko-KR" altLang="en-US" sz="3600">
+                <a:solidFill>
+                  <a:srgbClr val="ffffff"/>
+                </a:solidFill>
+                <a:latin typeface="나눔스퀘어 Light"/>
+                <a:ea typeface="나눔스퀘어 Light"/>
+              </a:rPr>
+              <a:t>성숙도 모델</a:t>
+            </a:r>
+            <a:endParaRPr lang="ko-KR" altLang="en-US" sz="3600">
+              <a:solidFill>
+                <a:srgbClr val="ffffff"/>
+              </a:solidFill>
+              <a:latin typeface="나눔스퀘어 Light"/>
+              <a:ea typeface="나눔스퀘어 Light"/>
+            </a:endParaRPr>
+          </a:p>
+        </p:txBody>
+      </p:sp>
+      <p:sp>
+        <p:nvSpPr>
+          <p:cNvPr id="8" name="텍스트 상자 85"/>
+          <p:cNvSpPr txBox="1"/>
+          <p:nvPr/>
+        </p:nvSpPr>
+        <p:spPr>
+          <a:xfrm>
+            <a:off x="135255" y="917575"/>
+            <a:ext cx="11797665" cy="4662805"/>
+          </a:xfrm>
+          <a:prstGeom prst="rect">
+            <a:avLst/>
+          </a:prstGeom>
+          <a:noFill/>
+          <a:ln w="0">
+            <a:noFill/>
+          </a:ln>
+        </p:spPr>
+        <p:txBody>
+          <a:bodyPr vert="horz" wrap="square" lIns="89535" tIns="46355" rIns="89535" bIns="46355" anchor="t">
+            <a:spAutoFit/>
+          </a:bodyPr>
+          <a:lstStyle/>
+          <a:p>
+            <a:pPr marL="0" indent="0" algn="l" hangingPunct="1">
+              <a:defRPr/>
+            </a:pPr>
+            <a:r>
+              <a:rPr lang="en-US" altLang="ko-KR" sz="2400">
+                <a:latin typeface="맑은 고딕"/>
+                <a:ea typeface="맑은 고딕"/>
+              </a:rPr>
+              <a:t>Level</a:t>
+            </a:r>
+            <a:r>
+              <a:rPr lang="ko-KR" altLang="en-US" sz="2400">
+                <a:latin typeface="맑은 고딕"/>
+                <a:ea typeface="맑은 고딕"/>
+              </a:rPr>
+              <a:t> </a:t>
+            </a:r>
+            <a:r>
+              <a:rPr lang="en-US" altLang="ko-KR" sz="2400">
+                <a:latin typeface="맑은 고딕"/>
+                <a:ea typeface="맑은 고딕"/>
+              </a:rPr>
+              <a:t>2 : N URI, 4 HTTP method</a:t>
+            </a:r>
+            <a:endParaRPr lang="en-US" altLang="ko-KR" sz="2400">
+              <a:latin typeface="맑은 고딕"/>
+              <a:ea typeface="맑은 고딕"/>
+            </a:endParaRPr>
+          </a:p>
+          <a:p>
+            <a:pPr marL="0" indent="0" algn="l" hangingPunct="1">
+              <a:defRPr/>
+            </a:pPr>
+            <a:endParaRPr lang="ko-KR" altLang="en-US" sz="1800">
+              <a:latin typeface="맑은 고딕"/>
+              <a:ea typeface="맑은 고딕"/>
+            </a:endParaRPr>
+          </a:p>
+          <a:p>
+            <a:pPr marL="0" indent="0" algn="l" hangingPunct="1">
+              <a:defRPr/>
+            </a:pPr>
+            <a:r>
+              <a:rPr lang="ko-KR" altLang="en-US" sz="1800">
+                <a:latin typeface="맑은 고딕"/>
+                <a:ea typeface="맑은 고딕"/>
+              </a:rPr>
+              <a:t>서비스는 </a:t>
+            </a:r>
+            <a:r>
+              <a:rPr lang="en-US" altLang="ko-KR" sz="1800">
+                <a:latin typeface="맑은 고딕"/>
+                <a:ea typeface="맑은 고딕"/>
+              </a:rPr>
+              <a:t>HTTP</a:t>
+            </a:r>
+            <a:r>
+              <a:rPr lang="ko-KR" altLang="en-US" sz="1800">
+                <a:latin typeface="맑은 고딕"/>
+                <a:ea typeface="맑은 고딕"/>
+              </a:rPr>
+              <a:t> 동사를 이용해서 액션을 수행하고</a:t>
+            </a:r>
+            <a:r>
+              <a:rPr lang="en-US" altLang="ko-KR" sz="1800">
+                <a:latin typeface="맑은 고딕"/>
+                <a:ea typeface="맑은 고딕"/>
+              </a:rPr>
+              <a:t>,</a:t>
+            </a:r>
+            <a:r>
+              <a:rPr lang="ko-KR" altLang="en-US" sz="1800">
+                <a:latin typeface="맑은 고딕"/>
+                <a:ea typeface="맑은 고딕"/>
+              </a:rPr>
+              <a:t> 요청 쿼리 매개변수 및 본문</a:t>
+            </a:r>
+            <a:r>
+              <a:rPr lang="en-US" altLang="ko-KR" sz="1800">
+                <a:latin typeface="맑은 고딕"/>
+                <a:ea typeface="맑은 고딕"/>
+              </a:rPr>
+              <a:t>,</a:t>
+            </a:r>
+            <a:r>
+              <a:rPr lang="ko-KR" altLang="en-US" sz="1800">
+                <a:latin typeface="맑은 고딕"/>
+                <a:ea typeface="맑은 고딕"/>
+              </a:rPr>
+              <a:t> 필요 시 매개변수를 지정한다</a:t>
+            </a:r>
+            <a:r>
+              <a:rPr lang="en-US" altLang="ko-KR" sz="1800">
+                <a:latin typeface="맑은 고딕"/>
+                <a:ea typeface="맑은 고딕"/>
+              </a:rPr>
+              <a:t>.</a:t>
+            </a:r>
+            <a:endParaRPr lang="en-US" altLang="ko-KR" sz="1800">
+              <a:latin typeface="맑은 고딕"/>
+              <a:ea typeface="맑은 고딕"/>
+            </a:endParaRPr>
+          </a:p>
+          <a:p>
+            <a:pPr marL="0" indent="0" algn="l" hangingPunct="1">
+              <a:defRPr/>
+            </a:pPr>
+            <a:endParaRPr lang="en-US" altLang="ko-KR" sz="1800">
+              <a:latin typeface="맑은 고딕"/>
+              <a:ea typeface="맑은 고딕"/>
+            </a:endParaRPr>
+          </a:p>
+          <a:p>
+            <a:pPr marL="0" indent="0" algn="l" hangingPunct="1">
+              <a:defRPr/>
+            </a:pPr>
+            <a:r>
+              <a:rPr lang="en-US" altLang="ko-KR" sz="1800">
+                <a:latin typeface="맑은 고딕"/>
+                <a:ea typeface="맑은 고딕"/>
+              </a:rPr>
+              <a:t>CREATE	: POST /api/user</a:t>
+            </a:r>
+            <a:endParaRPr lang="en-US" altLang="ko-KR" sz="1800">
+              <a:latin typeface="맑은 고딕"/>
+              <a:ea typeface="맑은 고딕"/>
+            </a:endParaRPr>
+          </a:p>
+          <a:p>
+            <a:pPr marL="0" indent="0" algn="l" hangingPunct="1">
+              <a:defRPr/>
+            </a:pPr>
+            <a:r>
+              <a:rPr lang="en-US" altLang="ko-KR" sz="1800">
+                <a:latin typeface="맑은 고딕"/>
+                <a:ea typeface="맑은 고딕"/>
+              </a:rPr>
+              <a:t>READ	: GET /api/user/1</a:t>
+            </a:r>
+            <a:endParaRPr lang="en-US" altLang="ko-KR" sz="1800">
+              <a:latin typeface="맑은 고딕"/>
+              <a:ea typeface="맑은 고딕"/>
+            </a:endParaRPr>
+          </a:p>
+          <a:p>
+            <a:pPr marL="0" indent="0" algn="l" hangingPunct="1">
+              <a:defRPr/>
+            </a:pPr>
+            <a:r>
+              <a:rPr lang="en-US" altLang="ko-KR" sz="1800">
+                <a:latin typeface="맑은 고딕"/>
+                <a:ea typeface="맑은 고딕"/>
+              </a:rPr>
+              <a:t>UPDATE	: PUT /api/user/1</a:t>
+            </a:r>
+            <a:endParaRPr lang="en-US" altLang="ko-KR" sz="1800">
+              <a:latin typeface="맑은 고딕"/>
+              <a:ea typeface="맑은 고딕"/>
+            </a:endParaRPr>
+          </a:p>
+          <a:p>
+            <a:pPr marL="0" indent="0" algn="l" hangingPunct="1">
+              <a:defRPr/>
+            </a:pPr>
+            <a:r>
+              <a:rPr lang="en-US" altLang="ko-KR" sz="1800">
+                <a:latin typeface="맑은 고딕"/>
+                <a:ea typeface="맑은 고딕"/>
+              </a:rPr>
+              <a:t>DELETE	: DELETE /api/user/1</a:t>
+            </a:r>
+            <a:endParaRPr lang="en-US" altLang="ko-KR" sz="1800">
+              <a:latin typeface="맑은 고딕"/>
+              <a:ea typeface="맑은 고딕"/>
+            </a:endParaRPr>
+          </a:p>
+          <a:p>
+            <a:pPr marL="0" indent="0" algn="l" hangingPunct="1">
+              <a:defRPr/>
+            </a:pPr>
+            <a:endParaRPr lang="en-US" altLang="ko-KR" sz="1800">
+              <a:latin typeface="맑은 고딕"/>
+              <a:ea typeface="맑은 고딕"/>
+            </a:endParaRPr>
+          </a:p>
+          <a:p>
+            <a:pPr marL="0" indent="0" algn="l" hangingPunct="1">
+              <a:defRPr/>
+            </a:pPr>
+            <a:r>
+              <a:rPr lang="en-US" altLang="ko-KR" sz="2400">
+                <a:latin typeface="맑은 고딕"/>
+                <a:ea typeface="맑은 고딕"/>
+              </a:rPr>
+              <a:t>Level 3 : N URI, 4 HTTP method</a:t>
+            </a:r>
+            <a:endParaRPr lang="en-US" altLang="ko-KR" sz="2400">
+              <a:latin typeface="맑은 고딕"/>
+              <a:ea typeface="맑은 고딕"/>
+            </a:endParaRPr>
+          </a:p>
+          <a:p>
+            <a:pPr marL="0" indent="0" algn="l" hangingPunct="1">
+              <a:defRPr/>
+            </a:pPr>
+            <a:endParaRPr lang="en-US" altLang="ko-KR" sz="1800">
+              <a:latin typeface="맑은 고딕"/>
+              <a:ea typeface="맑은 고딕"/>
+            </a:endParaRPr>
+          </a:p>
+          <a:p>
+            <a:pPr marL="0" indent="0" algn="l" hangingPunct="1">
+              <a:defRPr/>
+            </a:pPr>
+            <a:r>
+              <a:rPr lang="ko-KR" altLang="en-US" sz="1800">
+                <a:latin typeface="맑은 고딕"/>
+                <a:ea typeface="맑은 고딕"/>
+              </a:rPr>
+              <a:t>서비스를 </a:t>
+            </a:r>
+            <a:r>
+              <a:rPr lang="en-US" altLang="ko-KR" sz="1800">
+                <a:latin typeface="맑은 고딕"/>
+                <a:ea typeface="맑은 고딕"/>
+              </a:rPr>
+              <a:t>HATEOAS(Hypertext As The Engine Of Application State)</a:t>
+            </a:r>
+            <a:r>
+              <a:rPr lang="ko-KR" altLang="en-US" sz="1800">
+                <a:latin typeface="맑은 고딕"/>
+                <a:ea typeface="맑은 고딕"/>
+              </a:rPr>
+              <a:t> 원칙에 기반하여 설계한다</a:t>
+            </a:r>
+            <a:r>
+              <a:rPr lang="en-US" altLang="ko-KR" sz="1800">
+                <a:latin typeface="맑은 고딕"/>
+                <a:ea typeface="맑은 고딕"/>
+              </a:rPr>
+              <a:t>.</a:t>
+            </a:r>
+            <a:r>
+              <a:rPr lang="ko-KR" altLang="en-US" sz="1800">
+                <a:latin typeface="맑은 고딕"/>
+                <a:ea typeface="맑은 고딕"/>
+              </a:rPr>
+              <a:t> </a:t>
+            </a:r>
+            <a:r>
+              <a:rPr lang="en-US" altLang="ko-KR" sz="1800">
+                <a:latin typeface="맑은 고딕"/>
+                <a:ea typeface="맑은 고딕"/>
+              </a:rPr>
+              <a:t>HATEOAS</a:t>
+            </a:r>
+            <a:r>
+              <a:rPr lang="ko-KR" altLang="en-US" sz="1800">
+                <a:latin typeface="맑은 고딕"/>
+                <a:ea typeface="맑은 고딕"/>
+              </a:rPr>
+              <a:t>는 요청으로 반환된 리소스 표현형에 그 리소스에 대한 액션의 링크도 함께 태워 보내자는 생각이다</a:t>
+            </a:r>
+            <a:r>
+              <a:rPr lang="en-US" altLang="ko-KR" sz="1800">
+                <a:latin typeface="맑은 고딕"/>
+                <a:ea typeface="맑은 고딕"/>
+              </a:rPr>
+              <a:t>.</a:t>
+            </a:r>
+            <a:r>
+              <a:rPr lang="ko-KR" altLang="en-US" sz="1800">
+                <a:latin typeface="맑은 고딕"/>
+                <a:ea typeface="맑은 고딕"/>
+              </a:rPr>
+              <a:t> 예를 들어</a:t>
+            </a:r>
+            <a:r>
+              <a:rPr lang="en-US" altLang="ko-KR" sz="1800">
+                <a:latin typeface="맑은 고딕"/>
+                <a:ea typeface="맑은 고딕"/>
+              </a:rPr>
+              <a:t>,</a:t>
+            </a:r>
+            <a:r>
+              <a:rPr lang="ko-KR" altLang="en-US" sz="1800">
+                <a:latin typeface="맑은 고딕"/>
+                <a:ea typeface="맑은 고딕"/>
+              </a:rPr>
+              <a:t> 클라이언트는 </a:t>
+            </a:r>
+            <a:r>
+              <a:rPr lang="en-US" altLang="ko-KR" sz="1800">
+                <a:latin typeface="맑은 고딕"/>
+                <a:ea typeface="맑은 고딕"/>
+              </a:rPr>
+              <a:t>GET</a:t>
+            </a:r>
+            <a:r>
+              <a:rPr lang="ko-KR" altLang="en-US" sz="1800">
+                <a:latin typeface="맑은 고딕"/>
+                <a:ea typeface="맑은 고딕"/>
+              </a:rPr>
+              <a:t> 요청으로 주문 데이터를 조회하고 이때 반환된 표현형 내부 링크를 이용해서 해당 주문을 취소할 수도 있다</a:t>
+            </a:r>
+            <a:r>
+              <a:rPr lang="en-US" altLang="ko-KR" sz="1800">
+                <a:latin typeface="맑은 고딕"/>
+                <a:ea typeface="맑은 고딕"/>
+              </a:rPr>
+              <a:t>.</a:t>
+            </a:r>
+            <a:r>
+              <a:rPr lang="ko-KR" altLang="en-US" sz="1800">
+                <a:latin typeface="맑은 고딕"/>
+                <a:ea typeface="맑은 고딕"/>
+              </a:rPr>
+              <a:t> </a:t>
+            </a:r>
+            <a:r>
+              <a:rPr lang="en-US" altLang="ko-KR" sz="1800">
+                <a:latin typeface="맑은 고딕"/>
+                <a:ea typeface="맑은 고딕"/>
+              </a:rPr>
+              <a:t>HATEOAS</a:t>
+            </a:r>
+            <a:r>
+              <a:rPr lang="ko-KR" altLang="en-US" sz="1800">
+                <a:latin typeface="맑은 고딕"/>
+                <a:ea typeface="맑은 고딕"/>
+              </a:rPr>
+              <a:t>를 사용하면 하드코딩한 </a:t>
+            </a:r>
+            <a:r>
+              <a:rPr lang="en-US" altLang="ko-KR" sz="1800">
+                <a:latin typeface="맑은 고딕"/>
+                <a:ea typeface="맑은 고딕"/>
+              </a:rPr>
+              <a:t>URL</a:t>
+            </a:r>
+            <a:r>
+              <a:rPr lang="ko-KR" altLang="en-US" sz="1800">
+                <a:latin typeface="맑은 고딕"/>
+                <a:ea typeface="맑은 고딕"/>
+              </a:rPr>
+              <a:t>을 클라이언트 코드에 욱여넣지 않아도 된다</a:t>
+            </a:r>
+            <a:r>
+              <a:rPr lang="en-US" altLang="ko-KR" sz="1800">
+                <a:latin typeface="맑은 고딕"/>
+                <a:ea typeface="맑은 고딕"/>
+              </a:rPr>
+              <a:t>.</a:t>
+            </a:r>
+            <a:endParaRPr lang="en-US" altLang="ko-KR" sz="1800">
+              <a:latin typeface="맑은 고딕"/>
+              <a:ea typeface="맑은 고딕"/>
+            </a:endParaRPr>
+          </a:p>
+          <a:p>
+            <a:pPr marL="0" indent="0" algn="l" hangingPunct="1">
+              <a:defRPr/>
+            </a:pPr>
+            <a:endParaRPr lang="en-US" altLang="ko-KR" sz="1800">
+              <a:latin typeface="맑은 고딕"/>
+              <a:ea typeface="맑은 고딕"/>
+            </a:endParaRPr>
+          </a:p>
+        </p:txBody>
+      </p:sp>
+    </p:spTree>
+  </p:cSld>
+  <p:clrMapOvr>
+    <a:masterClrMapping/>
+  </p:clrMapOvr>
+  <mc:AlternateContent xmlns:mc="http://schemas.openxmlformats.org/markup-compatibility/2006">
+    <mc:Choice xmlns:p14="http://schemas.microsoft.com/office/powerpoint/2010/main" Requires="p14">
+      <p:transition spd="slow" p14:dur="2000"/>
+    </mc:Choice>
+    <mc:Fallback>
+      <p:transition spd="slow"/>
     </mc:Fallback>
   </mc:AlternateContent>
   <p:timing>
@@ -10546,7 +11590,7 @@
         <p:spPr>
           <a:xfrm rot="0">
             <a:off x="0" y="0"/>
-            <a:ext cx="12193270" cy="771525"/>
+            <a:ext cx="12193905" cy="772160"/>
           </a:xfrm>
           <a:prstGeom prst="rect"/>
           <a:solidFill>
@@ -10563,12 +11607,16 @@
           </a:ln>
         </p:spPr>
         <p:txBody>
-          <a:bodyPr wrap="square" lIns="0" tIns="0" rIns="0" bIns="0" vert="horz" anchor="t">
+          <a:bodyPr wrap="square" lIns="0" tIns="0" rIns="0" bIns="0" numCol="1" vert="horz" anchor="t">
             <a:noAutofit/>
           </a:bodyPr>
           <a:lstStyle/>
           <a:p>
-            <a:pPr marL="0" indent="0"/>
+            <a:pPr marL="0" indent="0" latinLnBrk="0">
+              <a:buFontTx/>
+              <a:buNone/>
+              <a:defRPr/>
+            </a:pPr>
             <a:endParaRPr lang="ko-KR" altLang="en-US" sz="1800">
               <a:latin typeface="맑은 고딕" charset="0"/>
               <a:ea typeface="맑은 고딕" charset="0"/>
@@ -10587,7 +11635,7 @@
         <p:spPr>
           <a:xfrm rot="0">
             <a:off x="135255" y="63500"/>
-            <a:ext cx="9632950" cy="646430"/>
+            <a:ext cx="9633585" cy="647065"/>
           </a:xfrm>
           <a:prstGeom prst="rect"/>
           <a:ln w="0">
@@ -10596,108 +11644,224 @@
           </a:ln>
         </p:spPr>
         <p:txBody>
-          <a:bodyPr wrap="square" lIns="0" tIns="0" rIns="0" bIns="0" vert="horz" anchor="t">
+          <a:bodyPr wrap="square" lIns="0" tIns="0" rIns="0" bIns="0" numCol="1" vert="horz" anchor="t">
             <a:noAutofit/>
           </a:bodyPr>
           <a:lstStyle/>
           <a:p>
-            <a:pPr marL="0" indent="0"/>
-            <a:r>
-              <a:rPr sz="3600">
+            <a:pPr marL="0" indent="0" latinLnBrk="0">
+              <a:buFontTx/>
+              <a:buNone/>
+              <a:defRPr/>
+            </a:pPr>
+            <a:r>
+              <a:rPr lang="en-US" altLang="ko-KR" sz="3600">
                 <a:solidFill>
                   <a:srgbClr val="FFFFFF"/>
                 </a:solidFill>
                 <a:latin typeface="나눔스퀘어 Light" charset="0"/>
                 <a:ea typeface="나눔스퀘어 Light" charset="0"/>
               </a:rPr>
-              <a:t>Maven web project in eclipse</a:t>
-            </a:r>
-            <a:endParaRPr lang="ko-KR" altLang="en-US" sz="3600" b="0">
+              <a:t>REST </a:t>
+            </a:r>
+            <a:r>
+              <a:rPr lang="ko-KR" altLang="en-US" sz="3600">
+                <a:solidFill>
+                  <a:srgbClr val="FFFFFF"/>
+                </a:solidFill>
+                <a:latin typeface="나눔스퀘어 Light" charset="0"/>
+                <a:ea typeface="나눔스퀘어 Light" charset="0"/>
+              </a:rPr>
+              <a:t>장단점</a:t>
+            </a:r>
+            <a:endParaRPr lang="ko-KR" altLang="en-US" sz="3600">
               <a:solidFill>
-                <a:schemeClr val="bg1"/>
+                <a:srgbClr val="FFFFFF"/>
               </a:solidFill>
-              <a:latin typeface="나눔스퀘어" charset="0"/>
-              <a:ea typeface="나눔스퀘어" charset="0"/>
+              <a:latin typeface="나눔스퀘어 Light" charset="0"/>
+              <a:ea typeface="나눔스퀘어 Light" charset="0"/>
             </a:endParaRPr>
           </a:p>
         </p:txBody>
       </p:sp>
-      <p:pic>
-        <p:nvPicPr>
-          <p:cNvPr id="6" name="Picture " descr="C:/Users/ghjk0/AppData/Roaming/PolarisOffice/ETemp/2448_11919064/fImage691763568467.png"/>
-          <p:cNvPicPr>
-            <a:picLocks noChangeAspect="1"/>
-          </p:cNvPicPr>
+      <p:sp>
+        <p:nvSpPr>
+          <p:cNvPr id="8" name="Rect 0"/>
+          <p:cNvSpPr txBox="1">
+            <a:spLocks/>
+          </p:cNvSpPr>
           <p:nvPr/>
-        </p:nvPicPr>
-        <p:blipFill rotWithShape="1">
-          <a:blip r:embed="rId2" cstate="print">
-            <a:extLst>
-              <a:ext uri="{28A0092B-C50C-407E-A947-70E740481C1C}">
-                <a14:useLocalDpi xmlns:a14="http://schemas.microsoft.com/office/drawing/2010/main" val="0"/>
-              </a:ext>
-            </a:extLst>
-          </a:blip>
-          <a:stretch>
-            <a:fillRect/>
-          </a:stretch>
-        </p:blipFill>
+        </p:nvSpPr>
         <p:spPr>
           <a:xfrm rot="0">
-            <a:off x="0" y="768350"/>
-            <a:ext cx="12192000" cy="5792470"/>
+            <a:off x="189230" y="1857375"/>
+            <a:ext cx="11798300" cy="3138805"/>
           </a:xfrm>
           <a:prstGeom prst="rect"/>
           <a:noFill/>
-          <a:ln w="12700" cap="flat" cmpd="sng">
-            <a:solidFill>
-              <a:srgbClr val="FFFFFF">
-                <a:alpha val="100000"/>
-              </a:srgbClr>
-            </a:solidFill>
-            <a:prstDash val="solid"/>
-            <a:miter lim="800000"/>
+          <a:ln w="0">
+            <a:noFill/>
+            <a:prstDash/>
           </a:ln>
         </p:spPr>
-      </p:pic>
-      <p:sp>
-        <p:nvSpPr>
-          <p:cNvPr id="7" name="Rect 0"/>
-          <p:cNvSpPr txBox="1">
-            <a:spLocks/>
-          </p:cNvSpPr>
-          <p:nvPr/>
-        </p:nvSpPr>
-        <p:spPr>
-          <a:xfrm rot="0">
-            <a:off x="-3175" y="6577965"/>
-            <a:ext cx="12193270" cy="277495"/>
-          </a:xfrm>
-          <a:prstGeom prst="rect"/>
-          <a:noFill/>
-          <a:ln w="0" cap="flat" cmpd="sng">
-            <a:solidFill>
-              <a:schemeClr val="tx1">
-                <a:alpha val="100000"/>
-              </a:schemeClr>
-            </a:solidFill>
-            <a:prstDash val="solid"/>
-          </a:ln>
-        </p:spPr>
-        <p:txBody>
-          <a:bodyPr wrap="square" lIns="0" tIns="0" rIns="0" bIns="0" vert="horz" anchor="t">
-            <a:noAutofit/>
+        <p:txBody>
+          <a:bodyPr wrap="square" lIns="89535" tIns="46355" rIns="89535" bIns="46355" numCol="1" vert="horz" anchor="t">
+            <a:spAutoFit/>
           </a:bodyPr>
           <a:lstStyle/>
           <a:p>
-            <a:pPr marL="0" indent="0" algn="ctr"/>
-            <a:r>
-              <a:rPr sz="1800">
-                <a:solidFill>
-                  <a:srgbClr val="000000"/>
-                </a:solidFill>
-              </a:rPr>
-              <a:t>Eclipse IDE for Java EE Developers를 설치하면 Maven이 포함되어 있다.</a:t>
+            <a:pPr marL="0" indent="0" algn="l" latinLnBrk="0" hangingPunct="1">
+              <a:buFontTx/>
+              <a:buNone/>
+              <a:defRPr/>
+            </a:pPr>
+            <a:r>
+              <a:rPr lang="ko-KR" altLang="ko-KR" sz="1800">
+                <a:latin typeface="맑은 고딕" charset="0"/>
+                <a:ea typeface="맑은 고딕" charset="0"/>
+              </a:rPr>
+              <a:t>장점</a:t>
+            </a:r>
+            <a:endParaRPr lang="ko-KR" altLang="en-US" sz="1800">
+              <a:latin typeface="맑은 고딕" charset="0"/>
+              <a:ea typeface="맑은 고딕" charset="0"/>
+            </a:endParaRPr>
+          </a:p>
+          <a:p>
+            <a:pPr marL="0" indent="0" algn="l" latinLnBrk="0" hangingPunct="1">
+              <a:buFontTx/>
+              <a:buNone/>
+              <a:defRPr/>
+            </a:pPr>
+            <a:endParaRPr lang="ko-KR" altLang="en-US" sz="1800">
+              <a:latin typeface="맑은 고딕" charset="0"/>
+              <a:ea typeface="맑은 고딕" charset="0"/>
+            </a:endParaRPr>
+          </a:p>
+          <a:p>
+            <a:pPr marL="0" indent="0" algn="l" latinLnBrk="0" hangingPunct="1">
+              <a:buFontTx/>
+              <a:buNone/>
+              <a:defRPr/>
+            </a:pPr>
+            <a:r>
+              <a:rPr lang="ko-KR" altLang="ko-KR" sz="1800">
+                <a:latin typeface="맑은 고딕" charset="0"/>
+                <a:ea typeface="맑은 고딕" charset="0"/>
+              </a:rPr>
+              <a:t>- 단순하고 익숙하다.</a:t>
+            </a:r>
+            <a:endParaRPr lang="ko-KR" altLang="en-US" sz="1800">
+              <a:latin typeface="맑은 고딕" charset="0"/>
+              <a:ea typeface="맑은 고딕" charset="0"/>
+            </a:endParaRPr>
+          </a:p>
+          <a:p>
+            <a:pPr marL="0" indent="0" algn="l" latinLnBrk="0" hangingPunct="1">
+              <a:buFontTx/>
+              <a:buNone/>
+              <a:defRPr/>
+            </a:pPr>
+            <a:r>
+              <a:rPr lang="ko-KR" altLang="ko-KR" sz="1800">
+                <a:latin typeface="맑은 고딕" charset="0"/>
+                <a:ea typeface="맑은 고딕" charset="0"/>
+              </a:rPr>
+              <a:t>- 브라우저 확장 프로그램, CLI 도구 등을 사용하여 HTTP API를 간편하게 테스트할 수 있다.</a:t>
+            </a:r>
+            <a:endParaRPr lang="ko-KR" altLang="en-US" sz="1800">
+              <a:latin typeface="맑은 고딕" charset="0"/>
+              <a:ea typeface="맑은 고딕" charset="0"/>
+            </a:endParaRPr>
+          </a:p>
+          <a:p>
+            <a:pPr marL="0" indent="0" algn="l" latinLnBrk="0" hangingPunct="1">
+              <a:buFontTx/>
+              <a:buNone/>
+              <a:defRPr/>
+            </a:pPr>
+            <a:r>
+              <a:rPr lang="ko-KR" altLang="ko-KR" sz="1800">
+                <a:latin typeface="맑은 고딕" charset="0"/>
+                <a:ea typeface="맑은 고딕" charset="0"/>
+              </a:rPr>
+              <a:t>- 중간 브로커가 필요하지 않아 시스템 아키텍처가 단순해진다.</a:t>
+            </a:r>
+            <a:endParaRPr lang="ko-KR" altLang="en-US" sz="1800">
+              <a:latin typeface="맑은 고딕" charset="0"/>
+              <a:ea typeface="맑은 고딕" charset="0"/>
+            </a:endParaRPr>
+          </a:p>
+          <a:p>
+            <a:pPr marL="0" indent="0" algn="l" latinLnBrk="0" hangingPunct="1">
+              <a:buFontTx/>
+              <a:buNone/>
+              <a:defRPr/>
+            </a:pPr>
+            <a:endParaRPr lang="ko-KR" altLang="en-US" sz="1800">
+              <a:latin typeface="맑은 고딕" charset="0"/>
+              <a:ea typeface="맑은 고딕" charset="0"/>
+            </a:endParaRPr>
+          </a:p>
+          <a:p>
+            <a:pPr marL="0" indent="0" algn="l" latinLnBrk="0" hangingPunct="1">
+              <a:buFontTx/>
+              <a:buNone/>
+              <a:defRPr/>
+            </a:pPr>
+            <a:r>
+              <a:rPr lang="ko-KR" altLang="ko-KR" sz="1800">
+                <a:latin typeface="맑은 고딕" charset="0"/>
+                <a:ea typeface="맑은 고딕" charset="0"/>
+              </a:rPr>
+              <a:t>단점</a:t>
+            </a:r>
+            <a:endParaRPr lang="ko-KR" altLang="en-US" sz="1800">
+              <a:latin typeface="맑은 고딕" charset="0"/>
+              <a:ea typeface="맑은 고딕" charset="0"/>
+            </a:endParaRPr>
+          </a:p>
+          <a:p>
+            <a:pPr marL="0" indent="0" algn="l" latinLnBrk="0" hangingPunct="1">
+              <a:buFontTx/>
+              <a:buNone/>
+              <a:defRPr/>
+            </a:pPr>
+            <a:endParaRPr lang="ko-KR" altLang="en-US" sz="1800">
+              <a:latin typeface="맑은 고딕" charset="0"/>
+              <a:ea typeface="맑은 고딕" charset="0"/>
+            </a:endParaRPr>
+          </a:p>
+          <a:p>
+            <a:pPr marL="0" indent="0" algn="l" latinLnBrk="0" hangingPunct="1">
+              <a:buFontTx/>
+              <a:buNone/>
+              <a:defRPr/>
+            </a:pPr>
+            <a:r>
+              <a:rPr lang="ko-KR" altLang="ko-KR" sz="1800">
+                <a:latin typeface="맑은 고딕" charset="0"/>
+                <a:ea typeface="맑은 고딕" charset="0"/>
+              </a:rPr>
+              <a:t>- 가용성이 떨어진다. 중간에서 메시지를 버퍼링하는 매개자 없이 클라이어트/서비스가 직접 통신하기 때문에 교환이 일어나는 동안 양쪽 다 실행 중이어야 한다.</a:t>
+            </a:r>
+            <a:endParaRPr lang="ko-KR" altLang="en-US" sz="1800">
+              <a:latin typeface="맑은 고딕" charset="0"/>
+              <a:ea typeface="맑은 고딕" charset="0"/>
+            </a:endParaRPr>
+          </a:p>
+          <a:p>
+            <a:pPr marL="0" indent="0" algn="l" latinLnBrk="0" hangingPunct="1">
+              <a:buFontTx/>
+              <a:buNone/>
+              <a:defRPr/>
+            </a:pPr>
+            <a:r>
+              <a:rPr lang="ko-KR" altLang="ko-KR" sz="1800">
+                <a:latin typeface="맑은 고딕" charset="0"/>
+                <a:ea typeface="맑은 고딕" charset="0"/>
+              </a:rPr>
+              <a:t>- 요청 한 번으로 여러 리소스를 가져오기 어렵다.</a:t>
             </a:r>
             <a:endParaRPr lang="ko-KR" altLang="en-US" sz="1800">
               <a:latin typeface="맑은 고딕" charset="0"/>
@@ -10748,56 +11912,6 @@
       </p:grpSpPr>
       <p:sp>
         <p:nvSpPr>
-          <p:cNvPr id="2" name="Rect 0"/>
-          <p:cNvSpPr txBox="1">
-            <a:spLocks/>
-          </p:cNvSpPr>
-          <p:nvPr/>
-        </p:nvSpPr>
-        <p:spPr>
-          <a:xfrm rot="0">
-            <a:off x="3810000" y="2286000"/>
-            <a:ext cx="4572635" cy="1384935"/>
-          </a:xfrm>
-          <a:prstGeom prst="rect"/>
-          <a:noFill/>
-        </p:spPr>
-        <p:txBody>
-          <a:bodyPr wrap="square" lIns="0" tIns="0" rIns="0" bIns="0" vert="horz" anchor="t">
-            <a:noAutofit/>
-          </a:bodyPr>
-          <a:lstStyle/>
-          <a:p>
-            <a:pPr marL="0" indent="0" algn="l"/>
-            <a:r>
-              <a:rPr sz="3600">
-                <a:solidFill>
-                  <a:srgbClr val="FFFFFF"/>
-                </a:solidFill>
-                <a:latin typeface="나눔스퀘어 Light" charset="0"/>
-                <a:ea typeface="나눔스퀘어 Light" charset="0"/>
-              </a:rPr>
-              <a:t>Maven web project in eclipse</a:t>
-            </a:r>
-            <a:endParaRPr lang="ko-KR" altLang="en-US" sz="3600">
-              <a:solidFill>
-                <a:srgbClr val="FFFFFF"/>
-              </a:solidFill>
-              <a:latin typeface="나눔스퀘어 Light" charset="0"/>
-              <a:ea typeface="나눔스퀘어 Light" charset="0"/>
-            </a:endParaRPr>
-          </a:p>
-          <a:p>
-            <a:pPr marL="0" indent="0" algn="l" hangingPunct="1"/>
-            <a:endParaRPr lang="ko-KR" altLang="en-US" sz="1800">
-              <a:latin typeface="맑은 고딕" charset="0"/>
-              <a:ea typeface="맑은 고딕" charset="0"/>
-            </a:endParaRPr>
-          </a:p>
-        </p:txBody>
-      </p:sp>
-      <p:sp>
-        <p:nvSpPr>
           <p:cNvPr id="3" name="Rect 0"/>
           <p:cNvSpPr txBox="1">
             <a:spLocks noChangeAspect="1"/>
@@ -10807,7 +11921,7 @@
         <p:spPr>
           <a:xfrm rot="0">
             <a:off x="0" y="0"/>
-            <a:ext cx="12193270" cy="771525"/>
+            <a:ext cx="12193905" cy="772160"/>
           </a:xfrm>
           <a:prstGeom prst="rect"/>
           <a:solidFill>
@@ -10824,12 +11938,16 @@
           </a:ln>
         </p:spPr>
         <p:txBody>
-          <a:bodyPr wrap="square" lIns="0" tIns="0" rIns="0" bIns="0" vert="horz" anchor="t">
+          <a:bodyPr wrap="square" lIns="0" tIns="0" rIns="0" bIns="0" numCol="1" vert="horz" anchor="t">
             <a:noAutofit/>
           </a:bodyPr>
           <a:lstStyle/>
           <a:p>
-            <a:pPr marL="0" indent="0"/>
+            <a:pPr marL="0" indent="0" latinLnBrk="0">
+              <a:buFontTx/>
+              <a:buNone/>
+              <a:defRPr/>
+            </a:pPr>
             <a:endParaRPr lang="ko-KR" altLang="en-US" sz="1800">
               <a:latin typeface="맑은 고딕" charset="0"/>
               <a:ea typeface="맑은 고딕" charset="0"/>
@@ -10848,7 +11966,7 @@
         <p:spPr>
           <a:xfrm rot="0">
             <a:off x="135255" y="63500"/>
-            <a:ext cx="9632950" cy="646430"/>
+            <a:ext cx="9633585" cy="647065"/>
           </a:xfrm>
           <a:prstGeom prst="rect"/>
           <a:ln w="0">
@@ -10857,248 +11975,550 @@
           </a:ln>
         </p:spPr>
         <p:txBody>
-          <a:bodyPr wrap="square" lIns="0" tIns="0" rIns="0" bIns="0" vert="horz" anchor="t">
+          <a:bodyPr wrap="square" lIns="0" tIns="0" rIns="0" bIns="0" numCol="1" vert="horz" anchor="t">
             <a:noAutofit/>
           </a:bodyPr>
           <a:lstStyle/>
           <a:p>
-            <a:pPr marL="0" indent="0"/>
-            <a:r>
-              <a:rPr sz="3600">
+            <a:pPr marL="0" indent="0" latinLnBrk="0">
+              <a:buFontTx/>
+              <a:buNone/>
+              <a:defRPr/>
+            </a:pPr>
+            <a:r>
+              <a:rPr lang="ko-KR" altLang="en-US" sz="3600">
                 <a:solidFill>
                   <a:srgbClr val="FFFFFF"/>
                 </a:solidFill>
                 <a:latin typeface="나눔스퀘어 Light" charset="0"/>
                 <a:ea typeface="나눔스퀘어 Light" charset="0"/>
               </a:rPr>
-              <a:t>Maven web project in eclipse</a:t>
-            </a:r>
-            <a:endParaRPr lang="ko-KR" altLang="en-US" sz="3600" b="0">
+              <a:t>PUT, PATCH</a:t>
+            </a:r>
+            <a:endParaRPr lang="ko-KR" altLang="en-US" sz="3600">
               <a:solidFill>
-                <a:schemeClr val="bg1"/>
+                <a:srgbClr val="FFFFFF"/>
               </a:solidFill>
-              <a:latin typeface="나눔스퀘어" charset="0"/>
-              <a:ea typeface="나눔스퀘어" charset="0"/>
+              <a:latin typeface="나눔스퀘어 Light" charset="0"/>
+              <a:ea typeface="나눔스퀘어 Light" charset="0"/>
             </a:endParaRPr>
           </a:p>
         </p:txBody>
       </p:sp>
-      <p:pic>
-        <p:nvPicPr>
-          <p:cNvPr id="6" name="그림 27" descr="C:/Users/ghjk0/AppData/Roaming/PolarisOffice/ETemp/2448_11919064/fImage419112126334.png"/>
-          <p:cNvPicPr>
-            <a:picLocks noChangeAspect="1"/>
-          </p:cNvPicPr>
+      <p:sp>
+        <p:nvSpPr>
+          <p:cNvPr id="8" name="Rect 0"/>
+          <p:cNvSpPr txBox="1">
+            <a:spLocks/>
+          </p:cNvSpPr>
           <p:nvPr/>
-        </p:nvPicPr>
-        <p:blipFill rotWithShape="1">
-          <a:blip r:embed="rId2" cstate="print">
-            <a:extLst>
-              <a:ext uri="{28A0092B-C50C-407E-A947-70E740481C1C}">
-                <a14:useLocalDpi xmlns:a14="http://schemas.microsoft.com/office/drawing/2010/main" val="0"/>
-              </a:ext>
-            </a:extLst>
-          </a:blip>
-          <a:stretch>
-            <a:fillRect/>
-          </a:stretch>
-        </p:blipFill>
+        </p:nvSpPr>
         <p:spPr>
           <a:xfrm rot="0">
-            <a:off x="0" y="768350"/>
-            <a:ext cx="4782185" cy="5801360"/>
+            <a:off x="135255" y="872490"/>
+            <a:ext cx="11798300" cy="5790565"/>
           </a:xfrm>
           <a:prstGeom prst="rect"/>
           <a:noFill/>
-          <a:ln w="12700" cap="flat" cmpd="sng">
-            <a:solidFill>
-              <a:srgbClr val="FFFFFF">
-                <a:alpha val="100000"/>
-              </a:srgbClr>
-            </a:solidFill>
-            <a:prstDash val="solid"/>
-            <a:miter lim="800000"/>
+          <a:ln w="0">
+            <a:noFill/>
+            <a:prstDash/>
           </a:ln>
         </p:spPr>
-      </p:pic>
-      <p:pic>
-        <p:nvPicPr>
-          <p:cNvPr id="7" name="그림 28" descr="C:/Users/ghjk0/AppData/Roaming/PolarisOffice/ETemp/2448_11919064/fImage910382136500.png"/>
-          <p:cNvPicPr>
-            <a:picLocks noChangeAspect="1"/>
-          </p:cNvPicPr>
-          <p:nvPr/>
-        </p:nvPicPr>
-        <p:blipFill rotWithShape="1">
-          <a:blip r:embed="rId3" cstate="print">
-            <a:extLst>
-              <a:ext uri="{28A0092B-C50C-407E-A947-70E740481C1C}">
-                <a14:useLocalDpi xmlns:a14="http://schemas.microsoft.com/office/drawing/2010/main" val="0"/>
-              </a:ext>
-            </a:extLst>
-          </a:blip>
-          <a:stretch>
-            <a:fillRect/>
-          </a:stretch>
-        </p:blipFill>
-        <p:spPr>
-          <a:xfrm rot="0">
-            <a:off x="4789170" y="768350"/>
-            <a:ext cx="7400925" cy="5792470"/>
-          </a:xfrm>
-          <a:prstGeom prst="rect"/>
-          <a:noFill/>
-          <a:ln w="12700" cap="flat" cmpd="sng">
-            <a:solidFill>
-              <a:srgbClr val="FFFFFF">
-                <a:alpha val="100000"/>
-              </a:srgbClr>
-            </a:solidFill>
-            <a:prstDash val="solid"/>
-            <a:miter lim="800000"/>
-          </a:ln>
-        </p:spPr>
-      </p:pic>
-      <p:sp>
-        <p:nvSpPr>
-          <p:cNvPr id="8" name="텍스트 상자 29"/>
-          <p:cNvSpPr txBox="1">
-            <a:spLocks/>
-          </p:cNvSpPr>
-          <p:nvPr/>
-        </p:nvSpPr>
-        <p:spPr>
-          <a:xfrm rot="0">
-            <a:off x="-3175" y="6577965"/>
-            <a:ext cx="12193270" cy="277495"/>
-          </a:xfrm>
-          <a:prstGeom prst="rect"/>
-          <a:noFill/>
-          <a:ln w="0" cap="flat" cmpd="sng">
-            <a:solidFill>
-              <a:schemeClr val="tx1">
-                <a:alpha val="100000"/>
-              </a:schemeClr>
-            </a:solidFill>
-            <a:prstDash val="solid"/>
-          </a:ln>
-        </p:spPr>
-        <p:txBody>
-          <a:bodyPr wrap="square" lIns="0" tIns="0" rIns="0" bIns="0" vert="horz" anchor="t">
-            <a:noAutofit/>
+        <p:txBody>
+          <a:bodyPr wrap="square" lIns="89535" tIns="46355" rIns="89535" bIns="46355" numCol="1" vert="horz" anchor="t">
+            <a:spAutoFit/>
           </a:bodyPr>
           <a:lstStyle/>
           <a:p>
-            <a:pPr marL="0" indent="0" algn="ctr"/>
-            <a:r>
-              <a:rPr sz="1800">
-                <a:solidFill>
-                  <a:srgbClr val="000000"/>
-                </a:solidFill>
-              </a:rPr>
-              <a:t>web application을 위한 maven </a:t>
-            </a:r>
-            <a:r>
-              <a:rPr lang="ko-KR" sz="1800">
-                <a:solidFill>
-                  <a:srgbClr val="000000"/>
-                </a:solidFill>
-              </a:rPr>
-              <a:t>archetect를 선택한다.</a:t>
-            </a:r>
-            <a:endParaRPr lang="ko-KR" altLang="en-US" sz="1800">
+            <a:pPr marL="0" indent="0" algn="l" latinLnBrk="0" hangingPunct="1">
+              <a:buFontTx/>
+              <a:buNone/>
+              <a:defRPr/>
+            </a:pPr>
+            <a:r>
+              <a:rPr lang="ko-KR" altLang="ko-KR" sz="1600">
+                <a:latin typeface="맑은 고딕" charset="0"/>
+                <a:ea typeface="맑은 고딕" charset="0"/>
+              </a:rPr>
+              <a:t>PATCH는 2010년에 새로 추가된 HTTP method이다.</a:t>
+            </a:r>
+            <a:endParaRPr lang="ko-KR" altLang="en-US" sz="1600">
               <a:latin typeface="맑은 고딕" charset="0"/>
               <a:ea typeface="맑은 고딕" charset="0"/>
             </a:endParaRPr>
           </a:p>
-        </p:txBody>
-      </p:sp>
-      <p:pic>
-        <p:nvPicPr>
-          <p:cNvPr id="10" name="그림 58" descr="C:/Users/ghjk0/AppData/Roaming/PolarisOffice/ETemp/2448_11919064/fImage910382749169.png"/>
-          <p:cNvPicPr>
-            <a:picLocks noChangeAspect="1"/>
-          </p:cNvPicPr>
-          <p:nvPr/>
-        </p:nvPicPr>
-        <p:blipFill rotWithShape="1">
-          <a:blip r:embed="rId4" cstate="print">
-            <a:extLst>
-              <a:ext uri="{28A0092B-C50C-407E-A947-70E740481C1C}">
-                <a14:useLocalDpi xmlns:a14="http://schemas.microsoft.com/office/drawing/2010/main" val="0"/>
-              </a:ext>
-            </a:extLst>
-          </a:blip>
-          <a:stretch>
-            <a:fillRect/>
-          </a:stretch>
-        </p:blipFill>
-        <p:spPr>
-          <a:xfrm rot="0">
-            <a:off x="4789170" y="768350"/>
-            <a:ext cx="7400925" cy="5792470"/>
-          </a:xfrm>
-          <a:prstGeom prst="rect"/>
-          <a:noFill/>
-          <a:ln w="12700" cap="flat" cmpd="sng">
-            <a:solidFill>
-              <a:srgbClr val="FFFFFF">
-                <a:alpha val="100000"/>
-              </a:srgbClr>
-            </a:solidFill>
-            <a:prstDash val="solid"/>
-            <a:miter lim="800000"/>
-          </a:ln>
-        </p:spPr>
-      </p:pic>
-      <p:sp>
-        <p:nvSpPr>
-          <p:cNvPr id="11" name="텍스트 상자 59"/>
-          <p:cNvSpPr txBox="1">
-            <a:spLocks/>
-          </p:cNvSpPr>
-          <p:nvPr/>
-        </p:nvSpPr>
-        <p:spPr>
-          <a:xfrm rot="0">
-            <a:off x="5715" y="6577965"/>
-            <a:ext cx="12193270" cy="277495"/>
-          </a:xfrm>
-          <a:prstGeom prst="rect"/>
-          <a:noFill/>
-          <a:ln w="0" cap="flat" cmpd="sng">
-            <a:solidFill>
-              <a:schemeClr val="tx1">
-                <a:alpha val="100000"/>
-              </a:schemeClr>
-            </a:solidFill>
-            <a:prstDash val="solid"/>
-          </a:ln>
-        </p:spPr>
-        <p:txBody>
-          <a:bodyPr wrap="square" lIns="0" tIns="0" rIns="0" bIns="0" vert="horz" anchor="t">
-            <a:noAutofit/>
-          </a:bodyPr>
-          <a:lstStyle/>
-          <a:p>
-            <a:pPr marL="0" indent="0" algn="ctr"/>
-            <a:r>
-              <a:rPr sz="1800">
-                <a:solidFill>
-                  <a:srgbClr val="000000"/>
-                </a:solidFill>
-              </a:rPr>
-              <a:t>web application을 위한 maven </a:t>
-            </a:r>
-            <a:r>
-              <a:rPr lang="ko-KR" sz="1800">
-                <a:solidFill>
-                  <a:srgbClr val="000000"/>
-                </a:solidFill>
-              </a:rPr>
-              <a:t>archetect를 선택한다.</a:t>
-            </a:r>
-            <a:endParaRPr lang="ko-KR" altLang="en-US" sz="1800">
+          <a:p>
+            <a:pPr marL="0" indent="0" algn="l" latinLnBrk="0" hangingPunct="1">
+              <a:buFontTx/>
+              <a:buNone/>
+              <a:defRPr/>
+            </a:pPr>
+            <a:r>
+              <a:rPr lang="ko-KR" altLang="ko-KR" sz="1600">
+                <a:latin typeface="맑은 고딕" charset="0"/>
+                <a:ea typeface="맑은 고딕" charset="0"/>
+              </a:rPr>
+              <a:t>PUT은 entity 전체를 업데이트하도록, PATCH는 entity 일부를 업데이트하도록 해야 한다.</a:t>
+            </a:r>
+            <a:endParaRPr lang="ko-KR" altLang="en-US" sz="1600">
+              <a:latin typeface="맑은 고딕" charset="0"/>
+              <a:ea typeface="맑은 고딕" charset="0"/>
+            </a:endParaRPr>
+          </a:p>
+          <a:p>
+            <a:pPr marL="0" indent="0" algn="l" latinLnBrk="0" hangingPunct="1">
+              <a:buFontTx/>
+              <a:buNone/>
+              <a:defRPr/>
+            </a:pPr>
+            <a:r>
+              <a:rPr lang="ko-KR" altLang="ko-KR" sz="1600">
+                <a:latin typeface="맑은 고딕" charset="0"/>
+                <a:ea typeface="맑은 고딕" charset="0"/>
+              </a:rPr>
+              <a:t>PUT은 멱등성을 만족하며, PATCH는 멱등성을 만족하지 않는다.</a:t>
+            </a:r>
+            <a:endParaRPr lang="ko-KR" altLang="en-US" sz="1600">
+              <a:latin typeface="맑은 고딕" charset="0"/>
+              <a:ea typeface="맑은 고딕" charset="0"/>
+            </a:endParaRPr>
+          </a:p>
+          <a:p>
+            <a:pPr marL="0" indent="0" algn="l" latinLnBrk="0" hangingPunct="1">
+              <a:buFontTx/>
+              <a:buNone/>
+              <a:defRPr/>
+            </a:pPr>
+            <a:r>
+              <a:rPr lang="ko-KR" altLang="ko-KR" sz="1600">
+                <a:latin typeface="맑은 고딕" charset="0"/>
+                <a:ea typeface="맑은 고딕" charset="0"/>
+              </a:rPr>
+              <a:t>멱등성은 연산을 여러 번 적용하더라도 결과가 달라지지 않는 성질을 말한다. f(f(x)) = f(x)</a:t>
+            </a:r>
+            <a:endParaRPr lang="ko-KR" altLang="en-US" sz="1600">
+              <a:latin typeface="맑은 고딕" charset="0"/>
+              <a:ea typeface="맑은 고딕" charset="0"/>
+            </a:endParaRPr>
+          </a:p>
+          <a:p>
+            <a:pPr marL="0" indent="0" algn="l" latinLnBrk="0" hangingPunct="1">
+              <a:buFontTx/>
+              <a:buNone/>
+              <a:defRPr/>
+            </a:pPr>
+            <a:r>
+              <a:rPr lang="ko-KR" altLang="ko-KR" sz="1600">
+                <a:latin typeface="맑은 고딕" charset="0"/>
+                <a:ea typeface="맑은 고딕" charset="0"/>
+              </a:rPr>
+              <a:t>* PACTH가 멱등성을 보장하지는 않지만 모든 PATCH 작업을 멱등성으로 만들어도 된다.</a:t>
+            </a:r>
+            <a:endParaRPr lang="ko-KR" altLang="en-US" sz="1600">
+              <a:latin typeface="맑은 고딕" charset="0"/>
+              <a:ea typeface="맑은 고딕" charset="0"/>
+            </a:endParaRPr>
+          </a:p>
+          <a:p>
+            <a:pPr marL="0" indent="0" algn="l" latinLnBrk="0" hangingPunct="1">
+              <a:buFontTx/>
+              <a:buNone/>
+              <a:defRPr/>
+            </a:pPr>
+            <a:endParaRPr lang="ko-KR" altLang="en-US" sz="1600">
+              <a:latin typeface="맑은 고딕" charset="0"/>
+              <a:ea typeface="맑은 고딕" charset="0"/>
+            </a:endParaRPr>
+          </a:p>
+          <a:p>
+            <a:pPr marL="0" indent="0" algn="l" latinLnBrk="0" hangingPunct="1">
+              <a:buFontTx/>
+              <a:buNone/>
+              <a:defRPr/>
+            </a:pPr>
+            <a:r>
+              <a:rPr lang="ko-KR" altLang="ko-KR" sz="1600">
+                <a:latin typeface="맑은 고딕" charset="0"/>
+                <a:ea typeface="맑은 고딕" charset="0"/>
+              </a:rPr>
+              <a:t>PATCH의 멱등성을 만족하지 않는 예시</a:t>
+            </a:r>
+            <a:endParaRPr lang="ko-KR" altLang="en-US" sz="1600">
+              <a:latin typeface="맑은 고딕" charset="0"/>
+              <a:ea typeface="맑은 고딕" charset="0"/>
+            </a:endParaRPr>
+          </a:p>
+          <a:p>
+            <a:pPr marL="0" indent="0" algn="l" latinLnBrk="0" hangingPunct="1">
+              <a:buFontTx/>
+              <a:buNone/>
+              <a:defRPr/>
+            </a:pPr>
+            <a:r>
+              <a:rPr lang="ko-KR" altLang="ko-KR" sz="1600">
+                <a:latin typeface="맑은 고딕" charset="0"/>
+                <a:ea typeface="맑은 고딕" charset="0"/>
+              </a:rPr>
+              <a:t>초기</a:t>
+            </a:r>
+            <a:endParaRPr lang="ko-KR" altLang="en-US" sz="1600">
+              <a:latin typeface="맑은 고딕" charset="0"/>
+              <a:ea typeface="맑은 고딕" charset="0"/>
+            </a:endParaRPr>
+          </a:p>
+          <a:p>
+            <a:pPr marL="0" indent="0" algn="l" latinLnBrk="0" hangingPunct="1">
+              <a:buFontTx/>
+              <a:buNone/>
+              <a:defRPr/>
+            </a:pPr>
+            <a:r>
+              <a:rPr lang="ko-KR" altLang="ko-KR" sz="1600">
+                <a:latin typeface="맑은 고딕" charset="0"/>
+                <a:ea typeface="맑은 고딕" charset="0"/>
+              </a:rPr>
+              <a:t>GET /users</a:t>
+            </a:r>
+            <a:r>
+              <a:rPr lang="ko-KR" sz="1600" i="0" b="0">
+                <a:latin typeface="inherit" charset="0"/>
+                <a:ea typeface="inherit" charset="0"/>
+              </a:rPr>
+              <a:t> =&gt; [</a:t>
+            </a:r>
+            <a:r>
+              <a:rPr sz="1600" i="0" b="0">
+                <a:latin typeface="inherit" charset="0"/>
+                <a:ea typeface="inherit" charset="0"/>
+              </a:rPr>
+              <a:t>{ "id": 1, "username": "firstuser", "email": "firstuser@example.org"},</a:t>
+            </a:r>
+            <a:r>
+              <a:rPr sz="1600" i="0" b="0">
+                <a:latin typeface="inherit" charset="0"/>
+                <a:ea typeface="inherit" charset="0"/>
+              </a:rPr>
+              <a:t>]</a:t>
+            </a:r>
+            <a:endParaRPr lang="ko-KR" altLang="en-US" sz="1600" i="0" b="0">
+              <a:latin typeface="inherit" charset="0"/>
+              <a:ea typeface="inherit" charset="0"/>
+            </a:endParaRPr>
+          </a:p>
+          <a:p>
+            <a:pPr marL="0" indent="0" algn="l" latinLnBrk="0" hangingPunct="1">
+              <a:buFontTx/>
+              <a:buNone/>
+              <a:defRPr/>
+            </a:pPr>
+            <a:endParaRPr lang="ko-KR" altLang="en-US" sz="1600">
+              <a:latin typeface="맑은 고딕" charset="0"/>
+              <a:ea typeface="맑은 고딕" charset="0"/>
+            </a:endParaRPr>
+          </a:p>
+          <a:p>
+            <a:pPr marL="0" indent="0" algn="l" latinLnBrk="0" hangingPunct="1">
+              <a:buFontTx/>
+              <a:buNone/>
+              <a:defRPr/>
+            </a:pPr>
+            <a:r>
+              <a:rPr lang="ko-KR" altLang="ko-KR" sz="1600">
+                <a:latin typeface="맑은 고딕" charset="0"/>
+                <a:ea typeface="맑은 고딕" charset="0"/>
+              </a:rPr>
+              <a:t>PACTH 첫번째 요청</a:t>
+            </a:r>
+            <a:endParaRPr lang="ko-KR" altLang="en-US" sz="1600">
+              <a:latin typeface="맑은 고딕" charset="0"/>
+              <a:ea typeface="맑은 고딕" charset="0"/>
+            </a:endParaRPr>
+          </a:p>
+          <a:p>
+            <a:pPr marL="0" indent="0" algn="l" latinLnBrk="0" hangingPunct="1">
+              <a:buFontTx/>
+              <a:buNone/>
+              <a:defRPr/>
+            </a:pPr>
+            <a:r>
+              <a:rPr sz="1600" i="0" b="0">
+                <a:latin typeface="inherit" charset="0"/>
+                <a:ea typeface="inherit" charset="0"/>
+              </a:rPr>
+              <a:t>PATCH /users [{ "op": "add", "username": "newuser", "email": "newuser@example.org"}]</a:t>
+            </a:r>
+            <a:endParaRPr lang="ko-KR" altLang="en-US" sz="1600" i="0" b="0">
+              <a:latin typeface="inherit" charset="0"/>
+              <a:ea typeface="inherit" charset="0"/>
+            </a:endParaRPr>
+          </a:p>
+          <a:p>
+            <a:pPr marL="0" indent="0" algn="l" latinLnBrk="0" hangingPunct="1">
+              <a:buFontTx/>
+              <a:buNone/>
+              <a:defRPr/>
+            </a:pPr>
+            <a:r>
+              <a:rPr lang="ko-KR" altLang="ko-KR" sz="1600">
+                <a:latin typeface="맑은 고딕" charset="0"/>
+                <a:ea typeface="맑은 고딕" charset="0"/>
+              </a:rPr>
+              <a:t>GET /users</a:t>
+            </a:r>
+            <a:r>
+              <a:rPr lang="ko-KR" sz="1600" i="0" b="0">
+                <a:latin typeface="inherit" charset="0"/>
+                <a:ea typeface="inherit" charset="0"/>
+              </a:rPr>
+              <a:t> =&gt; </a:t>
+            </a:r>
+            <a:r>
+              <a:rPr sz="1600" i="0" b="0">
+                <a:latin typeface="inherit" charset="0"/>
+                <a:ea typeface="inherit" charset="0"/>
+              </a:rPr>
+              <a:t>[{ "id": 1, "username": "firstuser", "email": "firstuser@example.org"},</a:t>
+            </a:r>
+            <a:endParaRPr lang="ko-KR" altLang="en-US" sz="1600" i="0" b="0">
+              <a:latin typeface="inherit" charset="0"/>
+              <a:ea typeface="inherit" charset="0"/>
+            </a:endParaRPr>
+          </a:p>
+          <a:p>
+            <a:pPr marL="0" indent="0" algn="l" latinLnBrk="0" hangingPunct="1">
+              <a:buFontTx/>
+              <a:buNone/>
+              <a:defRPr/>
+            </a:pPr>
+            <a:r>
+              <a:rPr sz="1600" i="0" b="0">
+                <a:latin typeface="inherit" charset="0"/>
+                <a:ea typeface="inherit" charset="0"/>
+              </a:rPr>
+              <a:t>	</a:t>
+            </a:r>
+            <a:r>
+              <a:rPr lang="ko-KR" sz="1600" i="0" b="0">
+                <a:latin typeface="inherit" charset="0"/>
+                <a:ea typeface="inherit" charset="0"/>
+              </a:rPr>
+              <a:t>	</a:t>
+            </a:r>
+            <a:r>
+              <a:rPr sz="1600" i="0" b="0">
+                <a:latin typeface="inherit" charset="0"/>
+                <a:ea typeface="inherit" charset="0"/>
+              </a:rPr>
+              <a:t>{ "id": 2, "username": "newuser", "email": "newuser@example.org"}</a:t>
+            </a:r>
+            <a:r>
+              <a:rPr sz="1600" i="0" b="0">
+                <a:latin typeface="inherit" charset="0"/>
+                <a:ea typeface="inherit" charset="0"/>
+              </a:rPr>
+              <a:t>]</a:t>
+            </a:r>
+            <a:endParaRPr lang="ko-KR" altLang="en-US" sz="1600" i="0" b="0">
+              <a:latin typeface="inherit" charset="0"/>
+              <a:ea typeface="inherit" charset="0"/>
+            </a:endParaRPr>
+          </a:p>
+          <a:p>
+            <a:pPr marL="0" indent="0" algn="l" latinLnBrk="0" hangingPunct="1">
+              <a:buFontTx/>
+              <a:buNone/>
+              <a:defRPr/>
+            </a:pPr>
+            <a:endParaRPr lang="ko-KR" altLang="en-US" sz="1600" i="0" b="0">
+              <a:latin typeface="inherit" charset="0"/>
+              <a:ea typeface="inherit" charset="0"/>
+            </a:endParaRPr>
+          </a:p>
+          <a:p>
+            <a:pPr marL="0" indent="0" algn="l" latinLnBrk="0" hangingPunct="1">
+              <a:buFontTx/>
+              <a:buNone/>
+              <a:defRPr/>
+            </a:pPr>
+            <a:r>
+              <a:rPr lang="ko-KR" sz="1600" i="0" b="0">
+                <a:latin typeface="inherit" charset="0"/>
+                <a:ea typeface="inherit" charset="0"/>
+              </a:rPr>
+              <a:t>PATCH 두번째 요청</a:t>
+            </a:r>
+            <a:endParaRPr lang="ko-KR" altLang="en-US" sz="1600" i="0" b="0">
+              <a:latin typeface="inherit" charset="0"/>
+              <a:ea typeface="inherit" charset="0"/>
+            </a:endParaRPr>
+          </a:p>
+          <a:p>
+            <a:pPr marL="0" indent="0" algn="l" latinLnBrk="0" hangingPunct="1">
+              <a:buFontTx/>
+              <a:buNone/>
+              <a:defRPr/>
+            </a:pPr>
+            <a:r>
+              <a:rPr sz="1600" i="0" b="0">
+                <a:latin typeface="inherit" charset="0"/>
+                <a:ea typeface="inherit" charset="0"/>
+              </a:rPr>
+              <a:t>PATCH /users [{ "op": "add", "username": "newuser", "email": "newuser@example.org"}]</a:t>
+            </a:r>
+            <a:endParaRPr lang="ko-KR" altLang="en-US" sz="1600" i="0" b="0">
+              <a:latin typeface="inherit" charset="0"/>
+              <a:ea typeface="inherit" charset="0"/>
+            </a:endParaRPr>
+          </a:p>
+          <a:p>
+            <a:pPr marL="0" indent="0" algn="l" latinLnBrk="0" hangingPunct="1">
+              <a:buFontTx/>
+              <a:buNone/>
+              <a:defRPr/>
+            </a:pPr>
+            <a:r>
+              <a:rPr lang="ko-KR" altLang="ko-KR" sz="1600">
+                <a:latin typeface="맑은 고딕" charset="0"/>
+                <a:ea typeface="맑은 고딕" charset="0"/>
+              </a:rPr>
+              <a:t>GET /users</a:t>
+            </a:r>
+            <a:r>
+              <a:rPr lang="ko-KR" sz="1600" i="0" b="0">
+                <a:latin typeface="inherit" charset="0"/>
+                <a:ea typeface="inherit" charset="0"/>
+              </a:rPr>
+              <a:t> =&gt; </a:t>
+            </a:r>
+            <a:r>
+              <a:rPr sz="1600" i="0" b="0">
+                <a:latin typeface="inherit" charset="0"/>
+                <a:ea typeface="inherit" charset="0"/>
+              </a:rPr>
+              <a:t>[{ "id": 1, "username": "firstuser", "email": "firstuser@example.org"},</a:t>
+            </a:r>
+            <a:endParaRPr lang="ko-KR" altLang="en-US" sz="1600" i="0" b="0">
+              <a:latin typeface="inherit" charset="0"/>
+              <a:ea typeface="inherit" charset="0"/>
+            </a:endParaRPr>
+          </a:p>
+          <a:p>
+            <a:pPr marL="0" indent="0" algn="l" latinLnBrk="0" hangingPunct="1">
+              <a:buFontTx/>
+              <a:buNone/>
+              <a:defRPr/>
+            </a:pPr>
+            <a:r>
+              <a:rPr lang="ko-KR" sz="1600" i="0" b="0">
+                <a:latin typeface="inherit" charset="0"/>
+                <a:ea typeface="inherit" charset="0"/>
+              </a:rPr>
+              <a:t>	</a:t>
+            </a:r>
+            <a:r>
+              <a:rPr sz="1600" i="0" b="0">
+                <a:latin typeface="inherit" charset="0"/>
+                <a:ea typeface="inherit" charset="0"/>
+              </a:rPr>
+              <a:t>	</a:t>
+            </a:r>
+            <a:r>
+              <a:rPr sz="1600" i="0" b="0">
+                <a:latin typeface="inherit" charset="0"/>
+                <a:ea typeface="inherit" charset="0"/>
+              </a:rPr>
+              <a:t>{ "id": 2, "username": "newuser", "email": "newuser@example.org"},</a:t>
+            </a:r>
+            <a:endParaRPr lang="ko-KR" altLang="en-US" sz="1600" i="0" b="0">
+              <a:latin typeface="inherit" charset="0"/>
+              <a:ea typeface="inherit" charset="0"/>
+            </a:endParaRPr>
+          </a:p>
+          <a:p>
+            <a:pPr marL="0" indent="0" algn="l" latinLnBrk="0" hangingPunct="1">
+              <a:buFontTx/>
+              <a:buNone/>
+              <a:defRPr/>
+            </a:pPr>
+            <a:r>
+              <a:rPr sz="1600" i="0" b="0">
+                <a:latin typeface="inherit" charset="0"/>
+                <a:ea typeface="inherit" charset="0"/>
+              </a:rPr>
+              <a:t>		</a:t>
+            </a:r>
+            <a:r>
+              <a:rPr sz="1600" i="0" b="0">
+                <a:latin typeface="inherit" charset="0"/>
+                <a:ea typeface="inherit" charset="0"/>
+              </a:rPr>
+              <a:t>{ "id": 3, "username": "newuser", "email": "newuser@example.org"}]</a:t>
+            </a:r>
+            <a:endParaRPr lang="ko-KR" altLang="en-US" sz="1600" i="0" b="0">
+              <a:latin typeface="inherit" charset="0"/>
+              <a:ea typeface="inherit" charset="0"/>
+            </a:endParaRPr>
+          </a:p>
+          <a:p>
+            <a:pPr marL="0" indent="0" algn="l" latinLnBrk="0" hangingPunct="1">
+              <a:buFontTx/>
+              <a:buNone/>
+              <a:defRPr/>
+            </a:pPr>
+            <a:endParaRPr lang="ko-KR" altLang="en-US" sz="1600" i="0" b="0">
+              <a:latin typeface="inherit" charset="0"/>
+              <a:ea typeface="inherit" charset="0"/>
+            </a:endParaRPr>
+          </a:p>
+          <a:p>
+            <a:pPr marL="0" indent="0" algn="l" latinLnBrk="0" hangingPunct="1">
+              <a:buFontTx/>
+              <a:buNone/>
+              <a:defRPr/>
+            </a:pPr>
+            <a:r>
+              <a:rPr lang="ko-KR" altLang="ko-KR" sz="1800">
+                <a:latin typeface="맑은 고딕" charset="0"/>
+                <a:ea typeface="맑은 고딕" charset="0"/>
+              </a:rPr>
+              <a:t>RFC2616 : </a:t>
+            </a:r>
+            <a:r>
+              <a:rPr lang="ko-KR" altLang="ko-KR" sz="1600">
+                <a:latin typeface="맑은 고딕" charset="0"/>
+                <a:ea typeface="맑은 고딕" charset="0"/>
+                <a:hlinkClick r:id="rId2"/>
+              </a:rPr>
+              <a:t>https://www.w3.org/Protocols/rfc2616/rfc2616-sec9.html#sec9.6</a:t>
+            </a:r>
+            <a:endParaRPr lang="ko-KR" altLang="en-US" sz="1600">
+              <a:latin typeface="맑은 고딕" charset="0"/>
+              <a:ea typeface="맑은 고딕" charset="0"/>
+            </a:endParaRPr>
+          </a:p>
+          <a:p>
+            <a:pPr marL="0" indent="0" algn="l" latinLnBrk="0" hangingPunct="1">
+              <a:buFontTx/>
+              <a:buNone/>
+              <a:defRPr/>
+            </a:pPr>
+            <a:r>
+              <a:rPr lang="ko-KR" altLang="ko-KR" sz="1600">
+                <a:latin typeface="맑은 고딕" charset="0"/>
+                <a:ea typeface="맑은 고딕" charset="0"/>
+              </a:rPr>
+              <a:t>Put vs Patch : </a:t>
+            </a:r>
+            <a:r>
+              <a:rPr lang="ko-KR" altLang="ko-KR" sz="1600">
+                <a:latin typeface="맑은 고딕" charset="0"/>
+                <a:ea typeface="맑은 고딕" charset="0"/>
+                <a:hlinkClick r:id="rId3"/>
+              </a:rPr>
+              <a:t>https://stackoverflow.com/questions/28459418/use-of-put-vs-patch-methods-in-rest-api-real-life-scenarios</a:t>
+            </a:r>
+            <a:endParaRPr lang="ko-KR" altLang="en-US" sz="1600">
               <a:latin typeface="맑은 고딕" charset="0"/>
               <a:ea typeface="맑은 고딕" charset="0"/>
             </a:endParaRPr>
@@ -11129,7 +12549,7 @@
 </file>
 
 <file path=ppt/slides/slide7.xml><?xml version="1.0" encoding="utf-8"?>
-<p:sld xmlns:r="http://schemas.openxmlformats.org/officeDocument/2006/relationships" xmlns:c="http://schemas.openxmlformats.org/drawingml/2006/chart" xmlns:a="http://schemas.openxmlformats.org/drawingml/2006/main" xmlns:dgm="http://schemas.openxmlformats.org/drawingml/2006/diagram" xmlns:dsp="http://schemas.microsoft.com/office/drawing/2008/diagram" xmlns:p="http://schemas.openxmlformats.org/presentationml/2006/main">
+<p:sld xmlns:a="http://schemas.openxmlformats.org/drawingml/2006/main" xmlns:r="http://schemas.openxmlformats.org/officeDocument/2006/relationships" xmlns:p="http://schemas.openxmlformats.org/presentationml/2006/main" xmlns:p14="http://schemas.microsoft.com/office/powerpoint/2010/main">
   <p:cSld>
     <p:spTree>
       <p:nvGrpSpPr>
@@ -11154,6 +12574,616 @@
           <p:nvPr/>
         </p:nvSpPr>
         <p:spPr>
+          <a:xfrm rot="0">
+            <a:off x="0" y="0"/>
+            <a:ext cx="12193270" cy="771525"/>
+          </a:xfrm>
+          <a:prstGeom prst="rect"/>
+          <a:solidFill>
+            <a:srgbClr val="5B9BD5"/>
+          </a:solidFill>
+          <a:ln w="12700" cap="flat" cmpd="sng">
+            <a:solidFill>
+              <a:srgbClr val="FFFFFF">
+                <a:alpha val="100000"/>
+              </a:srgbClr>
+            </a:solidFill>
+            <a:prstDash val="solid"/>
+            <a:miter lim="800000"/>
+          </a:ln>
+        </p:spPr>
+        <p:txBody>
+          <a:bodyPr wrap="square" lIns="0" tIns="0" rIns="0" bIns="0" vert="horz" anchor="t">
+            <a:noAutofit/>
+          </a:bodyPr>
+          <a:lstStyle/>
+          <a:p>
+            <a:pPr marL="0" indent="0"/>
+            <a:endParaRPr lang="ko-KR" altLang="en-US" sz="1800">
+              <a:latin typeface="맑은 고딕" charset="0"/>
+              <a:ea typeface="맑은 고딕" charset="0"/>
+            </a:endParaRPr>
+          </a:p>
+        </p:txBody>
+      </p:sp>
+      <p:sp>
+        <p:nvSpPr>
+          <p:cNvPr id="4" name="Rect 0"/>
+          <p:cNvSpPr txBox="1">
+            <a:spLocks noChangeAspect="1"/>
+          </p:cNvSpPr>
+          <p:nvPr/>
+        </p:nvSpPr>
+        <p:spPr>
+          <a:xfrm rot="0">
+            <a:off x="135255" y="63500"/>
+            <a:ext cx="9632950" cy="646430"/>
+          </a:xfrm>
+          <a:prstGeom prst="rect"/>
+          <a:ln w="0">
+            <a:noFill/>
+            <a:prstDash/>
+          </a:ln>
+        </p:spPr>
+        <p:txBody>
+          <a:bodyPr wrap="square" lIns="0" tIns="0" rIns="0" bIns="0" vert="horz" anchor="t">
+            <a:noAutofit/>
+          </a:bodyPr>
+          <a:lstStyle/>
+          <a:p>
+            <a:pPr marL="0" indent="0"/>
+            <a:r>
+              <a:rPr sz="3600">
+                <a:solidFill>
+                  <a:srgbClr val="FFFFFF"/>
+                </a:solidFill>
+                <a:latin typeface="나눔스퀘어 Light" charset="0"/>
+                <a:ea typeface="나눔스퀘어 Light" charset="0"/>
+              </a:rPr>
+              <a:t>Maven web project in eclipse</a:t>
+            </a:r>
+            <a:endParaRPr lang="ko-KR" altLang="en-US" sz="3600" b="0">
+              <a:solidFill>
+                <a:schemeClr val="bg1"/>
+              </a:solidFill>
+              <a:latin typeface="나눔스퀘어" charset="0"/>
+              <a:ea typeface="나눔스퀘어" charset="0"/>
+            </a:endParaRPr>
+          </a:p>
+        </p:txBody>
+      </p:sp>
+      <p:pic>
+        <p:nvPicPr>
+          <p:cNvPr id="6" name="Picture "/>
+          <p:cNvPicPr>
+            <a:picLocks noChangeAspect="1"/>
+          </p:cNvPicPr>
+          <p:nvPr/>
+        </p:nvPicPr>
+        <p:blipFill rotWithShape="1">
+          <a:blip r:embed="rId2" cstate="print">
+            <a:extLst>
+              <a:ext uri="{28A0092B-C50C-407E-A947-70E740481C1C}">
+                <a14:useLocalDpi xmlns:a14="http://schemas.microsoft.com/office/drawing/2010/main" val="0"/>
+              </a:ext>
+            </a:extLst>
+          </a:blip>
+          <a:stretch>
+            <a:fillRect/>
+          </a:stretch>
+        </p:blipFill>
+        <p:spPr>
+          <a:xfrm rot="0">
+            <a:off x="0" y="768350"/>
+            <a:ext cx="12192000" cy="5792470"/>
+          </a:xfrm>
+          <a:prstGeom prst="rect"/>
+          <a:noFill/>
+          <a:ln w="12700" cap="flat" cmpd="sng">
+            <a:solidFill>
+              <a:srgbClr val="FFFFFF">
+                <a:alpha val="100000"/>
+              </a:srgbClr>
+            </a:solidFill>
+            <a:prstDash val="solid"/>
+            <a:miter lim="800000"/>
+          </a:ln>
+        </p:spPr>
+      </p:pic>
+      <p:sp>
+        <p:nvSpPr>
+          <p:cNvPr id="7" name="Rect 0"/>
+          <p:cNvSpPr txBox="1">
+            <a:spLocks/>
+          </p:cNvSpPr>
+          <p:nvPr/>
+        </p:nvSpPr>
+        <p:spPr>
+          <a:xfrm rot="0">
+            <a:off x="-3175" y="6577965"/>
+            <a:ext cx="12193270" cy="277495"/>
+          </a:xfrm>
+          <a:prstGeom prst="rect"/>
+          <a:noFill/>
+          <a:ln w="0" cap="flat" cmpd="sng">
+            <a:solidFill>
+              <a:schemeClr val="tx1">
+                <a:alpha val="100000"/>
+              </a:schemeClr>
+            </a:solidFill>
+            <a:prstDash val="solid"/>
+          </a:ln>
+        </p:spPr>
+        <p:txBody>
+          <a:bodyPr wrap="square" lIns="0" tIns="0" rIns="0" bIns="0" vert="horz" anchor="t">
+            <a:noAutofit/>
+          </a:bodyPr>
+          <a:lstStyle/>
+          <a:p>
+            <a:pPr marL="0" indent="0" algn="ctr"/>
+            <a:r>
+              <a:rPr sz="1800">
+                <a:solidFill>
+                  <a:srgbClr val="000000"/>
+                </a:solidFill>
+              </a:rPr>
+              <a:t>Eclipse IDE for Java EE Developers를 설치하면 Maven이 포함되어 있다.</a:t>
+            </a:r>
+            <a:endParaRPr lang="ko-KR" altLang="en-US" sz="1800">
+              <a:latin typeface="맑은 고딕" charset="0"/>
+              <a:ea typeface="맑은 고딕" charset="0"/>
+            </a:endParaRPr>
+          </a:p>
+        </p:txBody>
+      </p:sp>
+    </p:spTree>
+  </p:cSld>
+  <p:clrMapOvr>
+    <a:masterClrMapping/>
+  </p:clrMapOvr>
+  <mc:AlternateContent xmlns:mc="http://schemas.openxmlformats.org/markup-compatibility/2006">
+    <mc:Choice xmlns:p14="http://schemas.microsoft.com/office/powerpoint/2010/main" Requires="p14">
+      <p:transition spd="slow" p14:dur="2000"/>
+    </mc:Choice>
+    <mc:Fallback>
+      <p:transition spd="slow"/>
+    </mc:Fallback>
+  </mc:AlternateContent>
+  <p:timing>
+    <p:tnLst>
+      <p:par>
+        <p:cTn id="1" dur="indefinite" restart="never" nodeType="tmRoot"/>
+      </p:par>
+    </p:tnLst>
+  </p:timing>
+</p:sld>
+</file>
+
+<file path=ppt/slides/slide8.xml><?xml version="1.0" encoding="utf-8"?>
+<p:sld xmlns:a="http://schemas.openxmlformats.org/drawingml/2006/main" xmlns:r="http://schemas.openxmlformats.org/officeDocument/2006/relationships" xmlns:p="http://schemas.openxmlformats.org/presentationml/2006/main" xmlns:p14="http://schemas.microsoft.com/office/powerpoint/2010/main">
+  <p:cSld>
+    <p:spTree>
+      <p:nvGrpSpPr>
+        <p:cNvPr id="1" name=""/>
+        <p:cNvGrpSpPr/>
+        <p:nvPr/>
+      </p:nvGrpSpPr>
+      <p:grpSpPr>
+        <a:xfrm>
+          <a:off x="0" y="0"/>
+          <a:ext cx="0" cy="0"/>
+          <a:chOff x="0" y="0"/>
+          <a:chExt cx="0" cy="0"/>
+        </a:xfrm>
+      </p:grpSpPr>
+      <p:sp>
+        <p:nvSpPr>
+          <p:cNvPr id="2" name="Rect 0"/>
+          <p:cNvSpPr txBox="1">
+            <a:spLocks/>
+          </p:cNvSpPr>
+          <p:nvPr/>
+        </p:nvSpPr>
+        <p:spPr>
+          <a:xfrm rot="0">
+            <a:off x="3810000" y="2286000"/>
+            <a:ext cx="4572635" cy="1384935"/>
+          </a:xfrm>
+          <a:prstGeom prst="rect"/>
+          <a:noFill/>
+        </p:spPr>
+        <p:txBody>
+          <a:bodyPr wrap="square" lIns="0" tIns="0" rIns="0" bIns="0" vert="horz" anchor="t">
+            <a:noAutofit/>
+          </a:bodyPr>
+          <a:lstStyle/>
+          <a:p>
+            <a:pPr marL="0" indent="0" algn="l"/>
+            <a:r>
+              <a:rPr sz="3600">
+                <a:solidFill>
+                  <a:srgbClr val="FFFFFF"/>
+                </a:solidFill>
+                <a:latin typeface="나눔스퀘어 Light" charset="0"/>
+                <a:ea typeface="나눔스퀘어 Light" charset="0"/>
+              </a:rPr>
+              <a:t>Maven web project in eclipse</a:t>
+            </a:r>
+            <a:endParaRPr lang="ko-KR" altLang="en-US" sz="3600">
+              <a:solidFill>
+                <a:srgbClr val="FFFFFF"/>
+              </a:solidFill>
+              <a:latin typeface="나눔스퀘어 Light" charset="0"/>
+              <a:ea typeface="나눔스퀘어 Light" charset="0"/>
+            </a:endParaRPr>
+          </a:p>
+          <a:p>
+            <a:pPr marL="0" indent="0" algn="l" hangingPunct="1"/>
+            <a:endParaRPr lang="ko-KR" altLang="en-US" sz="1800">
+              <a:latin typeface="맑은 고딕" charset="0"/>
+              <a:ea typeface="맑은 고딕" charset="0"/>
+            </a:endParaRPr>
+          </a:p>
+        </p:txBody>
+      </p:sp>
+      <p:sp>
+        <p:nvSpPr>
+          <p:cNvPr id="3" name="Rect 0"/>
+          <p:cNvSpPr txBox="1">
+            <a:spLocks noChangeAspect="1"/>
+          </p:cNvSpPr>
+          <p:nvPr/>
+        </p:nvSpPr>
+        <p:spPr>
+          <a:xfrm rot="0">
+            <a:off x="0" y="0"/>
+            <a:ext cx="12193270" cy="771525"/>
+          </a:xfrm>
+          <a:prstGeom prst="rect"/>
+          <a:solidFill>
+            <a:srgbClr val="5B9BD5"/>
+          </a:solidFill>
+          <a:ln w="12700" cap="flat" cmpd="sng">
+            <a:solidFill>
+              <a:srgbClr val="FFFFFF">
+                <a:alpha val="100000"/>
+              </a:srgbClr>
+            </a:solidFill>
+            <a:prstDash val="solid"/>
+            <a:miter lim="800000"/>
+          </a:ln>
+        </p:spPr>
+        <p:txBody>
+          <a:bodyPr wrap="square" lIns="0" tIns="0" rIns="0" bIns="0" vert="horz" anchor="t">
+            <a:noAutofit/>
+          </a:bodyPr>
+          <a:lstStyle/>
+          <a:p>
+            <a:pPr marL="0" indent="0"/>
+            <a:endParaRPr lang="ko-KR" altLang="en-US" sz="1800">
+              <a:latin typeface="맑은 고딕" charset="0"/>
+              <a:ea typeface="맑은 고딕" charset="0"/>
+            </a:endParaRPr>
+          </a:p>
+        </p:txBody>
+      </p:sp>
+      <p:sp>
+        <p:nvSpPr>
+          <p:cNvPr id="4" name="Rect 0"/>
+          <p:cNvSpPr txBox="1">
+            <a:spLocks noChangeAspect="1"/>
+          </p:cNvSpPr>
+          <p:nvPr/>
+        </p:nvSpPr>
+        <p:spPr>
+          <a:xfrm rot="0">
+            <a:off x="135255" y="63500"/>
+            <a:ext cx="9632950" cy="646430"/>
+          </a:xfrm>
+          <a:prstGeom prst="rect"/>
+          <a:ln w="0">
+            <a:noFill/>
+            <a:prstDash/>
+          </a:ln>
+        </p:spPr>
+        <p:txBody>
+          <a:bodyPr wrap="square" lIns="0" tIns="0" rIns="0" bIns="0" vert="horz" anchor="t">
+            <a:noAutofit/>
+          </a:bodyPr>
+          <a:lstStyle/>
+          <a:p>
+            <a:pPr marL="0" indent="0"/>
+            <a:r>
+              <a:rPr sz="3600">
+                <a:solidFill>
+                  <a:srgbClr val="FFFFFF"/>
+                </a:solidFill>
+                <a:latin typeface="나눔스퀘어 Light" charset="0"/>
+                <a:ea typeface="나눔스퀘어 Light" charset="0"/>
+              </a:rPr>
+              <a:t>Maven web project in eclipse</a:t>
+            </a:r>
+            <a:endParaRPr lang="ko-KR" altLang="en-US" sz="3600" b="0">
+              <a:solidFill>
+                <a:schemeClr val="bg1"/>
+              </a:solidFill>
+              <a:latin typeface="나눔스퀘어" charset="0"/>
+              <a:ea typeface="나눔스퀘어" charset="0"/>
+            </a:endParaRPr>
+          </a:p>
+        </p:txBody>
+      </p:sp>
+      <p:pic>
+        <p:nvPicPr>
+          <p:cNvPr id="6" name="그림 27"/>
+          <p:cNvPicPr>
+            <a:picLocks noChangeAspect="1"/>
+          </p:cNvPicPr>
+          <p:nvPr/>
+        </p:nvPicPr>
+        <p:blipFill rotWithShape="1">
+          <a:blip r:embed="rId2" cstate="print">
+            <a:extLst>
+              <a:ext uri="{28A0092B-C50C-407E-A947-70E740481C1C}">
+                <a14:useLocalDpi xmlns:a14="http://schemas.microsoft.com/office/drawing/2010/main" val="0"/>
+              </a:ext>
+            </a:extLst>
+          </a:blip>
+          <a:stretch>
+            <a:fillRect/>
+          </a:stretch>
+        </p:blipFill>
+        <p:spPr>
+          <a:xfrm rot="0">
+            <a:off x="0" y="768350"/>
+            <a:ext cx="4782185" cy="5801360"/>
+          </a:xfrm>
+          <a:prstGeom prst="rect"/>
+          <a:noFill/>
+          <a:ln w="12700" cap="flat" cmpd="sng">
+            <a:solidFill>
+              <a:srgbClr val="FFFFFF">
+                <a:alpha val="100000"/>
+              </a:srgbClr>
+            </a:solidFill>
+            <a:prstDash val="solid"/>
+            <a:miter lim="800000"/>
+          </a:ln>
+        </p:spPr>
+      </p:pic>
+      <p:pic>
+        <p:nvPicPr>
+          <p:cNvPr id="7" name="그림 28"/>
+          <p:cNvPicPr>
+            <a:picLocks noChangeAspect="1"/>
+          </p:cNvPicPr>
+          <p:nvPr/>
+        </p:nvPicPr>
+        <p:blipFill rotWithShape="1">
+          <a:blip r:embed="rId3" cstate="print">
+            <a:extLst>
+              <a:ext uri="{28A0092B-C50C-407E-A947-70E740481C1C}">
+                <a14:useLocalDpi xmlns:a14="http://schemas.microsoft.com/office/drawing/2010/main" val="0"/>
+              </a:ext>
+            </a:extLst>
+          </a:blip>
+          <a:stretch>
+            <a:fillRect/>
+          </a:stretch>
+        </p:blipFill>
+        <p:spPr>
+          <a:xfrm rot="0">
+            <a:off x="4789170" y="768350"/>
+            <a:ext cx="7400925" cy="5792470"/>
+          </a:xfrm>
+          <a:prstGeom prst="rect"/>
+          <a:noFill/>
+          <a:ln w="12700" cap="flat" cmpd="sng">
+            <a:solidFill>
+              <a:srgbClr val="FFFFFF">
+                <a:alpha val="100000"/>
+              </a:srgbClr>
+            </a:solidFill>
+            <a:prstDash val="solid"/>
+            <a:miter lim="800000"/>
+          </a:ln>
+        </p:spPr>
+      </p:pic>
+      <p:sp>
+        <p:nvSpPr>
+          <p:cNvPr id="8" name="텍스트 상자 29"/>
+          <p:cNvSpPr txBox="1">
+            <a:spLocks/>
+          </p:cNvSpPr>
+          <p:nvPr/>
+        </p:nvSpPr>
+        <p:spPr>
+          <a:xfrm rot="0">
+            <a:off x="-3175" y="6577965"/>
+            <a:ext cx="12193270" cy="277495"/>
+          </a:xfrm>
+          <a:prstGeom prst="rect"/>
+          <a:noFill/>
+          <a:ln w="0" cap="flat" cmpd="sng">
+            <a:solidFill>
+              <a:schemeClr val="tx1">
+                <a:alpha val="100000"/>
+              </a:schemeClr>
+            </a:solidFill>
+            <a:prstDash val="solid"/>
+          </a:ln>
+        </p:spPr>
+        <p:txBody>
+          <a:bodyPr wrap="square" lIns="0" tIns="0" rIns="0" bIns="0" vert="horz" anchor="t">
+            <a:noAutofit/>
+          </a:bodyPr>
+          <a:lstStyle/>
+          <a:p>
+            <a:pPr marL="0" indent="0" algn="ctr"/>
+            <a:r>
+              <a:rPr sz="1800">
+                <a:solidFill>
+                  <a:srgbClr val="000000"/>
+                </a:solidFill>
+              </a:rPr>
+              <a:t>web application을 위한 maven </a:t>
+            </a:r>
+            <a:r>
+              <a:rPr lang="ko-KR" sz="1800">
+                <a:solidFill>
+                  <a:srgbClr val="000000"/>
+                </a:solidFill>
+              </a:rPr>
+              <a:t>archetect를 선택한다.</a:t>
+            </a:r>
+            <a:endParaRPr lang="ko-KR" altLang="en-US" sz="1800">
+              <a:latin typeface="맑은 고딕" charset="0"/>
+              <a:ea typeface="맑은 고딕" charset="0"/>
+            </a:endParaRPr>
+          </a:p>
+        </p:txBody>
+      </p:sp>
+      <p:pic>
+        <p:nvPicPr>
+          <p:cNvPr id="10" name="그림 58"/>
+          <p:cNvPicPr>
+            <a:picLocks noChangeAspect="1"/>
+          </p:cNvPicPr>
+          <p:nvPr/>
+        </p:nvPicPr>
+        <p:blipFill rotWithShape="1">
+          <a:blip r:embed="rId4" cstate="print">
+            <a:extLst>
+              <a:ext uri="{28A0092B-C50C-407E-A947-70E740481C1C}">
+                <a14:useLocalDpi xmlns:a14="http://schemas.microsoft.com/office/drawing/2010/main" val="0"/>
+              </a:ext>
+            </a:extLst>
+          </a:blip>
+          <a:stretch>
+            <a:fillRect/>
+          </a:stretch>
+        </p:blipFill>
+        <p:spPr>
+          <a:xfrm rot="0">
+            <a:off x="4789170" y="768350"/>
+            <a:ext cx="7400925" cy="5792470"/>
+          </a:xfrm>
+          <a:prstGeom prst="rect"/>
+          <a:noFill/>
+          <a:ln w="12700" cap="flat" cmpd="sng">
+            <a:solidFill>
+              <a:srgbClr val="FFFFFF">
+                <a:alpha val="100000"/>
+              </a:srgbClr>
+            </a:solidFill>
+            <a:prstDash val="solid"/>
+            <a:miter lim="800000"/>
+          </a:ln>
+        </p:spPr>
+      </p:pic>
+      <p:sp>
+        <p:nvSpPr>
+          <p:cNvPr id="11" name="텍스트 상자 59"/>
+          <p:cNvSpPr txBox="1">
+            <a:spLocks/>
+          </p:cNvSpPr>
+          <p:nvPr/>
+        </p:nvSpPr>
+        <p:spPr>
+          <a:xfrm rot="0">
+            <a:off x="5715" y="6577965"/>
+            <a:ext cx="12193270" cy="277495"/>
+          </a:xfrm>
+          <a:prstGeom prst="rect"/>
+          <a:noFill/>
+          <a:ln w="0" cap="flat" cmpd="sng">
+            <a:solidFill>
+              <a:schemeClr val="tx1">
+                <a:alpha val="100000"/>
+              </a:schemeClr>
+            </a:solidFill>
+            <a:prstDash val="solid"/>
+          </a:ln>
+        </p:spPr>
+        <p:txBody>
+          <a:bodyPr wrap="square" lIns="0" tIns="0" rIns="0" bIns="0" vert="horz" anchor="t">
+            <a:noAutofit/>
+          </a:bodyPr>
+          <a:lstStyle/>
+          <a:p>
+            <a:pPr marL="0" indent="0" algn="ctr"/>
+            <a:r>
+              <a:rPr sz="1800">
+                <a:solidFill>
+                  <a:srgbClr val="000000"/>
+                </a:solidFill>
+              </a:rPr>
+              <a:t>web application을 위한 maven </a:t>
+            </a:r>
+            <a:r>
+              <a:rPr lang="ko-KR" sz="1800">
+                <a:solidFill>
+                  <a:srgbClr val="000000"/>
+                </a:solidFill>
+              </a:rPr>
+              <a:t>archetect를 선택한다.</a:t>
+            </a:r>
+            <a:endParaRPr lang="ko-KR" altLang="en-US" sz="1800">
+              <a:latin typeface="맑은 고딕" charset="0"/>
+              <a:ea typeface="맑은 고딕" charset="0"/>
+            </a:endParaRPr>
+          </a:p>
+        </p:txBody>
+      </p:sp>
+    </p:spTree>
+  </p:cSld>
+  <p:clrMapOvr>
+    <a:masterClrMapping/>
+  </p:clrMapOvr>
+  <mc:AlternateContent xmlns:mc="http://schemas.openxmlformats.org/markup-compatibility/2006">
+    <mc:Choice xmlns:p14="http://schemas.microsoft.com/office/powerpoint/2010/main" Requires="p14">
+      <p:transition spd="slow" p14:dur="2000"/>
+    </mc:Choice>
+    <mc:Fallback>
+      <p:transition spd="slow"/>
+    </mc:Fallback>
+  </mc:AlternateContent>
+  <p:timing>
+    <p:tnLst>
+      <p:par>
+        <p:cTn id="1" dur="indefinite" restart="never" nodeType="tmRoot"/>
+      </p:par>
+    </p:tnLst>
+  </p:timing>
+</p:sld>
+</file>
+
+<file path=ppt/slides/slide9.xml><?xml version="1.0" encoding="utf-8"?>
+<p:sld xmlns:r="http://schemas.openxmlformats.org/officeDocument/2006/relationships" xmlns:c="http://schemas.openxmlformats.org/drawingml/2006/chart" xmlns:a="http://schemas.openxmlformats.org/drawingml/2006/main" xmlns:dgm="http://schemas.openxmlformats.org/drawingml/2006/diagram" xmlns:dsp="http://schemas.microsoft.com/office/drawing/2008/diagram" xmlns:p="http://schemas.openxmlformats.org/presentationml/2006/main" xmlns:p14="http://schemas.microsoft.com/office/powerpoint/2010/main">
+  <p:cSld>
+    <p:spTree>
+      <p:nvGrpSpPr>
+        <p:cNvPr id="1" name=""/>
+        <p:cNvGrpSpPr/>
+        <p:nvPr/>
+      </p:nvGrpSpPr>
+      <p:grpSpPr>
+        <a:xfrm>
+          <a:off x="0" y="0"/>
+          <a:ext cx="0" cy="0"/>
+          <a:chOff x="0" y="0"/>
+          <a:chExt cx="0" cy="0"/>
+        </a:xfrm>
+      </p:grpSpPr>
+      <p:sp>
+        <p:nvSpPr>
+          <p:cNvPr id="3" name="Rect 0"/>
+          <p:cNvSpPr txBox="1">
+            <a:spLocks noChangeAspect="1"/>
+          </p:cNvSpPr>
+          <p:nvPr/>
+        </p:nvSpPr>
+        <p:spPr>
           <a:xfrm>
             <a:off x="0" y="0"/>
             <a:ext cx="12193270" cy="771525"/>
@@ -11241,7 +13271,7 @@
       </p:sp>
       <p:pic>
         <p:nvPicPr>
-          <p:cNvPr id="6" name="그림 31" descr="C:/Users/ghjk0/AppData/Roaming/PolarisOffice/ETemp/2448_11919064/fImage393332175724.png"/>
+          <p:cNvPr id="6" name="그림 31"/>
           <p:cNvPicPr>
             <a:picLocks noChangeAspect="1"/>
           </p:cNvPicPr>
@@ -11356,7 +13386,7 @@
       </p:sp>
       <p:pic>
         <p:nvPicPr>
-          <p:cNvPr id="8" name="그림 36" descr="C:/Users/ghjk0/AppData/Roaming/PolarisOffice/ETemp/2448_11919064/fImage1041142241478.png"/>
+          <p:cNvPr id="8" name="그림 36"/>
           <p:cNvPicPr>
             <a:picLocks noChangeAspect="1"/>
           </p:cNvPicPr>
@@ -11395,688 +13425,10 @@
   </p:clrMapOvr>
   <mc:AlternateContent xmlns:mc="http://schemas.openxmlformats.org/markup-compatibility/2006">
     <mc:Choice xmlns:p14="http://schemas.microsoft.com/office/powerpoint/2010/main" Requires="p14">
-      <p:transition xmlns:mc="http://schemas.openxmlformats.org/markup-compatibility/2006" xmlns:p14="http://schemas.microsoft.com/office/powerpoint/2010/main" spd="med" mc:Ignorable="p14" p14:dur="2000"/>
+      <p:transition spd="slow" p14:dur="2000"/>
     </mc:Choice>
     <mc:Fallback>
-      <p:transition/>
-    </mc:Fallback>
-  </mc:AlternateContent>
-  <p:timing>
-    <p:tnLst>
-      <p:par>
-        <p:cTn id="1" dur="indefinite" restart="never" nodeType="tmRoot"/>
-      </p:par>
-    </p:tnLst>
-  </p:timing>
-</p:sld>
-</file>
-
-<file path=ppt/slides/slide8.xml><?xml version="1.0" encoding="utf-8"?>
-<p:sld xmlns:r="http://schemas.openxmlformats.org/officeDocument/2006/relationships" xmlns:c="http://schemas.openxmlformats.org/drawingml/2006/chart" xmlns:a="http://schemas.openxmlformats.org/drawingml/2006/main" xmlns:dgm="http://schemas.openxmlformats.org/drawingml/2006/diagram" xmlns:dsp="http://schemas.microsoft.com/office/drawing/2008/diagram" xmlns:p="http://schemas.openxmlformats.org/presentationml/2006/main">
-  <p:cSld>
-    <p:spTree>
-      <p:nvGrpSpPr>
-        <p:cNvPr id="1" name=""/>
-        <p:cNvGrpSpPr/>
-        <p:nvPr/>
-      </p:nvGrpSpPr>
-      <p:grpSpPr>
-        <a:xfrm>
-          <a:off x="0" y="0"/>
-          <a:ext cx="0" cy="0"/>
-          <a:chOff x="0" y="0"/>
-          <a:chExt cx="0" cy="0"/>
-        </a:xfrm>
-      </p:grpSpPr>
-      <p:sp>
-        <p:nvSpPr>
-          <p:cNvPr id="3" name="Rect 0"/>
-          <p:cNvSpPr txBox="1">
-            <a:spLocks noChangeAspect="1"/>
-          </p:cNvSpPr>
-          <p:nvPr/>
-        </p:nvSpPr>
-        <p:spPr>
-          <a:xfrm>
-            <a:off x="0" y="0"/>
-            <a:ext cx="12193270" cy="771525"/>
-          </a:xfrm>
-          <a:prstGeom prst="rect">
-            <a:avLst/>
-          </a:prstGeom>
-          <a:solidFill>
-            <a:srgbClr val="5b9bd5"/>
-          </a:solidFill>
-          <a:ln w="12700" cap="flat" cmpd="sng">
-            <a:solidFill>
-              <a:srgbClr val="ffffff">
-                <a:alpha val="100000"/>
-              </a:srgbClr>
-            </a:solidFill>
-            <a:prstDash val="solid"/>
-            <a:miter/>
-          </a:ln>
-        </p:spPr>
-        <p:txBody>
-          <a:bodyPr vert="horz" wrap="square" lIns="0" tIns="0" rIns="0" bIns="0" anchor="t">
-            <a:noAutofit/>
-          </a:bodyPr>
-          <a:lstStyle/>
-          <a:p>
-            <a:pPr marL="0" indent="0">
-              <a:defRPr/>
-            </a:pPr>
-            <a:endParaRPr lang="ko-KR" altLang="en-US" sz="1800">
-              <a:latin typeface="맑은 고딕"/>
-              <a:ea typeface="맑은 고딕"/>
-            </a:endParaRPr>
-          </a:p>
-        </p:txBody>
-      </p:sp>
-      <p:sp>
-        <p:nvSpPr>
-          <p:cNvPr id="4" name="Rect 0"/>
-          <p:cNvSpPr txBox="1">
-            <a:spLocks noChangeAspect="1"/>
-          </p:cNvSpPr>
-          <p:nvPr/>
-        </p:nvSpPr>
-        <p:spPr>
-          <a:xfrm>
-            <a:off x="135255" y="63500"/>
-            <a:ext cx="9632950" cy="646430"/>
-          </a:xfrm>
-          <a:prstGeom prst="rect">
-            <a:avLst/>
-          </a:prstGeom>
-          <a:ln w="0">
-            <a:noFill/>
-          </a:ln>
-        </p:spPr>
-        <p:txBody>
-          <a:bodyPr vert="horz" wrap="square" lIns="0" tIns="0" rIns="0" bIns="0" anchor="t">
-            <a:noAutofit/>
-          </a:bodyPr>
-          <a:lstStyle/>
-          <a:p>
-            <a:pPr marL="0" indent="0">
-              <a:defRPr/>
-            </a:pPr>
-            <a:r>
-              <a:rPr lang="ko-KR" sz="3600">
-                <a:solidFill>
-                  <a:srgbClr val="ffffff"/>
-                </a:solidFill>
-                <a:latin typeface="나눔스퀘어 Light"/>
-                <a:ea typeface="나눔스퀘어 Light"/>
-              </a:rPr>
-              <a:t>Code</a:t>
-            </a:r>
-            <a:endParaRPr lang="ko-KR" altLang="en-US" sz="3600" b="0">
-              <a:solidFill>
-                <a:schemeClr val="bg1"/>
-              </a:solidFill>
-              <a:latin typeface="나눔스퀘어"/>
-              <a:ea typeface="나눔스퀘어"/>
-            </a:endParaRPr>
-          </a:p>
-        </p:txBody>
-      </p:sp>
-      <p:pic>
-        <p:nvPicPr>
-          <p:cNvPr id="7" name="그림 35" descr="C:/Users/ghjk0/AppData/Roaming/PolarisOffice/ETemp/2448_11919064/fImage542212239358.png"/>
-          <p:cNvPicPr>
-            <a:picLocks noChangeAspect="1"/>
-          </p:cNvPicPr>
-          <p:nvPr/>
-        </p:nvPicPr>
-        <p:blipFill rotWithShape="1">
-          <a:blip r:embed="rId3"/>
-          <a:stretch>
-            <a:fillRect/>
-          </a:stretch>
-        </p:blipFill>
-        <p:spPr>
-          <a:xfrm>
-            <a:off x="0" y="768350"/>
-            <a:ext cx="6614160" cy="4874107"/>
-          </a:xfrm>
-          <a:prstGeom prst="rect">
-            <a:avLst/>
-          </a:prstGeom>
-          <a:noFill/>
-          <a:ln w="12700" cap="flat" cmpd="sng">
-            <a:solidFill>
-              <a:srgbClr val="ffffff">
-                <a:alpha val="100000"/>
-              </a:srgbClr>
-            </a:solidFill>
-            <a:prstDash val="solid"/>
-            <a:miter/>
-          </a:ln>
-        </p:spPr>
-      </p:pic>
-      <p:pic>
-        <p:nvPicPr>
-          <p:cNvPr id="9" name="그림 38" descr="C:/Users/ghjk0/AppData/Roaming/PolarisOffice/ETemp/2448_11919064/fImage378902276962.png"/>
-          <p:cNvPicPr>
-            <a:picLocks noChangeAspect="1"/>
-          </p:cNvPicPr>
-          <p:nvPr/>
-        </p:nvPicPr>
-        <p:blipFill rotWithShape="1">
-          <a:blip r:embed="rId4"/>
-          <a:stretch>
-            <a:fillRect/>
-          </a:stretch>
-        </p:blipFill>
-        <p:spPr>
-          <a:xfrm>
-            <a:off x="6775506" y="771525"/>
-            <a:ext cx="5416493" cy="3246755"/>
-          </a:xfrm>
-          <a:prstGeom prst="rect">
-            <a:avLst/>
-          </a:prstGeom>
-          <a:noFill/>
-          <a:ln w="12700" cap="flat" cmpd="sng">
-            <a:solidFill>
-              <a:srgbClr val="ffffff">
-                <a:alpha val="100000"/>
-              </a:srgbClr>
-            </a:solidFill>
-            <a:prstDash val="solid"/>
-            <a:miter/>
-          </a:ln>
-        </p:spPr>
-      </p:pic>
-      <p:sp>
-        <p:nvSpPr>
-          <p:cNvPr id="10" name="텍스트 상자 39"/>
-          <p:cNvSpPr txBox="1"/>
-          <p:nvPr/>
-        </p:nvSpPr>
-        <p:spPr>
-          <a:xfrm>
-            <a:off x="0" y="5642457"/>
-            <a:ext cx="6614160" cy="553720"/>
-          </a:xfrm>
-          <a:prstGeom prst="rect">
-            <a:avLst/>
-          </a:prstGeom>
-          <a:noFill/>
-          <a:ln w="0" cap="flat" cmpd="sng">
-            <a:solidFill>
-              <a:schemeClr val="tx1">
-                <a:alpha val="100000"/>
-              </a:schemeClr>
-            </a:solidFill>
-            <a:prstDash val="solid"/>
-          </a:ln>
-        </p:spPr>
-        <p:txBody>
-          <a:bodyPr vert="horz" wrap="square" lIns="0" tIns="0" rIns="0" bIns="0" anchor="t">
-            <a:noAutofit/>
-          </a:bodyPr>
-          <a:lstStyle/>
-          <a:p>
-            <a:pPr marL="0" indent="0" algn="ctr">
-              <a:defRPr/>
-            </a:pPr>
-            <a:r>
-              <a:rPr lang="en-US" altLang="ko-KR" sz="1800">
-                <a:solidFill>
-                  <a:srgbClr val="000000"/>
-                </a:solidFill>
-              </a:rPr>
-              <a:t>w</a:t>
-            </a:r>
-            <a:r>
-              <a:rPr lang="ko-KR" sz="1800">
-                <a:solidFill>
-                  <a:srgbClr val="000000"/>
-                </a:solidFill>
-              </a:rPr>
-              <a:t>eb.xml를 대신해서 사용하는 WebInitializer.java</a:t>
-            </a:r>
-            <a:endParaRPr lang="ko-KR" sz="1800">
-              <a:solidFill>
-                <a:srgbClr val="000000"/>
-              </a:solidFill>
-            </a:endParaRPr>
-          </a:p>
-          <a:p>
-            <a:pPr marL="0" indent="0" algn="ctr">
-              <a:defRPr/>
-            </a:pPr>
-            <a:r>
-              <a:rPr lang="en-US" altLang="ko-KR" sz="1800">
-                <a:solidFill>
-                  <a:srgbClr val="000000"/>
-                </a:solidFill>
-              </a:rPr>
-              <a:t>web.xml</a:t>
-            </a:r>
-            <a:r>
-              <a:rPr lang="ko-KR" altLang="en-US" sz="1800">
-                <a:solidFill>
-                  <a:srgbClr val="000000"/>
-                </a:solidFill>
-              </a:rPr>
-              <a:t> 파일은 삭제한다</a:t>
-            </a:r>
-            <a:r>
-              <a:rPr lang="en-US" altLang="ko-KR" sz="1800">
-                <a:solidFill>
-                  <a:srgbClr val="000000"/>
-                </a:solidFill>
-              </a:rPr>
-              <a:t>.</a:t>
-            </a:r>
-            <a:endParaRPr lang="en-US" altLang="ko-KR" sz="1800">
-              <a:solidFill>
-                <a:srgbClr val="000000"/>
-              </a:solidFill>
-            </a:endParaRPr>
-          </a:p>
-        </p:txBody>
-      </p:sp>
-      <p:sp>
-        <p:nvSpPr>
-          <p:cNvPr id="12" name="텍스트 상자 43"/>
-          <p:cNvSpPr txBox="1"/>
-          <p:nvPr/>
-        </p:nvSpPr>
-        <p:spPr>
-          <a:xfrm>
-            <a:off x="6775505" y="4018280"/>
-            <a:ext cx="5416495" cy="277495"/>
-          </a:xfrm>
-          <a:prstGeom prst="rect">
-            <a:avLst/>
-          </a:prstGeom>
-          <a:noFill/>
-          <a:ln w="0" cap="flat" cmpd="sng">
-            <a:solidFill>
-              <a:schemeClr val="tx1">
-                <a:alpha val="100000"/>
-              </a:schemeClr>
-            </a:solidFill>
-            <a:prstDash val="solid"/>
-          </a:ln>
-        </p:spPr>
-        <p:txBody>
-          <a:bodyPr vert="horz" wrap="square" lIns="0" tIns="0" rIns="0" bIns="0" anchor="t">
-            <a:noAutofit/>
-          </a:bodyPr>
-          <a:lstStyle/>
-          <a:p>
-            <a:pPr marL="0" indent="0" algn="ctr">
-              <a:defRPr/>
-            </a:pPr>
-            <a:r>
-              <a:rPr lang="ko-KR" altLang="en-US" sz="1800">
-                <a:solidFill>
-                  <a:srgbClr val="000000"/>
-                </a:solidFill>
-              </a:rPr>
-              <a:t>스프링 </a:t>
-            </a:r>
-            <a:r>
-              <a:rPr lang="en-US" altLang="ko-KR" sz="1800">
-                <a:solidFill>
-                  <a:srgbClr val="000000"/>
-                </a:solidFill>
-              </a:rPr>
-              <a:t>WebMVC</a:t>
-            </a:r>
-            <a:r>
-              <a:rPr lang="ko-KR" altLang="en-US" sz="1800">
-                <a:solidFill>
-                  <a:srgbClr val="000000"/>
-                </a:solidFill>
-              </a:rPr>
-              <a:t> 설정</a:t>
-            </a:r>
-            <a:r>
-              <a:rPr lang="en-US" altLang="ko-KR" sz="1800">
-                <a:solidFill>
-                  <a:srgbClr val="000000"/>
-                </a:solidFill>
-              </a:rPr>
-              <a:t>,</a:t>
-            </a:r>
-            <a:r>
-              <a:rPr lang="ko-KR" altLang="en-US" sz="1800">
-                <a:solidFill>
-                  <a:srgbClr val="000000"/>
-                </a:solidFill>
-              </a:rPr>
-              <a:t> </a:t>
-            </a:r>
-            <a:r>
-              <a:rPr lang="ko-KR" sz="1800">
-                <a:solidFill>
-                  <a:srgbClr val="000000"/>
-                </a:solidFill>
-              </a:rPr>
-              <a:t>Controller 등록</a:t>
-            </a:r>
-            <a:endParaRPr lang="ko-KR" sz="1800">
-              <a:solidFill>
-                <a:srgbClr val="000000"/>
-              </a:solidFill>
-            </a:endParaRPr>
-          </a:p>
-        </p:txBody>
-      </p:sp>
-    </p:spTree>
-  </p:cSld>
-  <p:clrMapOvr>
-    <a:masterClrMapping/>
-  </p:clrMapOvr>
-  <mc:AlternateContent xmlns:mc="http://schemas.openxmlformats.org/markup-compatibility/2006">
-    <mc:Choice xmlns:p14="http://schemas.microsoft.com/office/powerpoint/2010/main" Requires="p14">
-      <p:transition xmlns:mc="http://schemas.openxmlformats.org/markup-compatibility/2006" xmlns:p14="http://schemas.microsoft.com/office/powerpoint/2010/main" spd="med" mc:Ignorable="p14" p14:dur="2000"/>
-    </mc:Choice>
-    <mc:Fallback>
-      <p:transition/>
-    </mc:Fallback>
-  </mc:AlternateContent>
-  <p:timing>
-    <p:tnLst>
-      <p:par>
-        <p:cTn id="1" dur="indefinite" restart="never" nodeType="tmRoot"/>
-      </p:par>
-    </p:tnLst>
-  </p:timing>
-</p:sld>
-</file>
-
-<file path=ppt/slides/slide9.xml><?xml version="1.0" encoding="utf-8"?>
-<p:sld xmlns:r="http://schemas.openxmlformats.org/officeDocument/2006/relationships" xmlns:c="http://schemas.openxmlformats.org/drawingml/2006/chart" xmlns:a="http://schemas.openxmlformats.org/drawingml/2006/main" xmlns:dgm="http://schemas.openxmlformats.org/drawingml/2006/diagram" xmlns:dsp="http://schemas.microsoft.com/office/drawing/2008/diagram" xmlns:p="http://schemas.openxmlformats.org/presentationml/2006/main">
-  <p:cSld>
-    <p:spTree>
-      <p:nvGrpSpPr>
-        <p:cNvPr id="1" name=""/>
-        <p:cNvGrpSpPr/>
-        <p:nvPr/>
-      </p:nvGrpSpPr>
-      <p:grpSpPr>
-        <a:xfrm>
-          <a:off x="0" y="0"/>
-          <a:ext cx="0" cy="0"/>
-          <a:chOff x="0" y="0"/>
-          <a:chExt cx="0" cy="0"/>
-        </a:xfrm>
-      </p:grpSpPr>
-      <p:sp>
-        <p:nvSpPr>
-          <p:cNvPr id="3" name="Rect 0"/>
-          <p:cNvSpPr txBox="1">
-            <a:spLocks noChangeAspect="1"/>
-          </p:cNvSpPr>
-          <p:nvPr/>
-        </p:nvSpPr>
-        <p:spPr>
-          <a:xfrm>
-            <a:off x="0" y="0"/>
-            <a:ext cx="12193270" cy="771525"/>
-          </a:xfrm>
-          <a:prstGeom prst="rect">
-            <a:avLst/>
-          </a:prstGeom>
-          <a:solidFill>
-            <a:srgbClr val="5b9bd5"/>
-          </a:solidFill>
-          <a:ln w="12700" cap="flat" cmpd="sng">
-            <a:solidFill>
-              <a:srgbClr val="ffffff">
-                <a:alpha val="100000"/>
-              </a:srgbClr>
-            </a:solidFill>
-            <a:prstDash val="solid"/>
-            <a:miter/>
-          </a:ln>
-        </p:spPr>
-        <p:txBody>
-          <a:bodyPr vert="horz" wrap="square" lIns="0" tIns="0" rIns="0" bIns="0" anchor="t">
-            <a:noAutofit/>
-          </a:bodyPr>
-          <a:lstStyle/>
-          <a:p>
-            <a:pPr marL="0" indent="0">
-              <a:defRPr/>
-            </a:pPr>
-            <a:endParaRPr lang="ko-KR" altLang="en-US" sz="1800">
-              <a:latin typeface="맑은 고딕"/>
-              <a:ea typeface="맑은 고딕"/>
-            </a:endParaRPr>
-          </a:p>
-        </p:txBody>
-      </p:sp>
-      <p:sp>
-        <p:nvSpPr>
-          <p:cNvPr id="4" name="Rect 0"/>
-          <p:cNvSpPr txBox="1">
-            <a:spLocks noChangeAspect="1"/>
-          </p:cNvSpPr>
-          <p:nvPr/>
-        </p:nvSpPr>
-        <p:spPr>
-          <a:xfrm>
-            <a:off x="135255" y="63500"/>
-            <a:ext cx="9632950" cy="646430"/>
-          </a:xfrm>
-          <a:prstGeom prst="rect">
-            <a:avLst/>
-          </a:prstGeom>
-          <a:ln w="0">
-            <a:noFill/>
-          </a:ln>
-        </p:spPr>
-        <p:txBody>
-          <a:bodyPr vert="horz" wrap="square" lIns="0" tIns="0" rIns="0" bIns="0" anchor="t">
-            <a:noAutofit/>
-          </a:bodyPr>
-          <a:lstStyle/>
-          <a:p>
-            <a:pPr marL="0" indent="0">
-              <a:defRPr/>
-            </a:pPr>
-            <a:r>
-              <a:rPr lang="ko-KR" sz="3600">
-                <a:solidFill>
-                  <a:srgbClr val="ffffff"/>
-                </a:solidFill>
-                <a:latin typeface="나눔스퀘어 Light"/>
-                <a:ea typeface="나눔스퀘어 Light"/>
-              </a:rPr>
-              <a:t>Code</a:t>
-            </a:r>
-            <a:endParaRPr lang="ko-KR" sz="3600">
-              <a:solidFill>
-                <a:srgbClr val="ffffff"/>
-              </a:solidFill>
-              <a:latin typeface="나눔스퀘어 Light"/>
-              <a:ea typeface="나눔스퀘어 Light"/>
-            </a:endParaRPr>
-          </a:p>
-        </p:txBody>
-      </p:sp>
-      <p:sp>
-        <p:nvSpPr>
-          <p:cNvPr id="12" name="텍스트 상자 44"/>
-          <p:cNvSpPr txBox="1"/>
-          <p:nvPr/>
-        </p:nvSpPr>
-        <p:spPr>
-          <a:xfrm>
-            <a:off x="-3175" y="6577330"/>
-            <a:ext cx="4954905" cy="277495"/>
-          </a:xfrm>
-          <a:prstGeom prst="rect">
-            <a:avLst/>
-          </a:prstGeom>
-          <a:noFill/>
-          <a:ln w="0" cap="flat" cmpd="sng">
-            <a:solidFill>
-              <a:schemeClr val="tx1">
-                <a:alpha val="100000"/>
-              </a:schemeClr>
-            </a:solidFill>
-            <a:prstDash val="solid"/>
-          </a:ln>
-        </p:spPr>
-        <p:txBody>
-          <a:bodyPr vert="horz" wrap="square" lIns="0" tIns="0" rIns="0" bIns="0" anchor="t">
-            <a:noAutofit/>
-          </a:bodyPr>
-          <a:lstStyle/>
-          <a:p>
-            <a:pPr marL="0" indent="0" algn="ctr">
-              <a:defRPr/>
-            </a:pPr>
-            <a:r>
-              <a:rPr lang="ko-KR" altLang="en-US" sz="1800">
-                <a:solidFill>
-                  <a:srgbClr val="000000"/>
-                </a:solidFill>
-              </a:rPr>
-              <a:t>리소스로 사용할 객체</a:t>
-            </a:r>
-            <a:endParaRPr lang="ko-KR" altLang="en-US" sz="1800">
-              <a:solidFill>
-                <a:srgbClr val="000000"/>
-              </a:solidFill>
-            </a:endParaRPr>
-          </a:p>
-        </p:txBody>
-      </p:sp>
-      <p:sp>
-        <p:nvSpPr>
-          <p:cNvPr id="15" name="텍스트 상자 48"/>
-          <p:cNvSpPr txBox="1"/>
-          <p:nvPr/>
-        </p:nvSpPr>
-        <p:spPr>
-          <a:xfrm>
-            <a:off x="5469266" y="6577965"/>
-            <a:ext cx="6718289" cy="277495"/>
-          </a:xfrm>
-          <a:prstGeom prst="rect">
-            <a:avLst/>
-          </a:prstGeom>
-          <a:noFill/>
-          <a:ln w="0" cap="flat" cmpd="sng">
-            <a:solidFill>
-              <a:schemeClr val="tx1">
-                <a:alpha val="100000"/>
-              </a:schemeClr>
-            </a:solidFill>
-            <a:prstDash val="solid"/>
-          </a:ln>
-        </p:spPr>
-        <p:txBody>
-          <a:bodyPr vert="horz" wrap="square" lIns="0" tIns="0" rIns="0" bIns="0" anchor="t">
-            <a:noAutofit/>
-          </a:bodyPr>
-          <a:lstStyle/>
-          <a:p>
-            <a:pPr marL="0" indent="0" algn="ctr">
-              <a:defRPr/>
-            </a:pPr>
-            <a:r>
-              <a:rPr lang="en-US" altLang="ko-KR" sz="1800">
-                <a:solidFill>
-                  <a:srgbClr val="000000"/>
-                </a:solidFill>
-              </a:rPr>
-              <a:t>DB</a:t>
-            </a:r>
-            <a:r>
-              <a:rPr lang="ko-KR" altLang="en-US" sz="1800">
-                <a:solidFill>
-                  <a:srgbClr val="000000"/>
-                </a:solidFill>
-              </a:rPr>
-              <a:t> 없이 </a:t>
-            </a:r>
-            <a:r>
-              <a:rPr lang="ko-KR" sz="1800">
-                <a:solidFill>
-                  <a:srgbClr val="000000"/>
-                </a:solidFill>
-              </a:rPr>
-              <a:t>간단하게 만들기 위해 application 영역에 저장해서 사용</a:t>
-            </a:r>
-            <a:endParaRPr lang="ko-KR" sz="1800">
-              <a:solidFill>
-                <a:srgbClr val="000000"/>
-              </a:solidFill>
-            </a:endParaRPr>
-          </a:p>
-        </p:txBody>
-      </p:sp>
-      <p:pic>
-        <p:nvPicPr>
-          <p:cNvPr id="18" name=""/>
-          <p:cNvPicPr>
-            <a:picLocks noChangeAspect="1"/>
-          </p:cNvPicPr>
-          <p:nvPr/>
-        </p:nvPicPr>
-        <p:blipFill rotWithShape="1">
-          <a:blip r:embed="rId3"/>
-          <a:stretch>
-            <a:fillRect/>
-          </a:stretch>
-        </p:blipFill>
-        <p:spPr>
-          <a:xfrm>
-            <a:off x="0" y="771525"/>
-            <a:ext cx="4951730" cy="5805804"/>
-          </a:xfrm>
-          <a:prstGeom prst="rect">
-            <a:avLst/>
-          </a:prstGeom>
-        </p:spPr>
-      </p:pic>
-      <p:pic>
-        <p:nvPicPr>
-          <p:cNvPr id="19" name=""/>
-          <p:cNvPicPr>
-            <a:picLocks noChangeAspect="1"/>
-          </p:cNvPicPr>
-          <p:nvPr/>
-        </p:nvPicPr>
-        <p:blipFill rotWithShape="1">
-          <a:blip r:embed="rId4"/>
-          <a:stretch>
-            <a:fillRect/>
-          </a:stretch>
-        </p:blipFill>
-        <p:spPr>
-          <a:xfrm>
-            <a:off x="5469266" y="771525"/>
-            <a:ext cx="6722733" cy="5806440"/>
-          </a:xfrm>
-          <a:prstGeom prst="rect">
-            <a:avLst/>
-          </a:prstGeom>
-        </p:spPr>
-      </p:pic>
-    </p:spTree>
-  </p:cSld>
-  <p:clrMapOvr>
-    <a:masterClrMapping/>
-  </p:clrMapOvr>
-  <mc:AlternateContent xmlns:mc="http://schemas.openxmlformats.org/markup-compatibility/2006">
-    <mc:Choice xmlns:p14="http://schemas.microsoft.com/office/powerpoint/2010/main" Requires="p14">
-      <p:transition xmlns:mc="http://schemas.openxmlformats.org/markup-compatibility/2006" xmlns:p14="http://schemas.microsoft.com/office/powerpoint/2010/main" spd="med" mc:Ignorable="p14" p14:dur="2000"/>
-    </mc:Choice>
-    <mc:Fallback>
-      <p:transition/>
+      <p:transition spd="slow"/>
     </mc:Fallback>
   </mc:AlternateContent>
   <p:timing>
